--- a/Presentation.pptx
+++ b/Presentation.pptx
@@ -12,10 +12,16 @@
     <p:sldId id="267" r:id="rId6"/>
     <p:sldId id="259" r:id="rId7"/>
     <p:sldId id="260" r:id="rId8"/>
-    <p:sldId id="261" r:id="rId9"/>
-    <p:sldId id="266" r:id="rId10"/>
-    <p:sldId id="262" r:id="rId11"/>
-    <p:sldId id="264" r:id="rId12"/>
+    <p:sldId id="268" r:id="rId9"/>
+    <p:sldId id="269" r:id="rId10"/>
+    <p:sldId id="261" r:id="rId11"/>
+    <p:sldId id="266" r:id="rId12"/>
+    <p:sldId id="262" r:id="rId13"/>
+    <p:sldId id="270" r:id="rId14"/>
+    <p:sldId id="271" r:id="rId15"/>
+    <p:sldId id="272" r:id="rId16"/>
+    <p:sldId id="273" r:id="rId17"/>
+    <p:sldId id="264" r:id="rId18"/>
   </p:sldIdLst>
   <p:sldSz cx="9144000" cy="6858000" type="screen4x3"/>
   <p:notesSz cx="6858000" cy="9144000"/>
@@ -114,6 +120,22 @@
       </a:defRPr>
     </a:lvl9pPr>
   </p:defaultTextStyle>
+  <p:extLst>
+    <p:ext uri="{EFAFB233-063F-42B5-8137-9DF3F51BA10A}">
+      <p15:sldGuideLst xmlns:p15="http://schemas.microsoft.com/office/powerpoint/2012/main">
+        <p15:guide id="1" orient="horz" pos="2160">
+          <p15:clr>
+            <a:srgbClr val="A4A3A4"/>
+          </p15:clr>
+        </p15:guide>
+        <p15:guide id="2" pos="2880">
+          <p15:clr>
+            <a:srgbClr val="A4A3A4"/>
+          </p15:clr>
+        </p15:guide>
+      </p15:sldGuideLst>
+    </p:ext>
+  </p:extLst>
 </p:presentation>
 </file>
 
@@ -197,9 +219,7 @@
         </p:style>
         <p:txBody>
           <a:bodyPr anchor="ctr"/>
-          <a:lstStyle>
-            <a:extLst/>
-          </a:lstStyle>
+          <a:lstStyle/>
           <a:p>
             <a:pPr algn="ctr" eaLnBrk="1" latinLnBrk="0" hangingPunct="1"/>
             <a:endParaRPr kumimoji="0" lang="en-US"/>
@@ -252,7 +272,7 @@
           </a:lstStyle>
           <a:p>
             <a:r>
-              <a:rPr kumimoji="0" lang="nl-NL" smtClean="0"/>
+              <a:rPr kumimoji="0" lang="nl-NL"/>
               <a:t>Klik om de stijl te bewerken</a:t>
             </a:r>
             <a:endParaRPr kumimoji="0" lang="en-US"/>
@@ -314,7 +334,7 @@
           </a:lstStyle>
           <a:p>
             <a:r>
-              <a:rPr kumimoji="0" lang="nl-NL" smtClean="0"/>
+              <a:rPr kumimoji="0" lang="nl-NL"/>
               <a:t>Klik om de ondertitelstijl van het model te bewerken</a:t>
             </a:r>
             <a:endParaRPr kumimoji="0" lang="en-US"/>
@@ -412,9 +432,7 @@
           </p:spPr>
           <p:txBody>
             <a:bodyPr vert="horz" wrap="square" lIns="91440" tIns="45720" rIns="91440" bIns="45720" anchor="t" compatLnSpc="1"/>
-            <a:lstStyle>
-              <a:extLst/>
-            </a:lstStyle>
+            <a:lstStyle/>
             <a:p>
               <a:endParaRPr kumimoji="0" lang="en-US"/>
             </a:p>
@@ -494,9 +512,7 @@
           </p:spPr>
           <p:txBody>
             <a:bodyPr vert="horz" wrap="square" lIns="91440" tIns="45720" rIns="91440" bIns="45720" anchor="t" compatLnSpc="1"/>
-            <a:lstStyle>
-              <a:extLst/>
-            </a:lstStyle>
+            <a:lstStyle/>
             <a:p>
               <a:endParaRPr kumimoji="0" lang="en-US"/>
             </a:p>
@@ -653,9 +669,7 @@
           </p:style>
           <p:txBody>
             <a:bodyPr vert="horz" wrap="square" lIns="91440" tIns="45720" rIns="91440" bIns="45720" anchor="ctr" compatLnSpc="1"/>
-            <a:lstStyle>
-              <a:extLst/>
-            </a:lstStyle>
+            <a:lstStyle/>
             <a:p>
               <a:pPr algn="ctr" eaLnBrk="1" latinLnBrk="0" hangingPunct="1"/>
               <a:endParaRPr kumimoji="0" lang="en-US"/>
@@ -742,7 +756,7 @@
           <a:p>
             <a:fld id="{3D636C07-7E76-46D3-B86B-6AF7C60E533E}" type="datetimeFigureOut">
               <a:rPr lang="nl-NL" smtClean="0"/>
-              <a:t>7-11-2020</a:t>
+              <a:t>07-11-2020</a:t>
             </a:fld>
             <a:endParaRPr lang="nl-NL"/>
           </a:p>
@@ -804,7 +818,7 @@
           <a:p>
             <a:fld id="{A9096D49-DAE3-40DE-93E0-41688E0A5016}" type="slidenum">
               <a:rPr lang="nl-NL" smtClean="0"/>
-              <a:t>‹nr.›</a:t>
+              <a:t>‹#›</a:t>
             </a:fld>
             <a:endParaRPr lang="nl-NL"/>
           </a:p>
@@ -848,12 +862,10 @@
         <p:spPr/>
         <p:txBody>
           <a:bodyPr/>
-          <a:lstStyle>
-            <a:extLst/>
-          </a:lstStyle>
-          <a:p>
-            <a:r>
-              <a:rPr kumimoji="0" lang="nl-NL" smtClean="0"/>
+          <a:lstStyle/>
+          <a:p>
+            <a:r>
+              <a:rPr kumimoji="0" lang="nl-NL"/>
               <a:t>Klik om de stijl te bewerken</a:t>
             </a:r>
             <a:endParaRPr kumimoji="0" lang="en-US"/>
@@ -878,41 +890,39 @@
         </p:spPr>
         <p:txBody>
           <a:bodyPr vert="eaVert"/>
-          <a:lstStyle>
-            <a:extLst/>
-          </a:lstStyle>
+          <a:lstStyle/>
           <a:p>
             <a:pPr lvl="0" eaLnBrk="1" latinLnBrk="0" hangingPunct="1"/>
             <a:r>
-              <a:rPr lang="nl-NL" smtClean="0"/>
+              <a:rPr lang="nl-NL"/>
               <a:t>Klik om de modelstijlen te bewerken</a:t>
             </a:r>
           </a:p>
           <a:p>
             <a:pPr lvl="1" eaLnBrk="1" latinLnBrk="0" hangingPunct="1"/>
             <a:r>
-              <a:rPr lang="nl-NL" smtClean="0"/>
+              <a:rPr lang="nl-NL"/>
               <a:t>Tweede niveau</a:t>
             </a:r>
           </a:p>
           <a:p>
             <a:pPr lvl="2" eaLnBrk="1" latinLnBrk="0" hangingPunct="1"/>
             <a:r>
-              <a:rPr lang="nl-NL" smtClean="0"/>
+              <a:rPr lang="nl-NL"/>
               <a:t>Derde niveau</a:t>
             </a:r>
           </a:p>
           <a:p>
             <a:pPr lvl="3" eaLnBrk="1" latinLnBrk="0" hangingPunct="1"/>
             <a:r>
-              <a:rPr lang="nl-NL" smtClean="0"/>
+              <a:rPr lang="nl-NL"/>
               <a:t>Vierde niveau</a:t>
             </a:r>
           </a:p>
           <a:p>
             <a:pPr lvl="4" eaLnBrk="1" latinLnBrk="0" hangingPunct="1"/>
             <a:r>
-              <a:rPr lang="nl-NL" smtClean="0"/>
+              <a:rPr lang="nl-NL"/>
               <a:t>Vijfde niveau</a:t>
             </a:r>
             <a:endParaRPr kumimoji="0" lang="en-US"/>
@@ -932,13 +942,11 @@
         <p:spPr/>
         <p:txBody>
           <a:bodyPr/>
-          <a:lstStyle>
-            <a:extLst/>
-          </a:lstStyle>
+          <a:lstStyle/>
           <a:p>
             <a:fld id="{3D636C07-7E76-46D3-B86B-6AF7C60E533E}" type="datetimeFigureOut">
               <a:rPr lang="nl-NL" smtClean="0"/>
-              <a:t>7-11-2020</a:t>
+              <a:t>07-11-2020</a:t>
             </a:fld>
             <a:endParaRPr lang="nl-NL"/>
           </a:p>
@@ -957,9 +965,7 @@
         <p:spPr/>
         <p:txBody>
           <a:bodyPr/>
-          <a:lstStyle>
-            <a:extLst/>
-          </a:lstStyle>
+          <a:lstStyle/>
           <a:p>
             <a:endParaRPr lang="nl-NL"/>
           </a:p>
@@ -978,13 +984,11 @@
         <p:spPr/>
         <p:txBody>
           <a:bodyPr/>
-          <a:lstStyle>
-            <a:extLst/>
-          </a:lstStyle>
+          <a:lstStyle/>
           <a:p>
             <a:fld id="{A9096D49-DAE3-40DE-93E0-41688E0A5016}" type="slidenum">
               <a:rPr lang="nl-NL" smtClean="0"/>
-              <a:t>‹nr.›</a:t>
+              <a:t>‹#›</a:t>
             </a:fld>
             <a:endParaRPr lang="nl-NL"/>
           </a:p>
@@ -1033,12 +1037,10 @@
         </p:spPr>
         <p:txBody>
           <a:bodyPr vert="eaVert"/>
-          <a:lstStyle>
-            <a:extLst/>
-          </a:lstStyle>
-          <a:p>
-            <a:r>
-              <a:rPr kumimoji="0" lang="nl-NL" smtClean="0"/>
+          <a:lstStyle/>
+          <a:p>
+            <a:r>
+              <a:rPr kumimoji="0" lang="nl-NL"/>
               <a:t>Klik om de stijl te bewerken</a:t>
             </a:r>
             <a:endParaRPr kumimoji="0" lang="en-US"/>
@@ -1063,41 +1065,39 @@
         </p:spPr>
         <p:txBody>
           <a:bodyPr vert="eaVert"/>
-          <a:lstStyle>
-            <a:extLst/>
-          </a:lstStyle>
+          <a:lstStyle/>
           <a:p>
             <a:pPr lvl="0" eaLnBrk="1" latinLnBrk="0" hangingPunct="1"/>
             <a:r>
-              <a:rPr lang="nl-NL" smtClean="0"/>
+              <a:rPr lang="nl-NL"/>
               <a:t>Klik om de modelstijlen te bewerken</a:t>
             </a:r>
           </a:p>
           <a:p>
             <a:pPr lvl="1" eaLnBrk="1" latinLnBrk="0" hangingPunct="1"/>
             <a:r>
-              <a:rPr lang="nl-NL" smtClean="0"/>
+              <a:rPr lang="nl-NL"/>
               <a:t>Tweede niveau</a:t>
             </a:r>
           </a:p>
           <a:p>
             <a:pPr lvl="2" eaLnBrk="1" latinLnBrk="0" hangingPunct="1"/>
             <a:r>
-              <a:rPr lang="nl-NL" smtClean="0"/>
+              <a:rPr lang="nl-NL"/>
               <a:t>Derde niveau</a:t>
             </a:r>
           </a:p>
           <a:p>
             <a:pPr lvl="3" eaLnBrk="1" latinLnBrk="0" hangingPunct="1"/>
             <a:r>
-              <a:rPr lang="nl-NL" smtClean="0"/>
+              <a:rPr lang="nl-NL"/>
               <a:t>Vierde niveau</a:t>
             </a:r>
           </a:p>
           <a:p>
             <a:pPr lvl="4" eaLnBrk="1" latinLnBrk="0" hangingPunct="1"/>
             <a:r>
-              <a:rPr lang="nl-NL" smtClean="0"/>
+              <a:rPr lang="nl-NL"/>
               <a:t>Vijfde niveau</a:t>
             </a:r>
             <a:endParaRPr kumimoji="0" lang="en-US"/>
@@ -1117,13 +1117,11 @@
         <p:spPr/>
         <p:txBody>
           <a:bodyPr/>
-          <a:lstStyle>
-            <a:extLst/>
-          </a:lstStyle>
+          <a:lstStyle/>
           <a:p>
             <a:fld id="{3D636C07-7E76-46D3-B86B-6AF7C60E533E}" type="datetimeFigureOut">
               <a:rPr lang="nl-NL" smtClean="0"/>
-              <a:t>7-11-2020</a:t>
+              <a:t>07-11-2020</a:t>
             </a:fld>
             <a:endParaRPr lang="nl-NL"/>
           </a:p>
@@ -1142,9 +1140,7 @@
         <p:spPr/>
         <p:txBody>
           <a:bodyPr/>
-          <a:lstStyle>
-            <a:extLst/>
-          </a:lstStyle>
+          <a:lstStyle/>
           <a:p>
             <a:endParaRPr lang="nl-NL"/>
           </a:p>
@@ -1163,13 +1159,11 @@
         <p:spPr/>
         <p:txBody>
           <a:bodyPr/>
-          <a:lstStyle>
-            <a:extLst/>
-          </a:lstStyle>
+          <a:lstStyle/>
           <a:p>
             <a:fld id="{A9096D49-DAE3-40DE-93E0-41688E0A5016}" type="slidenum">
               <a:rPr lang="nl-NL" smtClean="0"/>
-              <a:t>‹nr.›</a:t>
+              <a:t>‹#›</a:t>
             </a:fld>
             <a:endParaRPr lang="nl-NL"/>
           </a:p>
@@ -1213,41 +1207,39 @@
         <p:spPr/>
         <p:txBody>
           <a:bodyPr/>
-          <a:lstStyle>
-            <a:extLst/>
-          </a:lstStyle>
+          <a:lstStyle/>
           <a:p>
             <a:pPr lvl="0" eaLnBrk="1" latinLnBrk="0" hangingPunct="1"/>
             <a:r>
-              <a:rPr lang="nl-NL" smtClean="0"/>
+              <a:rPr lang="nl-NL"/>
               <a:t>Klik om de modelstijlen te bewerken</a:t>
             </a:r>
           </a:p>
           <a:p>
             <a:pPr lvl="1" eaLnBrk="1" latinLnBrk="0" hangingPunct="1"/>
             <a:r>
-              <a:rPr lang="nl-NL" smtClean="0"/>
+              <a:rPr lang="nl-NL"/>
               <a:t>Tweede niveau</a:t>
             </a:r>
           </a:p>
           <a:p>
             <a:pPr lvl="2" eaLnBrk="1" latinLnBrk="0" hangingPunct="1"/>
             <a:r>
-              <a:rPr lang="nl-NL" smtClean="0"/>
+              <a:rPr lang="nl-NL"/>
               <a:t>Derde niveau</a:t>
             </a:r>
           </a:p>
           <a:p>
             <a:pPr lvl="3" eaLnBrk="1" latinLnBrk="0" hangingPunct="1"/>
             <a:r>
-              <a:rPr lang="nl-NL" smtClean="0"/>
+              <a:rPr lang="nl-NL"/>
               <a:t>Vierde niveau</a:t>
             </a:r>
           </a:p>
           <a:p>
             <a:pPr lvl="4" eaLnBrk="1" latinLnBrk="0" hangingPunct="1"/>
             <a:r>
-              <a:rPr lang="nl-NL" smtClean="0"/>
+              <a:rPr lang="nl-NL"/>
               <a:t>Vijfde niveau</a:t>
             </a:r>
             <a:endParaRPr kumimoji="0" lang="en-US"/>
@@ -1267,13 +1259,11 @@
         <p:spPr/>
         <p:txBody>
           <a:bodyPr/>
-          <a:lstStyle>
-            <a:extLst/>
-          </a:lstStyle>
+          <a:lstStyle/>
           <a:p>
             <a:fld id="{3D636C07-7E76-46D3-B86B-6AF7C60E533E}" type="datetimeFigureOut">
               <a:rPr lang="nl-NL" smtClean="0"/>
-              <a:t>7-11-2020</a:t>
+              <a:t>07-11-2020</a:t>
             </a:fld>
             <a:endParaRPr lang="nl-NL"/>
           </a:p>
@@ -1292,9 +1282,7 @@
         <p:spPr/>
         <p:txBody>
           <a:bodyPr/>
-          <a:lstStyle>
-            <a:extLst/>
-          </a:lstStyle>
+          <a:lstStyle/>
           <a:p>
             <a:endParaRPr lang="nl-NL"/>
           </a:p>
@@ -1313,13 +1301,11 @@
         <p:spPr/>
         <p:txBody>
           <a:bodyPr/>
-          <a:lstStyle>
-            <a:extLst/>
-          </a:lstStyle>
+          <a:lstStyle/>
           <a:p>
             <a:fld id="{A9096D49-DAE3-40DE-93E0-41688E0A5016}" type="slidenum">
               <a:rPr lang="nl-NL" smtClean="0"/>
-              <a:t>‹nr.›</a:t>
+              <a:t>‹#›</a:t>
             </a:fld>
             <a:endParaRPr lang="nl-NL"/>
           </a:p>
@@ -1338,12 +1324,10 @@
         <p:spPr/>
         <p:txBody>
           <a:bodyPr rtlCol="0"/>
-          <a:lstStyle>
-            <a:extLst/>
-          </a:lstStyle>
-          <a:p>
-            <a:r>
-              <a:rPr kumimoji="0" lang="nl-NL" smtClean="0"/>
+          <a:lstStyle/>
+          <a:p>
+            <a:r>
+              <a:rPr kumimoji="0" lang="nl-NL"/>
               <a:t>Klik om de stijl te bewerken</a:t>
             </a:r>
             <a:endParaRPr kumimoji="0" lang="en-US"/>
@@ -1424,7 +1408,7 @@
           </a:lstStyle>
           <a:p>
             <a:r>
-              <a:rPr kumimoji="0" lang="nl-NL" smtClean="0"/>
+              <a:rPr kumimoji="0" lang="nl-NL"/>
               <a:t>Klik om de stijl te bewerken</a:t>
             </a:r>
             <a:endParaRPr kumimoji="0" lang="en-US"/>
@@ -1503,7 +1487,7 @@
           <a:p>
             <a:pPr lvl="0" eaLnBrk="1" latinLnBrk="0" hangingPunct="1"/>
             <a:r>
-              <a:rPr kumimoji="0" lang="nl-NL" smtClean="0"/>
+              <a:rPr kumimoji="0" lang="nl-NL"/>
               <a:t>Klik om de modelstijlen te bewerken</a:t>
             </a:r>
           </a:p>
@@ -1522,13 +1506,11 @@
         <p:spPr/>
         <p:txBody>
           <a:bodyPr/>
-          <a:lstStyle>
-            <a:extLst/>
-          </a:lstStyle>
+          <a:lstStyle/>
           <a:p>
             <a:fld id="{3D636C07-7E76-46D3-B86B-6AF7C60E533E}" type="datetimeFigureOut">
               <a:rPr lang="nl-NL" smtClean="0"/>
-              <a:t>7-11-2020</a:t>
+              <a:t>07-11-2020</a:t>
             </a:fld>
             <a:endParaRPr lang="nl-NL"/>
           </a:p>
@@ -1547,9 +1529,7 @@
         <p:spPr/>
         <p:txBody>
           <a:bodyPr/>
-          <a:lstStyle>
-            <a:extLst/>
-          </a:lstStyle>
+          <a:lstStyle/>
           <a:p>
             <a:endParaRPr lang="nl-NL"/>
           </a:p>
@@ -1568,13 +1548,11 @@
         <p:spPr/>
         <p:txBody>
           <a:bodyPr/>
-          <a:lstStyle>
-            <a:extLst/>
-          </a:lstStyle>
+          <a:lstStyle/>
           <a:p>
             <a:fld id="{A9096D49-DAE3-40DE-93E0-41688E0A5016}" type="slidenum">
               <a:rPr lang="nl-NL" smtClean="0"/>
-              <a:t>‹nr.›</a:t>
+              <a:t>‹#›</a:t>
             </a:fld>
             <a:endParaRPr lang="nl-NL"/>
           </a:p>
@@ -1651,9 +1629,7 @@
         </p:style>
         <p:txBody>
           <a:bodyPr anchor="ctr"/>
-          <a:lstStyle>
-            <a:extLst/>
-          </a:lstStyle>
+          <a:lstStyle/>
           <a:p>
             <a:pPr algn="l" eaLnBrk="1" latinLnBrk="0" hangingPunct="1"/>
             <a:endParaRPr kumimoji="0" lang="en-US"/>
@@ -1731,9 +1707,7 @@
         </p:style>
         <p:txBody>
           <a:bodyPr anchor="ctr"/>
-          <a:lstStyle>
-            <a:extLst/>
-          </a:lstStyle>
+          <a:lstStyle/>
           <a:p>
             <a:pPr algn="l" eaLnBrk="1" latinLnBrk="0" hangingPunct="1"/>
             <a:endParaRPr kumimoji="0" lang="en-US"/>
@@ -1809,35 +1783,35 @@
           <a:p>
             <a:pPr lvl="0" eaLnBrk="1" latinLnBrk="0" hangingPunct="1"/>
             <a:r>
-              <a:rPr lang="nl-NL" smtClean="0"/>
+              <a:rPr lang="nl-NL"/>
               <a:t>Klik om de modelstijlen te bewerken</a:t>
             </a:r>
           </a:p>
           <a:p>
             <a:pPr lvl="1" eaLnBrk="1" latinLnBrk="0" hangingPunct="1"/>
             <a:r>
-              <a:rPr lang="nl-NL" smtClean="0"/>
+              <a:rPr lang="nl-NL"/>
               <a:t>Tweede niveau</a:t>
             </a:r>
           </a:p>
           <a:p>
             <a:pPr lvl="2" eaLnBrk="1" latinLnBrk="0" hangingPunct="1"/>
             <a:r>
-              <a:rPr lang="nl-NL" smtClean="0"/>
+              <a:rPr lang="nl-NL"/>
               <a:t>Derde niveau</a:t>
             </a:r>
           </a:p>
           <a:p>
             <a:pPr lvl="3" eaLnBrk="1" latinLnBrk="0" hangingPunct="1"/>
             <a:r>
-              <a:rPr lang="nl-NL" smtClean="0"/>
+              <a:rPr lang="nl-NL"/>
               <a:t>Vierde niveau</a:t>
             </a:r>
           </a:p>
           <a:p>
             <a:pPr lvl="4" eaLnBrk="1" latinLnBrk="0" hangingPunct="1"/>
             <a:r>
-              <a:rPr lang="nl-NL" smtClean="0"/>
+              <a:rPr lang="nl-NL"/>
               <a:t>Vijfde niveau</a:t>
             </a:r>
             <a:endParaRPr kumimoji="0" lang="en-US"/>
@@ -1883,35 +1857,35 @@
           <a:p>
             <a:pPr lvl="0" eaLnBrk="1" latinLnBrk="0" hangingPunct="1"/>
             <a:r>
-              <a:rPr lang="nl-NL" smtClean="0"/>
+              <a:rPr lang="nl-NL"/>
               <a:t>Klik om de modelstijlen te bewerken</a:t>
             </a:r>
           </a:p>
           <a:p>
             <a:pPr lvl="1" eaLnBrk="1" latinLnBrk="0" hangingPunct="1"/>
             <a:r>
-              <a:rPr lang="nl-NL" smtClean="0"/>
+              <a:rPr lang="nl-NL"/>
               <a:t>Tweede niveau</a:t>
             </a:r>
           </a:p>
           <a:p>
             <a:pPr lvl="2" eaLnBrk="1" latinLnBrk="0" hangingPunct="1"/>
             <a:r>
-              <a:rPr lang="nl-NL" smtClean="0"/>
+              <a:rPr lang="nl-NL"/>
               <a:t>Derde niveau</a:t>
             </a:r>
           </a:p>
           <a:p>
             <a:pPr lvl="3" eaLnBrk="1" latinLnBrk="0" hangingPunct="1"/>
             <a:r>
-              <a:rPr lang="nl-NL" smtClean="0"/>
+              <a:rPr lang="nl-NL"/>
               <a:t>Vierde niveau</a:t>
             </a:r>
           </a:p>
           <a:p>
             <a:pPr lvl="4" eaLnBrk="1" latinLnBrk="0" hangingPunct="1"/>
             <a:r>
-              <a:rPr lang="nl-NL" smtClean="0"/>
+              <a:rPr lang="nl-NL"/>
               <a:t>Vijfde niveau</a:t>
             </a:r>
             <a:endParaRPr kumimoji="0" lang="en-US"/>
@@ -1931,13 +1905,11 @@
         <p:spPr/>
         <p:txBody>
           <a:bodyPr/>
-          <a:lstStyle>
-            <a:extLst/>
-          </a:lstStyle>
+          <a:lstStyle/>
           <a:p>
             <a:fld id="{3D636C07-7E76-46D3-B86B-6AF7C60E533E}" type="datetimeFigureOut">
               <a:rPr lang="nl-NL" smtClean="0"/>
-              <a:t>7-11-2020</a:t>
+              <a:t>07-11-2020</a:t>
             </a:fld>
             <a:endParaRPr lang="nl-NL"/>
           </a:p>
@@ -1956,9 +1928,7 @@
         <p:spPr/>
         <p:txBody>
           <a:bodyPr/>
-          <a:lstStyle>
-            <a:extLst/>
-          </a:lstStyle>
+          <a:lstStyle/>
           <a:p>
             <a:endParaRPr lang="nl-NL"/>
           </a:p>
@@ -1977,13 +1947,11 @@
         <p:spPr/>
         <p:txBody>
           <a:bodyPr/>
-          <a:lstStyle>
-            <a:extLst/>
-          </a:lstStyle>
+          <a:lstStyle/>
           <a:p>
             <a:fld id="{A9096D49-DAE3-40DE-93E0-41688E0A5016}" type="slidenum">
               <a:rPr lang="nl-NL" smtClean="0"/>
-              <a:t>‹nr.›</a:t>
+              <a:t>‹#›</a:t>
             </a:fld>
             <a:endParaRPr lang="nl-NL"/>
           </a:p>
@@ -2002,12 +1970,10 @@
         <p:spPr/>
         <p:txBody>
           <a:bodyPr rtlCol="0"/>
-          <a:lstStyle>
-            <a:extLst/>
-          </a:lstStyle>
-          <a:p>
-            <a:r>
-              <a:rPr kumimoji="0" lang="nl-NL" smtClean="0"/>
+          <a:lstStyle/>
+          <a:p>
+            <a:r>
+              <a:rPr kumimoji="0" lang="nl-NL"/>
               <a:t>Klik om de stijl te bewerken</a:t>
             </a:r>
             <a:endParaRPr kumimoji="0" lang="en-US"/>
@@ -2070,7 +2036,7 @@
           </a:lstStyle>
           <a:p>
             <a:r>
-              <a:rPr kumimoji="0" lang="nl-NL" smtClean="0"/>
+              <a:rPr kumimoji="0" lang="nl-NL"/>
               <a:t>Klik om de stijl te bewerken</a:t>
             </a:r>
             <a:endParaRPr kumimoji="0" lang="en-US"/>
@@ -2134,7 +2100,7 @@
           <a:p>
             <a:pPr lvl="0" eaLnBrk="1" latinLnBrk="0" hangingPunct="1"/>
             <a:r>
-              <a:rPr kumimoji="0" lang="nl-NL" smtClean="0"/>
+              <a:rPr kumimoji="0" lang="nl-NL"/>
               <a:t>Klik om de modelstijlen te bewerken</a:t>
             </a:r>
           </a:p>
@@ -2197,7 +2163,7 @@
           <a:p>
             <a:pPr lvl="0" eaLnBrk="1" latinLnBrk="0" hangingPunct="1"/>
             <a:r>
-              <a:rPr kumimoji="0" lang="nl-NL" smtClean="0"/>
+              <a:rPr kumimoji="0" lang="nl-NL"/>
               <a:t>Klik om de modelstijlen te bewerken</a:t>
             </a:r>
           </a:p>
@@ -2247,35 +2213,35 @@
           <a:p>
             <a:pPr lvl="0" eaLnBrk="1" latinLnBrk="0" hangingPunct="1"/>
             <a:r>
-              <a:rPr lang="nl-NL" smtClean="0"/>
+              <a:rPr lang="nl-NL"/>
               <a:t>Klik om de modelstijlen te bewerken</a:t>
             </a:r>
           </a:p>
           <a:p>
             <a:pPr lvl="1" eaLnBrk="1" latinLnBrk="0" hangingPunct="1"/>
             <a:r>
-              <a:rPr lang="nl-NL" smtClean="0"/>
+              <a:rPr lang="nl-NL"/>
               <a:t>Tweede niveau</a:t>
             </a:r>
           </a:p>
           <a:p>
             <a:pPr lvl="2" eaLnBrk="1" latinLnBrk="0" hangingPunct="1"/>
             <a:r>
-              <a:rPr lang="nl-NL" smtClean="0"/>
+              <a:rPr lang="nl-NL"/>
               <a:t>Derde niveau</a:t>
             </a:r>
           </a:p>
           <a:p>
             <a:pPr lvl="3" eaLnBrk="1" latinLnBrk="0" hangingPunct="1"/>
             <a:r>
-              <a:rPr lang="nl-NL" smtClean="0"/>
+              <a:rPr lang="nl-NL"/>
               <a:t>Vierde niveau</a:t>
             </a:r>
           </a:p>
           <a:p>
             <a:pPr lvl="4" eaLnBrk="1" latinLnBrk="0" hangingPunct="1"/>
             <a:r>
-              <a:rPr lang="nl-NL" smtClean="0"/>
+              <a:rPr lang="nl-NL"/>
               <a:t>Vijfde niveau</a:t>
             </a:r>
             <a:endParaRPr kumimoji="0" lang="en-US"/>
@@ -2329,35 +2295,35 @@
           <a:p>
             <a:pPr lvl="0" eaLnBrk="1" latinLnBrk="0" hangingPunct="1"/>
             <a:r>
-              <a:rPr lang="nl-NL" smtClean="0"/>
+              <a:rPr lang="nl-NL"/>
               <a:t>Klik om de modelstijlen te bewerken</a:t>
             </a:r>
           </a:p>
           <a:p>
             <a:pPr lvl="1" eaLnBrk="1" latinLnBrk="0" hangingPunct="1"/>
             <a:r>
-              <a:rPr lang="nl-NL" smtClean="0"/>
+              <a:rPr lang="nl-NL"/>
               <a:t>Tweede niveau</a:t>
             </a:r>
           </a:p>
           <a:p>
             <a:pPr lvl="2" eaLnBrk="1" latinLnBrk="0" hangingPunct="1"/>
             <a:r>
-              <a:rPr lang="nl-NL" smtClean="0"/>
+              <a:rPr lang="nl-NL"/>
               <a:t>Derde niveau</a:t>
             </a:r>
           </a:p>
           <a:p>
             <a:pPr lvl="3" eaLnBrk="1" latinLnBrk="0" hangingPunct="1"/>
             <a:r>
-              <a:rPr lang="nl-NL" smtClean="0"/>
+              <a:rPr lang="nl-NL"/>
               <a:t>Vierde niveau</a:t>
             </a:r>
           </a:p>
           <a:p>
             <a:pPr lvl="4" eaLnBrk="1" latinLnBrk="0" hangingPunct="1"/>
             <a:r>
-              <a:rPr lang="nl-NL" smtClean="0"/>
+              <a:rPr lang="nl-NL"/>
               <a:t>Vijfde niveau</a:t>
             </a:r>
             <a:endParaRPr kumimoji="0" lang="en-US"/>
@@ -2377,13 +2343,11 @@
         <p:spPr/>
         <p:txBody>
           <a:bodyPr/>
-          <a:lstStyle>
-            <a:extLst/>
-          </a:lstStyle>
+          <a:lstStyle/>
           <a:p>
             <a:fld id="{3D636C07-7E76-46D3-B86B-6AF7C60E533E}" type="datetimeFigureOut">
               <a:rPr lang="nl-NL" smtClean="0"/>
-              <a:t>7-11-2020</a:t>
+              <a:t>07-11-2020</a:t>
             </a:fld>
             <a:endParaRPr lang="nl-NL"/>
           </a:p>
@@ -2402,9 +2366,7 @@
         <p:spPr/>
         <p:txBody>
           <a:bodyPr/>
-          <a:lstStyle>
-            <a:extLst/>
-          </a:lstStyle>
+          <a:lstStyle/>
           <a:p>
             <a:endParaRPr lang="nl-NL"/>
           </a:p>
@@ -2423,13 +2385,11 @@
         <p:spPr/>
         <p:txBody>
           <a:bodyPr/>
-          <a:lstStyle>
-            <a:extLst/>
-          </a:lstStyle>
+          <a:lstStyle/>
           <a:p>
             <a:fld id="{A9096D49-DAE3-40DE-93E0-41688E0A5016}" type="slidenum">
               <a:rPr lang="nl-NL" smtClean="0"/>
-              <a:t>‹nr.›</a:t>
+              <a:t>‹#›</a:t>
             </a:fld>
             <a:endParaRPr lang="nl-NL"/>
           </a:p>
@@ -2478,13 +2438,11 @@
         <p:spPr/>
         <p:txBody>
           <a:bodyPr/>
-          <a:lstStyle>
-            <a:extLst/>
-          </a:lstStyle>
+          <a:lstStyle/>
           <a:p>
             <a:fld id="{3D636C07-7E76-46D3-B86B-6AF7C60E533E}" type="datetimeFigureOut">
               <a:rPr lang="nl-NL" smtClean="0"/>
-              <a:t>7-11-2020</a:t>
+              <a:t>07-11-2020</a:t>
             </a:fld>
             <a:endParaRPr lang="nl-NL"/>
           </a:p>
@@ -2503,9 +2461,7 @@
         <p:spPr/>
         <p:txBody>
           <a:bodyPr/>
-          <a:lstStyle>
-            <a:extLst/>
-          </a:lstStyle>
+          <a:lstStyle/>
           <a:p>
             <a:endParaRPr lang="nl-NL"/>
           </a:p>
@@ -2524,13 +2480,11 @@
         <p:spPr/>
         <p:txBody>
           <a:bodyPr/>
-          <a:lstStyle>
-            <a:extLst/>
-          </a:lstStyle>
+          <a:lstStyle/>
           <a:p>
             <a:fld id="{A9096D49-DAE3-40DE-93E0-41688E0A5016}" type="slidenum">
               <a:rPr lang="nl-NL" smtClean="0"/>
-              <a:t>‹nr.›</a:t>
+              <a:t>‹#›</a:t>
             </a:fld>
             <a:endParaRPr lang="nl-NL"/>
           </a:p>
@@ -2549,12 +2503,10 @@
         <p:spPr/>
         <p:txBody>
           <a:bodyPr rtlCol="0"/>
-          <a:lstStyle>
-            <a:extLst/>
-          </a:lstStyle>
-          <a:p>
-            <a:r>
-              <a:rPr kumimoji="0" lang="nl-NL" smtClean="0"/>
+          <a:lstStyle/>
+          <a:p>
+            <a:r>
+              <a:rPr kumimoji="0" lang="nl-NL"/>
               <a:t>Klik om de stijl te bewerken</a:t>
             </a:r>
             <a:endParaRPr kumimoji="0" lang="en-US"/>
@@ -2599,13 +2551,11 @@
         <p:spPr/>
         <p:txBody>
           <a:bodyPr/>
-          <a:lstStyle>
-            <a:extLst/>
-          </a:lstStyle>
+          <a:lstStyle/>
           <a:p>
             <a:fld id="{3D636C07-7E76-46D3-B86B-6AF7C60E533E}" type="datetimeFigureOut">
               <a:rPr lang="nl-NL" smtClean="0"/>
-              <a:t>7-11-2020</a:t>
+              <a:t>07-11-2020</a:t>
             </a:fld>
             <a:endParaRPr lang="nl-NL"/>
           </a:p>
@@ -2624,9 +2574,7 @@
         <p:spPr/>
         <p:txBody>
           <a:bodyPr/>
-          <a:lstStyle>
-            <a:extLst/>
-          </a:lstStyle>
+          <a:lstStyle/>
           <a:p>
             <a:endParaRPr lang="nl-NL"/>
           </a:p>
@@ -2645,13 +2593,11 @@
         <p:spPr/>
         <p:txBody>
           <a:bodyPr/>
-          <a:lstStyle>
-            <a:extLst/>
-          </a:lstStyle>
+          <a:lstStyle/>
           <a:p>
             <a:fld id="{A9096D49-DAE3-40DE-93E0-41688E0A5016}" type="slidenum">
               <a:rPr lang="nl-NL" smtClean="0"/>
-              <a:t>‹nr.›</a:t>
+              <a:t>‹#›</a:t>
             </a:fld>
             <a:endParaRPr lang="nl-NL"/>
           </a:p>
@@ -2724,7 +2670,7 @@
           </a:lstStyle>
           <a:p>
             <a:r>
-              <a:rPr kumimoji="0" lang="nl-NL" smtClean="0"/>
+              <a:rPr kumimoji="0" lang="nl-NL"/>
               <a:t>Klik om de stijl te bewerken</a:t>
             </a:r>
             <a:endParaRPr kumimoji="0" lang="en-US"/>
@@ -2775,7 +2721,7 @@
           <a:p>
             <a:pPr lvl="0" eaLnBrk="1" latinLnBrk="0" hangingPunct="1"/>
             <a:r>
-              <a:rPr kumimoji="0" lang="nl-NL" smtClean="0"/>
+              <a:rPr kumimoji="0" lang="nl-NL"/>
               <a:t>Klik om de modelstijlen te bewerken</a:t>
             </a:r>
           </a:p>
@@ -2820,35 +2766,35 @@
           <a:p>
             <a:pPr lvl="0" eaLnBrk="1" latinLnBrk="0" hangingPunct="1"/>
             <a:r>
-              <a:rPr lang="nl-NL" smtClean="0"/>
+              <a:rPr lang="nl-NL"/>
               <a:t>Klik om de modelstijlen te bewerken</a:t>
             </a:r>
           </a:p>
           <a:p>
             <a:pPr lvl="1" eaLnBrk="1" latinLnBrk="0" hangingPunct="1"/>
             <a:r>
-              <a:rPr lang="nl-NL" smtClean="0"/>
+              <a:rPr lang="nl-NL"/>
               <a:t>Tweede niveau</a:t>
             </a:r>
           </a:p>
           <a:p>
             <a:pPr lvl="2" eaLnBrk="1" latinLnBrk="0" hangingPunct="1"/>
             <a:r>
-              <a:rPr lang="nl-NL" smtClean="0"/>
+              <a:rPr lang="nl-NL"/>
               <a:t>Derde niveau</a:t>
             </a:r>
           </a:p>
           <a:p>
             <a:pPr lvl="3" eaLnBrk="1" latinLnBrk="0" hangingPunct="1"/>
             <a:r>
-              <a:rPr lang="nl-NL" smtClean="0"/>
+              <a:rPr lang="nl-NL"/>
               <a:t>Vierde niveau</a:t>
             </a:r>
           </a:p>
           <a:p>
             <a:pPr lvl="4" eaLnBrk="1" latinLnBrk="0" hangingPunct="1"/>
             <a:r>
-              <a:rPr lang="nl-NL" smtClean="0"/>
+              <a:rPr lang="nl-NL"/>
               <a:t>Vijfde niveau</a:t>
             </a:r>
             <a:endParaRPr kumimoji="0" lang="en-US"/>
@@ -2873,13 +2819,11 @@
         </p:spPr>
         <p:txBody>
           <a:bodyPr/>
-          <a:lstStyle>
-            <a:extLst/>
-          </a:lstStyle>
+          <a:lstStyle/>
           <a:p>
             <a:fld id="{3D636C07-7E76-46D3-B86B-6AF7C60E533E}" type="datetimeFigureOut">
               <a:rPr lang="nl-NL" smtClean="0"/>
-              <a:t>7-11-2020</a:t>
+              <a:t>07-11-2020</a:t>
             </a:fld>
             <a:endParaRPr lang="nl-NL"/>
           </a:p>
@@ -2898,9 +2842,7 @@
         <p:spPr/>
         <p:txBody>
           <a:bodyPr/>
-          <a:lstStyle>
-            <a:extLst/>
-          </a:lstStyle>
+          <a:lstStyle/>
           <a:p>
             <a:endParaRPr lang="nl-NL"/>
           </a:p>
@@ -2919,13 +2861,11 @@
         <p:spPr/>
         <p:txBody>
           <a:bodyPr/>
-          <a:lstStyle>
-            <a:extLst/>
-          </a:lstStyle>
+          <a:lstStyle/>
           <a:p>
             <a:fld id="{A9096D49-DAE3-40DE-93E0-41688E0A5016}" type="slidenum">
               <a:rPr lang="nl-NL" smtClean="0"/>
-              <a:t>‹nr.›</a:t>
+              <a:t>‹#›</a:t>
             </a:fld>
             <a:endParaRPr lang="nl-NL"/>
           </a:p>
@@ -3002,7 +2942,7 @@
           <a:p>
             <a:pPr lvl="0" eaLnBrk="1" latinLnBrk="0" hangingPunct="1"/>
             <a:r>
-              <a:rPr kumimoji="0" lang="nl-NL" smtClean="0"/>
+              <a:rPr kumimoji="0" lang="nl-NL"/>
               <a:t>Klik om de modelstijlen te bewerken</a:t>
             </a:r>
           </a:p>
@@ -3051,7 +2991,7 @@
           </a:lstStyle>
           <a:p>
             <a:r>
-              <a:rPr kumimoji="0" lang="nl-NL" smtClean="0"/>
+              <a:rPr kumimoji="0" lang="nl-NL"/>
               <a:t>Klik op het pictogram als u een afbeelding wilt toevoegen</a:t>
             </a:r>
             <a:endParaRPr kumimoji="0" lang="en-US" dirty="0"/>
@@ -3084,7 +3024,7 @@
           <a:p>
             <a:fld id="{3D636C07-7E76-46D3-B86B-6AF7C60E533E}" type="datetimeFigureOut">
               <a:rPr lang="nl-NL" smtClean="0"/>
-              <a:t>7-11-2020</a:t>
+              <a:t>07-11-2020</a:t>
             </a:fld>
             <a:endParaRPr lang="nl-NL"/>
           </a:p>
@@ -3149,7 +3089,7 @@
           <a:p>
             <a:fld id="{A9096D49-DAE3-40DE-93E0-41688E0A5016}" type="slidenum">
               <a:rPr lang="nl-NL" smtClean="0"/>
-              <a:t>‹nr.›</a:t>
+              <a:t>‹#›</a:t>
             </a:fld>
             <a:endParaRPr lang="nl-NL"/>
           </a:p>
@@ -3196,7 +3136,7 @@
           </a:lstStyle>
           <a:p>
             <a:r>
-              <a:rPr kumimoji="0" lang="nl-NL" smtClean="0"/>
+              <a:rPr kumimoji="0" lang="nl-NL"/>
               <a:t>Klik om de stijl te bewerken</a:t>
             </a:r>
             <a:endParaRPr kumimoji="0" lang="en-US"/>
@@ -3279,9 +3219,7 @@
         </p:spPr>
         <p:txBody>
           <a:bodyPr vert="horz" wrap="square" lIns="91440" tIns="45720" rIns="91440" bIns="45720" anchor="t" compatLnSpc="1"/>
-          <a:lstStyle>
-            <a:extLst/>
-          </a:lstStyle>
+          <a:lstStyle/>
           <a:p>
             <a:endParaRPr kumimoji="0" lang="en-US"/>
           </a:p>
@@ -3361,9 +3299,7 @@
         </p:spPr>
         <p:txBody>
           <a:bodyPr vert="horz" wrap="square" lIns="91440" tIns="45720" rIns="91440" bIns="45720" anchor="t" compatLnSpc="1"/>
-          <a:lstStyle>
-            <a:extLst/>
-          </a:lstStyle>
+          <a:lstStyle/>
           <a:p>
             <a:endParaRPr kumimoji="0" lang="en-US"/>
           </a:p>
@@ -3471,9 +3407,7 @@
         </p:style>
         <p:txBody>
           <a:bodyPr vert="horz" wrap="square" lIns="91440" tIns="45720" rIns="91440" bIns="45720" anchor="ctr" compatLnSpc="1"/>
-          <a:lstStyle>
-            <a:extLst/>
-          </a:lstStyle>
+          <a:lstStyle/>
           <a:p>
             <a:pPr algn="ctr" eaLnBrk="1" latinLnBrk="0" hangingPunct="1"/>
             <a:endParaRPr kumimoji="0" lang="en-US"/>
@@ -3604,9 +3538,7 @@
         </p:style>
         <p:txBody>
           <a:bodyPr anchor="ctr"/>
-          <a:lstStyle>
-            <a:extLst/>
-          </a:lstStyle>
+          <a:lstStyle/>
           <a:p>
             <a:pPr algn="l" eaLnBrk="1" latinLnBrk="0" hangingPunct="1"/>
             <a:endParaRPr kumimoji="0" lang="en-US"/>
@@ -3684,9 +3616,7 @@
         </p:style>
         <p:txBody>
           <a:bodyPr anchor="ctr"/>
-          <a:lstStyle>
-            <a:extLst/>
-          </a:lstStyle>
+          <a:lstStyle/>
           <a:p>
             <a:pPr algn="l" eaLnBrk="1" latinLnBrk="0" hangingPunct="1"/>
             <a:endParaRPr kumimoji="0" lang="en-US"/>
@@ -3799,9 +3729,7 @@
         </p:spPr>
         <p:txBody>
           <a:bodyPr vert="horz" wrap="square" lIns="91440" tIns="45720" rIns="91440" bIns="45720" anchor="t" compatLnSpc="1"/>
-          <a:lstStyle>
-            <a:extLst/>
-          </a:lstStyle>
+          <a:lstStyle/>
           <a:p>
             <a:endParaRPr kumimoji="0" lang="en-US"/>
           </a:p>
@@ -3881,9 +3809,7 @@
         </p:spPr>
         <p:txBody>
           <a:bodyPr vert="horz" wrap="square" lIns="91440" tIns="45720" rIns="91440" bIns="45720" anchor="t" compatLnSpc="1"/>
-          <a:lstStyle>
-            <a:extLst/>
-          </a:lstStyle>
+          <a:lstStyle/>
           <a:p>
             <a:endParaRPr kumimoji="0" lang="en-US"/>
           </a:p>
@@ -3991,9 +3917,7 @@
         </p:style>
         <p:txBody>
           <a:bodyPr vert="horz" wrap="square" lIns="91440" tIns="45720" rIns="91440" bIns="45720" anchor="ctr" compatLnSpc="1"/>
-          <a:lstStyle>
-            <a:extLst/>
-          </a:lstStyle>
+          <a:lstStyle/>
           <a:p>
             <a:pPr algn="ctr" eaLnBrk="1" latinLnBrk="0" hangingPunct="1"/>
             <a:endParaRPr kumimoji="0" lang="en-US"/>
@@ -4083,12 +4007,10 @@
               <a:bevelT w="25400" h="25400"/>
             </a:sp3d>
           </a:bodyPr>
-          <a:lstStyle>
-            <a:extLst/>
-          </a:lstStyle>
-          <a:p>
-            <a:r>
-              <a:rPr kumimoji="0" lang="nl-NL" smtClean="0"/>
+          <a:lstStyle/>
+          <a:p>
+            <a:r>
+              <a:rPr kumimoji="0" lang="nl-NL"/>
               <a:t>Klik om de stijl te bewerken</a:t>
             </a:r>
             <a:endParaRPr kumimoji="0" lang="en-US"/>
@@ -4118,41 +4040,39 @@
           <a:bodyPr vert="horz">
             <a:normAutofit/>
           </a:bodyPr>
-          <a:lstStyle>
-            <a:extLst/>
-          </a:lstStyle>
+          <a:lstStyle/>
           <a:p>
             <a:pPr lvl="0" eaLnBrk="1" latinLnBrk="0" hangingPunct="1"/>
             <a:r>
-              <a:rPr kumimoji="0" lang="nl-NL" smtClean="0"/>
+              <a:rPr kumimoji="0" lang="nl-NL"/>
               <a:t>Klik om de modelstijlen te bewerken</a:t>
             </a:r>
           </a:p>
           <a:p>
             <a:pPr lvl="1" eaLnBrk="1" latinLnBrk="0" hangingPunct="1"/>
             <a:r>
-              <a:rPr kumimoji="0" lang="nl-NL" smtClean="0"/>
+              <a:rPr kumimoji="0" lang="nl-NL"/>
               <a:t>Tweede niveau</a:t>
             </a:r>
           </a:p>
           <a:p>
             <a:pPr lvl="2" eaLnBrk="1" latinLnBrk="0" hangingPunct="1"/>
             <a:r>
-              <a:rPr kumimoji="0" lang="nl-NL" smtClean="0"/>
+              <a:rPr kumimoji="0" lang="nl-NL"/>
               <a:t>Derde niveau</a:t>
             </a:r>
           </a:p>
           <a:p>
             <a:pPr lvl="3" eaLnBrk="1" latinLnBrk="0" hangingPunct="1"/>
             <a:r>
-              <a:rPr kumimoji="0" lang="nl-NL" smtClean="0"/>
+              <a:rPr kumimoji="0" lang="nl-NL"/>
               <a:t>Vierde niveau</a:t>
             </a:r>
           </a:p>
           <a:p>
             <a:pPr lvl="4" eaLnBrk="1" latinLnBrk="0" hangingPunct="1"/>
             <a:r>
-              <a:rPr kumimoji="0" lang="nl-NL" smtClean="0"/>
+              <a:rPr kumimoji="0" lang="nl-NL"/>
               <a:t>Vijfde niveau</a:t>
             </a:r>
             <a:endParaRPr kumimoji="0" lang="en-US"/>
@@ -4193,7 +4113,7 @@
           <a:p>
             <a:fld id="{3D636C07-7E76-46D3-B86B-6AF7C60E533E}" type="datetimeFigureOut">
               <a:rPr lang="nl-NL" smtClean="0"/>
-              <a:t>7-11-2020</a:t>
+              <a:t>07-11-2020</a:t>
             </a:fld>
             <a:endParaRPr lang="nl-NL"/>
           </a:p>
@@ -4269,7 +4189,7 @@
           <a:p>
             <a:fld id="{A9096D49-DAE3-40DE-93E0-41688E0A5016}" type="slidenum">
               <a:rPr lang="nl-NL" smtClean="0"/>
-              <a:t>‹nr.›</a:t>
+              <a:t>‹#›</a:t>
             </a:fld>
             <a:endParaRPr lang="nl-NL"/>
           </a:p>
@@ -4682,7 +4602,60 @@
           <a:bodyPr/>
           <a:lstStyle/>
           <a:p>
-            <a:endParaRPr lang="nl-BE" dirty="0" smtClean="0"/>
+            <a:r>
+              <a:rPr lang="nl-BE" dirty="0"/>
+              <a:t>Elements</a:t>
+            </a:r>
+          </a:p>
+          <a:p>
+            <a:pPr lvl="1"/>
+            <a:r>
+              <a:rPr lang="nl-BE" dirty="0"/>
+              <a:t>Atomic objects</a:t>
+            </a:r>
+          </a:p>
+          <a:p>
+            <a:r>
+              <a:rPr lang="nl-BE" dirty="0"/>
+              <a:t>Domains</a:t>
+            </a:r>
+          </a:p>
+          <a:p>
+            <a:pPr lvl="1"/>
+            <a:r>
+              <a:rPr lang="nl-BE" dirty="0"/>
+              <a:t>Sets of elements</a:t>
+            </a:r>
+          </a:p>
+          <a:p>
+            <a:r>
+              <a:rPr lang="nl-BE" dirty="0" err="1"/>
+              <a:t>Structures</a:t>
+            </a:r>
+            <a:endParaRPr lang="nl-BE" dirty="0"/>
+          </a:p>
+          <a:p>
+            <a:pPr lvl="1"/>
+            <a:r>
+              <a:rPr lang="nl-BE" dirty="0" err="1"/>
+              <a:t>Twelvefold</a:t>
+            </a:r>
+            <a:r>
+              <a:rPr lang="nl-BE" dirty="0"/>
+              <a:t> way </a:t>
+            </a:r>
+            <a:r>
+              <a:rPr lang="nl-BE" dirty="0" err="1"/>
+              <a:t>problem</a:t>
+            </a:r>
+            <a:endParaRPr lang="nl-BE" dirty="0"/>
+          </a:p>
+          <a:p>
+            <a:pPr lvl="1"/>
+            <a:r>
+              <a:rPr lang="nl-BE" dirty="0"/>
+              <a:t>(D, F)</a:t>
+            </a:r>
           </a:p>
         </p:txBody>
       </p:sp>
@@ -4698,28 +4671,13 @@
         </p:nvSpPr>
         <p:spPr/>
         <p:txBody>
-          <a:bodyPr>
-            <a:normAutofit fontScale="90000"/>
-          </a:bodyPr>
+          <a:bodyPr/>
           <a:lstStyle/>
           <a:p>
             <a:r>
-              <a:rPr lang="en-GB" dirty="0">
-                <a:effectLst/>
-              </a:rPr>
-              <a:t>Lifted Reasoning Over Counting Problems</a:t>
-            </a:r>
-            <a:r>
-              <a:rPr lang="nl-BE" dirty="0">
-                <a:effectLst/>
-              </a:rPr>
-              <a:t/>
-            </a:r>
-            <a:br>
-              <a:rPr lang="nl-BE" dirty="0">
-                <a:effectLst/>
-              </a:rPr>
-            </a:br>
+              <a:rPr lang="nl-BE" dirty="0" err="1"/>
+              <a:t>CoLa</a:t>
+            </a:r>
             <a:endParaRPr lang="nl-BE" dirty="0"/>
           </a:p>
         </p:txBody>
@@ -4727,7 +4685,7 @@
     </p:spTree>
     <p:extLst>
       <p:ext uri="{BB962C8B-B14F-4D97-AF65-F5344CB8AC3E}">
-        <p14:creationId xmlns:p14="http://schemas.microsoft.com/office/powerpoint/2010/main" val="279686156"/>
+        <p14:creationId xmlns:p14="http://schemas.microsoft.com/office/powerpoint/2010/main" val="349216217"/>
       </p:ext>
     </p:extLst>
   </p:cSld>
@@ -4770,94 +4728,26 @@
           <a:lstStyle/>
           <a:p>
             <a:r>
-              <a:rPr lang="nl-BE" dirty="0" err="1" smtClean="0"/>
-              <a:t>Extend</a:t>
-            </a:r>
-            <a:r>
-              <a:rPr lang="nl-BE" dirty="0" smtClean="0"/>
-              <a:t> </a:t>
-            </a:r>
-            <a:r>
-              <a:rPr lang="nl-BE" dirty="0" err="1" smtClean="0"/>
-              <a:t>CoSo</a:t>
-            </a:r>
-            <a:endParaRPr lang="nl-BE" dirty="0" smtClean="0"/>
+              <a:rPr lang="nl-BE" dirty="0"/>
+              <a:t>Domain </a:t>
+            </a:r>
+            <a:r>
+              <a:rPr lang="nl-BE" dirty="0" err="1"/>
+              <a:t>Formulas</a:t>
+            </a:r>
+            <a:endParaRPr lang="nl-BE" dirty="0"/>
           </a:p>
           <a:p>
             <a:pPr lvl="1"/>
             <a:r>
-              <a:rPr lang="nl-BE" dirty="0" err="1" smtClean="0"/>
-              <a:t>Graphical</a:t>
-            </a:r>
-            <a:r>
-              <a:rPr lang="nl-BE" dirty="0" smtClean="0"/>
-              <a:t> Interface</a:t>
-            </a:r>
-          </a:p>
-          <a:p>
-            <a:r>
-              <a:rPr lang="nl-BE" dirty="0" smtClean="0"/>
-              <a:t>Show </a:t>
-            </a:r>
-            <a:r>
-              <a:rPr lang="nl-BE" dirty="0" err="1" smtClean="0"/>
-              <a:t>solving</a:t>
-            </a:r>
-            <a:r>
-              <a:rPr lang="nl-BE" dirty="0" smtClean="0"/>
-              <a:t> steps</a:t>
-            </a:r>
-          </a:p>
-          <a:p>
-            <a:pPr lvl="1"/>
-            <a:r>
-              <a:rPr lang="nl-BE" dirty="0" err="1" smtClean="0"/>
-              <a:t>Breaking</a:t>
-            </a:r>
-            <a:r>
-              <a:rPr lang="nl-BE" dirty="0" smtClean="0"/>
-              <a:t> </a:t>
-            </a:r>
-            <a:r>
-              <a:rPr lang="nl-BE" dirty="0" err="1" smtClean="0"/>
-              <a:t>problem</a:t>
-            </a:r>
-            <a:r>
-              <a:rPr lang="nl-BE" dirty="0" smtClean="0"/>
-              <a:t> down</a:t>
-            </a:r>
-          </a:p>
-          <a:p>
-            <a:pPr lvl="1"/>
-            <a:r>
-              <a:rPr lang="nl-BE" dirty="0" smtClean="0"/>
-              <a:t>Help Students</a:t>
-            </a:r>
-          </a:p>
-          <a:p>
-            <a:pPr lvl="1"/>
-            <a:r>
-              <a:rPr lang="nl-BE" dirty="0" smtClean="0"/>
-              <a:t>(E.g. </a:t>
-            </a:r>
-            <a:r>
-              <a:rPr lang="nl-BE" dirty="0" err="1" smtClean="0"/>
-              <a:t>Symbolab</a:t>
-            </a:r>
-            <a:r>
-              <a:rPr lang="nl-BE" dirty="0" smtClean="0"/>
-              <a:t>)</a:t>
-            </a:r>
-            <a:endParaRPr lang="nl-BE" dirty="0"/>
-          </a:p>
-          <a:p>
-            <a:r>
-              <a:rPr lang="nl-BE" dirty="0" smtClean="0"/>
-              <a:t>Area </a:t>
-            </a:r>
+              <a:rPr lang="nl-BE" dirty="0"/>
+              <a:t>Set operations</a:t>
+            </a:r>
+          </a:p>
+          <a:p>
             <a:r>
               <a:rPr lang="nl-BE" dirty="0" err="1"/>
-              <a:t>Proportional</a:t>
+              <a:t>Choice</a:t>
             </a:r>
             <a:r>
               <a:rPr lang="nl-BE" dirty="0"/>
@@ -4865,7 +4755,15 @@
             </a:r>
             <a:r>
               <a:rPr lang="nl-BE" dirty="0" err="1"/>
-              <a:t>Venn</a:t>
+              <a:t>Constraints</a:t>
+            </a:r>
+            <a:endParaRPr lang="nl-BE" dirty="0"/>
+          </a:p>
+          <a:p>
+            <a:pPr lvl="1"/>
+            <a:r>
+              <a:rPr lang="nl-BE" dirty="0" err="1"/>
+              <a:t>Fixed</a:t>
             </a:r>
             <a:r>
               <a:rPr lang="nl-BE" dirty="0"/>
@@ -4873,28 +4771,47 @@
             </a:r>
             <a:r>
               <a:rPr lang="nl-BE" dirty="0" err="1"/>
-              <a:t>Diagrams</a:t>
+              <a:t>position</a:t>
             </a:r>
             <a:endParaRPr lang="nl-BE" dirty="0"/>
           </a:p>
           <a:p>
+            <a:r>
+              <a:rPr lang="nl-BE" dirty="0" err="1"/>
+              <a:t>Counting</a:t>
+            </a:r>
+            <a:r>
+              <a:rPr lang="nl-BE" dirty="0"/>
+              <a:t> </a:t>
+            </a:r>
+            <a:r>
+              <a:rPr lang="nl-BE" dirty="0" err="1"/>
+              <a:t>Constraints</a:t>
+            </a:r>
+            <a:endParaRPr lang="nl-BE" dirty="0"/>
+          </a:p>
+          <a:p>
             <a:pPr lvl="1"/>
             <a:r>
+              <a:rPr lang="nl-BE" dirty="0"/>
+              <a:t>Limit on domains</a:t>
+            </a:r>
+          </a:p>
+          <a:p>
+            <a:pPr lvl="1"/>
+            <a:r>
               <a:rPr lang="nl-BE" dirty="0" err="1"/>
-              <a:t>Circle</a:t>
+              <a:t>Boolean</a:t>
             </a:r>
             <a:r>
               <a:rPr lang="nl-BE" dirty="0"/>
-              <a:t> area ~ domain </a:t>
-            </a:r>
-            <a:r>
-              <a:rPr lang="nl-BE" dirty="0" err="1"/>
-              <a:t>size</a:t>
+              <a:t> operators (</a:t>
+            </a:r>
+            <a:r>
+              <a:rPr lang="en-GB" dirty="0"/>
+              <a:t>&gt;, &lt;, &gt;=, &lt;=, =)</a:t>
             </a:r>
             <a:endParaRPr lang="nl-BE" dirty="0"/>
-          </a:p>
-          <a:p>
-            <a:endParaRPr lang="nl-BE" dirty="0" smtClean="0"/>
           </a:p>
         </p:txBody>
       </p:sp>
@@ -4910,13 +4827,1850 @@
         </p:nvSpPr>
         <p:spPr/>
         <p:txBody>
+          <a:bodyPr/>
+          <a:lstStyle/>
+          <a:p>
+            <a:r>
+              <a:rPr lang="nl-BE" dirty="0" err="1"/>
+              <a:t>CoLa</a:t>
+            </a:r>
+            <a:r>
+              <a:rPr lang="nl-BE" dirty="0"/>
+              <a:t> (</a:t>
+            </a:r>
+            <a:r>
+              <a:rPr lang="nl-BE" dirty="0" err="1"/>
+              <a:t>Constraints</a:t>
+            </a:r>
+            <a:r>
+              <a:rPr lang="nl-BE" dirty="0"/>
+              <a:t>)</a:t>
+            </a:r>
+          </a:p>
+        </p:txBody>
+      </p:sp>
+    </p:spTree>
+    <p:extLst>
+      <p:ext uri="{BB962C8B-B14F-4D97-AF65-F5344CB8AC3E}">
+        <p14:creationId xmlns:p14="http://schemas.microsoft.com/office/powerpoint/2010/main" val="1395496281"/>
+      </p:ext>
+    </p:extLst>
+  </p:cSld>
+  <p:clrMapOvr>
+    <a:masterClrMapping/>
+  </p:clrMapOvr>
+</p:sld>
+</file>
+
+<file path=ppt/slides/slide12.xml><?xml version="1.0" encoding="utf-8"?>
+<p:sld xmlns:a="http://schemas.openxmlformats.org/drawingml/2006/main" xmlns:r="http://schemas.openxmlformats.org/officeDocument/2006/relationships" xmlns:p="http://schemas.openxmlformats.org/presentationml/2006/main">
+  <p:cSld>
+    <p:spTree>
+      <p:nvGrpSpPr>
+        <p:cNvPr id="1" name=""/>
+        <p:cNvGrpSpPr/>
+        <p:nvPr/>
+      </p:nvGrpSpPr>
+      <p:grpSpPr>
+        <a:xfrm>
+          <a:off x="0" y="0"/>
+          <a:ext cx="0" cy="0"/>
+          <a:chOff x="0" y="0"/>
+          <a:chExt cx="0" cy="0"/>
+        </a:xfrm>
+      </p:grpSpPr>
+      <mc:AlternateContent xmlns:mc="http://schemas.openxmlformats.org/markup-compatibility/2006">
+        <mc:Choice xmlns:a14="http://schemas.microsoft.com/office/drawing/2010/main" Requires="a14">
+          <p:sp>
+            <p:nvSpPr>
+              <p:cNvPr id="2" name="Tijdelijke aanduiding voor inhoud 1"/>
+              <p:cNvSpPr>
+                <a:spLocks noGrp="1"/>
+              </p:cNvSpPr>
+              <p:nvPr>
+                <p:ph idx="1"/>
+              </p:nvPr>
+            </p:nvSpPr>
+            <p:spPr/>
+            <p:txBody>
+              <a:bodyPr/>
+              <a:lstStyle/>
+              <a:p>
+                <a:r>
+                  <a:rPr lang="nl-BE" dirty="0"/>
+                  <a:t>Exchangeability</a:t>
+                </a:r>
+              </a:p>
+              <a:p>
+                <a:pPr lvl="1"/>
+                <a:r>
+                  <a:rPr lang="nl-BE" dirty="0"/>
+                  <a:t>Exponential improvements</a:t>
+                </a:r>
+              </a:p>
+              <a:p>
+                <a:pPr lvl="1"/>
+                <a:r>
+                  <a:rPr lang="en-GB" dirty="0"/>
+                  <a:t>A tuple of variables (</a:t>
+                </a:r>
+                <a14:m>
+                  <m:oMath xmlns:m="http://schemas.openxmlformats.org/officeDocument/2006/math">
+                    <m:sSub>
+                      <m:sSubPr>
+                        <m:ctrlPr>
+                          <a:rPr lang="en-BE" i="1"/>
+                        </m:ctrlPr>
+                      </m:sSubPr>
+                      <m:e>
+                        <m:r>
+                          <a:rPr lang="en-GB" i="1"/>
+                          <m:t>𝑋</m:t>
+                        </m:r>
+                      </m:e>
+                      <m:sub>
+                        <m:r>
+                          <a:rPr lang="en-GB" i="1"/>
+                          <m:t>1</m:t>
+                        </m:r>
+                      </m:sub>
+                    </m:sSub>
+                    <m:r>
+                      <a:rPr lang="en-GB" i="1"/>
+                      <m:t>,. . . , </m:t>
+                    </m:r>
+                    <m:sSub>
+                      <m:sSubPr>
+                        <m:ctrlPr>
+                          <a:rPr lang="en-BE" i="1"/>
+                        </m:ctrlPr>
+                      </m:sSubPr>
+                      <m:e>
+                        <m:r>
+                          <a:rPr lang="en-GB" i="1"/>
+                          <m:t>𝑋</m:t>
+                        </m:r>
+                      </m:e>
+                      <m:sub>
+                        <m:r>
+                          <a:rPr lang="en-GB" i="1"/>
+                          <m:t>𝑛</m:t>
+                        </m:r>
+                      </m:sub>
+                    </m:sSub>
+                  </m:oMath>
+                </a14:m>
+                <a:r>
+                  <a:rPr lang="en-GB" dirty="0"/>
+                  <a:t>) are defined exchangeable:</a:t>
+                </a:r>
+              </a:p>
+              <a:p>
+                <a:pPr lvl="2"/>
+                <a:r>
+                  <a:rPr lang="en-GB" dirty="0"/>
+                  <a:t>If for all satisfying assignments (</a:t>
+                </a:r>
+                <a14:m>
+                  <m:oMath xmlns:m="http://schemas.openxmlformats.org/officeDocument/2006/math">
+                    <m:sSub>
+                      <m:sSubPr>
+                        <m:ctrlPr>
+                          <a:rPr lang="en-BE" i="1"/>
+                        </m:ctrlPr>
+                      </m:sSubPr>
+                      <m:e>
+                        <m:r>
+                          <a:rPr lang="en-GB" i="1"/>
+                          <m:t>𝑋</m:t>
+                        </m:r>
+                      </m:e>
+                      <m:sub>
+                        <m:r>
+                          <a:rPr lang="en-GB" i="1"/>
+                          <m:t>1</m:t>
+                        </m:r>
+                      </m:sub>
+                    </m:sSub>
+                    <m:r>
+                      <a:rPr lang="en-GB" i="1"/>
+                      <m:t>= </m:t>
+                    </m:r>
+                    <m:sSub>
+                      <m:sSubPr>
+                        <m:ctrlPr>
+                          <a:rPr lang="en-BE" i="1"/>
+                        </m:ctrlPr>
+                      </m:sSubPr>
+                      <m:e>
+                        <m:r>
+                          <a:rPr lang="en-GB" i="1"/>
+                          <m:t>𝑑</m:t>
+                        </m:r>
+                      </m:e>
+                      <m:sub>
+                        <m:r>
+                          <a:rPr lang="en-GB" i="1"/>
+                          <m:t>1</m:t>
+                        </m:r>
+                      </m:sub>
+                    </m:sSub>
+                    <m:r>
+                      <a:rPr lang="en-GB" i="1"/>
+                      <m:t>,. . . , </m:t>
+                    </m:r>
+                    <m:sSub>
+                      <m:sSubPr>
+                        <m:ctrlPr>
+                          <a:rPr lang="en-BE" i="1"/>
+                        </m:ctrlPr>
+                      </m:sSubPr>
+                      <m:e>
+                        <m:r>
+                          <a:rPr lang="en-GB" i="1"/>
+                          <m:t>𝑋</m:t>
+                        </m:r>
+                      </m:e>
+                      <m:sub>
+                        <m:r>
+                          <a:rPr lang="en-GB" i="1"/>
+                          <m:t>𝑛</m:t>
+                        </m:r>
+                      </m:sub>
+                    </m:sSub>
+                    <m:r>
+                      <a:rPr lang="en-GB" i="1"/>
+                      <m:t>= </m:t>
+                    </m:r>
+                    <m:sSub>
+                      <m:sSubPr>
+                        <m:ctrlPr>
+                          <a:rPr lang="en-BE" i="1"/>
+                        </m:ctrlPr>
+                      </m:sSubPr>
+                      <m:e>
+                        <m:r>
+                          <a:rPr lang="en-GB" i="1"/>
+                          <m:t>𝑑</m:t>
+                        </m:r>
+                      </m:e>
+                      <m:sub>
+                        <m:r>
+                          <a:rPr lang="en-GB" i="1"/>
+                          <m:t>𝑛</m:t>
+                        </m:r>
+                      </m:sub>
+                    </m:sSub>
+                  </m:oMath>
+                </a14:m>
+                <a:r>
+                  <a:rPr lang="en-GB" dirty="0"/>
+                  <a:t>) and all permutations </a:t>
+                </a:r>
+                <a14:m>
+                  <m:oMath xmlns:m="http://schemas.openxmlformats.org/officeDocument/2006/math">
+                    <m:r>
+                      <a:rPr lang="en-GB" i="1"/>
+                      <m:t>𝜋</m:t>
+                    </m:r>
+                  </m:oMath>
+                </a14:m>
+                <a:r>
+                  <a:rPr lang="en-GB" dirty="0"/>
+                  <a:t> of (1, … , n), </a:t>
+                </a:r>
+                <a:br>
+                  <a:rPr lang="en-GB" dirty="0"/>
+                </a:br>
+                <a:r>
+                  <a:rPr lang="en-GB" dirty="0"/>
+                  <a:t>{</a:t>
+                </a:r>
+                <a14:m>
+                  <m:oMath xmlns:m="http://schemas.openxmlformats.org/officeDocument/2006/math">
+                    <m:sSub>
+                      <m:sSubPr>
+                        <m:ctrlPr>
+                          <a:rPr lang="en-BE" i="1"/>
+                        </m:ctrlPr>
+                      </m:sSubPr>
+                      <m:e>
+                        <m:r>
+                          <a:rPr lang="en-GB" i="1"/>
+                          <m:t>𝑋</m:t>
+                        </m:r>
+                      </m:e>
+                      <m:sub>
+                        <m:r>
+                          <a:rPr lang="en-GB" i="1"/>
+                          <m:t>1</m:t>
+                        </m:r>
+                      </m:sub>
+                    </m:sSub>
+                    <m:r>
+                      <a:rPr lang="en-GB" i="1"/>
+                      <m:t>= </m:t>
+                    </m:r>
+                    <m:sSub>
+                      <m:sSubPr>
+                        <m:ctrlPr>
+                          <a:rPr lang="en-BE" i="1"/>
+                        </m:ctrlPr>
+                      </m:sSubPr>
+                      <m:e>
+                        <m:r>
+                          <a:rPr lang="en-GB" i="1"/>
+                          <m:t>𝑑</m:t>
+                        </m:r>
+                      </m:e>
+                      <m:sub>
+                        <m:r>
+                          <a:rPr lang="en-GB" i="1"/>
+                          <m:t>𝜋</m:t>
+                        </m:r>
+                        <m:r>
+                          <a:rPr lang="en-GB" i="1"/>
+                          <m:t>(1)</m:t>
+                        </m:r>
+                      </m:sub>
+                    </m:sSub>
+                    <m:r>
+                      <a:rPr lang="en-GB" i="1"/>
+                      <m:t>,. . . , </m:t>
+                    </m:r>
+                    <m:sSub>
+                      <m:sSubPr>
+                        <m:ctrlPr>
+                          <a:rPr lang="en-BE" i="1"/>
+                        </m:ctrlPr>
+                      </m:sSubPr>
+                      <m:e>
+                        <m:r>
+                          <a:rPr lang="en-GB" i="1"/>
+                          <m:t>𝑋</m:t>
+                        </m:r>
+                      </m:e>
+                      <m:sub>
+                        <m:r>
+                          <a:rPr lang="en-GB" i="1"/>
+                          <m:t>𝑛</m:t>
+                        </m:r>
+                      </m:sub>
+                    </m:sSub>
+                    <m:r>
+                      <a:rPr lang="en-GB" i="1"/>
+                      <m:t>= </m:t>
+                    </m:r>
+                    <m:sSub>
+                      <m:sSubPr>
+                        <m:ctrlPr>
+                          <a:rPr lang="en-BE" i="1"/>
+                        </m:ctrlPr>
+                      </m:sSubPr>
+                      <m:e>
+                        <m:r>
+                          <a:rPr lang="en-GB" i="1"/>
+                          <m:t>𝑑</m:t>
+                        </m:r>
+                      </m:e>
+                      <m:sub>
+                        <m:r>
+                          <a:rPr lang="en-GB" i="1"/>
+                          <m:t>𝜋</m:t>
+                        </m:r>
+                        <m:r>
+                          <a:rPr lang="en-GB" i="1"/>
+                          <m:t>(</m:t>
+                        </m:r>
+                        <m:r>
+                          <a:rPr lang="en-GB" i="1"/>
+                          <m:t>𝑛</m:t>
+                        </m:r>
+                        <m:r>
+                          <a:rPr lang="en-GB" i="1"/>
+                          <m:t>)</m:t>
+                        </m:r>
+                      </m:sub>
+                    </m:sSub>
+                  </m:oMath>
+                </a14:m>
+                <a:r>
+                  <a:rPr lang="en-GB" dirty="0"/>
+                  <a:t>} is a satisfying assignment as well.</a:t>
+                </a:r>
+                <a:endParaRPr lang="nl-BE" dirty="0"/>
+              </a:p>
+            </p:txBody>
+          </p:sp>
+        </mc:Choice>
+        <mc:Fallback>
+          <p:sp>
+            <p:nvSpPr>
+              <p:cNvPr id="2" name="Tijdelijke aanduiding voor inhoud 1"/>
+              <p:cNvSpPr>
+                <a:spLocks noGrp="1" noRot="1" noChangeAspect="1" noMove="1" noResize="1" noEditPoints="1" noAdjustHandles="1" noChangeArrowheads="1" noChangeShapeType="1" noTextEdit="1"/>
+              </p:cNvSpPr>
+              <p:nvPr>
+                <p:ph idx="1"/>
+              </p:nvPr>
+            </p:nvSpPr>
+            <p:spPr>
+              <a:blipFill>
+                <a:blip r:embed="rId2"/>
+                <a:stretch>
+                  <a:fillRect t="-1401"/>
+                </a:stretch>
+              </a:blipFill>
+            </p:spPr>
+            <p:txBody>
+              <a:bodyPr/>
+              <a:lstStyle/>
+              <a:p>
+                <a:r>
+                  <a:rPr lang="en-BE">
+                    <a:noFill/>
+                  </a:rPr>
+                  <a:t> </a:t>
+                </a:r>
+              </a:p>
+            </p:txBody>
+          </p:sp>
+        </mc:Fallback>
+      </mc:AlternateContent>
+      <p:sp>
+        <p:nvSpPr>
+          <p:cNvPr id="3" name="Titel 2"/>
+          <p:cNvSpPr>
+            <a:spLocks noGrp="1"/>
+          </p:cNvSpPr>
+          <p:nvPr>
+            <p:ph type="title"/>
+          </p:nvPr>
+        </p:nvSpPr>
+        <p:spPr/>
+        <p:txBody>
           <a:bodyPr>
             <a:normAutofit/>
           </a:bodyPr>
           <a:lstStyle/>
           <a:p>
             <a:r>
-              <a:rPr lang="en-GB" dirty="0" smtClean="0">
+              <a:rPr lang="en-GB" dirty="0">
+                <a:effectLst/>
+              </a:rPr>
+              <a:t>Lifted Reasoning Strategies</a:t>
+            </a:r>
+            <a:endParaRPr lang="nl-BE" dirty="0"/>
+          </a:p>
+        </p:txBody>
+      </p:sp>
+    </p:spTree>
+    <p:extLst>
+      <p:ext uri="{BB962C8B-B14F-4D97-AF65-F5344CB8AC3E}">
+        <p14:creationId xmlns:p14="http://schemas.microsoft.com/office/powerpoint/2010/main" val="279686156"/>
+      </p:ext>
+    </p:extLst>
+  </p:cSld>
+  <p:clrMapOvr>
+    <a:masterClrMapping/>
+  </p:clrMapOvr>
+</p:sld>
+</file>
+
+<file path=ppt/slides/slide13.xml><?xml version="1.0" encoding="utf-8"?>
+<p:sld xmlns:a="http://schemas.openxmlformats.org/drawingml/2006/main" xmlns:r="http://schemas.openxmlformats.org/officeDocument/2006/relationships" xmlns:p="http://schemas.openxmlformats.org/presentationml/2006/main">
+  <p:cSld>
+    <p:spTree>
+      <p:nvGrpSpPr>
+        <p:cNvPr id="1" name=""/>
+        <p:cNvGrpSpPr/>
+        <p:nvPr/>
+      </p:nvGrpSpPr>
+      <p:grpSpPr>
+        <a:xfrm>
+          <a:off x="0" y="0"/>
+          <a:ext cx="0" cy="0"/>
+          <a:chOff x="0" y="0"/>
+          <a:chExt cx="0" cy="0"/>
+        </a:xfrm>
+      </p:grpSpPr>
+      <mc:AlternateContent xmlns:mc="http://schemas.openxmlformats.org/markup-compatibility/2006">
+        <mc:Choice xmlns:a14="http://schemas.microsoft.com/office/drawing/2010/main" Requires="a14">
+          <p:sp>
+            <p:nvSpPr>
+              <p:cNvPr id="2" name="Tijdelijke aanduiding voor inhoud 1"/>
+              <p:cNvSpPr>
+                <a:spLocks noGrp="1"/>
+              </p:cNvSpPr>
+              <p:nvPr>
+                <p:ph idx="1"/>
+              </p:nvPr>
+            </p:nvSpPr>
+            <p:spPr/>
+            <p:txBody>
+              <a:bodyPr>
+                <a:normAutofit/>
+              </a:bodyPr>
+              <a:lstStyle/>
+              <a:p>
+                <a:pPr marL="109728" indent="0">
+                  <a:buNone/>
+                </a:pPr>
+                <a:r>
+                  <a:rPr lang="nl-BE" dirty="0"/>
+                  <a:t>Example: coin flipping game</a:t>
+                </a:r>
+              </a:p>
+              <a:p>
+                <a:r>
+                  <a:rPr lang="en-GB" dirty="0"/>
+                  <a:t>(</a:t>
+                </a:r>
+                <a14:m>
+                  <m:oMath xmlns:m="http://schemas.openxmlformats.org/officeDocument/2006/math">
+                    <m:sSub>
+                      <m:sSubPr>
+                        <m:ctrlPr>
+                          <a:rPr lang="en-BE" i="1"/>
+                        </m:ctrlPr>
+                      </m:sSubPr>
+                      <m:e>
+                        <m:r>
+                          <a:rPr lang="en-GB" i="1"/>
+                          <m:t>𝑋</m:t>
+                        </m:r>
+                      </m:e>
+                      <m:sub>
+                        <m:r>
+                          <a:rPr lang="en-GB" i="1"/>
+                          <m:t>1</m:t>
+                        </m:r>
+                      </m:sub>
+                    </m:sSub>
+                    <m:r>
+                      <a:rPr lang="en-GB" i="1"/>
+                      <m:t>, </m:t>
+                    </m:r>
+                    <m:sSub>
+                      <m:sSubPr>
+                        <m:ctrlPr>
+                          <a:rPr lang="en-BE" i="1"/>
+                        </m:ctrlPr>
+                      </m:sSubPr>
+                      <m:e>
+                        <m:r>
+                          <a:rPr lang="en-GB" i="1"/>
+                          <m:t>𝑋</m:t>
+                        </m:r>
+                      </m:e>
+                      <m:sub>
+                        <m:r>
+                          <a:rPr lang="en-GB" i="1"/>
+                          <m:t>2</m:t>
+                        </m:r>
+                      </m:sub>
+                    </m:sSub>
+                    <m:r>
+                      <a:rPr lang="en-GB" i="1"/>
+                      <m:t>,</m:t>
+                    </m:r>
+                    <m:sSub>
+                      <m:sSubPr>
+                        <m:ctrlPr>
+                          <a:rPr lang="en-BE" i="1"/>
+                        </m:ctrlPr>
+                      </m:sSubPr>
+                      <m:e>
+                        <m:r>
+                          <a:rPr lang="en-GB" i="1"/>
+                          <m:t>𝑋</m:t>
+                        </m:r>
+                      </m:e>
+                      <m:sub>
+                        <m:r>
+                          <a:rPr lang="en-GB" i="1"/>
+                          <m:t>3</m:t>
+                        </m:r>
+                      </m:sub>
+                    </m:sSub>
+                    <m:r>
+                      <a:rPr lang="en-GB" i="1"/>
+                      <m:t>, </m:t>
+                    </m:r>
+                    <m:sSub>
+                      <m:sSubPr>
+                        <m:ctrlPr>
+                          <a:rPr lang="en-BE" i="1"/>
+                        </m:ctrlPr>
+                      </m:sSubPr>
+                      <m:e>
+                        <m:r>
+                          <a:rPr lang="en-GB" i="1"/>
+                          <m:t>𝑋</m:t>
+                        </m:r>
+                      </m:e>
+                      <m:sub>
+                        <m:r>
+                          <a:rPr lang="en-GB" i="1"/>
+                          <m:t>4</m:t>
+                        </m:r>
+                      </m:sub>
+                    </m:sSub>
+                    <m:r>
+                      <a:rPr lang="en-GB" i="1"/>
+                      <m:t>,</m:t>
+                    </m:r>
+                    <m:sSub>
+                      <m:sSubPr>
+                        <m:ctrlPr>
+                          <a:rPr lang="en-BE" i="1"/>
+                        </m:ctrlPr>
+                      </m:sSubPr>
+                      <m:e>
+                        <m:r>
+                          <a:rPr lang="en-GB" i="1"/>
+                          <m:t>𝑋</m:t>
+                        </m:r>
+                      </m:e>
+                      <m:sub>
+                        <m:r>
+                          <a:rPr lang="en-GB" i="1"/>
+                          <m:t>5</m:t>
+                        </m:r>
+                      </m:sub>
+                    </m:sSub>
+                  </m:oMath>
+                </a14:m>
+                <a:r>
+                  <a:rPr lang="en-GB" dirty="0"/>
+                  <a:t>) represent the tosses</a:t>
+                </a:r>
+              </a:p>
+              <a:p>
+                <a:r>
+                  <a:rPr lang="nl-BE" dirty="0"/>
+                  <a:t>With constraint #heads &gt; #tails</a:t>
+                </a:r>
+              </a:p>
+              <a:p>
+                <a:endParaRPr lang="nl-BE" dirty="0"/>
+              </a:p>
+              <a:p>
+                <a:r>
+                  <a:rPr lang="nl-BE" dirty="0"/>
+                  <a:t>The model (H, H, T, H, T) is a solution</a:t>
+                </a:r>
+              </a:p>
+              <a:p>
+                <a:r>
+                  <a:rPr lang="nl-BE" dirty="0"/>
+                  <a:t>But so is</a:t>
+                </a:r>
+              </a:p>
+              <a:p>
+                <a:pPr lvl="1"/>
+                <a:r>
+                  <a:rPr lang="nl-BE" dirty="0"/>
+                  <a:t>(H, T, H, T, H)</a:t>
+                </a:r>
+              </a:p>
+              <a:p>
+                <a:pPr lvl="1"/>
+                <a:r>
+                  <a:rPr lang="nl-BE" dirty="0"/>
+                  <a:t>(H, H, H, T, T)</a:t>
+                </a:r>
+              </a:p>
+              <a:p>
+                <a:pPr lvl="1"/>
+                <a:r>
+                  <a:rPr lang="nl-BE" dirty="0"/>
+                  <a:t>(T, H, T, H, H)</a:t>
+                </a:r>
+              </a:p>
+              <a:p>
+                <a:pPr lvl="1"/>
+                <a:r>
+                  <a:rPr lang="nl-BE" dirty="0"/>
+                  <a:t>… 		</a:t>
+                </a:r>
+                <a:r>
+                  <a:rPr lang="nl-BE" dirty="0">
+                    <a:sym typeface="Wingdings" pitchFamily="2" charset="2"/>
+                  </a:rPr>
+                  <a:t> order of tosses don’t matter!</a:t>
+                </a:r>
+                <a:endParaRPr lang="nl-BE" dirty="0"/>
+              </a:p>
+            </p:txBody>
+          </p:sp>
+        </mc:Choice>
+        <mc:Fallback>
+          <p:sp>
+            <p:nvSpPr>
+              <p:cNvPr id="2" name="Tijdelijke aanduiding voor inhoud 1"/>
+              <p:cNvSpPr>
+                <a:spLocks noGrp="1" noRot="1" noChangeAspect="1" noMove="1" noResize="1" noEditPoints="1" noAdjustHandles="1" noChangeArrowheads="1" noChangeShapeType="1" noTextEdit="1"/>
+              </p:cNvSpPr>
+              <p:nvPr>
+                <p:ph idx="1"/>
+              </p:nvPr>
+            </p:nvSpPr>
+            <p:spPr>
+              <a:blipFill>
+                <a:blip r:embed="rId2"/>
+                <a:stretch>
+                  <a:fillRect l="-154" t="-1401"/>
+                </a:stretch>
+              </a:blipFill>
+            </p:spPr>
+            <p:txBody>
+              <a:bodyPr/>
+              <a:lstStyle/>
+              <a:p>
+                <a:r>
+                  <a:rPr lang="en-BE">
+                    <a:noFill/>
+                  </a:rPr>
+                  <a:t> </a:t>
+                </a:r>
+              </a:p>
+            </p:txBody>
+          </p:sp>
+        </mc:Fallback>
+      </mc:AlternateContent>
+      <p:sp>
+        <p:nvSpPr>
+          <p:cNvPr id="3" name="Titel 2"/>
+          <p:cNvSpPr>
+            <a:spLocks noGrp="1"/>
+          </p:cNvSpPr>
+          <p:nvPr>
+            <p:ph type="title"/>
+          </p:nvPr>
+        </p:nvSpPr>
+        <p:spPr/>
+        <p:txBody>
+          <a:bodyPr>
+            <a:normAutofit/>
+          </a:bodyPr>
+          <a:lstStyle/>
+          <a:p>
+            <a:r>
+              <a:rPr lang="en-GB" dirty="0">
+                <a:effectLst/>
+              </a:rPr>
+              <a:t>Lifted Reasoning Strategies</a:t>
+            </a:r>
+            <a:endParaRPr lang="nl-BE" dirty="0"/>
+          </a:p>
+        </p:txBody>
+      </p:sp>
+    </p:spTree>
+    <p:extLst>
+      <p:ext uri="{BB962C8B-B14F-4D97-AF65-F5344CB8AC3E}">
+        <p14:creationId xmlns:p14="http://schemas.microsoft.com/office/powerpoint/2010/main" val="2368563655"/>
+      </p:ext>
+    </p:extLst>
+  </p:cSld>
+  <p:clrMapOvr>
+    <a:masterClrMapping/>
+  </p:clrMapOvr>
+</p:sld>
+</file>
+
+<file path=ppt/slides/slide14.xml><?xml version="1.0" encoding="utf-8"?>
+<p:sld xmlns:a="http://schemas.openxmlformats.org/drawingml/2006/main" xmlns:r="http://schemas.openxmlformats.org/officeDocument/2006/relationships" xmlns:p="http://schemas.openxmlformats.org/presentationml/2006/main">
+  <p:cSld>
+    <p:spTree>
+      <p:nvGrpSpPr>
+        <p:cNvPr id="1" name=""/>
+        <p:cNvGrpSpPr/>
+        <p:nvPr/>
+      </p:nvGrpSpPr>
+      <p:grpSpPr>
+        <a:xfrm>
+          <a:off x="0" y="0"/>
+          <a:ext cx="0" cy="0"/>
+          <a:chOff x="0" y="0"/>
+          <a:chExt cx="0" cy="0"/>
+        </a:xfrm>
+      </p:grpSpPr>
+      <mc:AlternateContent xmlns:mc="http://schemas.openxmlformats.org/markup-compatibility/2006">
+        <mc:Choice xmlns:a14="http://schemas.microsoft.com/office/drawing/2010/main" Requires="a14">
+          <p:sp>
+            <p:nvSpPr>
+              <p:cNvPr id="2" name="Tijdelijke aanduiding voor inhoud 1"/>
+              <p:cNvSpPr>
+                <a:spLocks noGrp="1"/>
+              </p:cNvSpPr>
+              <p:nvPr>
+                <p:ph idx="1"/>
+              </p:nvPr>
+            </p:nvSpPr>
+            <p:spPr/>
+            <p:txBody>
+              <a:bodyPr>
+                <a:normAutofit/>
+              </a:bodyPr>
+              <a:lstStyle/>
+              <a:p>
+                <a:r>
+                  <a:rPr lang="nl-BE" dirty="0"/>
+                  <a:t>Split</a:t>
+                </a:r>
+              </a:p>
+              <a:p>
+                <a:pPr lvl="1"/>
+                <a:r>
+                  <a:rPr lang="en-GB" dirty="0"/>
+                  <a:t>Given a #CSP </a:t>
+                </a:r>
+                <a14:m>
+                  <m:oMath xmlns:m="http://schemas.openxmlformats.org/officeDocument/2006/math">
+                    <m:r>
+                      <a:rPr lang="nl-BE" b="0" i="1" smtClean="0">
+                        <a:latin typeface="Cambria Math" panose="02040503050406030204" pitchFamily="18" charset="0"/>
+                      </a:rPr>
+                      <m:t>𝑀𝐶</m:t>
+                    </m:r>
+                    <m:d>
+                      <m:dPr>
+                        <m:ctrlPr>
+                          <a:rPr lang="nl-BE" b="0" i="1" smtClean="0">
+                            <a:latin typeface="Cambria Math" panose="02040503050406030204" pitchFamily="18" charset="0"/>
+                          </a:rPr>
+                        </m:ctrlPr>
+                      </m:dPr>
+                      <m:e>
+                        <m:sSub>
+                          <m:sSubPr>
+                            <m:ctrlPr>
+                              <a:rPr lang="nl-BE" b="0" i="1" smtClean="0">
+                                <a:latin typeface="Cambria Math" panose="02040503050406030204" pitchFamily="18" charset="0"/>
+                              </a:rPr>
+                            </m:ctrlPr>
+                          </m:sSubPr>
+                          <m:e>
+                            <m:r>
+                              <a:rPr lang="nl-BE" b="0" i="1" smtClean="0">
+                                <a:latin typeface="Cambria Math" panose="02040503050406030204" pitchFamily="18" charset="0"/>
+                              </a:rPr>
+                              <m:t>𝑉</m:t>
+                            </m:r>
+                          </m:e>
+                          <m:sub>
+                            <m:r>
+                              <a:rPr lang="nl-BE" b="0" i="1" smtClean="0">
+                                <a:latin typeface="Cambria Math" panose="02040503050406030204" pitchFamily="18" charset="0"/>
+                              </a:rPr>
+                              <m:t>1</m:t>
+                            </m:r>
+                          </m:sub>
+                        </m:sSub>
+                        <m:r>
+                          <a:rPr lang="nl-BE" b="0" i="1" smtClean="0">
+                            <a:latin typeface="Cambria Math" panose="02040503050406030204" pitchFamily="18" charset="0"/>
+                            <a:ea typeface="Cambria Math" panose="02040503050406030204" pitchFamily="18" charset="0"/>
+                          </a:rPr>
+                          <m:t>∪</m:t>
+                        </m:r>
+                        <m:sSub>
+                          <m:sSubPr>
+                            <m:ctrlPr>
+                              <a:rPr lang="nl-BE" b="0" i="1" smtClean="0">
+                                <a:latin typeface="Cambria Math" panose="02040503050406030204" pitchFamily="18" charset="0"/>
+                                <a:ea typeface="Cambria Math" panose="02040503050406030204" pitchFamily="18" charset="0"/>
+                              </a:rPr>
+                            </m:ctrlPr>
+                          </m:sSubPr>
+                          <m:e>
+                            <m:r>
+                              <a:rPr lang="nl-BE" b="0" i="1" smtClean="0">
+                                <a:latin typeface="Cambria Math" panose="02040503050406030204" pitchFamily="18" charset="0"/>
+                                <a:ea typeface="Cambria Math" panose="02040503050406030204" pitchFamily="18" charset="0"/>
+                              </a:rPr>
+                              <m:t>𝑉</m:t>
+                            </m:r>
+                          </m:e>
+                          <m:sub>
+                            <m:r>
+                              <a:rPr lang="nl-BE" b="0" i="1" smtClean="0">
+                                <a:latin typeface="Cambria Math" panose="02040503050406030204" pitchFamily="18" charset="0"/>
+                                <a:ea typeface="Cambria Math" panose="02040503050406030204" pitchFamily="18" charset="0"/>
+                              </a:rPr>
+                              <m:t>2</m:t>
+                            </m:r>
+                          </m:sub>
+                        </m:sSub>
+                        <m:r>
+                          <a:rPr lang="nl-BE" b="0" i="1" smtClean="0">
+                            <a:latin typeface="Cambria Math" panose="02040503050406030204" pitchFamily="18" charset="0"/>
+                          </a:rPr>
+                          <m:t>,</m:t>
+                        </m:r>
+                        <m:r>
+                          <a:rPr lang="nl-BE" b="0" i="1" smtClean="0">
+                            <a:latin typeface="Cambria Math" panose="02040503050406030204" pitchFamily="18" charset="0"/>
+                          </a:rPr>
+                          <m:t>𝐷</m:t>
+                        </m:r>
+                        <m:r>
+                          <a:rPr lang="nl-BE" b="0" i="1" smtClean="0">
+                            <a:latin typeface="Cambria Math" panose="02040503050406030204" pitchFamily="18" charset="0"/>
+                          </a:rPr>
+                          <m:t>,</m:t>
+                        </m:r>
+                        <m:r>
+                          <a:rPr lang="nl-BE" b="0" i="1" smtClean="0">
+                            <a:latin typeface="Cambria Math" panose="02040503050406030204" pitchFamily="18" charset="0"/>
+                          </a:rPr>
+                          <m:t>𝐶</m:t>
+                        </m:r>
+                      </m:e>
+                    </m:d>
+                    <m:r>
+                      <a:rPr lang="nl-BE" b="0" i="1" smtClean="0">
+                        <a:latin typeface="Cambria Math" panose="02040503050406030204" pitchFamily="18" charset="0"/>
+                      </a:rPr>
+                      <m:t>,</m:t>
+                    </m:r>
+                    <m:sSub>
+                      <m:sSubPr>
+                        <m:ctrlPr>
+                          <a:rPr lang="nl-BE" i="1">
+                            <a:latin typeface="Cambria Math" panose="02040503050406030204" pitchFamily="18" charset="0"/>
+                          </a:rPr>
+                        </m:ctrlPr>
+                      </m:sSubPr>
+                      <m:e>
+                        <m:r>
+                          <a:rPr lang="nl-BE" i="1">
+                            <a:latin typeface="Cambria Math" panose="02040503050406030204" pitchFamily="18" charset="0"/>
+                          </a:rPr>
+                          <m:t>𝑉</m:t>
+                        </m:r>
+                      </m:e>
+                      <m:sub>
+                        <m:r>
+                          <a:rPr lang="nl-BE" i="1">
+                            <a:latin typeface="Cambria Math" panose="02040503050406030204" pitchFamily="18" charset="0"/>
+                          </a:rPr>
+                          <m:t>1</m:t>
+                        </m:r>
+                      </m:sub>
+                    </m:sSub>
+                    <m:r>
+                      <a:rPr lang="nl-BE" i="1" smtClean="0">
+                        <a:latin typeface="Cambria Math" panose="02040503050406030204" pitchFamily="18" charset="0"/>
+                        <a:ea typeface="Cambria Math" panose="02040503050406030204" pitchFamily="18" charset="0"/>
+                      </a:rPr>
+                      <m:t>∩</m:t>
+                    </m:r>
+                    <m:sSub>
+                      <m:sSubPr>
+                        <m:ctrlPr>
+                          <a:rPr lang="nl-BE" i="1">
+                            <a:latin typeface="Cambria Math" panose="02040503050406030204" pitchFamily="18" charset="0"/>
+                            <a:ea typeface="Cambria Math" panose="02040503050406030204" pitchFamily="18" charset="0"/>
+                          </a:rPr>
+                        </m:ctrlPr>
+                      </m:sSubPr>
+                      <m:e>
+                        <m:r>
+                          <a:rPr lang="nl-BE" i="1">
+                            <a:latin typeface="Cambria Math" panose="02040503050406030204" pitchFamily="18" charset="0"/>
+                            <a:ea typeface="Cambria Math" panose="02040503050406030204" pitchFamily="18" charset="0"/>
+                          </a:rPr>
+                          <m:t>𝑉</m:t>
+                        </m:r>
+                      </m:e>
+                      <m:sub>
+                        <m:r>
+                          <a:rPr lang="nl-BE" i="1">
+                            <a:latin typeface="Cambria Math" panose="02040503050406030204" pitchFamily="18" charset="0"/>
+                            <a:ea typeface="Cambria Math" panose="02040503050406030204" pitchFamily="18" charset="0"/>
+                          </a:rPr>
+                          <m:t>2</m:t>
+                        </m:r>
+                      </m:sub>
+                    </m:sSub>
+                    <m:r>
+                      <a:rPr lang="nl-BE" b="0" i="1" smtClean="0">
+                        <a:latin typeface="Cambria Math" panose="02040503050406030204" pitchFamily="18" charset="0"/>
+                        <a:ea typeface="Cambria Math" panose="02040503050406030204" pitchFamily="18" charset="0"/>
+                      </a:rPr>
+                      <m:t>=∅:</m:t>
+                    </m:r>
+                  </m:oMath>
+                </a14:m>
+                <a:br>
+                  <a:rPr lang="nl-BE" dirty="0"/>
+                </a:br>
+                <a:r>
+                  <a:rPr lang="en-GB" dirty="0"/>
+                  <a:t>A </a:t>
+                </a:r>
+                <a:r>
+                  <a:rPr lang="en-GB" i="1" dirty="0"/>
+                  <a:t>split</a:t>
+                </a:r>
+                <a:r>
+                  <a:rPr lang="en-GB" dirty="0"/>
+                  <a:t> is pair of #CSPs </a:t>
+                </a:r>
+                <a14:m>
+                  <m:oMath xmlns:m="http://schemas.openxmlformats.org/officeDocument/2006/math">
+                    <m:d>
+                      <m:dPr>
+                        <m:ctrlPr>
+                          <a:rPr lang="nl-BE" b="0" i="1" smtClean="0">
+                            <a:latin typeface="Cambria Math" panose="02040503050406030204" pitchFamily="18" charset="0"/>
+                          </a:rPr>
+                        </m:ctrlPr>
+                      </m:dPr>
+                      <m:e>
+                        <m:sSub>
+                          <m:sSubPr>
+                            <m:ctrlPr>
+                              <a:rPr lang="nl-BE" b="0" i="1" smtClean="0">
+                                <a:latin typeface="Cambria Math" panose="02040503050406030204" pitchFamily="18" charset="0"/>
+                              </a:rPr>
+                            </m:ctrlPr>
+                          </m:sSubPr>
+                          <m:e>
+                            <m:r>
+                              <a:rPr lang="nl-BE" b="0" i="1" smtClean="0">
+                                <a:latin typeface="Cambria Math" panose="02040503050406030204" pitchFamily="18" charset="0"/>
+                              </a:rPr>
+                              <m:t>𝑆</m:t>
+                            </m:r>
+                          </m:e>
+                          <m:sub>
+                            <m:r>
+                              <a:rPr lang="nl-BE" b="0" i="1" smtClean="0">
+                                <a:latin typeface="Cambria Math" panose="02040503050406030204" pitchFamily="18" charset="0"/>
+                              </a:rPr>
+                              <m:t>1</m:t>
+                            </m:r>
+                          </m:sub>
+                        </m:sSub>
+                        <m:r>
+                          <a:rPr lang="nl-BE" b="0" i="1" smtClean="0">
+                            <a:latin typeface="Cambria Math" panose="02040503050406030204" pitchFamily="18" charset="0"/>
+                          </a:rPr>
+                          <m:t>,</m:t>
+                        </m:r>
+                        <m:sSub>
+                          <m:sSubPr>
+                            <m:ctrlPr>
+                              <a:rPr lang="nl-BE" b="0" i="1" smtClean="0">
+                                <a:latin typeface="Cambria Math" panose="02040503050406030204" pitchFamily="18" charset="0"/>
+                              </a:rPr>
+                            </m:ctrlPr>
+                          </m:sSubPr>
+                          <m:e>
+                            <m:r>
+                              <a:rPr lang="nl-BE" b="0" i="1" smtClean="0">
+                                <a:latin typeface="Cambria Math" panose="02040503050406030204" pitchFamily="18" charset="0"/>
+                              </a:rPr>
+                              <m:t>𝑆</m:t>
+                            </m:r>
+                          </m:e>
+                          <m:sub>
+                            <m:r>
+                              <a:rPr lang="nl-BE" b="0" i="1" smtClean="0">
+                                <a:latin typeface="Cambria Math" panose="02040503050406030204" pitchFamily="18" charset="0"/>
+                              </a:rPr>
+                              <m:t>2</m:t>
+                            </m:r>
+                          </m:sub>
+                        </m:sSub>
+                      </m:e>
+                    </m:d>
+                    <m:r>
+                      <a:rPr lang="nl-BE" b="0" i="0" smtClean="0">
+                        <a:latin typeface="Cambria Math" panose="02040503050406030204" pitchFamily="18" charset="0"/>
+                      </a:rPr>
+                      <m:t>, </m:t>
+                    </m:r>
+                    <m:sSub>
+                      <m:sSubPr>
+                        <m:ctrlPr>
+                          <a:rPr lang="nl-BE" b="0" i="1" smtClean="0">
+                            <a:latin typeface="Cambria Math" panose="02040503050406030204" pitchFamily="18" charset="0"/>
+                          </a:rPr>
+                        </m:ctrlPr>
+                      </m:sSubPr>
+                      <m:e>
+                        <m:r>
+                          <a:rPr lang="nl-BE" b="0" i="1" smtClean="0">
+                            <a:latin typeface="Cambria Math" panose="02040503050406030204" pitchFamily="18" charset="0"/>
+                          </a:rPr>
+                          <m:t>𝑆</m:t>
+                        </m:r>
+                      </m:e>
+                      <m:sub>
+                        <m:r>
+                          <a:rPr lang="nl-BE" b="0" i="1" smtClean="0">
+                            <a:latin typeface="Cambria Math" panose="02040503050406030204" pitchFamily="18" charset="0"/>
+                          </a:rPr>
+                          <m:t>𝑖</m:t>
+                        </m:r>
+                      </m:sub>
+                    </m:sSub>
+                    <m:r>
+                      <a:rPr lang="nl-BE" b="0" i="1" smtClean="0">
+                        <a:latin typeface="Cambria Math" panose="02040503050406030204" pitchFamily="18" charset="0"/>
+                      </a:rPr>
+                      <m:t>=</m:t>
+                    </m:r>
+                    <m:r>
+                      <a:rPr lang="nl-BE" b="0" i="1" smtClean="0">
+                        <a:latin typeface="Cambria Math" panose="02040503050406030204" pitchFamily="18" charset="0"/>
+                      </a:rPr>
+                      <m:t>𝑀𝐶</m:t>
+                    </m:r>
+                    <m:d>
+                      <m:dPr>
+                        <m:ctrlPr>
+                          <a:rPr lang="nl-BE" b="0" i="1" smtClean="0">
+                            <a:latin typeface="Cambria Math" panose="02040503050406030204" pitchFamily="18" charset="0"/>
+                          </a:rPr>
+                        </m:ctrlPr>
+                      </m:dPr>
+                      <m:e>
+                        <m:sSub>
+                          <m:sSubPr>
+                            <m:ctrlPr>
+                              <a:rPr lang="nl-BE" b="0" i="1" smtClean="0">
+                                <a:latin typeface="Cambria Math" panose="02040503050406030204" pitchFamily="18" charset="0"/>
+                              </a:rPr>
+                            </m:ctrlPr>
+                          </m:sSubPr>
+                          <m:e>
+                            <m:r>
+                              <a:rPr lang="nl-BE" b="0" i="1" smtClean="0">
+                                <a:latin typeface="Cambria Math" panose="02040503050406030204" pitchFamily="18" charset="0"/>
+                              </a:rPr>
+                              <m:t>𝑉</m:t>
+                            </m:r>
+                          </m:e>
+                          <m:sub>
+                            <m:r>
+                              <a:rPr lang="nl-BE" b="0" i="1" smtClean="0">
+                                <a:latin typeface="Cambria Math" panose="02040503050406030204" pitchFamily="18" charset="0"/>
+                              </a:rPr>
+                              <m:t>𝑖</m:t>
+                            </m:r>
+                          </m:sub>
+                        </m:sSub>
+                        <m:r>
+                          <a:rPr lang="nl-BE" b="0" i="1" smtClean="0">
+                            <a:latin typeface="Cambria Math" panose="02040503050406030204" pitchFamily="18" charset="0"/>
+                          </a:rPr>
+                          <m:t>,</m:t>
+                        </m:r>
+                        <m:r>
+                          <a:rPr lang="nl-BE" b="0" i="1" smtClean="0">
+                            <a:latin typeface="Cambria Math" panose="02040503050406030204" pitchFamily="18" charset="0"/>
+                          </a:rPr>
+                          <m:t>𝐷</m:t>
+                        </m:r>
+                        <m:r>
+                          <a:rPr lang="nl-BE" b="0" i="1" smtClean="0">
+                            <a:latin typeface="Cambria Math" panose="02040503050406030204" pitchFamily="18" charset="0"/>
+                          </a:rPr>
+                          <m:t>,</m:t>
+                        </m:r>
+                        <m:sSub>
+                          <m:sSubPr>
+                            <m:ctrlPr>
+                              <a:rPr lang="nl-BE" b="0" i="1" smtClean="0">
+                                <a:latin typeface="Cambria Math" panose="02040503050406030204" pitchFamily="18" charset="0"/>
+                              </a:rPr>
+                            </m:ctrlPr>
+                          </m:sSubPr>
+                          <m:e>
+                            <m:r>
+                              <a:rPr lang="nl-BE" b="0" i="1" smtClean="0">
+                                <a:latin typeface="Cambria Math" panose="02040503050406030204" pitchFamily="18" charset="0"/>
+                              </a:rPr>
+                              <m:t>𝐶</m:t>
+                            </m:r>
+                          </m:e>
+                          <m:sub>
+                            <m:r>
+                              <a:rPr lang="nl-BE" b="0" i="1" smtClean="0">
+                                <a:latin typeface="Cambria Math" panose="02040503050406030204" pitchFamily="18" charset="0"/>
+                              </a:rPr>
+                              <m:t>𝑖</m:t>
+                            </m:r>
+                          </m:sub>
+                        </m:sSub>
+                      </m:e>
+                    </m:d>
+                  </m:oMath>
+                </a14:m>
+                <a:br>
+                  <a:rPr lang="nl-BE" b="0" dirty="0"/>
+                </a:br>
+                <a:r>
+                  <a:rPr lang="en-GB" dirty="0"/>
+                  <a:t>so that </a:t>
+                </a:r>
+                <a14:m>
+                  <m:oMath xmlns:m="http://schemas.openxmlformats.org/officeDocument/2006/math">
+                    <m:sSub>
+                      <m:sSubPr>
+                        <m:ctrlPr>
+                          <a:rPr lang="en-GB" i="1" smtClean="0">
+                            <a:latin typeface="Cambria Math" panose="02040503050406030204" pitchFamily="18" charset="0"/>
+                          </a:rPr>
+                        </m:ctrlPr>
+                      </m:sSubPr>
+                      <m:e>
+                        <m:r>
+                          <a:rPr lang="nl-BE" b="0" i="1" smtClean="0">
+                            <a:latin typeface="Cambria Math" panose="02040503050406030204" pitchFamily="18" charset="0"/>
+                          </a:rPr>
+                          <m:t>𝑆</m:t>
+                        </m:r>
+                      </m:e>
+                      <m:sub>
+                        <m:r>
+                          <a:rPr lang="nl-BE" b="0" i="1" smtClean="0">
+                            <a:latin typeface="Cambria Math" panose="02040503050406030204" pitchFamily="18" charset="0"/>
+                          </a:rPr>
+                          <m:t>1</m:t>
+                        </m:r>
+                      </m:sub>
+                    </m:sSub>
+                    <m:r>
+                      <a:rPr lang="en-GB" i="1" smtClean="0">
+                        <a:latin typeface="Cambria Math" panose="02040503050406030204" pitchFamily="18" charset="0"/>
+                        <a:ea typeface="Cambria Math" panose="02040503050406030204" pitchFamily="18" charset="0"/>
+                      </a:rPr>
+                      <m:t>∙</m:t>
+                    </m:r>
+                    <m:sSub>
+                      <m:sSubPr>
+                        <m:ctrlPr>
+                          <a:rPr lang="en-GB" i="1" smtClean="0">
+                            <a:latin typeface="Cambria Math" panose="02040503050406030204" pitchFamily="18" charset="0"/>
+                            <a:ea typeface="Cambria Math" panose="02040503050406030204" pitchFamily="18" charset="0"/>
+                          </a:rPr>
+                        </m:ctrlPr>
+                      </m:sSubPr>
+                      <m:e>
+                        <m:r>
+                          <a:rPr lang="nl-BE" b="0" i="1" smtClean="0">
+                            <a:latin typeface="Cambria Math" panose="02040503050406030204" pitchFamily="18" charset="0"/>
+                            <a:ea typeface="Cambria Math" panose="02040503050406030204" pitchFamily="18" charset="0"/>
+                          </a:rPr>
+                          <m:t>𝑆</m:t>
+                        </m:r>
+                      </m:e>
+                      <m:sub>
+                        <m:r>
+                          <a:rPr lang="nl-BE" b="0" i="1" smtClean="0">
+                            <a:latin typeface="Cambria Math" panose="02040503050406030204" pitchFamily="18" charset="0"/>
+                            <a:ea typeface="Cambria Math" panose="02040503050406030204" pitchFamily="18" charset="0"/>
+                          </a:rPr>
+                          <m:t>2</m:t>
+                        </m:r>
+                      </m:sub>
+                    </m:sSub>
+                    <m:r>
+                      <a:rPr lang="nl-BE" b="0" i="1" smtClean="0">
+                        <a:latin typeface="Cambria Math" panose="02040503050406030204" pitchFamily="18" charset="0"/>
+                        <a:ea typeface="Cambria Math" panose="02040503050406030204" pitchFamily="18" charset="0"/>
+                      </a:rPr>
+                      <m:t>=</m:t>
+                    </m:r>
+                    <m:r>
+                      <a:rPr lang="nl-BE" b="0" i="1" smtClean="0">
+                        <a:latin typeface="Cambria Math" panose="02040503050406030204" pitchFamily="18" charset="0"/>
+                        <a:ea typeface="Cambria Math" panose="02040503050406030204" pitchFamily="18" charset="0"/>
+                      </a:rPr>
+                      <m:t>𝑀𝐶</m:t>
+                    </m:r>
+                    <m:r>
+                      <a:rPr lang="nl-BE" b="0" i="1" smtClean="0">
+                        <a:latin typeface="Cambria Math" panose="02040503050406030204" pitchFamily="18" charset="0"/>
+                        <a:ea typeface="Cambria Math" panose="02040503050406030204" pitchFamily="18" charset="0"/>
+                      </a:rPr>
+                      <m:t>(</m:t>
+                    </m:r>
+                    <m:r>
+                      <a:rPr lang="nl-BE" b="0" i="1" smtClean="0">
+                        <a:latin typeface="Cambria Math" panose="02040503050406030204" pitchFamily="18" charset="0"/>
+                        <a:ea typeface="Cambria Math" panose="02040503050406030204" pitchFamily="18" charset="0"/>
+                      </a:rPr>
+                      <m:t>𝑉</m:t>
+                    </m:r>
+                    <m:r>
+                      <a:rPr lang="nl-BE" b="0" i="1" smtClean="0">
+                        <a:latin typeface="Cambria Math" panose="02040503050406030204" pitchFamily="18" charset="0"/>
+                        <a:ea typeface="Cambria Math" panose="02040503050406030204" pitchFamily="18" charset="0"/>
+                      </a:rPr>
+                      <m:t>,</m:t>
+                    </m:r>
+                    <m:r>
+                      <a:rPr lang="nl-BE" b="0" i="1" smtClean="0">
+                        <a:latin typeface="Cambria Math" panose="02040503050406030204" pitchFamily="18" charset="0"/>
+                        <a:ea typeface="Cambria Math" panose="02040503050406030204" pitchFamily="18" charset="0"/>
+                      </a:rPr>
+                      <m:t>𝐷</m:t>
+                    </m:r>
+                    <m:r>
+                      <a:rPr lang="nl-BE" b="0" i="1" smtClean="0">
+                        <a:latin typeface="Cambria Math" panose="02040503050406030204" pitchFamily="18" charset="0"/>
+                        <a:ea typeface="Cambria Math" panose="02040503050406030204" pitchFamily="18" charset="0"/>
+                      </a:rPr>
+                      <m:t>,</m:t>
+                    </m:r>
+                    <m:r>
+                      <a:rPr lang="nl-BE" b="0" i="1" smtClean="0">
+                        <a:latin typeface="Cambria Math" panose="02040503050406030204" pitchFamily="18" charset="0"/>
+                        <a:ea typeface="Cambria Math" panose="02040503050406030204" pitchFamily="18" charset="0"/>
+                      </a:rPr>
+                      <m:t>𝐶</m:t>
+                    </m:r>
+                    <m:r>
+                      <a:rPr lang="nl-BE" b="0" i="1" smtClean="0">
+                        <a:latin typeface="Cambria Math" panose="02040503050406030204" pitchFamily="18" charset="0"/>
+                        <a:ea typeface="Cambria Math" panose="02040503050406030204" pitchFamily="18" charset="0"/>
+                      </a:rPr>
+                      <m:t>)</m:t>
+                    </m:r>
+                  </m:oMath>
+                </a14:m>
+                <a:endParaRPr lang="nl-BE" dirty="0"/>
+              </a:p>
+              <a:p>
+                <a:r>
+                  <a:rPr lang="nl-BE" dirty="0"/>
+                  <a:t>Shattering</a:t>
+                </a:r>
+              </a:p>
+              <a:p>
+                <a:pPr lvl="1"/>
+                <a:r>
+                  <a:rPr lang="nl-BE" dirty="0"/>
+                  <a:t>generalizes a split</a:t>
+                </a:r>
+              </a:p>
+              <a:p>
+                <a:pPr lvl="1"/>
+                <a:r>
+                  <a:rPr lang="nl-BE" dirty="0"/>
+                  <a:t>&lt;definition shattering&gt;</a:t>
+                </a:r>
+              </a:p>
+            </p:txBody>
+          </p:sp>
+        </mc:Choice>
+        <mc:Fallback>
+          <p:sp>
+            <p:nvSpPr>
+              <p:cNvPr id="2" name="Tijdelijke aanduiding voor inhoud 1"/>
+              <p:cNvSpPr>
+                <a:spLocks noGrp="1" noRot="1" noChangeAspect="1" noMove="1" noResize="1" noEditPoints="1" noAdjustHandles="1" noChangeArrowheads="1" noChangeShapeType="1" noTextEdit="1"/>
+              </p:cNvSpPr>
+              <p:nvPr>
+                <p:ph idx="1"/>
+              </p:nvPr>
+            </p:nvSpPr>
+            <p:spPr>
+              <a:blipFill>
+                <a:blip r:embed="rId2"/>
+                <a:stretch>
+                  <a:fillRect t="-1401"/>
+                </a:stretch>
+              </a:blipFill>
+            </p:spPr>
+            <p:txBody>
+              <a:bodyPr/>
+              <a:lstStyle/>
+              <a:p>
+                <a:r>
+                  <a:rPr lang="en-BE">
+                    <a:noFill/>
+                  </a:rPr>
+                  <a:t> </a:t>
+                </a:r>
+              </a:p>
+            </p:txBody>
+          </p:sp>
+        </mc:Fallback>
+      </mc:AlternateContent>
+      <p:sp>
+        <p:nvSpPr>
+          <p:cNvPr id="3" name="Titel 2"/>
+          <p:cNvSpPr>
+            <a:spLocks noGrp="1"/>
+          </p:cNvSpPr>
+          <p:nvPr>
+            <p:ph type="title"/>
+          </p:nvPr>
+        </p:nvSpPr>
+        <p:spPr/>
+        <p:txBody>
+          <a:bodyPr>
+            <a:normAutofit/>
+          </a:bodyPr>
+          <a:lstStyle/>
+          <a:p>
+            <a:r>
+              <a:rPr lang="en-GB" dirty="0">
+                <a:effectLst/>
+              </a:rPr>
+              <a:t>Lifted Reasoning Strategies</a:t>
+            </a:r>
+            <a:endParaRPr lang="nl-BE" dirty="0"/>
+          </a:p>
+        </p:txBody>
+      </p:sp>
+    </p:spTree>
+    <p:extLst>
+      <p:ext uri="{BB962C8B-B14F-4D97-AF65-F5344CB8AC3E}">
+        <p14:creationId xmlns:p14="http://schemas.microsoft.com/office/powerpoint/2010/main" val="3178550152"/>
+      </p:ext>
+    </p:extLst>
+  </p:cSld>
+  <p:clrMapOvr>
+    <a:masterClrMapping/>
+  </p:clrMapOvr>
+</p:sld>
+</file>
+
+<file path=ppt/slides/slide15.xml><?xml version="1.0" encoding="utf-8"?>
+<p:sld xmlns:a="http://schemas.openxmlformats.org/drawingml/2006/main" xmlns:r="http://schemas.openxmlformats.org/officeDocument/2006/relationships" xmlns:p="http://schemas.openxmlformats.org/presentationml/2006/main">
+  <p:cSld>
+    <p:spTree>
+      <p:nvGrpSpPr>
+        <p:cNvPr id="1" name=""/>
+        <p:cNvGrpSpPr/>
+        <p:nvPr/>
+      </p:nvGrpSpPr>
+      <p:grpSpPr>
+        <a:xfrm>
+          <a:off x="0" y="0"/>
+          <a:ext cx="0" cy="0"/>
+          <a:chOff x="0" y="0"/>
+          <a:chExt cx="0" cy="0"/>
+        </a:xfrm>
+      </p:grpSpPr>
+      <p:sp>
+        <p:nvSpPr>
+          <p:cNvPr id="2" name="Tijdelijke aanduiding voor inhoud 1"/>
+          <p:cNvSpPr>
+            <a:spLocks noGrp="1"/>
+          </p:cNvSpPr>
+          <p:nvPr>
+            <p:ph idx="1"/>
+          </p:nvPr>
+        </p:nvSpPr>
+        <p:spPr/>
+        <p:txBody>
+          <a:bodyPr>
+            <a:normAutofit/>
+          </a:bodyPr>
+          <a:lstStyle/>
+          <a:p>
+            <a:r>
+              <a:rPr lang="nl-BE" dirty="0"/>
+              <a:t>Constraint Split</a:t>
+            </a:r>
+          </a:p>
+          <a:p>
+            <a:pPr lvl="1"/>
+            <a:r>
+              <a:rPr lang="nl-BE" dirty="0"/>
+              <a:t>&lt;definition constraint split&gt;</a:t>
+            </a:r>
+          </a:p>
+          <a:p>
+            <a:r>
+              <a:rPr lang="nl-BE" dirty="0"/>
+              <a:t>Constraint Shattering</a:t>
+            </a:r>
+          </a:p>
+          <a:p>
+            <a:pPr lvl="1"/>
+            <a:r>
+              <a:rPr lang="nl-BE" dirty="0"/>
+              <a:t>&lt;definition constraint shattering&gt;</a:t>
+            </a:r>
+          </a:p>
+        </p:txBody>
+      </p:sp>
+      <p:sp>
+        <p:nvSpPr>
+          <p:cNvPr id="3" name="Titel 2"/>
+          <p:cNvSpPr>
+            <a:spLocks noGrp="1"/>
+          </p:cNvSpPr>
+          <p:nvPr>
+            <p:ph type="title"/>
+          </p:nvPr>
+        </p:nvSpPr>
+        <p:spPr/>
+        <p:txBody>
+          <a:bodyPr>
+            <a:normAutofit/>
+          </a:bodyPr>
+          <a:lstStyle/>
+          <a:p>
+            <a:r>
+              <a:rPr lang="en-GB" dirty="0">
+                <a:effectLst/>
+              </a:rPr>
+              <a:t>Lifted Reasoning Strategies</a:t>
+            </a:r>
+            <a:endParaRPr lang="nl-BE" dirty="0"/>
+          </a:p>
+        </p:txBody>
+      </p:sp>
+    </p:spTree>
+    <p:extLst>
+      <p:ext uri="{BB962C8B-B14F-4D97-AF65-F5344CB8AC3E}">
+        <p14:creationId xmlns:p14="http://schemas.microsoft.com/office/powerpoint/2010/main" val="2744605748"/>
+      </p:ext>
+    </p:extLst>
+  </p:cSld>
+  <p:clrMapOvr>
+    <a:masterClrMapping/>
+  </p:clrMapOvr>
+</p:sld>
+</file>
+
+<file path=ppt/slides/slide16.xml><?xml version="1.0" encoding="utf-8"?>
+<p:sld xmlns:a="http://schemas.openxmlformats.org/drawingml/2006/main" xmlns:r="http://schemas.openxmlformats.org/officeDocument/2006/relationships" xmlns:p="http://schemas.openxmlformats.org/presentationml/2006/main">
+  <p:cSld>
+    <p:spTree>
+      <p:nvGrpSpPr>
+        <p:cNvPr id="1" name=""/>
+        <p:cNvGrpSpPr/>
+        <p:nvPr/>
+      </p:nvGrpSpPr>
+      <p:grpSpPr>
+        <a:xfrm>
+          <a:off x="0" y="0"/>
+          <a:ext cx="0" cy="0"/>
+          <a:chOff x="0" y="0"/>
+          <a:chExt cx="0" cy="0"/>
+        </a:xfrm>
+      </p:grpSpPr>
+      <p:sp>
+        <p:nvSpPr>
+          <p:cNvPr id="2" name="Content Placeholder 1">
+            <a:extLst>
+              <a:ext uri="{FF2B5EF4-FFF2-40B4-BE49-F238E27FC236}">
+                <a16:creationId xmlns:a16="http://schemas.microsoft.com/office/drawing/2014/main" id="{40AC8F06-1FD3-6E47-8949-AA6CB8C87572}"/>
+              </a:ext>
+            </a:extLst>
+          </p:cNvPr>
+          <p:cNvSpPr>
+            <a:spLocks noGrp="1"/>
+          </p:cNvSpPr>
+          <p:nvPr>
+            <p:ph idx="1"/>
+          </p:nvPr>
+        </p:nvSpPr>
+        <p:spPr/>
+        <p:txBody>
+          <a:bodyPr/>
+          <a:lstStyle/>
+          <a:p>
+            <a:r>
+              <a:rPr lang="en-BE" dirty="0"/>
+              <a:t>Solver for combinatorial problems</a:t>
+            </a:r>
+          </a:p>
+          <a:p>
+            <a:pPr lvl="1"/>
+            <a:r>
+              <a:rPr lang="en-GB" dirty="0"/>
+              <a:t>B</a:t>
+            </a:r>
+            <a:r>
+              <a:rPr lang="en-BE" dirty="0"/>
+              <a:t>ased on exchangeability and constraint shattering</a:t>
+            </a:r>
+          </a:p>
+          <a:p>
+            <a:r>
+              <a:rPr lang="en-BE" dirty="0"/>
+              <a:t>Outperforms existing approaches based on</a:t>
+            </a:r>
+            <a:br>
+              <a:rPr lang="en-BE" dirty="0"/>
+            </a:br>
+            <a:r>
+              <a:rPr lang="en-BE" dirty="0"/>
+              <a:t>enumeration</a:t>
+            </a:r>
+          </a:p>
+        </p:txBody>
+      </p:sp>
+      <p:sp>
+        <p:nvSpPr>
+          <p:cNvPr id="3" name="Title 2">
+            <a:extLst>
+              <a:ext uri="{FF2B5EF4-FFF2-40B4-BE49-F238E27FC236}">
+                <a16:creationId xmlns:a16="http://schemas.microsoft.com/office/drawing/2014/main" id="{BBB10FF4-8CAC-EB46-A675-41388AFE627D}"/>
+              </a:ext>
+            </a:extLst>
+          </p:cNvPr>
+          <p:cNvSpPr>
+            <a:spLocks noGrp="1"/>
+          </p:cNvSpPr>
+          <p:nvPr>
+            <p:ph type="title"/>
+          </p:nvPr>
+        </p:nvSpPr>
+        <p:spPr/>
+        <p:txBody>
+          <a:bodyPr/>
+          <a:lstStyle/>
+          <a:p>
+            <a:r>
+              <a:rPr lang="en-BE" dirty="0"/>
+              <a:t>CoSo</a:t>
+            </a:r>
+          </a:p>
+        </p:txBody>
+      </p:sp>
+      <p:pic>
+        <p:nvPicPr>
+          <p:cNvPr id="5" name="Picture 4" descr="Graphical user interface, chart, application&#10;&#10;Description automatically generated">
+            <a:extLst>
+              <a:ext uri="{FF2B5EF4-FFF2-40B4-BE49-F238E27FC236}">
+                <a16:creationId xmlns:a16="http://schemas.microsoft.com/office/drawing/2014/main" id="{34BD57AA-CF61-8D4B-99F0-56A11B84728D}"/>
+              </a:ext>
+            </a:extLst>
+          </p:cNvPr>
+          <p:cNvPicPr>
+            <a:picLocks noChangeAspect="1"/>
+          </p:cNvPicPr>
+          <p:nvPr/>
+        </p:nvPicPr>
+        <p:blipFill>
+          <a:blip r:embed="rId2">
+            <a:extLst>
+              <a:ext uri="{28A0092B-C50C-407E-A947-70E740481C1C}">
+                <a14:useLocalDpi xmlns:a14="http://schemas.microsoft.com/office/drawing/2010/main" val="0"/>
+              </a:ext>
+            </a:extLst>
+          </a:blip>
+          <a:stretch>
+            <a:fillRect/>
+          </a:stretch>
+        </p:blipFill>
+        <p:spPr>
+          <a:xfrm>
+            <a:off x="5724128" y="2924944"/>
+            <a:ext cx="3251200" cy="3302000"/>
+          </a:xfrm>
+          <a:prstGeom prst="rect">
+            <a:avLst/>
+          </a:prstGeom>
+        </p:spPr>
+      </p:pic>
+    </p:spTree>
+    <p:extLst>
+      <p:ext uri="{BB962C8B-B14F-4D97-AF65-F5344CB8AC3E}">
+        <p14:creationId xmlns:p14="http://schemas.microsoft.com/office/powerpoint/2010/main" val="4144572679"/>
+      </p:ext>
+    </p:extLst>
+  </p:cSld>
+  <p:clrMapOvr>
+    <a:masterClrMapping/>
+  </p:clrMapOvr>
+</p:sld>
+</file>
+
+<file path=ppt/slides/slide17.xml><?xml version="1.0" encoding="utf-8"?>
+<p:sld xmlns:a="http://schemas.openxmlformats.org/drawingml/2006/main" xmlns:r="http://schemas.openxmlformats.org/officeDocument/2006/relationships" xmlns:p="http://schemas.openxmlformats.org/presentationml/2006/main">
+  <p:cSld>
+    <p:spTree>
+      <p:nvGrpSpPr>
+        <p:cNvPr id="1" name=""/>
+        <p:cNvGrpSpPr/>
+        <p:nvPr/>
+      </p:nvGrpSpPr>
+      <p:grpSpPr>
+        <a:xfrm>
+          <a:off x="0" y="0"/>
+          <a:ext cx="0" cy="0"/>
+          <a:chOff x="0" y="0"/>
+          <a:chExt cx="0" cy="0"/>
+        </a:xfrm>
+      </p:grpSpPr>
+      <p:sp>
+        <p:nvSpPr>
+          <p:cNvPr id="2" name="Tijdelijke aanduiding voor inhoud 1"/>
+          <p:cNvSpPr>
+            <a:spLocks noGrp="1"/>
+          </p:cNvSpPr>
+          <p:nvPr>
+            <p:ph idx="1"/>
+          </p:nvPr>
+        </p:nvSpPr>
+        <p:spPr/>
+        <p:txBody>
+          <a:bodyPr/>
+          <a:lstStyle/>
+          <a:p>
+            <a:r>
+              <a:rPr lang="nl-BE" dirty="0" err="1"/>
+              <a:t>Extend</a:t>
+            </a:r>
+            <a:r>
+              <a:rPr lang="nl-BE" dirty="0"/>
+              <a:t> </a:t>
+            </a:r>
+            <a:r>
+              <a:rPr lang="nl-BE" dirty="0" err="1"/>
+              <a:t>CoSo</a:t>
+            </a:r>
+            <a:endParaRPr lang="nl-BE" dirty="0"/>
+          </a:p>
+          <a:p>
+            <a:pPr lvl="1"/>
+            <a:r>
+              <a:rPr lang="nl-BE" dirty="0" err="1"/>
+              <a:t>Graphical</a:t>
+            </a:r>
+            <a:r>
+              <a:rPr lang="nl-BE" dirty="0"/>
+              <a:t> Interface</a:t>
+            </a:r>
+          </a:p>
+          <a:p>
+            <a:r>
+              <a:rPr lang="nl-BE" dirty="0"/>
+              <a:t>Show </a:t>
+            </a:r>
+            <a:r>
+              <a:rPr lang="nl-BE" dirty="0" err="1"/>
+              <a:t>solving</a:t>
+            </a:r>
+            <a:r>
+              <a:rPr lang="nl-BE" dirty="0"/>
+              <a:t> steps</a:t>
+            </a:r>
+          </a:p>
+          <a:p>
+            <a:pPr lvl="1"/>
+            <a:r>
+              <a:rPr lang="nl-BE" dirty="0" err="1"/>
+              <a:t>Breaking</a:t>
+            </a:r>
+            <a:r>
+              <a:rPr lang="nl-BE" dirty="0"/>
+              <a:t> </a:t>
+            </a:r>
+            <a:r>
+              <a:rPr lang="nl-BE" dirty="0" err="1"/>
+              <a:t>problem</a:t>
+            </a:r>
+            <a:r>
+              <a:rPr lang="nl-BE" dirty="0"/>
+              <a:t> down</a:t>
+            </a:r>
+          </a:p>
+          <a:p>
+            <a:pPr lvl="1"/>
+            <a:r>
+              <a:rPr lang="nl-BE" dirty="0"/>
+              <a:t>Help Students</a:t>
+            </a:r>
+          </a:p>
+          <a:p>
+            <a:pPr lvl="1"/>
+            <a:r>
+              <a:rPr lang="nl-BE" dirty="0"/>
+              <a:t>(E.g. </a:t>
+            </a:r>
+            <a:r>
+              <a:rPr lang="nl-BE" dirty="0" err="1"/>
+              <a:t>Symbolab</a:t>
+            </a:r>
+            <a:r>
+              <a:rPr lang="nl-BE" dirty="0"/>
+              <a:t>)</a:t>
+            </a:r>
+          </a:p>
+          <a:p>
+            <a:r>
+              <a:rPr lang="nl-BE" dirty="0"/>
+              <a:t>Area </a:t>
+            </a:r>
+            <a:r>
+              <a:rPr lang="nl-BE" dirty="0" err="1"/>
+              <a:t>Proportional</a:t>
+            </a:r>
+            <a:r>
+              <a:rPr lang="nl-BE" dirty="0"/>
+              <a:t> </a:t>
+            </a:r>
+            <a:r>
+              <a:rPr lang="nl-BE" dirty="0" err="1"/>
+              <a:t>Venn</a:t>
+            </a:r>
+            <a:r>
+              <a:rPr lang="nl-BE" dirty="0"/>
+              <a:t> </a:t>
+            </a:r>
+            <a:r>
+              <a:rPr lang="nl-BE" dirty="0" err="1"/>
+              <a:t>Diagrams</a:t>
+            </a:r>
+            <a:endParaRPr lang="nl-BE" dirty="0"/>
+          </a:p>
+          <a:p>
+            <a:pPr lvl="1"/>
+            <a:r>
+              <a:rPr lang="nl-BE" dirty="0" err="1"/>
+              <a:t>Circle</a:t>
+            </a:r>
+            <a:r>
+              <a:rPr lang="nl-BE" dirty="0"/>
+              <a:t> area ~ domain </a:t>
+            </a:r>
+            <a:r>
+              <a:rPr lang="nl-BE" dirty="0" err="1"/>
+              <a:t>size</a:t>
+            </a:r>
+            <a:endParaRPr lang="nl-BE" dirty="0"/>
+          </a:p>
+          <a:p>
+            <a:endParaRPr lang="nl-BE" dirty="0"/>
+          </a:p>
+        </p:txBody>
+      </p:sp>
+      <p:sp>
+        <p:nvSpPr>
+          <p:cNvPr id="3" name="Titel 2"/>
+          <p:cNvSpPr>
+            <a:spLocks noGrp="1"/>
+          </p:cNvSpPr>
+          <p:nvPr>
+            <p:ph type="title"/>
+          </p:nvPr>
+        </p:nvSpPr>
+        <p:spPr/>
+        <p:txBody>
+          <a:bodyPr>
+            <a:normAutofit/>
+          </a:bodyPr>
+          <a:lstStyle/>
+          <a:p>
+            <a:r>
+              <a:rPr lang="en-GB" dirty="0">
                 <a:effectLst/>
               </a:rPr>
               <a:t>Visualization</a:t>
@@ -5090,132 +6844,132 @@
           <a:lstStyle/>
           <a:p>
             <a:r>
-              <a:rPr lang="nl-BE" dirty="0" err="1" smtClean="0"/>
+              <a:rPr lang="nl-BE" dirty="0" err="1"/>
               <a:t>Lifted</a:t>
             </a:r>
             <a:r>
-              <a:rPr lang="nl-BE" dirty="0" smtClean="0"/>
+              <a:rPr lang="nl-BE" dirty="0"/>
               <a:t> </a:t>
             </a:r>
             <a:r>
-              <a:rPr lang="nl-BE" dirty="0" err="1" smtClean="0"/>
+              <a:rPr lang="nl-BE" dirty="0" err="1"/>
               <a:t>Reasoning</a:t>
             </a:r>
             <a:r>
-              <a:rPr lang="nl-BE" dirty="0" smtClean="0"/>
+              <a:rPr lang="nl-BE" dirty="0"/>
               <a:t> = </a:t>
             </a:r>
             <a:r>
-              <a:rPr lang="nl-BE" dirty="0" err="1" smtClean="0"/>
+              <a:rPr lang="nl-BE" dirty="0" err="1"/>
               <a:t>Lifted</a:t>
             </a:r>
             <a:r>
-              <a:rPr lang="nl-BE" dirty="0" smtClean="0"/>
+              <a:rPr lang="nl-BE" dirty="0"/>
               <a:t> </a:t>
             </a:r>
             <a:r>
-              <a:rPr lang="nl-BE" dirty="0" err="1" smtClean="0"/>
+              <a:rPr lang="nl-BE" dirty="0" err="1"/>
               <a:t>Inference</a:t>
             </a:r>
-            <a:endParaRPr lang="nl-BE" dirty="0" smtClean="0"/>
-          </a:p>
-          <a:p>
-            <a:r>
-              <a:rPr lang="nl-BE" dirty="0" err="1" smtClean="0"/>
+            <a:endParaRPr lang="nl-BE" dirty="0"/>
+          </a:p>
+          <a:p>
+            <a:r>
+              <a:rPr lang="nl-BE" dirty="0" err="1"/>
               <a:t>Graphical</a:t>
             </a:r>
             <a:r>
-              <a:rPr lang="nl-BE" dirty="0" smtClean="0"/>
+              <a:rPr lang="nl-BE" dirty="0"/>
               <a:t> </a:t>
             </a:r>
             <a:r>
-              <a:rPr lang="nl-BE" dirty="0" err="1" smtClean="0"/>
+              <a:rPr lang="nl-BE" dirty="0" err="1"/>
               <a:t>Probability</a:t>
             </a:r>
             <a:r>
-              <a:rPr lang="nl-BE" dirty="0" smtClean="0"/>
+              <a:rPr lang="nl-BE" dirty="0"/>
               <a:t> Models</a:t>
             </a:r>
           </a:p>
           <a:p>
             <a:pPr lvl="1"/>
             <a:r>
-              <a:rPr lang="nl-BE" dirty="0" smtClean="0"/>
+              <a:rPr lang="nl-BE" dirty="0"/>
               <a:t>No </a:t>
             </a:r>
             <a:r>
-              <a:rPr lang="nl-BE" dirty="0" err="1" smtClean="0"/>
+              <a:rPr lang="nl-BE" dirty="0" err="1"/>
               <a:t>use</a:t>
             </a:r>
             <a:r>
-              <a:rPr lang="nl-BE" dirty="0" smtClean="0"/>
+              <a:rPr lang="nl-BE" dirty="0"/>
               <a:t> of </a:t>
             </a:r>
             <a:r>
-              <a:rPr lang="nl-BE" dirty="0" err="1" smtClean="0"/>
+              <a:rPr lang="nl-BE" dirty="0" err="1"/>
               <a:t>symmetries</a:t>
             </a:r>
             <a:r>
-              <a:rPr lang="nl-BE" dirty="0" smtClean="0"/>
+              <a:rPr lang="nl-BE" dirty="0"/>
               <a:t>/</a:t>
             </a:r>
             <a:r>
-              <a:rPr lang="nl-BE" dirty="0" err="1" smtClean="0"/>
+              <a:rPr lang="nl-BE" dirty="0" err="1"/>
               <a:t>redundancies</a:t>
             </a:r>
-            <a:endParaRPr lang="nl-BE" dirty="0" smtClean="0"/>
+            <a:endParaRPr lang="nl-BE" dirty="0"/>
           </a:p>
           <a:p>
             <a:pPr lvl="1"/>
             <a:r>
-              <a:rPr lang="nl-BE" dirty="0" err="1" smtClean="0"/>
+              <a:rPr lang="nl-BE" dirty="0" err="1"/>
               <a:t>Grounded</a:t>
             </a:r>
             <a:r>
-              <a:rPr lang="nl-BE" dirty="0" smtClean="0"/>
+              <a:rPr lang="nl-BE" dirty="0"/>
               <a:t> </a:t>
             </a:r>
             <a:r>
-              <a:rPr lang="nl-BE" dirty="0" err="1" smtClean="0"/>
+              <a:rPr lang="nl-BE" dirty="0" err="1"/>
               <a:t>Inference</a:t>
             </a:r>
             <a:endParaRPr lang="nl-BE" dirty="0"/>
           </a:p>
           <a:p>
             <a:r>
-              <a:rPr lang="nl-BE" dirty="0" err="1" smtClean="0"/>
+              <a:rPr lang="nl-BE" dirty="0" err="1"/>
               <a:t>Initial</a:t>
             </a:r>
             <a:r>
-              <a:rPr lang="nl-BE" dirty="0" smtClean="0"/>
+              <a:rPr lang="nl-BE" dirty="0"/>
               <a:t> </a:t>
             </a:r>
             <a:r>
-              <a:rPr lang="nl-BE" dirty="0" err="1" smtClean="0"/>
+              <a:rPr lang="nl-BE" dirty="0" err="1"/>
               <a:t>Proposal</a:t>
             </a:r>
             <a:r>
-              <a:rPr lang="nl-BE" dirty="0" smtClean="0"/>
+              <a:rPr lang="nl-BE" dirty="0"/>
               <a:t> (David Poole)</a:t>
             </a:r>
           </a:p>
           <a:p>
             <a:r>
-              <a:rPr lang="nl-BE" dirty="0" smtClean="0"/>
+              <a:rPr lang="nl-BE" dirty="0"/>
               <a:t>Shift of Focus</a:t>
             </a:r>
           </a:p>
           <a:p>
             <a:pPr lvl="1"/>
             <a:r>
-              <a:rPr lang="nl-BE" dirty="0" smtClean="0"/>
+              <a:rPr lang="nl-BE" dirty="0"/>
               <a:t>Machine </a:t>
             </a:r>
             <a:r>
-              <a:rPr lang="nl-BE" dirty="0" err="1" smtClean="0"/>
+              <a:rPr lang="nl-BE" dirty="0" err="1"/>
               <a:t>learning</a:t>
             </a:r>
-            <a:endParaRPr lang="nl-BE" dirty="0" smtClean="0"/>
+            <a:endParaRPr lang="nl-BE" dirty="0"/>
           </a:p>
         </p:txBody>
       </p:sp>
@@ -5235,15 +6989,15 @@
           <a:lstStyle/>
           <a:p>
             <a:r>
-              <a:rPr lang="nl-BE" dirty="0" err="1" smtClean="0"/>
+              <a:rPr lang="nl-BE" dirty="0" err="1"/>
               <a:t>Lifted</a:t>
             </a:r>
             <a:r>
-              <a:rPr lang="nl-BE" dirty="0" smtClean="0"/>
+              <a:rPr lang="nl-BE" dirty="0"/>
               <a:t> </a:t>
             </a:r>
             <a:r>
-              <a:rPr lang="nl-BE" dirty="0" err="1" smtClean="0"/>
+              <a:rPr lang="nl-BE" dirty="0" err="1"/>
               <a:t>Reasoning</a:t>
             </a:r>
             <a:endParaRPr lang="nl-BE" dirty="0"/>
@@ -5296,15 +7050,15 @@
           <a:lstStyle/>
           <a:p>
             <a:r>
-              <a:rPr lang="nl-BE" dirty="0" smtClean="0"/>
+              <a:rPr lang="nl-BE" dirty="0"/>
               <a:t>(</a:t>
             </a:r>
             <a:r>
-              <a:rPr lang="nl-BE" dirty="0" err="1" smtClean="0"/>
+              <a:rPr lang="nl-BE" dirty="0" err="1"/>
               <a:t>Example</a:t>
             </a:r>
             <a:r>
-              <a:rPr lang="nl-BE" dirty="0" smtClean="0"/>
+              <a:rPr lang="nl-BE" dirty="0"/>
               <a:t>)</a:t>
             </a:r>
           </a:p>
@@ -5326,15 +7080,15 @@
           <a:lstStyle/>
           <a:p>
             <a:r>
-              <a:rPr lang="nl-BE" dirty="0" err="1" smtClean="0"/>
+              <a:rPr lang="nl-BE" dirty="0" err="1"/>
               <a:t>Lifted</a:t>
             </a:r>
             <a:r>
-              <a:rPr lang="nl-BE" dirty="0" smtClean="0"/>
+              <a:rPr lang="nl-BE" dirty="0"/>
               <a:t> </a:t>
             </a:r>
             <a:r>
-              <a:rPr lang="nl-BE" dirty="0" err="1" smtClean="0"/>
+              <a:rPr lang="nl-BE" dirty="0" err="1"/>
               <a:t>Reasoning</a:t>
             </a:r>
             <a:endParaRPr lang="nl-BE" dirty="0"/>
@@ -5387,65 +7141,61 @@
           <a:lstStyle/>
           <a:p>
             <a:r>
-              <a:rPr lang="nl-BE" dirty="0" err="1" smtClean="0"/>
+              <a:rPr lang="nl-BE" dirty="0" err="1"/>
               <a:t>Counting</a:t>
             </a:r>
             <a:r>
-              <a:rPr lang="nl-BE" dirty="0" smtClean="0"/>
+              <a:rPr lang="nl-BE" dirty="0"/>
               <a:t> </a:t>
             </a:r>
             <a:r>
-              <a:rPr lang="nl-BE" dirty="0" err="1" smtClean="0"/>
+              <a:rPr lang="nl-BE" dirty="0" err="1"/>
               <a:t>possible</a:t>
             </a:r>
             <a:r>
-              <a:rPr lang="nl-BE" dirty="0" smtClean="0"/>
+              <a:rPr lang="nl-BE" dirty="0"/>
               <a:t> arrangements</a:t>
             </a:r>
           </a:p>
           <a:p>
             <a:pPr lvl="1"/>
             <a:r>
-              <a:rPr lang="nl-BE" dirty="0" smtClean="0"/>
+              <a:rPr lang="nl-BE" dirty="0"/>
               <a:t>(E.g. </a:t>
             </a:r>
             <a:r>
               <a:rPr lang="nl-BE" dirty="0" err="1"/>
-              <a:t>s</a:t>
-            </a:r>
-            <a:r>
-              <a:rPr lang="nl-BE" dirty="0" err="1" smtClean="0"/>
-              <a:t>huffled</a:t>
-            </a:r>
-            <a:r>
-              <a:rPr lang="nl-BE" dirty="0" smtClean="0"/>
+              <a:t>shuffled</a:t>
+            </a:r>
+            <a:r>
+              <a:rPr lang="nl-BE" dirty="0"/>
               <a:t> deck)</a:t>
             </a:r>
           </a:p>
           <a:p>
             <a:r>
-              <a:rPr lang="nl-BE" dirty="0" err="1" smtClean="0"/>
+              <a:rPr lang="nl-BE" dirty="0" err="1"/>
               <a:t>Constraints</a:t>
             </a:r>
-            <a:endParaRPr lang="nl-BE" dirty="0" smtClean="0"/>
+            <a:endParaRPr lang="nl-BE" dirty="0"/>
           </a:p>
           <a:p>
             <a:pPr lvl="1"/>
             <a:r>
-              <a:rPr lang="nl-BE" dirty="0" smtClean="0"/>
+              <a:rPr lang="nl-BE" dirty="0"/>
               <a:t>(E.g. first = ace of spades)</a:t>
             </a:r>
           </a:p>
           <a:p>
             <a:r>
-              <a:rPr lang="nl-BE" dirty="0" smtClean="0"/>
+              <a:rPr lang="nl-BE" dirty="0"/>
               <a:t>Human </a:t>
             </a:r>
             <a:r>
-              <a:rPr lang="nl-BE" dirty="0" err="1" smtClean="0"/>
+              <a:rPr lang="nl-BE" dirty="0" err="1"/>
               <a:t>solving</a:t>
             </a:r>
-            <a:endParaRPr lang="nl-BE" dirty="0" smtClean="0"/>
+            <a:endParaRPr lang="nl-BE" dirty="0"/>
           </a:p>
         </p:txBody>
       </p:sp>
@@ -5465,10 +7215,9 @@
           <a:lstStyle/>
           <a:p>
             <a:r>
-              <a:rPr lang="nl-BE" dirty="0" smtClean="0"/>
+              <a:rPr lang="nl-BE" dirty="0"/>
               <a:t>Combinatorics</a:t>
             </a:r>
-            <a:endParaRPr lang="nl-BE" dirty="0"/>
           </a:p>
         </p:txBody>
       </p:sp>
@@ -5518,90 +7267,90 @@
           <a:lstStyle/>
           <a:p>
             <a:r>
-              <a:rPr lang="nl-BE" dirty="0" smtClean="0"/>
+              <a:rPr lang="nl-BE" dirty="0"/>
               <a:t>12 Common </a:t>
             </a:r>
             <a:r>
-              <a:rPr lang="nl-BE" dirty="0" err="1" smtClean="0"/>
+              <a:rPr lang="nl-BE" dirty="0" err="1"/>
               <a:t>Counting</a:t>
             </a:r>
             <a:r>
-              <a:rPr lang="nl-BE" dirty="0" smtClean="0"/>
+              <a:rPr lang="nl-BE" dirty="0"/>
               <a:t> </a:t>
             </a:r>
             <a:r>
-              <a:rPr lang="nl-BE" dirty="0" err="1" smtClean="0"/>
+              <a:rPr lang="nl-BE" dirty="0" err="1"/>
               <a:t>Problems</a:t>
             </a:r>
-            <a:endParaRPr lang="nl-BE" dirty="0" smtClean="0"/>
+            <a:endParaRPr lang="nl-BE" dirty="0"/>
           </a:p>
           <a:p>
             <a:pPr lvl="1"/>
             <a:r>
-              <a:rPr lang="nl-BE" dirty="0" smtClean="0"/>
+              <a:rPr lang="nl-BE" dirty="0"/>
               <a:t>Mathematical </a:t>
             </a:r>
             <a:r>
-              <a:rPr lang="nl-BE" dirty="0" err="1" smtClean="0"/>
+              <a:rPr lang="nl-BE" dirty="0" err="1"/>
               <a:t>Formula</a:t>
             </a:r>
-            <a:endParaRPr lang="nl-BE" dirty="0" smtClean="0"/>
-          </a:p>
-          <a:p>
-            <a:r>
-              <a:rPr lang="nl-BE" dirty="0" smtClean="0"/>
+            <a:endParaRPr lang="nl-BE" dirty="0"/>
+          </a:p>
+          <a:p>
+            <a:r>
+              <a:rPr lang="nl-BE" dirty="0"/>
               <a:t>3 </a:t>
             </a:r>
             <a:r>
-              <a:rPr lang="nl-BE" dirty="0" err="1" smtClean="0"/>
+              <a:rPr lang="nl-BE" dirty="0" err="1"/>
               <a:t>Function</a:t>
             </a:r>
             <a:r>
-              <a:rPr lang="nl-BE" dirty="0" smtClean="0"/>
+              <a:rPr lang="nl-BE" dirty="0"/>
               <a:t> Types</a:t>
             </a:r>
           </a:p>
           <a:p>
             <a:pPr lvl="1"/>
             <a:r>
-              <a:rPr lang="nl-BE" dirty="0" err="1" smtClean="0"/>
+              <a:rPr lang="nl-BE" dirty="0" err="1"/>
               <a:t>Any</a:t>
             </a:r>
             <a:r>
-              <a:rPr lang="nl-BE" dirty="0" smtClean="0"/>
+              <a:rPr lang="nl-BE" dirty="0"/>
               <a:t>, </a:t>
             </a:r>
             <a:r>
-              <a:rPr lang="nl-BE" dirty="0" err="1" smtClean="0"/>
+              <a:rPr lang="nl-BE" dirty="0" err="1"/>
               <a:t>Injective</a:t>
             </a:r>
             <a:r>
-              <a:rPr lang="nl-BE" dirty="0" smtClean="0"/>
+              <a:rPr lang="nl-BE" dirty="0"/>
               <a:t>, Surjective</a:t>
             </a:r>
           </a:p>
           <a:p>
             <a:r>
-              <a:rPr lang="nl-BE" dirty="0" smtClean="0"/>
+              <a:rPr lang="nl-BE" dirty="0"/>
               <a:t>4 </a:t>
             </a:r>
             <a:r>
-              <a:rPr lang="nl-BE" dirty="0" err="1" smtClean="0"/>
+              <a:rPr lang="nl-BE" dirty="0" err="1"/>
               <a:t>Distinguishibilities</a:t>
             </a:r>
-            <a:endParaRPr lang="nl-BE" dirty="0" smtClean="0"/>
+            <a:endParaRPr lang="nl-BE" dirty="0"/>
           </a:p>
           <a:p>
             <a:pPr lvl="1"/>
             <a:r>
-              <a:rPr lang="nl-BE" dirty="0" smtClean="0"/>
+              <a:rPr lang="nl-BE" dirty="0"/>
               <a:t>≠, =x, =y, =</a:t>
             </a:r>
             <a:r>
-              <a:rPr lang="nl-BE" dirty="0" err="1" smtClean="0"/>
+              <a:rPr lang="nl-BE" dirty="0" err="1"/>
               <a:t>xy</a:t>
             </a:r>
-            <a:endParaRPr lang="nl-BE" dirty="0" smtClean="0"/>
+            <a:endParaRPr lang="nl-BE" dirty="0"/>
           </a:p>
         </p:txBody>
       </p:sp>
@@ -5621,14 +7370,13 @@
           <a:lstStyle/>
           <a:p>
             <a:r>
-              <a:rPr lang="nl-BE" dirty="0" err="1" smtClean="0"/>
+              <a:rPr lang="nl-BE" dirty="0" err="1"/>
               <a:t>Twelvefold</a:t>
             </a:r>
             <a:r>
-              <a:rPr lang="nl-BE" dirty="0" smtClean="0"/>
+              <a:rPr lang="nl-BE" dirty="0"/>
               <a:t> Way</a:t>
             </a:r>
-            <a:endParaRPr lang="nl-BE" dirty="0"/>
           </a:p>
         </p:txBody>
       </p:sp>
@@ -5966,7 +7714,7 @@
           <a:p>
             <a:pPr algn="ctr"/>
             <a:r>
-              <a:rPr lang="nl-BE" sz="6000" b="1" dirty="0" smtClean="0"/>
+              <a:rPr lang="nl-BE" sz="6000" b="1" dirty="0"/>
               <a:t>≠</a:t>
             </a:r>
             <a:endParaRPr lang="nl-BE" b="1" dirty="0"/>
@@ -6214,7 +7962,7 @@
           <a:p>
             <a:pPr algn="ctr"/>
             <a:r>
-              <a:rPr lang="nl-BE" sz="6000" b="1" dirty="0" smtClean="0"/>
+              <a:rPr lang="nl-BE" sz="6000" b="1" dirty="0"/>
               <a:t>=</a:t>
             </a:r>
             <a:endParaRPr lang="nl-BE" b="1" dirty="0"/>
@@ -6245,7 +7993,7 @@
           <a:p>
             <a:pPr algn="ctr"/>
             <a:r>
-              <a:rPr lang="nl-BE" sz="3600" b="1" dirty="0" smtClean="0"/>
+              <a:rPr lang="nl-BE" sz="3600" b="1" dirty="0"/>
               <a:t>X</a:t>
             </a:r>
             <a:endParaRPr lang="nl-BE" sz="1050" b="1" dirty="0"/>
@@ -6378,7 +8126,7 @@
           <a:p>
             <a:pPr algn="ctr"/>
             <a:r>
-              <a:rPr lang="nl-BE" sz="6000" b="1" dirty="0" smtClean="0"/>
+              <a:rPr lang="nl-BE" sz="6000" b="1" dirty="0"/>
               <a:t>=</a:t>
             </a:r>
             <a:endParaRPr lang="nl-BE" b="1" dirty="0"/>
@@ -6409,7 +8157,7 @@
           <a:p>
             <a:pPr algn="ctr"/>
             <a:r>
-              <a:rPr lang="nl-BE" sz="3600" b="1" dirty="0" smtClean="0"/>
+              <a:rPr lang="nl-BE" sz="3600" b="1" dirty="0"/>
               <a:t>Y</a:t>
             </a:r>
             <a:endParaRPr lang="nl-BE" sz="1050" b="1" dirty="0"/>
@@ -6659,7 +8407,7 @@
           <a:p>
             <a:pPr algn="ctr"/>
             <a:r>
-              <a:rPr lang="nl-BE" sz="6000" b="1" dirty="0" smtClean="0"/>
+              <a:rPr lang="nl-BE" sz="6000" b="1" dirty="0"/>
               <a:t>=</a:t>
             </a:r>
             <a:endParaRPr lang="nl-BE" b="1" dirty="0"/>
@@ -6690,7 +8438,7 @@
           <a:p>
             <a:pPr algn="ctr"/>
             <a:r>
-              <a:rPr lang="nl-BE" sz="3600" b="1" dirty="0" smtClean="0"/>
+              <a:rPr lang="nl-BE" sz="3600" b="1" dirty="0"/>
               <a:t>X</a:t>
             </a:r>
             <a:endParaRPr lang="nl-BE" sz="1050" b="1" dirty="0"/>
@@ -6721,7 +8469,7 @@
           <a:p>
             <a:pPr algn="ctr"/>
             <a:r>
-              <a:rPr lang="nl-BE" sz="3600" b="1" dirty="0" smtClean="0"/>
+              <a:rPr lang="nl-BE" sz="3600" b="1" dirty="0"/>
               <a:t>Y</a:t>
             </a:r>
             <a:endParaRPr lang="nl-BE" sz="1050" b="1" dirty="0"/>
@@ -6878,25 +8626,313 @@
           <a:chExt cx="0" cy="0"/>
         </a:xfrm>
       </p:grpSpPr>
-      <p:sp>
-        <p:nvSpPr>
-          <p:cNvPr id="2" name="Tijdelijke aanduiding voor inhoud 1"/>
-          <p:cNvSpPr>
-            <a:spLocks noGrp="1"/>
-          </p:cNvSpPr>
-          <p:nvPr>
-            <p:ph idx="1"/>
-          </p:nvPr>
-        </p:nvSpPr>
-        <p:spPr/>
-        <p:txBody>
-          <a:bodyPr/>
-          <a:lstStyle/>
-          <a:p>
-            <a:endParaRPr lang="nl-BE" dirty="0" smtClean="0"/>
-          </a:p>
-        </p:txBody>
-      </p:sp>
+      <mc:AlternateContent xmlns:mc="http://schemas.openxmlformats.org/markup-compatibility/2006">
+        <mc:Choice xmlns:a14="http://schemas.microsoft.com/office/drawing/2010/main" Requires="a14">
+          <p:sp>
+            <p:nvSpPr>
+              <p:cNvPr id="2" name="Tijdelijke aanduiding voor inhoud 1"/>
+              <p:cNvSpPr>
+                <a:spLocks noGrp="1"/>
+              </p:cNvSpPr>
+              <p:nvPr>
+                <p:ph idx="1"/>
+              </p:nvPr>
+            </p:nvSpPr>
+            <p:spPr/>
+            <p:txBody>
+              <a:bodyPr/>
+              <a:lstStyle/>
+              <a:p>
+                <a:r>
+                  <a:rPr lang="nl-BE" dirty="0"/>
+                  <a:t>Constraint Satisfaction Problem (CSP) </a:t>
+                </a:r>
+                <a14:m>
+                  <m:oMath xmlns:m="http://schemas.openxmlformats.org/officeDocument/2006/math">
+                    <m:d>
+                      <m:dPr>
+                        <m:begChr m:val="⟨"/>
+                        <m:endChr m:val="⟩"/>
+                        <m:ctrlPr>
+                          <a:rPr lang="nl-BE" i="1">
+                            <a:latin typeface="Cambria Math" panose="02040503050406030204" pitchFamily="18" charset="0"/>
+                          </a:rPr>
+                        </m:ctrlPr>
+                      </m:dPr>
+                      <m:e>
+                        <m:r>
+                          <a:rPr lang="nl-BE" i="1">
+                            <a:latin typeface="Cambria Math" panose="02040503050406030204" pitchFamily="18" charset="0"/>
+                          </a:rPr>
+                          <m:t>𝑉</m:t>
+                        </m:r>
+                        <m:r>
+                          <a:rPr lang="nl-BE" i="1">
+                            <a:latin typeface="Cambria Math" panose="02040503050406030204" pitchFamily="18" charset="0"/>
+                          </a:rPr>
+                          <m:t>,</m:t>
+                        </m:r>
+                        <m:r>
+                          <a:rPr lang="nl-BE" i="1">
+                            <a:latin typeface="Cambria Math" panose="02040503050406030204" pitchFamily="18" charset="0"/>
+                          </a:rPr>
+                          <m:t>𝐷</m:t>
+                        </m:r>
+                        <m:r>
+                          <a:rPr lang="nl-BE" i="1">
+                            <a:latin typeface="Cambria Math" panose="02040503050406030204" pitchFamily="18" charset="0"/>
+                          </a:rPr>
+                          <m:t>,</m:t>
+                        </m:r>
+                        <m:r>
+                          <a:rPr lang="nl-BE" i="1">
+                            <a:latin typeface="Cambria Math" panose="02040503050406030204" pitchFamily="18" charset="0"/>
+                          </a:rPr>
+                          <m:t>𝐶</m:t>
+                        </m:r>
+                      </m:e>
+                    </m:d>
+                  </m:oMath>
+                </a14:m>
+                <a:endParaRPr lang="nl-BE" dirty="0"/>
+              </a:p>
+              <a:p>
+                <a:pPr lvl="1"/>
+                <a:r>
+                  <a:rPr lang="nl-BE" b="0" dirty="0"/>
+                  <a:t>Set of variables </a:t>
+                </a:r>
+                <a14:m>
+                  <m:oMath xmlns:m="http://schemas.openxmlformats.org/officeDocument/2006/math">
+                    <m:r>
+                      <a:rPr lang="nl-BE" b="0" i="1" smtClean="0">
+                        <a:latin typeface="Cambria Math" panose="02040503050406030204" pitchFamily="18" charset="0"/>
+                      </a:rPr>
+                      <m:t>𝑉</m:t>
+                    </m:r>
+                  </m:oMath>
+                </a14:m>
+                <a:endParaRPr lang="nl-BE" dirty="0"/>
+              </a:p>
+              <a:p>
+                <a:pPr lvl="1"/>
+                <a:r>
+                  <a:rPr lang="nl-BE" dirty="0"/>
+                  <a:t>Domain </a:t>
+                </a:r>
+                <a14:m>
+                  <m:oMath xmlns:m="http://schemas.openxmlformats.org/officeDocument/2006/math">
+                    <m:r>
+                      <a:rPr lang="nl-BE" b="0" i="1" smtClean="0">
+                        <a:latin typeface="Cambria Math" panose="02040503050406030204" pitchFamily="18" charset="0"/>
+                      </a:rPr>
+                      <m:t>𝐷</m:t>
+                    </m:r>
+                  </m:oMath>
+                </a14:m>
+                <a:endParaRPr lang="nl-BE" dirty="0"/>
+              </a:p>
+              <a:p>
+                <a:pPr lvl="1"/>
+                <a:r>
+                  <a:rPr lang="nl-BE" dirty="0"/>
+                  <a:t>Set of constraints </a:t>
+                </a:r>
+                <a14:m>
+                  <m:oMath xmlns:m="http://schemas.openxmlformats.org/officeDocument/2006/math">
+                    <m:r>
+                      <a:rPr lang="nl-BE" b="0" i="1" smtClean="0">
+                        <a:latin typeface="Cambria Math" panose="02040503050406030204" pitchFamily="18" charset="0"/>
+                      </a:rPr>
+                      <m:t>𝐶</m:t>
+                    </m:r>
+                  </m:oMath>
+                </a14:m>
+                <a:endParaRPr lang="nl-BE" dirty="0"/>
+              </a:p>
+              <a:p>
+                <a:r>
+                  <a:rPr lang="nl-BE" dirty="0"/>
+                  <a:t>Assignment </a:t>
+                </a:r>
+                <a14:m>
+                  <m:oMath xmlns:m="http://schemas.openxmlformats.org/officeDocument/2006/math">
+                    <m:r>
+                      <a:rPr lang="nl-BE" b="0" i="1" smtClean="0">
+                        <a:latin typeface="Cambria Math" panose="02040503050406030204" pitchFamily="18" charset="0"/>
+                      </a:rPr>
+                      <m:t>𝑓</m:t>
+                    </m:r>
+                  </m:oMath>
+                </a14:m>
+                <a:r>
+                  <a:rPr lang="nl-BE" i="1" dirty="0"/>
+                  <a:t> </a:t>
+                </a:r>
+                <a:r>
+                  <a:rPr lang="nl-BE" dirty="0"/>
+                  <a:t>satisfies a CSP</a:t>
+                </a:r>
+              </a:p>
+              <a:p>
+                <a:pPr lvl="1"/>
+                <a14:m>
+                  <m:oMath xmlns:m="http://schemas.openxmlformats.org/officeDocument/2006/math">
+                    <m:r>
+                      <a:rPr lang="nl-BE" b="0" i="1" dirty="0" smtClean="0">
+                        <a:latin typeface="Cambria Math" panose="02040503050406030204" pitchFamily="18" charset="0"/>
+                      </a:rPr>
+                      <m:t>𝑓</m:t>
+                    </m:r>
+                    <m:r>
+                      <a:rPr lang="nl-BE" b="0" i="1" dirty="0" smtClean="0">
+                        <a:latin typeface="Cambria Math" panose="02040503050406030204" pitchFamily="18" charset="0"/>
+                      </a:rPr>
+                      <m:t> </m:t>
+                    </m:r>
+                  </m:oMath>
+                </a14:m>
+                <a:r>
+                  <a:rPr lang="nl-BE" dirty="0"/>
+                  <a:t>satisfies all the constraints in </a:t>
+                </a:r>
+                <a14:m>
+                  <m:oMath xmlns:m="http://schemas.openxmlformats.org/officeDocument/2006/math">
+                    <m:r>
+                      <a:rPr lang="nl-BE" b="0" i="1" smtClean="0">
+                        <a:latin typeface="Cambria Math" panose="02040503050406030204" pitchFamily="18" charset="0"/>
+                      </a:rPr>
+                      <m:t>𝐶</m:t>
+                    </m:r>
+                  </m:oMath>
+                </a14:m>
+                <a:endParaRPr lang="nl-BE" b="0" dirty="0"/>
+              </a:p>
+              <a:p>
+                <a:r>
+                  <a:rPr lang="nl-BE" dirty="0"/>
+                  <a:t>Goal: does a satisfying </a:t>
+                </a:r>
+                <a14:m>
+                  <m:oMath xmlns:m="http://schemas.openxmlformats.org/officeDocument/2006/math">
+                    <m:r>
+                      <a:rPr lang="nl-BE" b="0" i="1" smtClean="0">
+                        <a:latin typeface="Cambria Math" panose="02040503050406030204" pitchFamily="18" charset="0"/>
+                      </a:rPr>
+                      <m:t>𝑓</m:t>
+                    </m:r>
+                  </m:oMath>
+                </a14:m>
+                <a:r>
+                  <a:rPr lang="nl-BE" dirty="0"/>
+                  <a:t> exist?</a:t>
+                </a:r>
+              </a:p>
+              <a:p>
+                <a:pPr lvl="1"/>
+                <a:r>
+                  <a:rPr lang="nl-BE" dirty="0"/>
+                  <a:t>Also called a model </a:t>
+                </a:r>
+                <a14:m>
+                  <m:oMath xmlns:m="http://schemas.openxmlformats.org/officeDocument/2006/math">
+                    <m:r>
+                      <a:rPr lang="nl-BE" b="0" i="1" smtClean="0">
+                        <a:latin typeface="Cambria Math" panose="02040503050406030204" pitchFamily="18" charset="0"/>
+                      </a:rPr>
+                      <m:t>𝑀</m:t>
+                    </m:r>
+                    <m:d>
+                      <m:dPr>
+                        <m:begChr m:val="⟨"/>
+                        <m:endChr m:val="⟩"/>
+                        <m:ctrlPr>
+                          <a:rPr lang="nl-BE" b="0" i="1" smtClean="0">
+                            <a:latin typeface="Cambria Math" panose="02040503050406030204" pitchFamily="18" charset="0"/>
+                          </a:rPr>
+                        </m:ctrlPr>
+                      </m:dPr>
+                      <m:e>
+                        <m:r>
+                          <a:rPr lang="nl-BE" b="0" i="1" smtClean="0">
+                            <a:latin typeface="Cambria Math" panose="02040503050406030204" pitchFamily="18" charset="0"/>
+                          </a:rPr>
+                          <m:t>𝑉</m:t>
+                        </m:r>
+                        <m:r>
+                          <a:rPr lang="nl-BE" b="0" i="1" smtClean="0">
+                            <a:latin typeface="Cambria Math" panose="02040503050406030204" pitchFamily="18" charset="0"/>
+                          </a:rPr>
+                          <m:t>,</m:t>
+                        </m:r>
+                        <m:r>
+                          <a:rPr lang="nl-BE" b="0" i="1" smtClean="0">
+                            <a:latin typeface="Cambria Math" panose="02040503050406030204" pitchFamily="18" charset="0"/>
+                          </a:rPr>
+                          <m:t>𝐷</m:t>
+                        </m:r>
+                        <m:r>
+                          <a:rPr lang="nl-BE" b="0" i="1" smtClean="0">
+                            <a:latin typeface="Cambria Math" panose="02040503050406030204" pitchFamily="18" charset="0"/>
+                          </a:rPr>
+                          <m:t>,</m:t>
+                        </m:r>
+                        <m:r>
+                          <a:rPr lang="nl-BE" b="0" i="1" smtClean="0">
+                            <a:latin typeface="Cambria Math" panose="02040503050406030204" pitchFamily="18" charset="0"/>
+                          </a:rPr>
+                          <m:t>𝐶</m:t>
+                        </m:r>
+                      </m:e>
+                    </m:d>
+                  </m:oMath>
+                </a14:m>
+                <a:r>
+                  <a:rPr lang="nl-BE" dirty="0"/>
+                  <a:t> or solution</a:t>
+                </a:r>
+              </a:p>
+              <a:p>
+                <a:pPr lvl="1"/>
+                <a:endParaRPr lang="nl-BE" dirty="0"/>
+              </a:p>
+            </p:txBody>
+          </p:sp>
+        </mc:Choice>
+        <mc:Fallback>
+          <p:sp>
+            <p:nvSpPr>
+              <p:cNvPr id="2" name="Tijdelijke aanduiding voor inhoud 1"/>
+              <p:cNvSpPr>
+                <a:spLocks noGrp="1" noRot="1" noChangeAspect="1" noMove="1" noResize="1" noEditPoints="1" noAdjustHandles="1" noChangeArrowheads="1" noChangeShapeType="1" noTextEdit="1"/>
+              </p:cNvSpPr>
+              <p:nvPr>
+                <p:ph idx="1"/>
+              </p:nvPr>
+            </p:nvSpPr>
+            <p:spPr>
+              <a:blipFill>
+                <a:blip r:embed="rId2"/>
+                <a:stretch>
+                  <a:fillRect t="-1120"/>
+                </a:stretch>
+              </a:blipFill>
+            </p:spPr>
+            <p:txBody>
+              <a:bodyPr/>
+              <a:lstStyle/>
+              <a:p>
+                <a:r>
+                  <a:rPr lang="en-BE">
+                    <a:noFill/>
+                  </a:rPr>
+                  <a:t> </a:t>
+                </a:r>
+              </a:p>
+            </p:txBody>
+          </p:sp>
+        </mc:Fallback>
+      </mc:AlternateContent>
       <p:sp>
         <p:nvSpPr>
           <p:cNvPr id="3" name="Titel 2"/>
@@ -6913,10 +8949,9 @@
           <a:lstStyle/>
           <a:p>
             <a:r>
-              <a:rPr lang="nl-BE" dirty="0" smtClean="0"/>
+              <a:rPr lang="nl-BE" dirty="0"/>
               <a:t>CSP</a:t>
             </a:r>
-            <a:endParaRPr lang="nl-BE" dirty="0"/>
           </a:p>
         </p:txBody>
       </p:sp>
@@ -6950,78 +8985,201 @@
           <a:chExt cx="0" cy="0"/>
         </a:xfrm>
       </p:grpSpPr>
-      <p:sp>
-        <p:nvSpPr>
-          <p:cNvPr id="2" name="Tijdelijke aanduiding voor inhoud 1"/>
-          <p:cNvSpPr>
-            <a:spLocks noGrp="1"/>
-          </p:cNvSpPr>
-          <p:nvPr>
-            <p:ph idx="1"/>
-          </p:nvPr>
-        </p:nvSpPr>
-        <p:spPr/>
-        <p:txBody>
-          <a:bodyPr/>
-          <a:lstStyle/>
-          <a:p>
-            <a:r>
-              <a:rPr lang="nl-BE" dirty="0" smtClean="0"/>
-              <a:t>Elements</a:t>
-            </a:r>
-          </a:p>
-          <a:p>
-            <a:pPr lvl="1"/>
-            <a:r>
-              <a:rPr lang="nl-BE" dirty="0" smtClean="0"/>
-              <a:t>Atomic objects</a:t>
-            </a:r>
-          </a:p>
-          <a:p>
-            <a:r>
-              <a:rPr lang="nl-BE" dirty="0" smtClean="0"/>
-              <a:t>Domains</a:t>
-            </a:r>
-          </a:p>
-          <a:p>
-            <a:pPr lvl="1"/>
-            <a:r>
-              <a:rPr lang="nl-BE" dirty="0" smtClean="0"/>
-              <a:t>Sets of elements</a:t>
-            </a:r>
-          </a:p>
-          <a:p>
-            <a:r>
-              <a:rPr lang="nl-BE" dirty="0" err="1" smtClean="0"/>
-              <a:t>Structures</a:t>
-            </a:r>
-            <a:endParaRPr lang="nl-BE" dirty="0" smtClean="0"/>
-          </a:p>
-          <a:p>
-            <a:pPr lvl="1"/>
-            <a:r>
-              <a:rPr lang="nl-BE" dirty="0" err="1" smtClean="0"/>
-              <a:t>Twelvefold</a:t>
-            </a:r>
-            <a:r>
-              <a:rPr lang="nl-BE" dirty="0" smtClean="0"/>
-              <a:t> way </a:t>
-            </a:r>
-            <a:r>
-              <a:rPr lang="nl-BE" dirty="0" err="1" smtClean="0"/>
-              <a:t>problem</a:t>
-            </a:r>
-            <a:endParaRPr lang="nl-BE" dirty="0" smtClean="0"/>
-          </a:p>
-          <a:p>
-            <a:pPr lvl="1"/>
-            <a:r>
-              <a:rPr lang="nl-BE" dirty="0" smtClean="0"/>
-              <a:t>(D, F)</a:t>
-            </a:r>
-          </a:p>
-        </p:txBody>
-      </p:sp>
+      <mc:AlternateContent xmlns:mc="http://schemas.openxmlformats.org/markup-compatibility/2006">
+        <mc:Choice xmlns:a14="http://schemas.microsoft.com/office/drawing/2010/main" Requires="a14">
+          <p:sp>
+            <p:nvSpPr>
+              <p:cNvPr id="2" name="Tijdelijke aanduiding voor inhoud 1"/>
+              <p:cNvSpPr>
+                <a:spLocks noGrp="1"/>
+              </p:cNvSpPr>
+              <p:nvPr>
+                <p:ph idx="1"/>
+              </p:nvPr>
+            </p:nvSpPr>
+            <p:spPr/>
+            <p:txBody>
+              <a:bodyPr/>
+              <a:lstStyle/>
+              <a:p>
+                <a:r>
+                  <a:rPr lang="nl-BE" dirty="0"/>
+                  <a:t>Counting Constraint Satisfaction Problem</a:t>
+                </a:r>
+              </a:p>
+              <a:p>
+                <a:pPr lvl="1"/>
+                <a:r>
+                  <a:rPr lang="nl-BE" dirty="0"/>
+                  <a:t>Find the number of satisfying assignments</a:t>
+                </a:r>
+              </a:p>
+              <a:p>
+                <a:pPr lvl="2"/>
+                <a14:m>
+                  <m:oMath xmlns:m="http://schemas.openxmlformats.org/officeDocument/2006/math">
+                    <m:r>
+                      <a:rPr lang="nl-BE" b="0" i="1" smtClean="0">
+                        <a:latin typeface="Cambria Math" panose="02040503050406030204" pitchFamily="18" charset="0"/>
+                      </a:rPr>
+                      <m:t>𝑀𝐶</m:t>
+                    </m:r>
+                    <m:d>
+                      <m:dPr>
+                        <m:begChr m:val="⟨"/>
+                        <m:endChr m:val="⟩"/>
+                        <m:ctrlPr>
+                          <a:rPr lang="nl-BE" b="0" i="1" smtClean="0">
+                            <a:latin typeface="Cambria Math" panose="02040503050406030204" pitchFamily="18" charset="0"/>
+                          </a:rPr>
+                        </m:ctrlPr>
+                      </m:dPr>
+                      <m:e>
+                        <m:r>
+                          <a:rPr lang="nl-BE" b="0" i="1" smtClean="0">
+                            <a:latin typeface="Cambria Math" panose="02040503050406030204" pitchFamily="18" charset="0"/>
+                          </a:rPr>
+                          <m:t>𝑉</m:t>
+                        </m:r>
+                        <m:r>
+                          <a:rPr lang="nl-BE" b="0" i="1" smtClean="0">
+                            <a:latin typeface="Cambria Math" panose="02040503050406030204" pitchFamily="18" charset="0"/>
+                          </a:rPr>
+                          <m:t>,</m:t>
+                        </m:r>
+                        <m:r>
+                          <a:rPr lang="nl-BE" b="0" i="1" smtClean="0">
+                            <a:latin typeface="Cambria Math" panose="02040503050406030204" pitchFamily="18" charset="0"/>
+                          </a:rPr>
+                          <m:t>𝐷</m:t>
+                        </m:r>
+                        <m:r>
+                          <a:rPr lang="nl-BE" b="0" i="1" smtClean="0">
+                            <a:latin typeface="Cambria Math" panose="02040503050406030204" pitchFamily="18" charset="0"/>
+                          </a:rPr>
+                          <m:t>,</m:t>
+                        </m:r>
+                        <m:r>
+                          <a:rPr lang="nl-BE" b="0" i="1" smtClean="0">
+                            <a:latin typeface="Cambria Math" panose="02040503050406030204" pitchFamily="18" charset="0"/>
+                          </a:rPr>
+                          <m:t>𝐶</m:t>
+                        </m:r>
+                      </m:e>
+                    </m:d>
+                  </m:oMath>
+                </a14:m>
+                <a:endParaRPr lang="nl-BE" dirty="0"/>
+              </a:p>
+              <a:p>
+                <a:r>
+                  <a:rPr lang="nl-BE" dirty="0"/>
+                  <a:t>Combinatorics problems can be expressed as #CSPs</a:t>
+                </a:r>
+              </a:p>
+              <a:p>
+                <a:pPr lvl="1"/>
+                <a:r>
+                  <a:rPr lang="nl-BE" dirty="0"/>
+                  <a:t>Set </a:t>
+                </a:r>
+                <a14:m>
+                  <m:oMath xmlns:m="http://schemas.openxmlformats.org/officeDocument/2006/math">
+                    <m:r>
+                      <a:rPr lang="nl-BE" b="0" i="1" smtClean="0">
+                        <a:latin typeface="Cambria Math" panose="02040503050406030204" pitchFamily="18" charset="0"/>
+                      </a:rPr>
+                      <m:t>𝑋</m:t>
+                    </m:r>
+                  </m:oMath>
+                </a14:m>
+                <a:r>
+                  <a:rPr lang="nl-BE" dirty="0"/>
+                  <a:t> </a:t>
+                </a:r>
+                <a:r>
+                  <a:rPr lang="nl-BE" dirty="0">
+                    <a:sym typeface="Wingdings" pitchFamily="2" charset="2"/>
+                  </a:rPr>
+                  <a:t> set of variables</a:t>
+                </a:r>
+              </a:p>
+              <a:p>
+                <a:pPr lvl="1"/>
+                <a:r>
+                  <a:rPr lang="nl-BE" dirty="0">
+                    <a:sym typeface="Wingdings" pitchFamily="2" charset="2"/>
+                  </a:rPr>
+                  <a:t>Set </a:t>
+                </a:r>
+                <a14:m>
+                  <m:oMath xmlns:m="http://schemas.openxmlformats.org/officeDocument/2006/math">
+                    <m:r>
+                      <a:rPr lang="nl-BE" b="0" i="1" smtClean="0">
+                        <a:latin typeface="Cambria Math" panose="02040503050406030204" pitchFamily="18" charset="0"/>
+                        <a:sym typeface="Wingdings" pitchFamily="2" charset="2"/>
+                      </a:rPr>
+                      <m:t>𝑌</m:t>
+                    </m:r>
+                  </m:oMath>
+                </a14:m>
+                <a:r>
+                  <a:rPr lang="nl-BE" dirty="0"/>
+                  <a:t> </a:t>
+                </a:r>
+                <a:r>
+                  <a:rPr lang="nl-BE" dirty="0">
+                    <a:sym typeface="Wingdings" pitchFamily="2" charset="2"/>
+                  </a:rPr>
+                  <a:t> domain</a:t>
+                </a:r>
+              </a:p>
+              <a:p>
+                <a:r>
+                  <a:rPr lang="nl-BE" dirty="0">
+                    <a:sym typeface="Wingdings" pitchFamily="2" charset="2"/>
+                  </a:rPr>
+                  <a:t>Generalization of #SAT: counting the number of satsifying intepretations for a Boolean formula </a:t>
+                </a:r>
+                <a:endParaRPr lang="nl-BE" dirty="0"/>
+              </a:p>
+            </p:txBody>
+          </p:sp>
+        </mc:Choice>
+        <mc:Fallback>
+          <p:sp>
+            <p:nvSpPr>
+              <p:cNvPr id="2" name="Tijdelijke aanduiding voor inhoud 1"/>
+              <p:cNvSpPr>
+                <a:spLocks noGrp="1" noRot="1" noChangeAspect="1" noMove="1" noResize="1" noEditPoints="1" noAdjustHandles="1" noChangeArrowheads="1" noChangeShapeType="1" noTextEdit="1"/>
+              </p:cNvSpPr>
+              <p:nvPr>
+                <p:ph idx="1"/>
+              </p:nvPr>
+            </p:nvSpPr>
+            <p:spPr>
+              <a:blipFill>
+                <a:blip r:embed="rId2"/>
+                <a:stretch>
+                  <a:fillRect t="-1401" r="-1389"/>
+                </a:stretch>
+              </a:blipFill>
+            </p:spPr>
+            <p:txBody>
+              <a:bodyPr/>
+              <a:lstStyle/>
+              <a:p>
+                <a:r>
+                  <a:rPr lang="en-BE">
+                    <a:noFill/>
+                  </a:rPr>
+                  <a:t> </a:t>
+                </a:r>
+              </a:p>
+            </p:txBody>
+          </p:sp>
+        </mc:Fallback>
+      </mc:AlternateContent>
       <p:sp>
         <p:nvSpPr>
           <p:cNvPr id="3" name="Titel 2"/>
@@ -7038,17 +9196,16 @@
           <a:lstStyle/>
           <a:p>
             <a:r>
-              <a:rPr lang="nl-BE" dirty="0" err="1" smtClean="0"/>
-              <a:t>CoLa</a:t>
-            </a:r>
-            <a:endParaRPr lang="nl-BE" dirty="0"/>
+              <a:rPr lang="nl-BE" dirty="0"/>
+              <a:t>#CSP</a:t>
+            </a:r>
           </a:p>
         </p:txBody>
       </p:sp>
     </p:spTree>
     <p:extLst>
       <p:ext uri="{BB962C8B-B14F-4D97-AF65-F5344CB8AC3E}">
-        <p14:creationId xmlns:p14="http://schemas.microsoft.com/office/powerpoint/2010/main" val="349216217"/>
+        <p14:creationId xmlns:p14="http://schemas.microsoft.com/office/powerpoint/2010/main" val="281160088"/>
       </p:ext>
     </p:extLst>
   </p:cSld>
@@ -7091,90 +9248,34 @@
           <a:lstStyle/>
           <a:p>
             <a:r>
-              <a:rPr lang="nl-BE" dirty="0" smtClean="0"/>
-              <a:t>Domain </a:t>
-            </a:r>
-            <a:r>
-              <a:rPr lang="nl-BE" dirty="0" err="1" smtClean="0"/>
-              <a:t>Formulas</a:t>
-            </a:r>
-            <a:endParaRPr lang="nl-BE" dirty="0" smtClean="0"/>
+              <a:rPr lang="nl-BE" dirty="0"/>
+              <a:t>#CSPs generalize #SAT</a:t>
+            </a:r>
+          </a:p>
+          <a:p>
+            <a:r>
+              <a:rPr lang="nl-BE" dirty="0"/>
+              <a:t>#SAT is #P-complete</a:t>
+            </a:r>
           </a:p>
           <a:p>
             <a:pPr lvl="1"/>
             <a:r>
-              <a:rPr lang="nl-BE" dirty="0" smtClean="0"/>
-              <a:t>Set operations</a:t>
-            </a:r>
-          </a:p>
-          <a:p>
-            <a:r>
-              <a:rPr lang="nl-BE" dirty="0" err="1" smtClean="0"/>
-              <a:t>Choice</a:t>
-            </a:r>
-            <a:r>
-              <a:rPr lang="nl-BE" dirty="0" smtClean="0"/>
-              <a:t> </a:t>
-            </a:r>
-            <a:r>
-              <a:rPr lang="nl-BE" dirty="0" err="1" smtClean="0"/>
-              <a:t>Constraints</a:t>
-            </a:r>
-            <a:endParaRPr lang="nl-BE" dirty="0" smtClean="0"/>
-          </a:p>
-          <a:p>
-            <a:pPr lvl="1"/>
-            <a:r>
-              <a:rPr lang="nl-BE" dirty="0" err="1" smtClean="0"/>
-              <a:t>Fixed</a:t>
-            </a:r>
-            <a:r>
-              <a:rPr lang="nl-BE" dirty="0" smtClean="0"/>
-              <a:t> </a:t>
-            </a:r>
-            <a:r>
-              <a:rPr lang="nl-BE" dirty="0" err="1" smtClean="0"/>
-              <a:t>position</a:t>
-            </a:r>
-            <a:endParaRPr lang="nl-BE" dirty="0" smtClean="0"/>
-          </a:p>
-          <a:p>
-            <a:r>
-              <a:rPr lang="nl-BE" dirty="0" err="1" smtClean="0"/>
-              <a:t>Counting</a:t>
-            </a:r>
-            <a:r>
-              <a:rPr lang="nl-BE" dirty="0" smtClean="0"/>
-              <a:t> </a:t>
-            </a:r>
-            <a:r>
-              <a:rPr lang="nl-BE" dirty="0" err="1" smtClean="0"/>
-              <a:t>Constraints</a:t>
-            </a:r>
-            <a:endParaRPr lang="nl-BE" dirty="0" smtClean="0"/>
-          </a:p>
-          <a:p>
-            <a:pPr lvl="1"/>
-            <a:r>
-              <a:rPr lang="nl-BE" dirty="0" smtClean="0"/>
-              <a:t>Limit on domains</a:t>
-            </a:r>
-          </a:p>
-          <a:p>
-            <a:pPr lvl="1"/>
-            <a:r>
-              <a:rPr lang="nl-BE" dirty="0" err="1" smtClean="0"/>
-              <a:t>Boolean</a:t>
-            </a:r>
-            <a:r>
-              <a:rPr lang="nl-BE" dirty="0" smtClean="0"/>
-              <a:t> operators (</a:t>
-            </a:r>
-            <a:r>
-              <a:rPr lang="en-GB" dirty="0" smtClean="0"/>
-              <a:t>&gt;, &lt;, &gt;=, &lt;=, =)</a:t>
-            </a:r>
-            <a:endParaRPr lang="nl-BE" dirty="0" smtClean="0"/>
+              <a:rPr lang="nl-BE" dirty="0"/>
+              <a:t>#P: class of counting problems</a:t>
+            </a:r>
+            <a:endParaRPr lang="nl-BE" dirty="0">
+              <a:sym typeface="Wingdings" pitchFamily="2" charset="2"/>
+            </a:endParaRPr>
+          </a:p>
+          <a:p>
+            <a:r>
+              <a:rPr lang="nl-BE" dirty="0">
+                <a:sym typeface="Wingdings" pitchFamily="2" charset="2"/>
+              </a:rPr>
+              <a:t>All counting problems can be reduced to #SATs</a:t>
+            </a:r>
+            <a:endParaRPr lang="nl-BE" dirty="0"/>
           </a:p>
         </p:txBody>
       </p:sp>
@@ -7194,33 +9295,16 @@
           <a:lstStyle/>
           <a:p>
             <a:r>
-              <a:rPr lang="nl-BE" dirty="0" err="1" smtClean="0"/>
-              <a:t>CoLa</a:t>
-            </a:r>
-            <a:r>
               <a:rPr lang="nl-BE" dirty="0"/>
-              <a:t> </a:t>
-            </a:r>
-            <a:r>
-              <a:rPr lang="nl-BE" dirty="0" smtClean="0"/>
-              <a:t>(</a:t>
-            </a:r>
-            <a:r>
-              <a:rPr lang="nl-BE" dirty="0" err="1" smtClean="0"/>
-              <a:t>Constraints</a:t>
-            </a:r>
-            <a:r>
-              <a:rPr lang="nl-BE" dirty="0" smtClean="0"/>
-              <a:t>)</a:t>
-            </a:r>
-            <a:endParaRPr lang="nl-BE" dirty="0"/>
+              <a:t>#SAT and #CSPs</a:t>
+            </a:r>
           </a:p>
         </p:txBody>
       </p:sp>
     </p:spTree>
     <p:extLst>
       <p:ext uri="{BB962C8B-B14F-4D97-AF65-F5344CB8AC3E}">
-        <p14:creationId xmlns:p14="http://schemas.microsoft.com/office/powerpoint/2010/main" val="1395496281"/>
+        <p14:creationId xmlns:p14="http://schemas.microsoft.com/office/powerpoint/2010/main" val="842178977"/>
       </p:ext>
     </p:extLst>
   </p:cSld>

--- a/Presentation.pptx
+++ b/Presentation.pptx
@@ -756,7 +756,7 @@
           <a:p>
             <a:fld id="{3D636C07-7E76-46D3-B86B-6AF7C60E533E}" type="datetimeFigureOut">
               <a:rPr lang="nl-NL" smtClean="0"/>
-              <a:t>07-11-2020</a:t>
+              <a:t>08-11-2020</a:t>
             </a:fld>
             <a:endParaRPr lang="nl-NL"/>
           </a:p>
@@ -946,7 +946,7 @@
           <a:p>
             <a:fld id="{3D636C07-7E76-46D3-B86B-6AF7C60E533E}" type="datetimeFigureOut">
               <a:rPr lang="nl-NL" smtClean="0"/>
-              <a:t>07-11-2020</a:t>
+              <a:t>08-11-2020</a:t>
             </a:fld>
             <a:endParaRPr lang="nl-NL"/>
           </a:p>
@@ -1121,7 +1121,7 @@
           <a:p>
             <a:fld id="{3D636C07-7E76-46D3-B86B-6AF7C60E533E}" type="datetimeFigureOut">
               <a:rPr lang="nl-NL" smtClean="0"/>
-              <a:t>07-11-2020</a:t>
+              <a:t>08-11-2020</a:t>
             </a:fld>
             <a:endParaRPr lang="nl-NL"/>
           </a:p>
@@ -1263,7 +1263,7 @@
           <a:p>
             <a:fld id="{3D636C07-7E76-46D3-B86B-6AF7C60E533E}" type="datetimeFigureOut">
               <a:rPr lang="nl-NL" smtClean="0"/>
-              <a:t>07-11-2020</a:t>
+              <a:t>08-11-2020</a:t>
             </a:fld>
             <a:endParaRPr lang="nl-NL"/>
           </a:p>
@@ -1510,7 +1510,7 @@
           <a:p>
             <a:fld id="{3D636C07-7E76-46D3-B86B-6AF7C60E533E}" type="datetimeFigureOut">
               <a:rPr lang="nl-NL" smtClean="0"/>
-              <a:t>07-11-2020</a:t>
+              <a:t>08-11-2020</a:t>
             </a:fld>
             <a:endParaRPr lang="nl-NL"/>
           </a:p>
@@ -1909,7 +1909,7 @@
           <a:p>
             <a:fld id="{3D636C07-7E76-46D3-B86B-6AF7C60E533E}" type="datetimeFigureOut">
               <a:rPr lang="nl-NL" smtClean="0"/>
-              <a:t>07-11-2020</a:t>
+              <a:t>08-11-2020</a:t>
             </a:fld>
             <a:endParaRPr lang="nl-NL"/>
           </a:p>
@@ -2347,7 +2347,7 @@
           <a:p>
             <a:fld id="{3D636C07-7E76-46D3-B86B-6AF7C60E533E}" type="datetimeFigureOut">
               <a:rPr lang="nl-NL" smtClean="0"/>
-              <a:t>07-11-2020</a:t>
+              <a:t>08-11-2020</a:t>
             </a:fld>
             <a:endParaRPr lang="nl-NL"/>
           </a:p>
@@ -2442,7 +2442,7 @@
           <a:p>
             <a:fld id="{3D636C07-7E76-46D3-B86B-6AF7C60E533E}" type="datetimeFigureOut">
               <a:rPr lang="nl-NL" smtClean="0"/>
-              <a:t>07-11-2020</a:t>
+              <a:t>08-11-2020</a:t>
             </a:fld>
             <a:endParaRPr lang="nl-NL"/>
           </a:p>
@@ -2555,7 +2555,7 @@
           <a:p>
             <a:fld id="{3D636C07-7E76-46D3-B86B-6AF7C60E533E}" type="datetimeFigureOut">
               <a:rPr lang="nl-NL" smtClean="0"/>
-              <a:t>07-11-2020</a:t>
+              <a:t>08-11-2020</a:t>
             </a:fld>
             <a:endParaRPr lang="nl-NL"/>
           </a:p>
@@ -2823,7 +2823,7 @@
           <a:p>
             <a:fld id="{3D636C07-7E76-46D3-B86B-6AF7C60E533E}" type="datetimeFigureOut">
               <a:rPr lang="nl-NL" smtClean="0"/>
-              <a:t>07-11-2020</a:t>
+              <a:t>08-11-2020</a:t>
             </a:fld>
             <a:endParaRPr lang="nl-NL"/>
           </a:p>
@@ -3024,7 +3024,7 @@
           <a:p>
             <a:fld id="{3D636C07-7E76-46D3-B86B-6AF7C60E533E}" type="datetimeFigureOut">
               <a:rPr lang="nl-NL" smtClean="0"/>
-              <a:t>07-11-2020</a:t>
+              <a:t>08-11-2020</a:t>
             </a:fld>
             <a:endParaRPr lang="nl-NL"/>
           </a:p>
@@ -4113,7 +4113,7 @@
           <a:p>
             <a:fld id="{3D636C07-7E76-46D3-B86B-6AF7C60E533E}" type="datetimeFigureOut">
               <a:rPr lang="nl-NL" smtClean="0"/>
-              <a:t>07-11-2020</a:t>
+              <a:t>08-11-2020</a:t>
             </a:fld>
             <a:endParaRPr lang="nl-NL"/>
           </a:p>
@@ -4879,8 +4879,8 @@
           <a:chExt cx="0" cy="0"/>
         </a:xfrm>
       </p:grpSpPr>
-      <mc:AlternateContent xmlns:mc="http://schemas.openxmlformats.org/markup-compatibility/2006">
-        <mc:Choice xmlns:a14="http://schemas.microsoft.com/office/drawing/2010/main" Requires="a14">
+      <mc:AlternateContent xmlns:mc="http://schemas.openxmlformats.org/markup-compatibility/2006" xmlns:a14="http://schemas.microsoft.com/office/drawing/2010/main">
+        <mc:Choice Requires="a14">
           <p:sp>
             <p:nvSpPr>
               <p:cNvPr id="2" name="Tijdelijke aanduiding voor inhoud 1"/>
@@ -4919,41 +4919,55 @@
                     <m:sSub>
                       <m:sSubPr>
                         <m:ctrlPr>
-                          <a:rPr lang="en-BE" i="1"/>
+                          <a:rPr lang="en-BE" i="1">
+                            <a:latin typeface="Cambria Math" panose="02040503050406030204" pitchFamily="18" charset="0"/>
+                          </a:rPr>
                         </m:ctrlPr>
                       </m:sSubPr>
                       <m:e>
                         <m:r>
-                          <a:rPr lang="en-GB" i="1"/>
+                          <a:rPr lang="en-GB" i="1">
+                            <a:latin typeface="Cambria Math" panose="02040503050406030204" pitchFamily="18" charset="0"/>
+                          </a:rPr>
                           <m:t>𝑋</m:t>
                         </m:r>
                       </m:e>
                       <m:sub>
                         <m:r>
-                          <a:rPr lang="en-GB" i="1"/>
+                          <a:rPr lang="en-GB" i="1">
+                            <a:latin typeface="Cambria Math" panose="02040503050406030204" pitchFamily="18" charset="0"/>
+                          </a:rPr>
                           <m:t>1</m:t>
                         </m:r>
                       </m:sub>
                     </m:sSub>
                     <m:r>
-                      <a:rPr lang="en-GB" i="1"/>
+                      <a:rPr lang="en-GB" i="1">
+                        <a:latin typeface="Cambria Math" panose="02040503050406030204" pitchFamily="18" charset="0"/>
+                      </a:rPr>
                       <m:t>,. . . , </m:t>
                     </m:r>
                     <m:sSub>
                       <m:sSubPr>
                         <m:ctrlPr>
-                          <a:rPr lang="en-BE" i="1"/>
+                          <a:rPr lang="en-BE" i="1">
+                            <a:latin typeface="Cambria Math" panose="02040503050406030204" pitchFamily="18" charset="0"/>
+                          </a:rPr>
                         </m:ctrlPr>
                       </m:sSubPr>
                       <m:e>
                         <m:r>
-                          <a:rPr lang="en-GB" i="1"/>
+                          <a:rPr lang="en-GB" i="1">
+                            <a:latin typeface="Cambria Math" panose="02040503050406030204" pitchFamily="18" charset="0"/>
+                          </a:rPr>
                           <m:t>𝑋</m:t>
                         </m:r>
                       </m:e>
                       <m:sub>
                         <m:r>
-                          <a:rPr lang="en-GB" i="1"/>
+                          <a:rPr lang="en-GB" i="1">
+                            <a:latin typeface="Cambria Math" panose="02040503050406030204" pitchFamily="18" charset="0"/>
+                          </a:rPr>
                           <m:t>𝑛</m:t>
                         </m:r>
                       </m:sub>
@@ -4976,87 +4990,117 @@
                     <m:sSub>
                       <m:sSubPr>
                         <m:ctrlPr>
-                          <a:rPr lang="en-BE" i="1"/>
+                          <a:rPr lang="en-BE" i="1">
+                            <a:latin typeface="Cambria Math" panose="02040503050406030204" pitchFamily="18" charset="0"/>
+                          </a:rPr>
                         </m:ctrlPr>
                       </m:sSubPr>
                       <m:e>
                         <m:r>
-                          <a:rPr lang="en-GB" i="1"/>
+                          <a:rPr lang="en-GB" i="1">
+                            <a:latin typeface="Cambria Math" panose="02040503050406030204" pitchFamily="18" charset="0"/>
+                          </a:rPr>
                           <m:t>𝑋</m:t>
                         </m:r>
                       </m:e>
                       <m:sub>
                         <m:r>
-                          <a:rPr lang="en-GB" i="1"/>
+                          <a:rPr lang="en-GB" i="1">
+                            <a:latin typeface="Cambria Math" panose="02040503050406030204" pitchFamily="18" charset="0"/>
+                          </a:rPr>
                           <m:t>1</m:t>
                         </m:r>
                       </m:sub>
                     </m:sSub>
                     <m:r>
-                      <a:rPr lang="en-GB" i="1"/>
+                      <a:rPr lang="en-GB" i="1">
+                        <a:latin typeface="Cambria Math" panose="02040503050406030204" pitchFamily="18" charset="0"/>
+                      </a:rPr>
                       <m:t>= </m:t>
                     </m:r>
                     <m:sSub>
                       <m:sSubPr>
                         <m:ctrlPr>
-                          <a:rPr lang="en-BE" i="1"/>
+                          <a:rPr lang="en-BE" i="1">
+                            <a:latin typeface="Cambria Math" panose="02040503050406030204" pitchFamily="18" charset="0"/>
+                          </a:rPr>
                         </m:ctrlPr>
                       </m:sSubPr>
                       <m:e>
                         <m:r>
-                          <a:rPr lang="en-GB" i="1"/>
+                          <a:rPr lang="en-GB" i="1">
+                            <a:latin typeface="Cambria Math" panose="02040503050406030204" pitchFamily="18" charset="0"/>
+                          </a:rPr>
                           <m:t>𝑑</m:t>
                         </m:r>
                       </m:e>
                       <m:sub>
                         <m:r>
-                          <a:rPr lang="en-GB" i="1"/>
+                          <a:rPr lang="en-GB" i="1">
+                            <a:latin typeface="Cambria Math" panose="02040503050406030204" pitchFamily="18" charset="0"/>
+                          </a:rPr>
                           <m:t>1</m:t>
                         </m:r>
                       </m:sub>
                     </m:sSub>
                     <m:r>
-                      <a:rPr lang="en-GB" i="1"/>
+                      <a:rPr lang="en-GB" i="1">
+                        <a:latin typeface="Cambria Math" panose="02040503050406030204" pitchFamily="18" charset="0"/>
+                      </a:rPr>
                       <m:t>,. . . , </m:t>
                     </m:r>
                     <m:sSub>
                       <m:sSubPr>
                         <m:ctrlPr>
-                          <a:rPr lang="en-BE" i="1"/>
+                          <a:rPr lang="en-BE" i="1">
+                            <a:latin typeface="Cambria Math" panose="02040503050406030204" pitchFamily="18" charset="0"/>
+                          </a:rPr>
                         </m:ctrlPr>
                       </m:sSubPr>
                       <m:e>
                         <m:r>
-                          <a:rPr lang="en-GB" i="1"/>
+                          <a:rPr lang="en-GB" i="1">
+                            <a:latin typeface="Cambria Math" panose="02040503050406030204" pitchFamily="18" charset="0"/>
+                          </a:rPr>
                           <m:t>𝑋</m:t>
                         </m:r>
                       </m:e>
                       <m:sub>
                         <m:r>
-                          <a:rPr lang="en-GB" i="1"/>
+                          <a:rPr lang="en-GB" i="1">
+                            <a:latin typeface="Cambria Math" panose="02040503050406030204" pitchFamily="18" charset="0"/>
+                          </a:rPr>
                           <m:t>𝑛</m:t>
                         </m:r>
                       </m:sub>
                     </m:sSub>
                     <m:r>
-                      <a:rPr lang="en-GB" i="1"/>
+                      <a:rPr lang="en-GB" i="1">
+                        <a:latin typeface="Cambria Math" panose="02040503050406030204" pitchFamily="18" charset="0"/>
+                      </a:rPr>
                       <m:t>= </m:t>
                     </m:r>
                     <m:sSub>
                       <m:sSubPr>
                         <m:ctrlPr>
-                          <a:rPr lang="en-BE" i="1"/>
+                          <a:rPr lang="en-BE" i="1">
+                            <a:latin typeface="Cambria Math" panose="02040503050406030204" pitchFamily="18" charset="0"/>
+                          </a:rPr>
                         </m:ctrlPr>
                       </m:sSubPr>
                       <m:e>
                         <m:r>
-                          <a:rPr lang="en-GB" i="1"/>
+                          <a:rPr lang="en-GB" i="1">
+                            <a:latin typeface="Cambria Math" panose="02040503050406030204" pitchFamily="18" charset="0"/>
+                          </a:rPr>
                           <m:t>𝑑</m:t>
                         </m:r>
                       </m:e>
                       <m:sub>
                         <m:r>
-                          <a:rPr lang="en-GB" i="1"/>
+                          <a:rPr lang="en-GB" i="1">
+                            <a:latin typeface="Cambria Math" panose="02040503050406030204" pitchFamily="18" charset="0"/>
+                          </a:rPr>
                           <m:t>𝑛</m:t>
                         </m:r>
                       </m:sub>
@@ -5070,7 +5114,9 @@
                 <a14:m>
                   <m:oMath xmlns:m="http://schemas.openxmlformats.org/officeDocument/2006/math">
                     <m:r>
-                      <a:rPr lang="en-GB" i="1"/>
+                      <a:rPr lang="en-GB" i="1">
+                        <a:latin typeface="Cambria Math" panose="02040503050406030204" pitchFamily="18" charset="0"/>
+                      </a:rPr>
                       <m:t>𝜋</m:t>
                     </m:r>
                   </m:oMath>
@@ -5091,103 +5137,141 @@
                     <m:sSub>
                       <m:sSubPr>
                         <m:ctrlPr>
-                          <a:rPr lang="en-BE" i="1"/>
+                          <a:rPr lang="en-BE" i="1">
+                            <a:latin typeface="Cambria Math" panose="02040503050406030204" pitchFamily="18" charset="0"/>
+                          </a:rPr>
                         </m:ctrlPr>
                       </m:sSubPr>
                       <m:e>
                         <m:r>
-                          <a:rPr lang="en-GB" i="1"/>
+                          <a:rPr lang="en-GB" i="1">
+                            <a:latin typeface="Cambria Math" panose="02040503050406030204" pitchFamily="18" charset="0"/>
+                          </a:rPr>
                           <m:t>𝑋</m:t>
                         </m:r>
                       </m:e>
                       <m:sub>
                         <m:r>
-                          <a:rPr lang="en-GB" i="1"/>
+                          <a:rPr lang="en-GB" i="1">
+                            <a:latin typeface="Cambria Math" panose="02040503050406030204" pitchFamily="18" charset="0"/>
+                          </a:rPr>
                           <m:t>1</m:t>
                         </m:r>
                       </m:sub>
                     </m:sSub>
                     <m:r>
-                      <a:rPr lang="en-GB" i="1"/>
+                      <a:rPr lang="en-GB" i="1">
+                        <a:latin typeface="Cambria Math" panose="02040503050406030204" pitchFamily="18" charset="0"/>
+                      </a:rPr>
                       <m:t>= </m:t>
                     </m:r>
                     <m:sSub>
                       <m:sSubPr>
                         <m:ctrlPr>
-                          <a:rPr lang="en-BE" i="1"/>
+                          <a:rPr lang="en-BE" i="1">
+                            <a:latin typeface="Cambria Math" panose="02040503050406030204" pitchFamily="18" charset="0"/>
+                          </a:rPr>
                         </m:ctrlPr>
                       </m:sSubPr>
                       <m:e>
                         <m:r>
-                          <a:rPr lang="en-GB" i="1"/>
+                          <a:rPr lang="en-GB" i="1">
+                            <a:latin typeface="Cambria Math" panose="02040503050406030204" pitchFamily="18" charset="0"/>
+                          </a:rPr>
                           <m:t>𝑑</m:t>
                         </m:r>
                       </m:e>
                       <m:sub>
                         <m:r>
-                          <a:rPr lang="en-GB" i="1"/>
+                          <a:rPr lang="en-GB" i="1">
+                            <a:latin typeface="Cambria Math" panose="02040503050406030204" pitchFamily="18" charset="0"/>
+                          </a:rPr>
                           <m:t>𝜋</m:t>
                         </m:r>
                         <m:r>
-                          <a:rPr lang="en-GB" i="1"/>
+                          <a:rPr lang="en-GB" i="1">
+                            <a:latin typeface="Cambria Math" panose="02040503050406030204" pitchFamily="18" charset="0"/>
+                          </a:rPr>
                           <m:t>(1)</m:t>
                         </m:r>
                       </m:sub>
                     </m:sSub>
                     <m:r>
-                      <a:rPr lang="en-GB" i="1"/>
+                      <a:rPr lang="en-GB" i="1">
+                        <a:latin typeface="Cambria Math" panose="02040503050406030204" pitchFamily="18" charset="0"/>
+                      </a:rPr>
                       <m:t>,. . . , </m:t>
                     </m:r>
                     <m:sSub>
                       <m:sSubPr>
                         <m:ctrlPr>
-                          <a:rPr lang="en-BE" i="1"/>
+                          <a:rPr lang="en-BE" i="1">
+                            <a:latin typeface="Cambria Math" panose="02040503050406030204" pitchFamily="18" charset="0"/>
+                          </a:rPr>
                         </m:ctrlPr>
                       </m:sSubPr>
                       <m:e>
                         <m:r>
-                          <a:rPr lang="en-GB" i="1"/>
+                          <a:rPr lang="en-GB" i="1">
+                            <a:latin typeface="Cambria Math" panose="02040503050406030204" pitchFamily="18" charset="0"/>
+                          </a:rPr>
                           <m:t>𝑋</m:t>
                         </m:r>
                       </m:e>
                       <m:sub>
                         <m:r>
-                          <a:rPr lang="en-GB" i="1"/>
+                          <a:rPr lang="en-GB" i="1">
+                            <a:latin typeface="Cambria Math" panose="02040503050406030204" pitchFamily="18" charset="0"/>
+                          </a:rPr>
                           <m:t>𝑛</m:t>
                         </m:r>
                       </m:sub>
                     </m:sSub>
                     <m:r>
-                      <a:rPr lang="en-GB" i="1"/>
+                      <a:rPr lang="en-GB" i="1">
+                        <a:latin typeface="Cambria Math" panose="02040503050406030204" pitchFamily="18" charset="0"/>
+                      </a:rPr>
                       <m:t>= </m:t>
                     </m:r>
                     <m:sSub>
                       <m:sSubPr>
                         <m:ctrlPr>
-                          <a:rPr lang="en-BE" i="1"/>
+                          <a:rPr lang="en-BE" i="1">
+                            <a:latin typeface="Cambria Math" panose="02040503050406030204" pitchFamily="18" charset="0"/>
+                          </a:rPr>
                         </m:ctrlPr>
                       </m:sSubPr>
                       <m:e>
                         <m:r>
-                          <a:rPr lang="en-GB" i="1"/>
+                          <a:rPr lang="en-GB" i="1">
+                            <a:latin typeface="Cambria Math" panose="02040503050406030204" pitchFamily="18" charset="0"/>
+                          </a:rPr>
                           <m:t>𝑑</m:t>
                         </m:r>
                       </m:e>
                       <m:sub>
                         <m:r>
-                          <a:rPr lang="en-GB" i="1"/>
+                          <a:rPr lang="en-GB" i="1">
+                            <a:latin typeface="Cambria Math" panose="02040503050406030204" pitchFamily="18" charset="0"/>
+                          </a:rPr>
                           <m:t>𝜋</m:t>
                         </m:r>
                         <m:r>
-                          <a:rPr lang="en-GB" i="1"/>
+                          <a:rPr lang="en-GB" i="1">
+                            <a:latin typeface="Cambria Math" panose="02040503050406030204" pitchFamily="18" charset="0"/>
+                          </a:rPr>
                           <m:t>(</m:t>
                         </m:r>
                         <m:r>
-                          <a:rPr lang="en-GB" i="1"/>
+                          <a:rPr lang="en-GB" i="1">
+                            <a:latin typeface="Cambria Math" panose="02040503050406030204" pitchFamily="18" charset="0"/>
+                          </a:rPr>
                           <m:t>𝑛</m:t>
                         </m:r>
                         <m:r>
-                          <a:rPr lang="en-GB" i="1"/>
+                          <a:rPr lang="en-GB" i="1">
+                            <a:latin typeface="Cambria Math" panose="02040503050406030204" pitchFamily="18" charset="0"/>
+                          </a:rPr>
                           <m:t>)</m:t>
                         </m:r>
                       </m:sub>
@@ -5203,7 +5287,7 @@
             </p:txBody>
           </p:sp>
         </mc:Choice>
-        <mc:Fallback>
+        <mc:Fallback xmlns="">
           <p:sp>
             <p:nvSpPr>
               <p:cNvPr id="2" name="Tijdelijke aanduiding voor inhoud 1"/>
@@ -5294,8 +5378,8 @@
           <a:chExt cx="0" cy="0"/>
         </a:xfrm>
       </p:grpSpPr>
-      <mc:AlternateContent xmlns:mc="http://schemas.openxmlformats.org/markup-compatibility/2006">
-        <mc:Choice xmlns:a14="http://schemas.microsoft.com/office/drawing/2010/main" Requires="a14">
+      <mc:AlternateContent xmlns:mc="http://schemas.openxmlformats.org/markup-compatibility/2006" xmlns:a14="http://schemas.microsoft.com/office/drawing/2010/main">
+        <mc:Choice Requires="a14">
           <p:sp>
             <p:nvSpPr>
               <p:cNvPr id="2" name="Tijdelijke aanduiding voor inhoud 1"/>
@@ -5331,110 +5415,148 @@
                     <m:sSub>
                       <m:sSubPr>
                         <m:ctrlPr>
-                          <a:rPr lang="en-BE" i="1"/>
+                          <a:rPr lang="en-BE" i="1">
+                            <a:latin typeface="Cambria Math" panose="02040503050406030204" pitchFamily="18" charset="0"/>
+                          </a:rPr>
                         </m:ctrlPr>
                       </m:sSubPr>
                       <m:e>
                         <m:r>
-                          <a:rPr lang="en-GB" i="1"/>
+                          <a:rPr lang="en-GB" i="1">
+                            <a:latin typeface="Cambria Math" panose="02040503050406030204" pitchFamily="18" charset="0"/>
+                          </a:rPr>
                           <m:t>𝑋</m:t>
                         </m:r>
                       </m:e>
                       <m:sub>
                         <m:r>
-                          <a:rPr lang="en-GB" i="1"/>
+                          <a:rPr lang="en-GB" i="1">
+                            <a:latin typeface="Cambria Math" panose="02040503050406030204" pitchFamily="18" charset="0"/>
+                          </a:rPr>
                           <m:t>1</m:t>
                         </m:r>
                       </m:sub>
                     </m:sSub>
                     <m:r>
-                      <a:rPr lang="en-GB" i="1"/>
+                      <a:rPr lang="en-GB" i="1">
+                        <a:latin typeface="Cambria Math" panose="02040503050406030204" pitchFamily="18" charset="0"/>
+                      </a:rPr>
                       <m:t>, </m:t>
                     </m:r>
                     <m:sSub>
                       <m:sSubPr>
                         <m:ctrlPr>
-                          <a:rPr lang="en-BE" i="1"/>
+                          <a:rPr lang="en-BE" i="1">
+                            <a:latin typeface="Cambria Math" panose="02040503050406030204" pitchFamily="18" charset="0"/>
+                          </a:rPr>
                         </m:ctrlPr>
                       </m:sSubPr>
                       <m:e>
                         <m:r>
-                          <a:rPr lang="en-GB" i="1"/>
+                          <a:rPr lang="en-GB" i="1">
+                            <a:latin typeface="Cambria Math" panose="02040503050406030204" pitchFamily="18" charset="0"/>
+                          </a:rPr>
                           <m:t>𝑋</m:t>
                         </m:r>
                       </m:e>
                       <m:sub>
                         <m:r>
-                          <a:rPr lang="en-GB" i="1"/>
+                          <a:rPr lang="en-GB" i="1">
+                            <a:latin typeface="Cambria Math" panose="02040503050406030204" pitchFamily="18" charset="0"/>
+                          </a:rPr>
                           <m:t>2</m:t>
                         </m:r>
                       </m:sub>
                     </m:sSub>
                     <m:r>
-                      <a:rPr lang="en-GB" i="1"/>
+                      <a:rPr lang="en-GB" i="1">
+                        <a:latin typeface="Cambria Math" panose="02040503050406030204" pitchFamily="18" charset="0"/>
+                      </a:rPr>
                       <m:t>,</m:t>
                     </m:r>
                     <m:sSub>
                       <m:sSubPr>
                         <m:ctrlPr>
-                          <a:rPr lang="en-BE" i="1"/>
+                          <a:rPr lang="en-BE" i="1">
+                            <a:latin typeface="Cambria Math" panose="02040503050406030204" pitchFamily="18" charset="0"/>
+                          </a:rPr>
                         </m:ctrlPr>
                       </m:sSubPr>
                       <m:e>
                         <m:r>
-                          <a:rPr lang="en-GB" i="1"/>
+                          <a:rPr lang="en-GB" i="1">
+                            <a:latin typeface="Cambria Math" panose="02040503050406030204" pitchFamily="18" charset="0"/>
+                          </a:rPr>
                           <m:t>𝑋</m:t>
                         </m:r>
                       </m:e>
                       <m:sub>
                         <m:r>
-                          <a:rPr lang="en-GB" i="1"/>
+                          <a:rPr lang="en-GB" i="1">
+                            <a:latin typeface="Cambria Math" panose="02040503050406030204" pitchFamily="18" charset="0"/>
+                          </a:rPr>
                           <m:t>3</m:t>
                         </m:r>
                       </m:sub>
                     </m:sSub>
                     <m:r>
-                      <a:rPr lang="en-GB" i="1"/>
+                      <a:rPr lang="en-GB" i="1">
+                        <a:latin typeface="Cambria Math" panose="02040503050406030204" pitchFamily="18" charset="0"/>
+                      </a:rPr>
                       <m:t>, </m:t>
                     </m:r>
                     <m:sSub>
                       <m:sSubPr>
                         <m:ctrlPr>
-                          <a:rPr lang="en-BE" i="1"/>
+                          <a:rPr lang="en-BE" i="1">
+                            <a:latin typeface="Cambria Math" panose="02040503050406030204" pitchFamily="18" charset="0"/>
+                          </a:rPr>
                         </m:ctrlPr>
                       </m:sSubPr>
                       <m:e>
                         <m:r>
-                          <a:rPr lang="en-GB" i="1"/>
+                          <a:rPr lang="en-GB" i="1">
+                            <a:latin typeface="Cambria Math" panose="02040503050406030204" pitchFamily="18" charset="0"/>
+                          </a:rPr>
                           <m:t>𝑋</m:t>
                         </m:r>
                       </m:e>
                       <m:sub>
                         <m:r>
-                          <a:rPr lang="en-GB" i="1"/>
+                          <a:rPr lang="en-GB" i="1">
+                            <a:latin typeface="Cambria Math" panose="02040503050406030204" pitchFamily="18" charset="0"/>
+                          </a:rPr>
                           <m:t>4</m:t>
                         </m:r>
                       </m:sub>
                     </m:sSub>
                     <m:r>
-                      <a:rPr lang="en-GB" i="1"/>
+                      <a:rPr lang="en-GB" i="1">
+                        <a:latin typeface="Cambria Math" panose="02040503050406030204" pitchFamily="18" charset="0"/>
+                      </a:rPr>
                       <m:t>,</m:t>
                     </m:r>
                     <m:sSub>
                       <m:sSubPr>
                         <m:ctrlPr>
-                          <a:rPr lang="en-BE" i="1"/>
+                          <a:rPr lang="en-BE" i="1">
+                            <a:latin typeface="Cambria Math" panose="02040503050406030204" pitchFamily="18" charset="0"/>
+                          </a:rPr>
                         </m:ctrlPr>
                       </m:sSubPr>
                       <m:e>
                         <m:r>
-                          <a:rPr lang="en-GB" i="1"/>
+                          <a:rPr lang="en-GB" i="1">
+                            <a:latin typeface="Cambria Math" panose="02040503050406030204" pitchFamily="18" charset="0"/>
+                          </a:rPr>
                           <m:t>𝑋</m:t>
                         </m:r>
                       </m:e>
                       <m:sub>
                         <m:r>
-                          <a:rPr lang="en-GB" i="1"/>
+                          <a:rPr lang="en-GB" i="1">
+                            <a:latin typeface="Cambria Math" panose="02040503050406030204" pitchFamily="18" charset="0"/>
+                          </a:rPr>
                           <m:t>5</m:t>
                         </m:r>
                       </m:sub>
@@ -5505,7 +5627,7 @@
             </p:txBody>
           </p:sp>
         </mc:Choice>
-        <mc:Fallback>
+        <mc:Fallback xmlns="">
           <p:sp>
             <p:nvSpPr>
               <p:cNvPr id="2" name="Tijdelijke aanduiding voor inhoud 1"/>
@@ -5623,8 +5745,8 @@
               <a:p>
                 <a:pPr lvl="1"/>
                 <a:r>
-                  <a:rPr lang="en-GB" dirty="0"/>
-                  <a:t>Given a #CSP </a:t>
+                  <a:rPr lang="nl-BE" dirty="0"/>
+                  <a:t>Multiplication rule: </a:t>
                 </a:r>
                 <a14:m>
                   <m:oMath xmlns:m="http://schemas.openxmlformats.org/officeDocument/2006/math">
@@ -5706,126 +5828,109 @@
                         <m:r>
                           <a:rPr lang="nl-BE" b="0" i="1" smtClean="0">
                             <a:latin typeface="Cambria Math" panose="02040503050406030204" pitchFamily="18" charset="0"/>
+                            <a:ea typeface="Cambria Math" panose="02040503050406030204" pitchFamily="18" charset="0"/>
                           </a:rPr>
                           <m:t>,</m:t>
                         </m:r>
                         <m:r>
                           <a:rPr lang="nl-BE" b="0" i="1" smtClean="0">
                             <a:latin typeface="Cambria Math" panose="02040503050406030204" pitchFamily="18" charset="0"/>
+                            <a:ea typeface="Cambria Math" panose="02040503050406030204" pitchFamily="18" charset="0"/>
                           </a:rPr>
                           <m:t>𝐷</m:t>
                         </m:r>
                         <m:r>
                           <a:rPr lang="nl-BE" b="0" i="1" smtClean="0">
                             <a:latin typeface="Cambria Math" panose="02040503050406030204" pitchFamily="18" charset="0"/>
+                            <a:ea typeface="Cambria Math" panose="02040503050406030204" pitchFamily="18" charset="0"/>
                           </a:rPr>
                           <m:t>,</m:t>
                         </m:r>
+                        <m:sSub>
+                          <m:sSubPr>
+                            <m:ctrlPr>
+                              <a:rPr lang="nl-BE" b="0" i="1" smtClean="0">
+                                <a:latin typeface="Cambria Math" panose="02040503050406030204" pitchFamily="18" charset="0"/>
+                                <a:ea typeface="Cambria Math" panose="02040503050406030204" pitchFamily="18" charset="0"/>
+                              </a:rPr>
+                            </m:ctrlPr>
+                          </m:sSubPr>
+                          <m:e>
+                            <m:r>
+                              <a:rPr lang="nl-BE" b="0" i="1" smtClean="0">
+                                <a:latin typeface="Cambria Math" panose="02040503050406030204" pitchFamily="18" charset="0"/>
+                                <a:ea typeface="Cambria Math" panose="02040503050406030204" pitchFamily="18" charset="0"/>
+                              </a:rPr>
+                              <m:t>𝐶</m:t>
+                            </m:r>
+                          </m:e>
+                          <m:sub>
+                            <m:r>
+                              <a:rPr lang="nl-BE" b="0" i="1" smtClean="0">
+                                <a:latin typeface="Cambria Math" panose="02040503050406030204" pitchFamily="18" charset="0"/>
+                                <a:ea typeface="Cambria Math" panose="02040503050406030204" pitchFamily="18" charset="0"/>
+                              </a:rPr>
+                              <m:t>1</m:t>
+                            </m:r>
+                          </m:sub>
+                        </m:sSub>
                         <m:r>
                           <a:rPr lang="nl-BE" b="0" i="1" smtClean="0">
                             <a:latin typeface="Cambria Math" panose="02040503050406030204" pitchFamily="18" charset="0"/>
+                            <a:ea typeface="Cambria Math" panose="02040503050406030204" pitchFamily="18" charset="0"/>
                           </a:rPr>
-                          <m:t>𝐶</m:t>
+                          <m:t>∪</m:t>
                         </m:r>
+                        <m:sSub>
+                          <m:sSubPr>
+                            <m:ctrlPr>
+                              <a:rPr lang="nl-BE" b="0" i="1" smtClean="0">
+                                <a:latin typeface="Cambria Math" panose="02040503050406030204" pitchFamily="18" charset="0"/>
+                                <a:ea typeface="Cambria Math" panose="02040503050406030204" pitchFamily="18" charset="0"/>
+                              </a:rPr>
+                            </m:ctrlPr>
+                          </m:sSubPr>
+                          <m:e>
+                            <m:r>
+                              <a:rPr lang="nl-BE" b="0" i="1" smtClean="0">
+                                <a:latin typeface="Cambria Math" panose="02040503050406030204" pitchFamily="18" charset="0"/>
+                                <a:ea typeface="Cambria Math" panose="02040503050406030204" pitchFamily="18" charset="0"/>
+                              </a:rPr>
+                              <m:t>𝐶</m:t>
+                            </m:r>
+                          </m:e>
+                          <m:sub>
+                            <m:r>
+                              <a:rPr lang="nl-BE" b="0" i="1" smtClean="0">
+                                <a:latin typeface="Cambria Math" panose="02040503050406030204" pitchFamily="18" charset="0"/>
+                                <a:ea typeface="Cambria Math" panose="02040503050406030204" pitchFamily="18" charset="0"/>
+                              </a:rPr>
+                              <m:t>2</m:t>
+                            </m:r>
+                          </m:sub>
+                        </m:sSub>
                       </m:e>
                     </m:d>
                     <m:r>
                       <a:rPr lang="nl-BE" b="0" i="1" smtClean="0">
                         <a:latin typeface="Cambria Math" panose="02040503050406030204" pitchFamily="18" charset="0"/>
-                      </a:rPr>
-                      <m:t>,</m:t>
-                    </m:r>
-                    <m:sSub>
-                      <m:sSubPr>
-                        <m:ctrlPr>
-                          <a:rPr lang="nl-BE" i="1">
-                            <a:latin typeface="Cambria Math" panose="02040503050406030204" pitchFamily="18" charset="0"/>
-                          </a:rPr>
-                        </m:ctrlPr>
-                      </m:sSubPr>
-                      <m:e>
-                        <m:r>
-                          <a:rPr lang="nl-BE" i="1">
-                            <a:latin typeface="Cambria Math" panose="02040503050406030204" pitchFamily="18" charset="0"/>
-                          </a:rPr>
-                          <m:t>𝑉</m:t>
-                        </m:r>
-                      </m:e>
-                      <m:sub>
-                        <m:r>
-                          <a:rPr lang="nl-BE" i="1">
-                            <a:latin typeface="Cambria Math" panose="02040503050406030204" pitchFamily="18" charset="0"/>
-                          </a:rPr>
-                          <m:t>1</m:t>
-                        </m:r>
-                      </m:sub>
-                    </m:sSub>
-                    <m:r>
-                      <a:rPr lang="nl-BE" i="1" smtClean="0">
-                        <a:latin typeface="Cambria Math" panose="02040503050406030204" pitchFamily="18" charset="0"/>
                         <a:ea typeface="Cambria Math" panose="02040503050406030204" pitchFamily="18" charset="0"/>
                       </a:rPr>
-                      <m:t>∩</m:t>
+                      <m:t>=</m:t>
                     </m:r>
-                    <m:sSub>
-                      <m:sSubPr>
-                        <m:ctrlPr>
-                          <a:rPr lang="nl-BE" i="1">
-                            <a:latin typeface="Cambria Math" panose="02040503050406030204" pitchFamily="18" charset="0"/>
-                            <a:ea typeface="Cambria Math" panose="02040503050406030204" pitchFamily="18" charset="0"/>
-                          </a:rPr>
-                        </m:ctrlPr>
-                      </m:sSubPr>
-                      <m:e>
-                        <m:r>
-                          <a:rPr lang="nl-BE" i="1">
-                            <a:latin typeface="Cambria Math" panose="02040503050406030204" pitchFamily="18" charset="0"/>
-                            <a:ea typeface="Cambria Math" panose="02040503050406030204" pitchFamily="18" charset="0"/>
-                          </a:rPr>
-                          <m:t>𝑉</m:t>
-                        </m:r>
-                      </m:e>
-                      <m:sub>
-                        <m:r>
-                          <a:rPr lang="nl-BE" i="1">
-                            <a:latin typeface="Cambria Math" panose="02040503050406030204" pitchFamily="18" charset="0"/>
-                            <a:ea typeface="Cambria Math" panose="02040503050406030204" pitchFamily="18" charset="0"/>
-                          </a:rPr>
-                          <m:t>2</m:t>
-                        </m:r>
-                      </m:sub>
-                    </m:sSub>
                     <m:r>
                       <a:rPr lang="nl-BE" b="0" i="1" smtClean="0">
                         <a:latin typeface="Cambria Math" panose="02040503050406030204" pitchFamily="18" charset="0"/>
                         <a:ea typeface="Cambria Math" panose="02040503050406030204" pitchFamily="18" charset="0"/>
                       </a:rPr>
-                      <m:t>=∅:</m:t>
+                      <m:t>𝑀𝐶</m:t>
                     </m:r>
-                  </m:oMath>
-                </a14:m>
-                <a:br>
-                  <a:rPr lang="nl-BE" dirty="0"/>
-                </a:br>
-                <a:r>
-                  <a:rPr lang="en-GB" dirty="0"/>
-                  <a:t>A </a:t>
-                </a:r>
-                <a:r>
-                  <a:rPr lang="en-GB" i="1" dirty="0"/>
-                  <a:t>split</a:t>
-                </a:r>
-                <a:r>
-                  <a:rPr lang="en-GB" dirty="0"/>
-                  <a:t> is pair of #CSPs </a:t>
-                </a:r>
-                <a14:m>
-                  <m:oMath xmlns:m="http://schemas.openxmlformats.org/officeDocument/2006/math">
                     <m:d>
                       <m:dPr>
                         <m:ctrlPr>
                           <a:rPr lang="nl-BE" b="0" i="1" smtClean="0">
                             <a:latin typeface="Cambria Math" panose="02040503050406030204" pitchFamily="18" charset="0"/>
+                            <a:ea typeface="Cambria Math" panose="02040503050406030204" pitchFamily="18" charset="0"/>
                           </a:rPr>
                         </m:ctrlPr>
                       </m:dPr>
@@ -5835,6 +5940,7 @@
                             <m:ctrlPr>
                               <a:rPr lang="nl-BE" b="0" i="1" smtClean="0">
                                 <a:latin typeface="Cambria Math" panose="02040503050406030204" pitchFamily="18" charset="0"/>
+                                <a:ea typeface="Cambria Math" panose="02040503050406030204" pitchFamily="18" charset="0"/>
                               </a:rPr>
                             </m:ctrlPr>
                           </m:sSubPr>
@@ -5842,14 +5948,16 @@
                             <m:r>
                               <a:rPr lang="nl-BE" b="0" i="1" smtClean="0">
                                 <a:latin typeface="Cambria Math" panose="02040503050406030204" pitchFamily="18" charset="0"/>
+                                <a:ea typeface="Cambria Math" panose="02040503050406030204" pitchFamily="18" charset="0"/>
                               </a:rPr>
-                              <m:t>𝑆</m:t>
+                              <m:t>𝑉</m:t>
                             </m:r>
                           </m:e>
                           <m:sub>
                             <m:r>
                               <a:rPr lang="nl-BE" b="0" i="1" smtClean="0">
                                 <a:latin typeface="Cambria Math" panose="02040503050406030204" pitchFamily="18" charset="0"/>
+                                <a:ea typeface="Cambria Math" panose="02040503050406030204" pitchFamily="18" charset="0"/>
                               </a:rPr>
                               <m:t>1</m:t>
                             </m:r>
@@ -5858,6 +5966,21 @@
                         <m:r>
                           <a:rPr lang="nl-BE" b="0" i="1" smtClean="0">
                             <a:latin typeface="Cambria Math" panose="02040503050406030204" pitchFamily="18" charset="0"/>
+                            <a:ea typeface="Cambria Math" panose="02040503050406030204" pitchFamily="18" charset="0"/>
+                          </a:rPr>
+                          <m:t>,</m:t>
+                        </m:r>
+                        <m:r>
+                          <a:rPr lang="nl-BE" b="0" i="1" smtClean="0">
+                            <a:latin typeface="Cambria Math" panose="02040503050406030204" pitchFamily="18" charset="0"/>
+                            <a:ea typeface="Cambria Math" panose="02040503050406030204" pitchFamily="18" charset="0"/>
+                          </a:rPr>
+                          <m:t>𝐷</m:t>
+                        </m:r>
+                        <m:r>
+                          <a:rPr lang="nl-BE" b="0" i="1" smtClean="0">
+                            <a:latin typeface="Cambria Math" panose="02040503050406030204" pitchFamily="18" charset="0"/>
+                            <a:ea typeface="Cambria Math" panose="02040503050406030204" pitchFamily="18" charset="0"/>
                           </a:rPr>
                           <m:t>,</m:t>
                         </m:r>
@@ -5866,6 +5989,7 @@
                             <m:ctrlPr>
                               <a:rPr lang="nl-BE" b="0" i="1" smtClean="0">
                                 <a:latin typeface="Cambria Math" panose="02040503050406030204" pitchFamily="18" charset="0"/>
+                                <a:ea typeface="Cambria Math" panose="02040503050406030204" pitchFamily="18" charset="0"/>
                               </a:rPr>
                             </m:ctrlPr>
                           </m:sSubPr>
@@ -5873,61 +5997,34 @@
                             <m:r>
                               <a:rPr lang="nl-BE" b="0" i="1" smtClean="0">
                                 <a:latin typeface="Cambria Math" panose="02040503050406030204" pitchFamily="18" charset="0"/>
+                                <a:ea typeface="Cambria Math" panose="02040503050406030204" pitchFamily="18" charset="0"/>
                               </a:rPr>
-                              <m:t>𝑆</m:t>
+                              <m:t>𝐶</m:t>
                             </m:r>
                           </m:e>
                           <m:sub>
                             <m:r>
                               <a:rPr lang="nl-BE" b="0" i="1" smtClean="0">
                                 <a:latin typeface="Cambria Math" panose="02040503050406030204" pitchFamily="18" charset="0"/>
+                                <a:ea typeface="Cambria Math" panose="02040503050406030204" pitchFamily="18" charset="0"/>
                               </a:rPr>
-                              <m:t>2</m:t>
+                              <m:t>1</m:t>
                             </m:r>
                           </m:sub>
                         </m:sSub>
                       </m:e>
                     </m:d>
                     <m:r>
-                      <a:rPr lang="nl-BE" b="0" i="0" smtClean="0">
-                        <a:latin typeface="Cambria Math" panose="02040503050406030204" pitchFamily="18" charset="0"/>
-                      </a:rPr>
-                      <m:t>, </m:t>
-                    </m:r>
-                    <m:sSub>
-                      <m:sSubPr>
-                        <m:ctrlPr>
-                          <a:rPr lang="nl-BE" b="0" i="1" smtClean="0">
-                            <a:latin typeface="Cambria Math" panose="02040503050406030204" pitchFamily="18" charset="0"/>
-                          </a:rPr>
-                        </m:ctrlPr>
-                      </m:sSubPr>
-                      <m:e>
-                        <m:r>
-                          <a:rPr lang="nl-BE" b="0" i="1" smtClean="0">
-                            <a:latin typeface="Cambria Math" panose="02040503050406030204" pitchFamily="18" charset="0"/>
-                          </a:rPr>
-                          <m:t>𝑆</m:t>
-                        </m:r>
-                      </m:e>
-                      <m:sub>
-                        <m:r>
-                          <a:rPr lang="nl-BE" b="0" i="1" smtClean="0">
-                            <a:latin typeface="Cambria Math" panose="02040503050406030204" pitchFamily="18" charset="0"/>
-                          </a:rPr>
-                          <m:t>𝑖</m:t>
-                        </m:r>
-                      </m:sub>
-                    </m:sSub>
-                    <m:r>
                       <a:rPr lang="nl-BE" b="0" i="1" smtClean="0">
                         <a:latin typeface="Cambria Math" panose="02040503050406030204" pitchFamily="18" charset="0"/>
+                        <a:ea typeface="Cambria Math" panose="02040503050406030204" pitchFamily="18" charset="0"/>
                       </a:rPr>
-                      <m:t>=</m:t>
+                      <m:t>∙</m:t>
                     </m:r>
                     <m:r>
                       <a:rPr lang="nl-BE" b="0" i="1" smtClean="0">
                         <a:latin typeface="Cambria Math" panose="02040503050406030204" pitchFamily="18" charset="0"/>
+                        <a:ea typeface="Cambria Math" panose="02040503050406030204" pitchFamily="18" charset="0"/>
                       </a:rPr>
                       <m:t>𝑀𝐶</m:t>
                     </m:r>
@@ -5936,6 +6033,7 @@
                         <m:ctrlPr>
                           <a:rPr lang="nl-BE" b="0" i="1" smtClean="0">
                             <a:latin typeface="Cambria Math" panose="02040503050406030204" pitchFamily="18" charset="0"/>
+                            <a:ea typeface="Cambria Math" panose="02040503050406030204" pitchFamily="18" charset="0"/>
                           </a:rPr>
                         </m:ctrlPr>
                       </m:dPr>
@@ -5945,6 +6043,7 @@
                             <m:ctrlPr>
                               <a:rPr lang="nl-BE" b="0" i="1" smtClean="0">
                                 <a:latin typeface="Cambria Math" panose="02040503050406030204" pitchFamily="18" charset="0"/>
+                                <a:ea typeface="Cambria Math" panose="02040503050406030204" pitchFamily="18" charset="0"/>
                               </a:rPr>
                             </m:ctrlPr>
                           </m:sSubPr>
@@ -5952,6 +6051,7 @@
                             <m:r>
                               <a:rPr lang="nl-BE" b="0" i="1" smtClean="0">
                                 <a:latin typeface="Cambria Math" panose="02040503050406030204" pitchFamily="18" charset="0"/>
+                                <a:ea typeface="Cambria Math" panose="02040503050406030204" pitchFamily="18" charset="0"/>
                               </a:rPr>
                               <m:t>𝑉</m:t>
                             </m:r>
@@ -5960,26 +6060,30 @@
                             <m:r>
                               <a:rPr lang="nl-BE" b="0" i="1" smtClean="0">
                                 <a:latin typeface="Cambria Math" panose="02040503050406030204" pitchFamily="18" charset="0"/>
+                                <a:ea typeface="Cambria Math" panose="02040503050406030204" pitchFamily="18" charset="0"/>
                               </a:rPr>
-                              <m:t>𝑖</m:t>
+                              <m:t>2</m:t>
                             </m:r>
                           </m:sub>
                         </m:sSub>
                         <m:r>
                           <a:rPr lang="nl-BE" b="0" i="1" smtClean="0">
                             <a:latin typeface="Cambria Math" panose="02040503050406030204" pitchFamily="18" charset="0"/>
+                            <a:ea typeface="Cambria Math" panose="02040503050406030204" pitchFamily="18" charset="0"/>
                           </a:rPr>
                           <m:t>,</m:t>
                         </m:r>
                         <m:r>
                           <a:rPr lang="nl-BE" b="0" i="1" smtClean="0">
                             <a:latin typeface="Cambria Math" panose="02040503050406030204" pitchFamily="18" charset="0"/>
+                            <a:ea typeface="Cambria Math" panose="02040503050406030204" pitchFamily="18" charset="0"/>
                           </a:rPr>
                           <m:t>𝐷</m:t>
                         </m:r>
                         <m:r>
                           <a:rPr lang="nl-BE" b="0" i="1" smtClean="0">
                             <a:latin typeface="Cambria Math" panose="02040503050406030204" pitchFamily="18" charset="0"/>
+                            <a:ea typeface="Cambria Math" panose="02040503050406030204" pitchFamily="18" charset="0"/>
                           </a:rPr>
                           <m:t>,</m:t>
                         </m:r>
@@ -5988,6 +6092,7 @@
                             <m:ctrlPr>
                               <a:rPr lang="nl-BE" b="0" i="1" smtClean="0">
                                 <a:latin typeface="Cambria Math" panose="02040503050406030204" pitchFamily="18" charset="0"/>
+                                <a:ea typeface="Cambria Math" panose="02040503050406030204" pitchFamily="18" charset="0"/>
                               </a:rPr>
                             </m:ctrlPr>
                           </m:sSubPr>
@@ -5995,6 +6100,7 @@
                             <m:r>
                               <a:rPr lang="nl-BE" b="0" i="1" smtClean="0">
                                 <a:latin typeface="Cambria Math" panose="02040503050406030204" pitchFamily="18" charset="0"/>
+                                <a:ea typeface="Cambria Math" panose="02040503050406030204" pitchFamily="18" charset="0"/>
                               </a:rPr>
                               <m:t>𝐶</m:t>
                             </m:r>
@@ -6003,60 +6109,25 @@
                             <m:r>
                               <a:rPr lang="nl-BE" b="0" i="1" smtClean="0">
                                 <a:latin typeface="Cambria Math" panose="02040503050406030204" pitchFamily="18" charset="0"/>
+                                <a:ea typeface="Cambria Math" panose="02040503050406030204" pitchFamily="18" charset="0"/>
                               </a:rPr>
-                              <m:t>𝑖</m:t>
+                              <m:t>2</m:t>
                             </m:r>
                           </m:sub>
                         </m:sSub>
                       </m:e>
                     </m:d>
-                  </m:oMath>
-                </a14:m>
-                <a:br>
-                  <a:rPr lang="nl-BE" b="0" dirty="0"/>
-                </a:br>
-                <a:r>
-                  <a:rPr lang="en-GB" dirty="0"/>
-                  <a:t>so that </a:t>
-                </a:r>
-                <a14:m>
-                  <m:oMath xmlns:m="http://schemas.openxmlformats.org/officeDocument/2006/math">
-                    <m:sSub>
-                      <m:sSubPr>
-                        <m:ctrlPr>
-                          <a:rPr lang="en-GB" i="1" smtClean="0">
-                            <a:latin typeface="Cambria Math" panose="02040503050406030204" pitchFamily="18" charset="0"/>
-                          </a:rPr>
-                        </m:ctrlPr>
-                      </m:sSubPr>
-                      <m:e>
-                        <m:r>
-                          <a:rPr lang="nl-BE" b="0" i="1" smtClean="0">
-                            <a:latin typeface="Cambria Math" panose="02040503050406030204" pitchFamily="18" charset="0"/>
-                          </a:rPr>
-                          <m:t>𝑆</m:t>
-                        </m:r>
-                      </m:e>
-                      <m:sub>
-                        <m:r>
-                          <a:rPr lang="nl-BE" b="0" i="1" smtClean="0">
-                            <a:latin typeface="Cambria Math" panose="02040503050406030204" pitchFamily="18" charset="0"/>
-                          </a:rPr>
-                          <m:t>1</m:t>
-                        </m:r>
-                      </m:sub>
-                    </m:sSub>
                     <m:r>
-                      <a:rPr lang="en-GB" i="1" smtClean="0">
+                      <a:rPr lang="nl-BE" b="0" i="1" smtClean="0">
                         <a:latin typeface="Cambria Math" panose="02040503050406030204" pitchFamily="18" charset="0"/>
                         <a:ea typeface="Cambria Math" panose="02040503050406030204" pitchFamily="18" charset="0"/>
                       </a:rPr>
-                      <m:t>∙</m:t>
+                      <m:t>,</m:t>
                     </m:r>
                     <m:sSub>
                       <m:sSubPr>
                         <m:ctrlPr>
-                          <a:rPr lang="en-GB" i="1" smtClean="0">
+                          <a:rPr lang="nl-BE" b="0" i="1" smtClean="0">
                             <a:latin typeface="Cambria Math" panose="02040503050406030204" pitchFamily="18" charset="0"/>
                             <a:ea typeface="Cambria Math" panose="02040503050406030204" pitchFamily="18" charset="0"/>
                           </a:rPr>
@@ -6068,7 +6139,42 @@
                             <a:latin typeface="Cambria Math" panose="02040503050406030204" pitchFamily="18" charset="0"/>
                             <a:ea typeface="Cambria Math" panose="02040503050406030204" pitchFamily="18" charset="0"/>
                           </a:rPr>
-                          <m:t>𝑆</m:t>
+                          <m:t>𝑉</m:t>
+                        </m:r>
+                      </m:e>
+                      <m:sub>
+                        <m:r>
+                          <a:rPr lang="nl-BE" b="0" i="1" smtClean="0">
+                            <a:latin typeface="Cambria Math" panose="02040503050406030204" pitchFamily="18" charset="0"/>
+                            <a:ea typeface="Cambria Math" panose="02040503050406030204" pitchFamily="18" charset="0"/>
+                          </a:rPr>
+                          <m:t>1</m:t>
+                        </m:r>
+                      </m:sub>
+                    </m:sSub>
+                    <m:r>
+                      <a:rPr lang="nl-BE" i="1">
+                        <a:latin typeface="Cambria Math" panose="02040503050406030204" pitchFamily="18" charset="0"/>
+                        <a:ea typeface="Cambria Math" panose="02040503050406030204" pitchFamily="18" charset="0"/>
+                      </a:rPr>
+                      <m:t>∩</m:t>
+                    </m:r>
+                    <m:sSub>
+                      <m:sSubPr>
+                        <m:ctrlPr>
+                          <a:rPr lang="nl-BE" i="1" smtClean="0">
+                            <a:latin typeface="Cambria Math" panose="02040503050406030204" pitchFamily="18" charset="0"/>
+                            <a:ea typeface="Cambria Math" panose="02040503050406030204" pitchFamily="18" charset="0"/>
+                          </a:rPr>
+                        </m:ctrlPr>
+                      </m:sSubPr>
+                      <m:e>
+                        <m:r>
+                          <a:rPr lang="nl-BE" b="0" i="1" smtClean="0">
+                            <a:latin typeface="Cambria Math" panose="02040503050406030204" pitchFamily="18" charset="0"/>
+                            <a:ea typeface="Cambria Math" panose="02040503050406030204" pitchFamily="18" charset="0"/>
+                          </a:rPr>
+                          <m:t>𝑉</m:t>
                         </m:r>
                       </m:e>
                       <m:sub>
@@ -6086,67 +6192,25 @@
                         <a:latin typeface="Cambria Math" panose="02040503050406030204" pitchFamily="18" charset="0"/>
                         <a:ea typeface="Cambria Math" panose="02040503050406030204" pitchFamily="18" charset="0"/>
                       </a:rPr>
-                      <m:t>=</m:t>
-                    </m:r>
-                    <m:r>
-                      <a:rPr lang="nl-BE" b="0" i="1" smtClean="0">
-                        <a:latin typeface="Cambria Math" panose="02040503050406030204" pitchFamily="18" charset="0"/>
-                        <a:ea typeface="Cambria Math" panose="02040503050406030204" pitchFamily="18" charset="0"/>
-                      </a:rPr>
-                      <m:t>𝑀𝐶</m:t>
-                    </m:r>
-                    <m:r>
-                      <a:rPr lang="nl-BE" b="0" i="1" smtClean="0">
-                        <a:latin typeface="Cambria Math" panose="02040503050406030204" pitchFamily="18" charset="0"/>
-                        <a:ea typeface="Cambria Math" panose="02040503050406030204" pitchFamily="18" charset="0"/>
-                      </a:rPr>
-                      <m:t>(</m:t>
-                    </m:r>
-                    <m:r>
-                      <a:rPr lang="nl-BE" b="0" i="1" smtClean="0">
-                        <a:latin typeface="Cambria Math" panose="02040503050406030204" pitchFamily="18" charset="0"/>
-                        <a:ea typeface="Cambria Math" panose="02040503050406030204" pitchFamily="18" charset="0"/>
-                      </a:rPr>
-                      <m:t>𝑉</m:t>
-                    </m:r>
-                    <m:r>
-                      <a:rPr lang="nl-BE" b="0" i="1" smtClean="0">
-                        <a:latin typeface="Cambria Math" panose="02040503050406030204" pitchFamily="18" charset="0"/>
-                        <a:ea typeface="Cambria Math" panose="02040503050406030204" pitchFamily="18" charset="0"/>
-                      </a:rPr>
-                      <m:t>,</m:t>
-                    </m:r>
-                    <m:r>
-                      <a:rPr lang="nl-BE" b="0" i="1" smtClean="0">
-                        <a:latin typeface="Cambria Math" panose="02040503050406030204" pitchFamily="18" charset="0"/>
-                        <a:ea typeface="Cambria Math" panose="02040503050406030204" pitchFamily="18" charset="0"/>
-                      </a:rPr>
-                      <m:t>𝐷</m:t>
-                    </m:r>
-                    <m:r>
-                      <a:rPr lang="nl-BE" b="0" i="1" smtClean="0">
-                        <a:latin typeface="Cambria Math" panose="02040503050406030204" pitchFamily="18" charset="0"/>
-                        <a:ea typeface="Cambria Math" panose="02040503050406030204" pitchFamily="18" charset="0"/>
-                      </a:rPr>
-                      <m:t>,</m:t>
-                    </m:r>
-                    <m:r>
-                      <a:rPr lang="nl-BE" b="0" i="1" smtClean="0">
-                        <a:latin typeface="Cambria Math" panose="02040503050406030204" pitchFamily="18" charset="0"/>
-                        <a:ea typeface="Cambria Math" panose="02040503050406030204" pitchFamily="18" charset="0"/>
-                      </a:rPr>
-                      <m:t>𝐶</m:t>
-                    </m:r>
-                    <m:r>
-                      <a:rPr lang="nl-BE" b="0" i="1" smtClean="0">
-                        <a:latin typeface="Cambria Math" panose="02040503050406030204" pitchFamily="18" charset="0"/>
-                        <a:ea typeface="Cambria Math" panose="02040503050406030204" pitchFamily="18" charset="0"/>
-                      </a:rPr>
-                      <m:t>)</m:t>
+                      <m:t>≠∅</m:t>
                     </m:r>
                   </m:oMath>
                 </a14:m>
                 <a:endParaRPr lang="nl-BE" dirty="0"/>
+              </a:p>
+              <a:p>
+                <a:pPr lvl="1"/>
+                <a:r>
+                  <a:rPr lang="nl-BE" dirty="0"/>
+                  <a:t>Splits a #CSP into two #CSPs</a:t>
+                </a:r>
+              </a:p>
+              <a:p>
+                <a:pPr lvl="1"/>
+                <a:r>
+                  <a:rPr lang="nl-BE" dirty="0"/>
+                  <a:t>Product = original #CSP</a:t>
+                </a:r>
               </a:p>
               <a:p>
                 <a:r>
@@ -6158,14 +6222,21 @@
                 <a:pPr lvl="1"/>
                 <a:r>
                   <a:rPr lang="nl-BE" dirty="0"/>
-                  <a:t>generalizes a split</a:t>
+                  <a:t>Generalizes a split</a:t>
                 </a:r>
               </a:p>
               <a:p>
                 <a:pPr lvl="1"/>
                 <a:r>
                   <a:rPr lang="nl-BE" dirty="0"/>
-                  <a:t>&lt;definition shattering&gt;</a:t>
+                  <a:t>Repeated use of a split</a:t>
+                </a:r>
+              </a:p>
+              <a:p>
+                <a:pPr lvl="1"/>
+                <a:r>
+                  <a:rPr lang="nl-BE" dirty="0"/>
+                  <a:t>The multiplication rule only applies if the subproblems are independent</a:t>
                 </a:r>
               </a:p>
             </p:txBody>
@@ -6262,50 +6333,440 @@
           <a:chExt cx="0" cy="0"/>
         </a:xfrm>
       </p:grpSpPr>
-      <p:sp>
-        <p:nvSpPr>
-          <p:cNvPr id="2" name="Tijdelijke aanduiding voor inhoud 1"/>
-          <p:cNvSpPr>
-            <a:spLocks noGrp="1"/>
-          </p:cNvSpPr>
-          <p:nvPr>
-            <p:ph idx="1"/>
-          </p:nvPr>
-        </p:nvSpPr>
-        <p:spPr/>
-        <p:txBody>
-          <a:bodyPr>
-            <a:normAutofit/>
-          </a:bodyPr>
-          <a:lstStyle/>
-          <a:p>
-            <a:r>
-              <a:rPr lang="nl-BE" dirty="0"/>
-              <a:t>Constraint Split</a:t>
-            </a:r>
-          </a:p>
-          <a:p>
-            <a:pPr lvl="1"/>
-            <a:r>
-              <a:rPr lang="nl-BE" dirty="0"/>
-              <a:t>&lt;definition constraint split&gt;</a:t>
-            </a:r>
-          </a:p>
-          <a:p>
-            <a:r>
-              <a:rPr lang="nl-BE" dirty="0"/>
-              <a:t>Constraint Shattering</a:t>
-            </a:r>
-          </a:p>
-          <a:p>
-            <a:pPr lvl="1"/>
-            <a:r>
-              <a:rPr lang="nl-BE" dirty="0"/>
-              <a:t>&lt;definition constraint shattering&gt;</a:t>
-            </a:r>
-          </a:p>
-        </p:txBody>
-      </p:sp>
+      <mc:AlternateContent xmlns:mc="http://schemas.openxmlformats.org/markup-compatibility/2006">
+        <mc:Choice xmlns:a14="http://schemas.microsoft.com/office/drawing/2010/main" Requires="a14">
+          <p:sp>
+            <p:nvSpPr>
+              <p:cNvPr id="2" name="Tijdelijke aanduiding voor inhoud 1"/>
+              <p:cNvSpPr>
+                <a:spLocks noGrp="1"/>
+              </p:cNvSpPr>
+              <p:nvPr>
+                <p:ph idx="1"/>
+              </p:nvPr>
+            </p:nvSpPr>
+            <p:spPr/>
+            <p:txBody>
+              <a:bodyPr>
+                <a:normAutofit/>
+              </a:bodyPr>
+              <a:lstStyle/>
+              <a:p>
+                <a:r>
+                  <a:rPr lang="nl-BE" dirty="0"/>
+                  <a:t>Constraint Split</a:t>
+                </a:r>
+              </a:p>
+              <a:p>
+                <a:pPr lvl="1"/>
+                <a:r>
+                  <a:rPr lang="nl-BE" dirty="0"/>
+                  <a:t>Split a constraint</a:t>
+                </a:r>
+              </a:p>
+              <a:p>
+                <a:pPr lvl="1"/>
+                <a:r>
+                  <a:rPr lang="nl-BE" i="1" dirty="0"/>
+                  <a:t>Example: </a:t>
+                </a:r>
+                <a:r>
+                  <a:rPr lang="nl-BE" dirty="0"/>
+                  <a:t>A constraint split for </a:t>
+                </a:r>
+                <a14:m>
+                  <m:oMath xmlns:m="http://schemas.openxmlformats.org/officeDocument/2006/math">
+                    <m:d>
+                      <m:dPr>
+                        <m:begChr m:val="{"/>
+                        <m:endChr m:val="}"/>
+                        <m:ctrlPr>
+                          <a:rPr lang="nl-BE" b="0" i="1" smtClean="0">
+                            <a:latin typeface="Cambria Math" panose="02040503050406030204" pitchFamily="18" charset="0"/>
+                          </a:rPr>
+                        </m:ctrlPr>
+                      </m:dPr>
+                      <m:e>
+                        <m:sSub>
+                          <m:sSubPr>
+                            <m:ctrlPr>
+                              <a:rPr lang="nl-BE" b="0" i="1" smtClean="0">
+                                <a:latin typeface="Cambria Math" panose="02040503050406030204" pitchFamily="18" charset="0"/>
+                              </a:rPr>
+                            </m:ctrlPr>
+                          </m:sSubPr>
+                          <m:e>
+                            <m:r>
+                              <a:rPr lang="nl-BE" b="0" i="1" smtClean="0">
+                                <a:latin typeface="Cambria Math" panose="02040503050406030204" pitchFamily="18" charset="0"/>
+                              </a:rPr>
+                              <m:t>𝑉</m:t>
+                            </m:r>
+                          </m:e>
+                          <m:sub>
+                            <m:r>
+                              <a:rPr lang="nl-BE" b="0" i="1" smtClean="0">
+                                <a:latin typeface="Cambria Math" panose="02040503050406030204" pitchFamily="18" charset="0"/>
+                              </a:rPr>
+                              <m:t>1</m:t>
+                            </m:r>
+                          </m:sub>
+                        </m:sSub>
+                        <m:r>
+                          <a:rPr lang="nl-BE" b="0" i="1" smtClean="0">
+                            <a:latin typeface="Cambria Math" panose="02040503050406030204" pitchFamily="18" charset="0"/>
+                            <a:ea typeface="Cambria Math" panose="02040503050406030204" pitchFamily="18" charset="0"/>
+                          </a:rPr>
+                          <m:t>≠</m:t>
+                        </m:r>
+                        <m:sSub>
+                          <m:sSubPr>
+                            <m:ctrlPr>
+                              <a:rPr lang="nl-BE" b="0" i="1" smtClean="0">
+                                <a:latin typeface="Cambria Math" panose="02040503050406030204" pitchFamily="18" charset="0"/>
+                                <a:ea typeface="Cambria Math" panose="02040503050406030204" pitchFamily="18" charset="0"/>
+                              </a:rPr>
+                            </m:ctrlPr>
+                          </m:sSubPr>
+                          <m:e>
+                            <m:r>
+                              <a:rPr lang="nl-BE" b="0" i="1" smtClean="0">
+                                <a:latin typeface="Cambria Math" panose="02040503050406030204" pitchFamily="18" charset="0"/>
+                                <a:ea typeface="Cambria Math" panose="02040503050406030204" pitchFamily="18" charset="0"/>
+                              </a:rPr>
+                              <m:t>𝑉</m:t>
+                            </m:r>
+                          </m:e>
+                          <m:sub>
+                            <m:r>
+                              <a:rPr lang="nl-BE" b="0" i="1" smtClean="0">
+                                <a:latin typeface="Cambria Math" panose="02040503050406030204" pitchFamily="18" charset="0"/>
+                                <a:ea typeface="Cambria Math" panose="02040503050406030204" pitchFamily="18" charset="0"/>
+                              </a:rPr>
+                              <m:t>2</m:t>
+                            </m:r>
+                          </m:sub>
+                        </m:sSub>
+                      </m:e>
+                    </m:d>
+                  </m:oMath>
+                </a14:m>
+                <a:r>
+                  <a:rPr lang="nl-BE" i="1" dirty="0"/>
+                  <a:t> </a:t>
+                </a:r>
+                <a:r>
+                  <a:rPr lang="nl-BE" dirty="0"/>
+                  <a:t>could be (</a:t>
+                </a:r>
+                <a14:m>
+                  <m:oMath xmlns:m="http://schemas.openxmlformats.org/officeDocument/2006/math">
+                    <m:d>
+                      <m:dPr>
+                        <m:begChr m:val="{"/>
+                        <m:endChr m:val="}"/>
+                        <m:ctrlPr>
+                          <a:rPr lang="nl-BE" b="0" i="0" smtClean="0">
+                            <a:latin typeface="Cambria Math" panose="02040503050406030204" pitchFamily="18" charset="0"/>
+                          </a:rPr>
+                        </m:ctrlPr>
+                      </m:dPr>
+                      <m:e>
+                        <m:sSub>
+                          <m:sSubPr>
+                            <m:ctrlPr>
+                              <a:rPr lang="nl-BE" i="1" smtClean="0">
+                                <a:latin typeface="Cambria Math" panose="02040503050406030204" pitchFamily="18" charset="0"/>
+                              </a:rPr>
+                            </m:ctrlPr>
+                          </m:sSubPr>
+                          <m:e>
+                            <m:r>
+                              <a:rPr lang="nl-BE" b="0" i="1" smtClean="0">
+                                <a:latin typeface="Cambria Math" panose="02040503050406030204" pitchFamily="18" charset="0"/>
+                              </a:rPr>
+                              <m:t>𝑉</m:t>
+                            </m:r>
+                          </m:e>
+                          <m:sub>
+                            <m:r>
+                              <a:rPr lang="nl-BE" b="0" i="1" smtClean="0">
+                                <a:latin typeface="Cambria Math" panose="02040503050406030204" pitchFamily="18" charset="0"/>
+                              </a:rPr>
+                              <m:t>1</m:t>
+                            </m:r>
+                          </m:sub>
+                        </m:sSub>
+                        <m:r>
+                          <a:rPr lang="nl-BE" b="0" i="1" smtClean="0">
+                            <a:latin typeface="Cambria Math" panose="02040503050406030204" pitchFamily="18" charset="0"/>
+                          </a:rPr>
+                          <m:t>=1</m:t>
+                        </m:r>
+                      </m:e>
+                    </m:d>
+                    <m:r>
+                      <a:rPr lang="nl-BE" b="0" i="1" smtClean="0">
+                        <a:latin typeface="Cambria Math" panose="02040503050406030204" pitchFamily="18" charset="0"/>
+                      </a:rPr>
+                      <m:t>,{</m:t>
+                    </m:r>
+                    <m:sSub>
+                      <m:sSubPr>
+                        <m:ctrlPr>
+                          <a:rPr lang="nl-BE" b="0" i="1" smtClean="0">
+                            <a:latin typeface="Cambria Math" panose="02040503050406030204" pitchFamily="18" charset="0"/>
+                          </a:rPr>
+                        </m:ctrlPr>
+                      </m:sSubPr>
+                      <m:e>
+                        <m:r>
+                          <a:rPr lang="nl-BE" b="0" i="1" smtClean="0">
+                            <a:latin typeface="Cambria Math" panose="02040503050406030204" pitchFamily="18" charset="0"/>
+                          </a:rPr>
+                          <m:t>𝑉</m:t>
+                        </m:r>
+                      </m:e>
+                      <m:sub>
+                        <m:r>
+                          <a:rPr lang="nl-BE" b="0" i="1" smtClean="0">
+                            <a:latin typeface="Cambria Math" panose="02040503050406030204" pitchFamily="18" charset="0"/>
+                          </a:rPr>
+                          <m:t>2</m:t>
+                        </m:r>
+                      </m:sub>
+                    </m:sSub>
+                    <m:r>
+                      <a:rPr lang="nl-BE" b="0" i="1" smtClean="0">
+                        <a:latin typeface="Cambria Math" panose="02040503050406030204" pitchFamily="18" charset="0"/>
+                        <a:ea typeface="Cambria Math" panose="02040503050406030204" pitchFamily="18" charset="0"/>
+                      </a:rPr>
+                      <m:t>≠1</m:t>
+                    </m:r>
+                    <m:r>
+                      <a:rPr lang="nl-BE" b="0" i="1" smtClean="0">
+                        <a:latin typeface="Cambria Math" panose="02040503050406030204" pitchFamily="18" charset="0"/>
+                      </a:rPr>
+                      <m:t>}</m:t>
+                    </m:r>
+                  </m:oMath>
+                </a14:m>
+                <a:r>
+                  <a:rPr lang="nl-BE" dirty="0"/>
+                  <a:t>).</a:t>
+                </a:r>
+              </a:p>
+              <a:p>
+                <a:r>
+                  <a:rPr lang="nl-BE" dirty="0"/>
+                  <a:t>Constraint Shattering</a:t>
+                </a:r>
+              </a:p>
+              <a:p>
+                <a:pPr lvl="1"/>
+                <a:r>
+                  <a:rPr lang="nl-BE" dirty="0"/>
+                  <a:t>Series of constraint splits over the entire domain</a:t>
+                </a:r>
+              </a:p>
+              <a:p>
+                <a:pPr lvl="1"/>
+                <a:r>
+                  <a:rPr lang="nl-BE" i="1" dirty="0"/>
+                  <a:t>Example: </a:t>
+                </a:r>
+                <a:r>
+                  <a:rPr lang="nl-BE" dirty="0"/>
+                  <a:t>constraint shattering for the previous constraint would be (</a:t>
+                </a:r>
+                <a14:m>
+                  <m:oMath xmlns:m="http://schemas.openxmlformats.org/officeDocument/2006/math">
+                    <m:d>
+                      <m:dPr>
+                        <m:begChr m:val="{"/>
+                        <m:endChr m:val="}"/>
+                        <m:ctrlPr>
+                          <a:rPr lang="nl-BE" i="1">
+                            <a:latin typeface="Cambria Math" panose="02040503050406030204" pitchFamily="18" charset="0"/>
+                          </a:rPr>
+                        </m:ctrlPr>
+                      </m:dPr>
+                      <m:e>
+                        <m:sSub>
+                          <m:sSubPr>
+                            <m:ctrlPr>
+                              <a:rPr lang="nl-BE" i="1">
+                                <a:latin typeface="Cambria Math" panose="02040503050406030204" pitchFamily="18" charset="0"/>
+                              </a:rPr>
+                            </m:ctrlPr>
+                          </m:sSubPr>
+                          <m:e>
+                            <m:r>
+                              <a:rPr lang="nl-BE" i="1">
+                                <a:latin typeface="Cambria Math" panose="02040503050406030204" pitchFamily="18" charset="0"/>
+                              </a:rPr>
+                              <m:t>𝑉</m:t>
+                            </m:r>
+                          </m:e>
+                          <m:sub>
+                            <m:r>
+                              <a:rPr lang="nl-BE" i="1">
+                                <a:latin typeface="Cambria Math" panose="02040503050406030204" pitchFamily="18" charset="0"/>
+                              </a:rPr>
+                              <m:t>1</m:t>
+                            </m:r>
+                          </m:sub>
+                        </m:sSub>
+                        <m:r>
+                          <a:rPr lang="nl-BE" i="1">
+                            <a:latin typeface="Cambria Math" panose="02040503050406030204" pitchFamily="18" charset="0"/>
+                          </a:rPr>
+                          <m:t>=</m:t>
+                        </m:r>
+                        <m:r>
+                          <a:rPr lang="nl-BE" b="0" i="1" smtClean="0">
+                            <a:latin typeface="Cambria Math" panose="02040503050406030204" pitchFamily="18" charset="0"/>
+                          </a:rPr>
+                          <m:t>𝑖</m:t>
+                        </m:r>
+                      </m:e>
+                    </m:d>
+                    <m:r>
+                      <a:rPr lang="nl-BE" i="1">
+                        <a:latin typeface="Cambria Math" panose="02040503050406030204" pitchFamily="18" charset="0"/>
+                      </a:rPr>
+                      <m:t>,</m:t>
+                    </m:r>
+                    <m:d>
+                      <m:dPr>
+                        <m:begChr m:val="{"/>
+                        <m:endChr m:val="}"/>
+                        <m:ctrlPr>
+                          <a:rPr lang="nl-BE" i="1">
+                            <a:latin typeface="Cambria Math" panose="02040503050406030204" pitchFamily="18" charset="0"/>
+                          </a:rPr>
+                        </m:ctrlPr>
+                      </m:dPr>
+                      <m:e>
+                        <m:sSub>
+                          <m:sSubPr>
+                            <m:ctrlPr>
+                              <a:rPr lang="nl-BE" i="1">
+                                <a:latin typeface="Cambria Math" panose="02040503050406030204" pitchFamily="18" charset="0"/>
+                              </a:rPr>
+                            </m:ctrlPr>
+                          </m:sSubPr>
+                          <m:e>
+                            <m:r>
+                              <a:rPr lang="nl-BE" i="1">
+                                <a:latin typeface="Cambria Math" panose="02040503050406030204" pitchFamily="18" charset="0"/>
+                              </a:rPr>
+                              <m:t>𝑉</m:t>
+                            </m:r>
+                          </m:e>
+                          <m:sub>
+                            <m:r>
+                              <a:rPr lang="nl-BE" i="1">
+                                <a:latin typeface="Cambria Math" panose="02040503050406030204" pitchFamily="18" charset="0"/>
+                              </a:rPr>
+                              <m:t>2</m:t>
+                            </m:r>
+                          </m:sub>
+                        </m:sSub>
+                        <m:r>
+                          <a:rPr lang="nl-BE" i="1">
+                            <a:latin typeface="Cambria Math" panose="02040503050406030204" pitchFamily="18" charset="0"/>
+                            <a:ea typeface="Cambria Math" panose="02040503050406030204" pitchFamily="18" charset="0"/>
+                          </a:rPr>
+                          <m:t>≠</m:t>
+                        </m:r>
+                        <m:r>
+                          <a:rPr lang="nl-BE" b="0" i="1" smtClean="0">
+                            <a:latin typeface="Cambria Math" panose="02040503050406030204" pitchFamily="18" charset="0"/>
+                            <a:ea typeface="Cambria Math" panose="02040503050406030204" pitchFamily="18" charset="0"/>
+                          </a:rPr>
+                          <m:t>𝑖</m:t>
+                        </m:r>
+                      </m:e>
+                    </m:d>
+                    <m:r>
+                      <a:rPr lang="nl-BE" b="0" i="1" smtClean="0">
+                        <a:latin typeface="Cambria Math" panose="02040503050406030204" pitchFamily="18" charset="0"/>
+                        <a:ea typeface="Cambria Math" panose="02040503050406030204" pitchFamily="18" charset="0"/>
+                      </a:rPr>
+                      <m:t> </m:t>
+                    </m:r>
+                    <m:r>
+                      <a:rPr lang="nl-BE" b="0" i="1" smtClean="0">
+                        <a:latin typeface="Cambria Math" panose="02040503050406030204" pitchFamily="18" charset="0"/>
+                      </a:rPr>
+                      <m:t>| </m:t>
+                    </m:r>
+                    <m:r>
+                      <a:rPr lang="nl-BE" b="0" i="1" smtClean="0">
+                        <a:latin typeface="Cambria Math" panose="02040503050406030204" pitchFamily="18" charset="0"/>
+                      </a:rPr>
+                      <m:t>𝑖</m:t>
+                    </m:r>
+                    <m:r>
+                      <a:rPr lang="nl-BE" b="0" i="1" smtClean="0">
+                        <a:latin typeface="Cambria Math" panose="02040503050406030204" pitchFamily="18" charset="0"/>
+                        <a:ea typeface="Cambria Math" panose="02040503050406030204" pitchFamily="18" charset="0"/>
+                      </a:rPr>
+                      <m:t>∈</m:t>
+                    </m:r>
+                    <m:r>
+                      <a:rPr lang="nl-BE" b="0" i="1" smtClean="0">
+                        <a:latin typeface="Cambria Math" panose="02040503050406030204" pitchFamily="18" charset="0"/>
+                        <a:ea typeface="Cambria Math" panose="02040503050406030204" pitchFamily="18" charset="0"/>
+                      </a:rPr>
+                      <m:t>𝐷</m:t>
+                    </m:r>
+                  </m:oMath>
+                </a14:m>
+                <a:r>
+                  <a:rPr lang="nl-BE" dirty="0"/>
+                  <a:t>).</a:t>
+                </a:r>
+                <a:endParaRPr lang="nl-BE" i="1" dirty="0"/>
+              </a:p>
+            </p:txBody>
+          </p:sp>
+        </mc:Choice>
+        <mc:Fallback>
+          <p:sp>
+            <p:nvSpPr>
+              <p:cNvPr id="2" name="Tijdelijke aanduiding voor inhoud 1"/>
+              <p:cNvSpPr>
+                <a:spLocks noGrp="1" noRot="1" noChangeAspect="1" noMove="1" noResize="1" noEditPoints="1" noAdjustHandles="1" noChangeArrowheads="1" noChangeShapeType="1" noTextEdit="1"/>
+              </p:cNvSpPr>
+              <p:nvPr>
+                <p:ph idx="1"/>
+              </p:nvPr>
+            </p:nvSpPr>
+            <p:spPr>
+              <a:blipFill>
+                <a:blip r:embed="rId2"/>
+                <a:stretch>
+                  <a:fillRect t="-1401"/>
+                </a:stretch>
+              </a:blipFill>
+            </p:spPr>
+            <p:txBody>
+              <a:bodyPr/>
+              <a:lstStyle/>
+              <a:p>
+                <a:r>
+                  <a:rPr lang="en-BE">
+                    <a:noFill/>
+                  </a:rPr>
+                  <a:t> </a:t>
+                </a:r>
+              </a:p>
+            </p:txBody>
+          </p:sp>
+        </mc:Fallback>
+      </mc:AlternateContent>
       <p:sp>
         <p:nvSpPr>
           <p:cNvPr id="3" name="Titel 2"/>
@@ -8626,8 +9087,8 @@
           <a:chExt cx="0" cy="0"/>
         </a:xfrm>
       </p:grpSpPr>
-      <mc:AlternateContent xmlns:mc="http://schemas.openxmlformats.org/markup-compatibility/2006">
-        <mc:Choice xmlns:a14="http://schemas.microsoft.com/office/drawing/2010/main" Requires="a14">
+      <mc:AlternateContent xmlns:mc="http://schemas.openxmlformats.org/markup-compatibility/2006" xmlns:a14="http://schemas.microsoft.com/office/drawing/2010/main">
+        <mc:Choice Requires="a14">
           <p:sp>
             <p:nvSpPr>
               <p:cNvPr id="2" name="Tijdelijke aanduiding voor inhoud 1"/>
@@ -8899,7 +9360,7 @@
             </p:txBody>
           </p:sp>
         </mc:Choice>
-        <mc:Fallback>
+        <mc:Fallback xmlns="">
           <p:sp>
             <p:nvSpPr>
               <p:cNvPr id="2" name="Tijdelijke aanduiding voor inhoud 1"/>
@@ -8985,8 +9446,8 @@
           <a:chExt cx="0" cy="0"/>
         </a:xfrm>
       </p:grpSpPr>
-      <mc:AlternateContent xmlns:mc="http://schemas.openxmlformats.org/markup-compatibility/2006">
-        <mc:Choice xmlns:a14="http://schemas.microsoft.com/office/drawing/2010/main" Requires="a14">
+      <mc:AlternateContent xmlns:mc="http://schemas.openxmlformats.org/markup-compatibility/2006" xmlns:a14="http://schemas.microsoft.com/office/drawing/2010/main">
+        <mc:Choice Requires="a14">
           <p:sp>
             <p:nvSpPr>
               <p:cNvPr id="2" name="Tijdelijke aanduiding voor inhoud 1"/>
@@ -9146,7 +9607,7 @@
             </p:txBody>
           </p:sp>
         </mc:Choice>
-        <mc:Fallback>
+        <mc:Fallback xmlns="">
           <p:sp>
             <p:nvSpPr>
               <p:cNvPr id="2" name="Tijdelijke aanduiding voor inhoud 1"/>

--- a/Presentation.pptx
+++ b/Presentation.pptx
@@ -22,6 +22,7 @@
     <p:sldId id="272" r:id="rId16"/>
     <p:sldId id="273" r:id="rId17"/>
     <p:sldId id="264" r:id="rId18"/>
+    <p:sldId id="274" r:id="rId19"/>
   </p:sldIdLst>
   <p:sldSz cx="9144000" cy="6858000" type="screen4x3"/>
   <p:notesSz cx="6858000" cy="9144000"/>
@@ -122,7 +123,7 @@
   </p:defaultTextStyle>
   <p:extLst>
     <p:ext uri="{EFAFB233-063F-42B5-8137-9DF3F51BA10A}">
-      <p15:sldGuideLst xmlns:p15="http://schemas.microsoft.com/office/powerpoint/2012/main">
+      <p15:sldGuideLst xmlns="" xmlns:p15="http://schemas.microsoft.com/office/powerpoint/2012/main">
         <p15:guide id="1" orient="horz" pos="2160">
           <p15:clr>
             <a:srgbClr val="A4A3A4"/>
@@ -756,7 +757,7 @@
           <a:p>
             <a:fld id="{3D636C07-7E76-46D3-B86B-6AF7C60E533E}" type="datetimeFigureOut">
               <a:rPr lang="nl-NL" smtClean="0"/>
-              <a:t>07-11-2020</a:t>
+              <a:t>8-11-2020</a:t>
             </a:fld>
             <a:endParaRPr lang="nl-NL"/>
           </a:p>
@@ -818,7 +819,7 @@
           <a:p>
             <a:fld id="{A9096D49-DAE3-40DE-93E0-41688E0A5016}" type="slidenum">
               <a:rPr lang="nl-NL" smtClean="0"/>
-              <a:t>‹#›</a:t>
+              <a:t>‹nr.›</a:t>
             </a:fld>
             <a:endParaRPr lang="nl-NL"/>
           </a:p>
@@ -946,7 +947,7 @@
           <a:p>
             <a:fld id="{3D636C07-7E76-46D3-B86B-6AF7C60E533E}" type="datetimeFigureOut">
               <a:rPr lang="nl-NL" smtClean="0"/>
-              <a:t>07-11-2020</a:t>
+              <a:t>8-11-2020</a:t>
             </a:fld>
             <a:endParaRPr lang="nl-NL"/>
           </a:p>
@@ -988,7 +989,7 @@
           <a:p>
             <a:fld id="{A9096D49-DAE3-40DE-93E0-41688E0A5016}" type="slidenum">
               <a:rPr lang="nl-NL" smtClean="0"/>
-              <a:t>‹#›</a:t>
+              <a:t>‹nr.›</a:t>
             </a:fld>
             <a:endParaRPr lang="nl-NL"/>
           </a:p>
@@ -1121,7 +1122,7 @@
           <a:p>
             <a:fld id="{3D636C07-7E76-46D3-B86B-6AF7C60E533E}" type="datetimeFigureOut">
               <a:rPr lang="nl-NL" smtClean="0"/>
-              <a:t>07-11-2020</a:t>
+              <a:t>8-11-2020</a:t>
             </a:fld>
             <a:endParaRPr lang="nl-NL"/>
           </a:p>
@@ -1163,7 +1164,7 @@
           <a:p>
             <a:fld id="{A9096D49-DAE3-40DE-93E0-41688E0A5016}" type="slidenum">
               <a:rPr lang="nl-NL" smtClean="0"/>
-              <a:t>‹#›</a:t>
+              <a:t>‹nr.›</a:t>
             </a:fld>
             <a:endParaRPr lang="nl-NL"/>
           </a:p>
@@ -1263,7 +1264,7 @@
           <a:p>
             <a:fld id="{3D636C07-7E76-46D3-B86B-6AF7C60E533E}" type="datetimeFigureOut">
               <a:rPr lang="nl-NL" smtClean="0"/>
-              <a:t>07-11-2020</a:t>
+              <a:t>8-11-2020</a:t>
             </a:fld>
             <a:endParaRPr lang="nl-NL"/>
           </a:p>
@@ -1305,7 +1306,7 @@
           <a:p>
             <a:fld id="{A9096D49-DAE3-40DE-93E0-41688E0A5016}" type="slidenum">
               <a:rPr lang="nl-NL" smtClean="0"/>
-              <a:t>‹#›</a:t>
+              <a:t>‹nr.›</a:t>
             </a:fld>
             <a:endParaRPr lang="nl-NL"/>
           </a:p>
@@ -1510,7 +1511,7 @@
           <a:p>
             <a:fld id="{3D636C07-7E76-46D3-B86B-6AF7C60E533E}" type="datetimeFigureOut">
               <a:rPr lang="nl-NL" smtClean="0"/>
-              <a:t>07-11-2020</a:t>
+              <a:t>8-11-2020</a:t>
             </a:fld>
             <a:endParaRPr lang="nl-NL"/>
           </a:p>
@@ -1552,7 +1553,7 @@
           <a:p>
             <a:fld id="{A9096D49-DAE3-40DE-93E0-41688E0A5016}" type="slidenum">
               <a:rPr lang="nl-NL" smtClean="0"/>
-              <a:t>‹#›</a:t>
+              <a:t>‹nr.›</a:t>
             </a:fld>
             <a:endParaRPr lang="nl-NL"/>
           </a:p>
@@ -1909,7 +1910,7 @@
           <a:p>
             <a:fld id="{3D636C07-7E76-46D3-B86B-6AF7C60E533E}" type="datetimeFigureOut">
               <a:rPr lang="nl-NL" smtClean="0"/>
-              <a:t>07-11-2020</a:t>
+              <a:t>8-11-2020</a:t>
             </a:fld>
             <a:endParaRPr lang="nl-NL"/>
           </a:p>
@@ -1951,7 +1952,7 @@
           <a:p>
             <a:fld id="{A9096D49-DAE3-40DE-93E0-41688E0A5016}" type="slidenum">
               <a:rPr lang="nl-NL" smtClean="0"/>
-              <a:t>‹#›</a:t>
+              <a:t>‹nr.›</a:t>
             </a:fld>
             <a:endParaRPr lang="nl-NL"/>
           </a:p>
@@ -2347,7 +2348,7 @@
           <a:p>
             <a:fld id="{3D636C07-7E76-46D3-B86B-6AF7C60E533E}" type="datetimeFigureOut">
               <a:rPr lang="nl-NL" smtClean="0"/>
-              <a:t>07-11-2020</a:t>
+              <a:t>8-11-2020</a:t>
             </a:fld>
             <a:endParaRPr lang="nl-NL"/>
           </a:p>
@@ -2389,7 +2390,7 @@
           <a:p>
             <a:fld id="{A9096D49-DAE3-40DE-93E0-41688E0A5016}" type="slidenum">
               <a:rPr lang="nl-NL" smtClean="0"/>
-              <a:t>‹#›</a:t>
+              <a:t>‹nr.›</a:t>
             </a:fld>
             <a:endParaRPr lang="nl-NL"/>
           </a:p>
@@ -2442,7 +2443,7 @@
           <a:p>
             <a:fld id="{3D636C07-7E76-46D3-B86B-6AF7C60E533E}" type="datetimeFigureOut">
               <a:rPr lang="nl-NL" smtClean="0"/>
-              <a:t>07-11-2020</a:t>
+              <a:t>8-11-2020</a:t>
             </a:fld>
             <a:endParaRPr lang="nl-NL"/>
           </a:p>
@@ -2484,7 +2485,7 @@
           <a:p>
             <a:fld id="{A9096D49-DAE3-40DE-93E0-41688E0A5016}" type="slidenum">
               <a:rPr lang="nl-NL" smtClean="0"/>
-              <a:t>‹#›</a:t>
+              <a:t>‹nr.›</a:t>
             </a:fld>
             <a:endParaRPr lang="nl-NL"/>
           </a:p>
@@ -2555,7 +2556,7 @@
           <a:p>
             <a:fld id="{3D636C07-7E76-46D3-B86B-6AF7C60E533E}" type="datetimeFigureOut">
               <a:rPr lang="nl-NL" smtClean="0"/>
-              <a:t>07-11-2020</a:t>
+              <a:t>8-11-2020</a:t>
             </a:fld>
             <a:endParaRPr lang="nl-NL"/>
           </a:p>
@@ -2597,7 +2598,7 @@
           <a:p>
             <a:fld id="{A9096D49-DAE3-40DE-93E0-41688E0A5016}" type="slidenum">
               <a:rPr lang="nl-NL" smtClean="0"/>
-              <a:t>‹#›</a:t>
+              <a:t>‹nr.›</a:t>
             </a:fld>
             <a:endParaRPr lang="nl-NL"/>
           </a:p>
@@ -2823,7 +2824,7 @@
           <a:p>
             <a:fld id="{3D636C07-7E76-46D3-B86B-6AF7C60E533E}" type="datetimeFigureOut">
               <a:rPr lang="nl-NL" smtClean="0"/>
-              <a:t>07-11-2020</a:t>
+              <a:t>8-11-2020</a:t>
             </a:fld>
             <a:endParaRPr lang="nl-NL"/>
           </a:p>
@@ -2865,7 +2866,7 @@
           <a:p>
             <a:fld id="{A9096D49-DAE3-40DE-93E0-41688E0A5016}" type="slidenum">
               <a:rPr lang="nl-NL" smtClean="0"/>
-              <a:t>‹#›</a:t>
+              <a:t>‹nr.›</a:t>
             </a:fld>
             <a:endParaRPr lang="nl-NL"/>
           </a:p>
@@ -3024,7 +3025,7 @@
           <a:p>
             <a:fld id="{3D636C07-7E76-46D3-B86B-6AF7C60E533E}" type="datetimeFigureOut">
               <a:rPr lang="nl-NL" smtClean="0"/>
-              <a:t>07-11-2020</a:t>
+              <a:t>8-11-2020</a:t>
             </a:fld>
             <a:endParaRPr lang="nl-NL"/>
           </a:p>
@@ -3089,7 +3090,7 @@
           <a:p>
             <a:fld id="{A9096D49-DAE3-40DE-93E0-41688E0A5016}" type="slidenum">
               <a:rPr lang="nl-NL" smtClean="0"/>
-              <a:t>‹#›</a:t>
+              <a:t>‹nr.›</a:t>
             </a:fld>
             <a:endParaRPr lang="nl-NL"/>
           </a:p>
@@ -4113,7 +4114,7 @@
           <a:p>
             <a:fld id="{3D636C07-7E76-46D3-B86B-6AF7C60E533E}" type="datetimeFigureOut">
               <a:rPr lang="nl-NL" smtClean="0"/>
-              <a:t>07-11-2020</a:t>
+              <a:t>8-11-2020</a:t>
             </a:fld>
             <a:endParaRPr lang="nl-NL"/>
           </a:p>
@@ -4189,7 +4190,7 @@
           <a:p>
             <a:fld id="{A9096D49-DAE3-40DE-93E0-41688E0A5016}" type="slidenum">
               <a:rPr lang="nl-NL" smtClean="0"/>
-              <a:t>‹#›</a:t>
+              <a:t>‹nr.›</a:t>
             </a:fld>
             <a:endParaRPr lang="nl-NL"/>
           </a:p>
@@ -4879,8 +4880,8 @@
           <a:chExt cx="0" cy="0"/>
         </a:xfrm>
       </p:grpSpPr>
-      <mc:AlternateContent xmlns:mc="http://schemas.openxmlformats.org/markup-compatibility/2006">
-        <mc:Choice xmlns:a14="http://schemas.microsoft.com/office/drawing/2010/main" Requires="a14">
+      <mc:AlternateContent xmlns:mc="http://schemas.openxmlformats.org/markup-compatibility/2006" xmlns:a14="http://schemas.microsoft.com/office/drawing/2010/main">
+        <mc:Choice Requires="a14">
           <p:sp>
             <p:nvSpPr>
               <p:cNvPr id="2" name="Tijdelijke aanduiding voor inhoud 1"/>
@@ -4919,41 +4920,55 @@
                     <m:sSub>
                       <m:sSubPr>
                         <m:ctrlPr>
-                          <a:rPr lang="en-BE" i="1"/>
+                          <a:rPr lang="x-none" i="1">
+                            <a:latin typeface="Cambria Math"/>
+                          </a:rPr>
                         </m:ctrlPr>
                       </m:sSubPr>
                       <m:e>
                         <m:r>
-                          <a:rPr lang="en-GB" i="1"/>
+                          <a:rPr lang="en-GB" i="1">
+                            <a:latin typeface="Cambria Math"/>
+                          </a:rPr>
                           <m:t>𝑋</m:t>
                         </m:r>
                       </m:e>
                       <m:sub>
                         <m:r>
-                          <a:rPr lang="en-GB" i="1"/>
+                          <a:rPr lang="en-GB" i="1">
+                            <a:latin typeface="Cambria Math"/>
+                          </a:rPr>
                           <m:t>1</m:t>
                         </m:r>
                       </m:sub>
                     </m:sSub>
                     <m:r>
-                      <a:rPr lang="en-GB" i="1"/>
+                      <a:rPr lang="en-GB" i="1">
+                        <a:latin typeface="Cambria Math"/>
+                      </a:rPr>
                       <m:t>,. . . , </m:t>
                     </m:r>
                     <m:sSub>
                       <m:sSubPr>
                         <m:ctrlPr>
-                          <a:rPr lang="en-BE" i="1"/>
+                          <a:rPr lang="x-none" i="1">
+                            <a:latin typeface="Cambria Math"/>
+                          </a:rPr>
                         </m:ctrlPr>
                       </m:sSubPr>
                       <m:e>
                         <m:r>
-                          <a:rPr lang="en-GB" i="1"/>
+                          <a:rPr lang="en-GB" i="1">
+                            <a:latin typeface="Cambria Math"/>
+                          </a:rPr>
                           <m:t>𝑋</m:t>
                         </m:r>
                       </m:e>
                       <m:sub>
                         <m:r>
-                          <a:rPr lang="en-GB" i="1"/>
+                          <a:rPr lang="en-GB" i="1">
+                            <a:latin typeface="Cambria Math"/>
+                          </a:rPr>
                           <m:t>𝑛</m:t>
                         </m:r>
                       </m:sub>
@@ -4976,87 +4991,117 @@
                     <m:sSub>
                       <m:sSubPr>
                         <m:ctrlPr>
-                          <a:rPr lang="en-BE" i="1"/>
+                          <a:rPr lang="x-none" i="1">
+                            <a:latin typeface="Cambria Math"/>
+                          </a:rPr>
                         </m:ctrlPr>
                       </m:sSubPr>
                       <m:e>
                         <m:r>
-                          <a:rPr lang="en-GB" i="1"/>
+                          <a:rPr lang="en-GB" i="1">
+                            <a:latin typeface="Cambria Math"/>
+                          </a:rPr>
                           <m:t>𝑋</m:t>
                         </m:r>
                       </m:e>
                       <m:sub>
                         <m:r>
-                          <a:rPr lang="en-GB" i="1"/>
+                          <a:rPr lang="en-GB" i="1">
+                            <a:latin typeface="Cambria Math"/>
+                          </a:rPr>
                           <m:t>1</m:t>
                         </m:r>
                       </m:sub>
                     </m:sSub>
                     <m:r>
-                      <a:rPr lang="en-GB" i="1"/>
+                      <a:rPr lang="en-GB" i="1">
+                        <a:latin typeface="Cambria Math"/>
+                      </a:rPr>
                       <m:t>= </m:t>
                     </m:r>
                     <m:sSub>
                       <m:sSubPr>
                         <m:ctrlPr>
-                          <a:rPr lang="en-BE" i="1"/>
+                          <a:rPr lang="x-none" i="1">
+                            <a:latin typeface="Cambria Math"/>
+                          </a:rPr>
                         </m:ctrlPr>
                       </m:sSubPr>
                       <m:e>
                         <m:r>
-                          <a:rPr lang="en-GB" i="1"/>
+                          <a:rPr lang="en-GB" i="1">
+                            <a:latin typeface="Cambria Math"/>
+                          </a:rPr>
                           <m:t>𝑑</m:t>
                         </m:r>
                       </m:e>
                       <m:sub>
                         <m:r>
-                          <a:rPr lang="en-GB" i="1"/>
+                          <a:rPr lang="en-GB" i="1">
+                            <a:latin typeface="Cambria Math"/>
+                          </a:rPr>
                           <m:t>1</m:t>
                         </m:r>
                       </m:sub>
                     </m:sSub>
                     <m:r>
-                      <a:rPr lang="en-GB" i="1"/>
+                      <a:rPr lang="en-GB" i="1">
+                        <a:latin typeface="Cambria Math"/>
+                      </a:rPr>
                       <m:t>,. . . , </m:t>
                     </m:r>
                     <m:sSub>
                       <m:sSubPr>
                         <m:ctrlPr>
-                          <a:rPr lang="en-BE" i="1"/>
+                          <a:rPr lang="x-none" i="1">
+                            <a:latin typeface="Cambria Math"/>
+                          </a:rPr>
                         </m:ctrlPr>
                       </m:sSubPr>
                       <m:e>
                         <m:r>
-                          <a:rPr lang="en-GB" i="1"/>
+                          <a:rPr lang="en-GB" i="1">
+                            <a:latin typeface="Cambria Math"/>
+                          </a:rPr>
                           <m:t>𝑋</m:t>
                         </m:r>
                       </m:e>
                       <m:sub>
                         <m:r>
-                          <a:rPr lang="en-GB" i="1"/>
+                          <a:rPr lang="en-GB" i="1">
+                            <a:latin typeface="Cambria Math"/>
+                          </a:rPr>
                           <m:t>𝑛</m:t>
                         </m:r>
                       </m:sub>
                     </m:sSub>
                     <m:r>
-                      <a:rPr lang="en-GB" i="1"/>
+                      <a:rPr lang="en-GB" i="1">
+                        <a:latin typeface="Cambria Math"/>
+                      </a:rPr>
                       <m:t>= </m:t>
                     </m:r>
                     <m:sSub>
                       <m:sSubPr>
                         <m:ctrlPr>
-                          <a:rPr lang="en-BE" i="1"/>
+                          <a:rPr lang="x-none" i="1">
+                            <a:latin typeface="Cambria Math"/>
+                          </a:rPr>
                         </m:ctrlPr>
                       </m:sSubPr>
                       <m:e>
                         <m:r>
-                          <a:rPr lang="en-GB" i="1"/>
+                          <a:rPr lang="en-GB" i="1">
+                            <a:latin typeface="Cambria Math"/>
+                          </a:rPr>
                           <m:t>𝑑</m:t>
                         </m:r>
                       </m:e>
                       <m:sub>
                         <m:r>
-                          <a:rPr lang="en-GB" i="1"/>
+                          <a:rPr lang="en-GB" i="1">
+                            <a:latin typeface="Cambria Math"/>
+                          </a:rPr>
                           <m:t>𝑛</m:t>
                         </m:r>
                       </m:sub>
@@ -5070,7 +5115,9 @@
                 <a14:m>
                   <m:oMath xmlns:m="http://schemas.openxmlformats.org/officeDocument/2006/math">
                     <m:r>
-                      <a:rPr lang="en-GB" i="1"/>
+                      <a:rPr lang="en-GB" i="1">
+                        <a:latin typeface="Cambria Math"/>
+                      </a:rPr>
                       <m:t>𝜋</m:t>
                     </m:r>
                   </m:oMath>
@@ -5091,103 +5138,141 @@
                     <m:sSub>
                       <m:sSubPr>
                         <m:ctrlPr>
-                          <a:rPr lang="en-BE" i="1"/>
+                          <a:rPr lang="x-none" i="1">
+                            <a:latin typeface="Cambria Math"/>
+                          </a:rPr>
                         </m:ctrlPr>
                       </m:sSubPr>
                       <m:e>
                         <m:r>
-                          <a:rPr lang="en-GB" i="1"/>
+                          <a:rPr lang="en-GB" i="1">
+                            <a:latin typeface="Cambria Math"/>
+                          </a:rPr>
                           <m:t>𝑋</m:t>
                         </m:r>
                       </m:e>
                       <m:sub>
                         <m:r>
-                          <a:rPr lang="en-GB" i="1"/>
+                          <a:rPr lang="en-GB" i="1">
+                            <a:latin typeface="Cambria Math"/>
+                          </a:rPr>
                           <m:t>1</m:t>
                         </m:r>
                       </m:sub>
                     </m:sSub>
                     <m:r>
-                      <a:rPr lang="en-GB" i="1"/>
+                      <a:rPr lang="en-GB" i="1">
+                        <a:latin typeface="Cambria Math"/>
+                      </a:rPr>
                       <m:t>= </m:t>
                     </m:r>
                     <m:sSub>
                       <m:sSubPr>
                         <m:ctrlPr>
-                          <a:rPr lang="en-BE" i="1"/>
+                          <a:rPr lang="x-none" i="1">
+                            <a:latin typeface="Cambria Math"/>
+                          </a:rPr>
                         </m:ctrlPr>
                       </m:sSubPr>
                       <m:e>
                         <m:r>
-                          <a:rPr lang="en-GB" i="1"/>
+                          <a:rPr lang="en-GB" i="1">
+                            <a:latin typeface="Cambria Math"/>
+                          </a:rPr>
                           <m:t>𝑑</m:t>
                         </m:r>
                       </m:e>
                       <m:sub>
                         <m:r>
-                          <a:rPr lang="en-GB" i="1"/>
+                          <a:rPr lang="en-GB" i="1">
+                            <a:latin typeface="Cambria Math"/>
+                          </a:rPr>
                           <m:t>𝜋</m:t>
                         </m:r>
                         <m:r>
-                          <a:rPr lang="en-GB" i="1"/>
+                          <a:rPr lang="en-GB" i="1">
+                            <a:latin typeface="Cambria Math"/>
+                          </a:rPr>
                           <m:t>(1)</m:t>
                         </m:r>
                       </m:sub>
                     </m:sSub>
                     <m:r>
-                      <a:rPr lang="en-GB" i="1"/>
+                      <a:rPr lang="en-GB" i="1">
+                        <a:latin typeface="Cambria Math"/>
+                      </a:rPr>
                       <m:t>,. . . , </m:t>
                     </m:r>
                     <m:sSub>
                       <m:sSubPr>
                         <m:ctrlPr>
-                          <a:rPr lang="en-BE" i="1"/>
+                          <a:rPr lang="x-none" i="1">
+                            <a:latin typeface="Cambria Math"/>
+                          </a:rPr>
                         </m:ctrlPr>
                       </m:sSubPr>
                       <m:e>
                         <m:r>
-                          <a:rPr lang="en-GB" i="1"/>
+                          <a:rPr lang="en-GB" i="1">
+                            <a:latin typeface="Cambria Math"/>
+                          </a:rPr>
                           <m:t>𝑋</m:t>
                         </m:r>
                       </m:e>
                       <m:sub>
                         <m:r>
-                          <a:rPr lang="en-GB" i="1"/>
+                          <a:rPr lang="en-GB" i="1">
+                            <a:latin typeface="Cambria Math"/>
+                          </a:rPr>
                           <m:t>𝑛</m:t>
                         </m:r>
                       </m:sub>
                     </m:sSub>
                     <m:r>
-                      <a:rPr lang="en-GB" i="1"/>
+                      <a:rPr lang="en-GB" i="1">
+                        <a:latin typeface="Cambria Math"/>
+                      </a:rPr>
                       <m:t>= </m:t>
                     </m:r>
                     <m:sSub>
                       <m:sSubPr>
                         <m:ctrlPr>
-                          <a:rPr lang="en-BE" i="1"/>
+                          <a:rPr lang="x-none" i="1">
+                            <a:latin typeface="Cambria Math"/>
+                          </a:rPr>
                         </m:ctrlPr>
                       </m:sSubPr>
                       <m:e>
                         <m:r>
-                          <a:rPr lang="en-GB" i="1"/>
+                          <a:rPr lang="en-GB" i="1">
+                            <a:latin typeface="Cambria Math"/>
+                          </a:rPr>
                           <m:t>𝑑</m:t>
                         </m:r>
                       </m:e>
                       <m:sub>
                         <m:r>
-                          <a:rPr lang="en-GB" i="1"/>
+                          <a:rPr lang="en-GB" i="1">
+                            <a:latin typeface="Cambria Math"/>
+                          </a:rPr>
                           <m:t>𝜋</m:t>
                         </m:r>
                         <m:r>
-                          <a:rPr lang="en-GB" i="1"/>
+                          <a:rPr lang="en-GB" i="1">
+                            <a:latin typeface="Cambria Math"/>
+                          </a:rPr>
                           <m:t>(</m:t>
                         </m:r>
                         <m:r>
-                          <a:rPr lang="en-GB" i="1"/>
+                          <a:rPr lang="en-GB" i="1">
+                            <a:latin typeface="Cambria Math"/>
+                          </a:rPr>
                           <m:t>𝑛</m:t>
                         </m:r>
                         <m:r>
-                          <a:rPr lang="en-GB" i="1"/>
+                          <a:rPr lang="en-GB" i="1">
+                            <a:latin typeface="Cambria Math"/>
+                          </a:rPr>
                           <m:t>)</m:t>
                         </m:r>
                       </m:sub>
@@ -5203,7 +5288,7 @@
             </p:txBody>
           </p:sp>
         </mc:Choice>
-        <mc:Fallback>
+        <mc:Fallback xmlns="">
           <p:sp>
             <p:nvSpPr>
               <p:cNvPr id="2" name="Tijdelijke aanduiding voor inhoud 1"/>
@@ -5294,8 +5379,8 @@
           <a:chExt cx="0" cy="0"/>
         </a:xfrm>
       </p:grpSpPr>
-      <mc:AlternateContent xmlns:mc="http://schemas.openxmlformats.org/markup-compatibility/2006">
-        <mc:Choice xmlns:a14="http://schemas.microsoft.com/office/drawing/2010/main" Requires="a14">
+      <mc:AlternateContent xmlns:mc="http://schemas.openxmlformats.org/markup-compatibility/2006" xmlns:a14="http://schemas.microsoft.com/office/drawing/2010/main">
+        <mc:Choice Requires="a14">
           <p:sp>
             <p:nvSpPr>
               <p:cNvPr id="2" name="Tijdelijke aanduiding voor inhoud 1"/>
@@ -5331,110 +5416,148 @@
                     <m:sSub>
                       <m:sSubPr>
                         <m:ctrlPr>
-                          <a:rPr lang="en-BE" i="1"/>
+                          <a:rPr lang="x-none" i="1">
+                            <a:latin typeface="Cambria Math"/>
+                          </a:rPr>
                         </m:ctrlPr>
                       </m:sSubPr>
                       <m:e>
                         <m:r>
-                          <a:rPr lang="en-GB" i="1"/>
+                          <a:rPr lang="en-GB" i="1">
+                            <a:latin typeface="Cambria Math"/>
+                          </a:rPr>
                           <m:t>𝑋</m:t>
                         </m:r>
                       </m:e>
                       <m:sub>
                         <m:r>
-                          <a:rPr lang="en-GB" i="1"/>
+                          <a:rPr lang="en-GB" i="1">
+                            <a:latin typeface="Cambria Math"/>
+                          </a:rPr>
                           <m:t>1</m:t>
                         </m:r>
                       </m:sub>
                     </m:sSub>
                     <m:r>
-                      <a:rPr lang="en-GB" i="1"/>
+                      <a:rPr lang="en-GB" i="1">
+                        <a:latin typeface="Cambria Math"/>
+                      </a:rPr>
                       <m:t>, </m:t>
                     </m:r>
                     <m:sSub>
                       <m:sSubPr>
                         <m:ctrlPr>
-                          <a:rPr lang="en-BE" i="1"/>
+                          <a:rPr lang="x-none" i="1">
+                            <a:latin typeface="Cambria Math"/>
+                          </a:rPr>
                         </m:ctrlPr>
                       </m:sSubPr>
                       <m:e>
                         <m:r>
-                          <a:rPr lang="en-GB" i="1"/>
+                          <a:rPr lang="en-GB" i="1">
+                            <a:latin typeface="Cambria Math"/>
+                          </a:rPr>
                           <m:t>𝑋</m:t>
                         </m:r>
                       </m:e>
                       <m:sub>
                         <m:r>
-                          <a:rPr lang="en-GB" i="1"/>
+                          <a:rPr lang="en-GB" i="1">
+                            <a:latin typeface="Cambria Math"/>
+                          </a:rPr>
                           <m:t>2</m:t>
                         </m:r>
                       </m:sub>
                     </m:sSub>
                     <m:r>
-                      <a:rPr lang="en-GB" i="1"/>
+                      <a:rPr lang="en-GB" i="1">
+                        <a:latin typeface="Cambria Math"/>
+                      </a:rPr>
                       <m:t>,</m:t>
                     </m:r>
                     <m:sSub>
                       <m:sSubPr>
                         <m:ctrlPr>
-                          <a:rPr lang="en-BE" i="1"/>
+                          <a:rPr lang="x-none" i="1">
+                            <a:latin typeface="Cambria Math"/>
+                          </a:rPr>
                         </m:ctrlPr>
                       </m:sSubPr>
                       <m:e>
                         <m:r>
-                          <a:rPr lang="en-GB" i="1"/>
+                          <a:rPr lang="en-GB" i="1">
+                            <a:latin typeface="Cambria Math"/>
+                          </a:rPr>
                           <m:t>𝑋</m:t>
                         </m:r>
                       </m:e>
                       <m:sub>
                         <m:r>
-                          <a:rPr lang="en-GB" i="1"/>
+                          <a:rPr lang="en-GB" i="1">
+                            <a:latin typeface="Cambria Math"/>
+                          </a:rPr>
                           <m:t>3</m:t>
                         </m:r>
                       </m:sub>
                     </m:sSub>
                     <m:r>
-                      <a:rPr lang="en-GB" i="1"/>
+                      <a:rPr lang="en-GB" i="1">
+                        <a:latin typeface="Cambria Math"/>
+                      </a:rPr>
                       <m:t>, </m:t>
                     </m:r>
                     <m:sSub>
                       <m:sSubPr>
                         <m:ctrlPr>
-                          <a:rPr lang="en-BE" i="1"/>
+                          <a:rPr lang="x-none" i="1">
+                            <a:latin typeface="Cambria Math"/>
+                          </a:rPr>
                         </m:ctrlPr>
                       </m:sSubPr>
                       <m:e>
                         <m:r>
-                          <a:rPr lang="en-GB" i="1"/>
+                          <a:rPr lang="en-GB" i="1">
+                            <a:latin typeface="Cambria Math"/>
+                          </a:rPr>
                           <m:t>𝑋</m:t>
                         </m:r>
                       </m:e>
                       <m:sub>
                         <m:r>
-                          <a:rPr lang="en-GB" i="1"/>
+                          <a:rPr lang="en-GB" i="1">
+                            <a:latin typeface="Cambria Math"/>
+                          </a:rPr>
                           <m:t>4</m:t>
                         </m:r>
                       </m:sub>
                     </m:sSub>
                     <m:r>
-                      <a:rPr lang="en-GB" i="1"/>
+                      <a:rPr lang="en-GB" i="1">
+                        <a:latin typeface="Cambria Math"/>
+                      </a:rPr>
                       <m:t>,</m:t>
                     </m:r>
                     <m:sSub>
                       <m:sSubPr>
                         <m:ctrlPr>
-                          <a:rPr lang="en-BE" i="1"/>
+                          <a:rPr lang="x-none" i="1">
+                            <a:latin typeface="Cambria Math"/>
+                          </a:rPr>
                         </m:ctrlPr>
                       </m:sSubPr>
                       <m:e>
                         <m:r>
-                          <a:rPr lang="en-GB" i="1"/>
+                          <a:rPr lang="en-GB" i="1">
+                            <a:latin typeface="Cambria Math"/>
+                          </a:rPr>
                           <m:t>𝑋</m:t>
                         </m:r>
                       </m:e>
                       <m:sub>
                         <m:r>
-                          <a:rPr lang="en-GB" i="1"/>
+                          <a:rPr lang="en-GB" i="1">
+                            <a:latin typeface="Cambria Math"/>
+                          </a:rPr>
                           <m:t>5</m:t>
                         </m:r>
                       </m:sub>
@@ -5505,7 +5628,7 @@
             </p:txBody>
           </p:sp>
         </mc:Choice>
-        <mc:Fallback>
+        <mc:Fallback xmlns="">
           <p:sp>
             <p:nvSpPr>
               <p:cNvPr id="2" name="Tijdelijke aanduiding voor inhoud 1"/>
@@ -5596,8 +5719,8 @@
           <a:chExt cx="0" cy="0"/>
         </a:xfrm>
       </p:grpSpPr>
-      <mc:AlternateContent xmlns:mc="http://schemas.openxmlformats.org/markup-compatibility/2006">
-        <mc:Choice xmlns:a14="http://schemas.microsoft.com/office/drawing/2010/main" Requires="a14">
+      <mc:AlternateContent xmlns:mc="http://schemas.openxmlformats.org/markup-compatibility/2006" xmlns:a14="http://schemas.microsoft.com/office/drawing/2010/main">
+        <mc:Choice Requires="a14">
           <p:sp>
             <p:nvSpPr>
               <p:cNvPr id="2" name="Tijdelijke aanduiding voor inhoud 1"/>
@@ -5638,7 +5761,7 @@
                       <m:dPr>
                         <m:ctrlPr>
                           <a:rPr lang="nl-BE" b="0" i="1" smtClean="0">
-                            <a:latin typeface="Cambria Math" panose="02040503050406030204" pitchFamily="18" charset="0"/>
+                            <a:latin typeface="Cambria Math"/>
                           </a:rPr>
                         </m:ctrlPr>
                       </m:dPr>
@@ -5647,7 +5770,7 @@
                           <m:sSubPr>
                             <m:ctrlPr>
                               <a:rPr lang="nl-BE" b="0" i="1" smtClean="0">
-                                <a:latin typeface="Cambria Math" panose="02040503050406030204" pitchFamily="18" charset="0"/>
+                                <a:latin typeface="Cambria Math"/>
                               </a:rPr>
                             </m:ctrlPr>
                           </m:sSubPr>
@@ -5679,7 +5802,7 @@
                           <m:sSubPr>
                             <m:ctrlPr>
                               <a:rPr lang="nl-BE" b="0" i="1" smtClean="0">
-                                <a:latin typeface="Cambria Math" panose="02040503050406030204" pitchFamily="18" charset="0"/>
+                                <a:latin typeface="Cambria Math"/>
                                 <a:ea typeface="Cambria Math" panose="02040503050406030204" pitchFamily="18" charset="0"/>
                               </a:rPr>
                             </m:ctrlPr>
@@ -5739,7 +5862,7 @@
                       <m:sSubPr>
                         <m:ctrlPr>
                           <a:rPr lang="nl-BE" i="1">
-                            <a:latin typeface="Cambria Math" panose="02040503050406030204" pitchFamily="18" charset="0"/>
+                            <a:latin typeface="Cambria Math"/>
                           </a:rPr>
                         </m:ctrlPr>
                       </m:sSubPr>
@@ -5771,7 +5894,7 @@
                       <m:sSubPr>
                         <m:ctrlPr>
                           <a:rPr lang="nl-BE" i="1">
-                            <a:latin typeface="Cambria Math" panose="02040503050406030204" pitchFamily="18" charset="0"/>
+                            <a:latin typeface="Cambria Math"/>
                             <a:ea typeface="Cambria Math" panose="02040503050406030204" pitchFamily="18" charset="0"/>
                           </a:rPr>
                         </m:ctrlPr>
@@ -5804,6 +5927,10 @@
                     </m:r>
                   </m:oMath>
                 </a14:m>
+                <a:r>
+                  <a:rPr lang="nl-BE" dirty="0"/>
+                  <a:t/>
+                </a:r>
                 <a:br>
                   <a:rPr lang="nl-BE" dirty="0"/>
                 </a:br>
@@ -5825,7 +5952,7 @@
                       <m:dPr>
                         <m:ctrlPr>
                           <a:rPr lang="nl-BE" b="0" i="1" smtClean="0">
-                            <a:latin typeface="Cambria Math" panose="02040503050406030204" pitchFamily="18" charset="0"/>
+                            <a:latin typeface="Cambria Math"/>
                           </a:rPr>
                         </m:ctrlPr>
                       </m:dPr>
@@ -5834,7 +5961,7 @@
                           <m:sSubPr>
                             <m:ctrlPr>
                               <a:rPr lang="nl-BE" b="0" i="1" smtClean="0">
-                                <a:latin typeface="Cambria Math" panose="02040503050406030204" pitchFamily="18" charset="0"/>
+                                <a:latin typeface="Cambria Math"/>
                               </a:rPr>
                             </m:ctrlPr>
                           </m:sSubPr>
@@ -5865,7 +5992,7 @@
                           <m:sSubPr>
                             <m:ctrlPr>
                               <a:rPr lang="nl-BE" b="0" i="1" smtClean="0">
-                                <a:latin typeface="Cambria Math" panose="02040503050406030204" pitchFamily="18" charset="0"/>
+                                <a:latin typeface="Cambria Math"/>
                               </a:rPr>
                             </m:ctrlPr>
                           </m:sSubPr>
@@ -5898,7 +6025,7 @@
                       <m:sSubPr>
                         <m:ctrlPr>
                           <a:rPr lang="nl-BE" b="0" i="1" smtClean="0">
-                            <a:latin typeface="Cambria Math" panose="02040503050406030204" pitchFamily="18" charset="0"/>
+                            <a:latin typeface="Cambria Math"/>
                           </a:rPr>
                         </m:ctrlPr>
                       </m:sSubPr>
@@ -5935,7 +6062,7 @@
                       <m:dPr>
                         <m:ctrlPr>
                           <a:rPr lang="nl-BE" b="0" i="1" smtClean="0">
-                            <a:latin typeface="Cambria Math" panose="02040503050406030204" pitchFamily="18" charset="0"/>
+                            <a:latin typeface="Cambria Math"/>
                           </a:rPr>
                         </m:ctrlPr>
                       </m:dPr>
@@ -5944,7 +6071,7 @@
                           <m:sSubPr>
                             <m:ctrlPr>
                               <a:rPr lang="nl-BE" b="0" i="1" smtClean="0">
-                                <a:latin typeface="Cambria Math" panose="02040503050406030204" pitchFamily="18" charset="0"/>
+                                <a:latin typeface="Cambria Math"/>
                               </a:rPr>
                             </m:ctrlPr>
                           </m:sSubPr>
@@ -5987,7 +6114,7 @@
                           <m:sSubPr>
                             <m:ctrlPr>
                               <a:rPr lang="nl-BE" b="0" i="1" smtClean="0">
-                                <a:latin typeface="Cambria Math" panose="02040503050406030204" pitchFamily="18" charset="0"/>
+                                <a:latin typeface="Cambria Math"/>
                               </a:rPr>
                             </m:ctrlPr>
                           </m:sSubPr>
@@ -6012,6 +6139,10 @@
                     </m:d>
                   </m:oMath>
                 </a14:m>
+                <a:r>
+                  <a:rPr lang="nl-BE" b="0" dirty="0"/>
+                  <a:t/>
+                </a:r>
                 <a:br>
                   <a:rPr lang="nl-BE" b="0" dirty="0"/>
                 </a:br>
@@ -6025,7 +6156,7 @@
                       <m:sSubPr>
                         <m:ctrlPr>
                           <a:rPr lang="en-GB" i="1" smtClean="0">
-                            <a:latin typeface="Cambria Math" panose="02040503050406030204" pitchFamily="18" charset="0"/>
+                            <a:latin typeface="Cambria Math"/>
                           </a:rPr>
                         </m:ctrlPr>
                       </m:sSubPr>
@@ -6057,7 +6188,7 @@
                       <m:sSubPr>
                         <m:ctrlPr>
                           <a:rPr lang="en-GB" i="1" smtClean="0">
-                            <a:latin typeface="Cambria Math" panose="02040503050406030204" pitchFamily="18" charset="0"/>
+                            <a:latin typeface="Cambria Math"/>
                             <a:ea typeface="Cambria Math" panose="02040503050406030204" pitchFamily="18" charset="0"/>
                           </a:rPr>
                         </m:ctrlPr>
@@ -6171,7 +6302,7 @@
             </p:txBody>
           </p:sp>
         </mc:Choice>
-        <mc:Fallback>
+        <mc:Fallback xmlns="">
           <p:sp>
             <p:nvSpPr>
               <p:cNvPr id="2" name="Tijdelijke aanduiding voor inhoud 1"/>
@@ -6368,7 +6499,7 @@
           <p:cNvPr id="2" name="Content Placeholder 1">
             <a:extLst>
               <a:ext uri="{FF2B5EF4-FFF2-40B4-BE49-F238E27FC236}">
-                <a16:creationId xmlns:a16="http://schemas.microsoft.com/office/drawing/2014/main" id="{40AC8F06-1FD3-6E47-8949-AA6CB8C87572}"/>
+                <a16:creationId xmlns="" xmlns:a16="http://schemas.microsoft.com/office/drawing/2014/main" id="{40AC8F06-1FD3-6E47-8949-AA6CB8C87572}"/>
               </a:ext>
             </a:extLst>
           </p:cNvPr>
@@ -6385,7 +6516,7 @@
           <a:lstStyle/>
           <a:p>
             <a:r>
-              <a:rPr lang="en-BE" dirty="0"/>
+              <a:rPr lang="x-none" dirty="0"/>
               <a:t>Solver for combinatorial problems</a:t>
             </a:r>
           </a:p>
@@ -6396,20 +6527,20 @@
               <a:t>B</a:t>
             </a:r>
             <a:r>
-              <a:rPr lang="en-BE" dirty="0"/>
+              <a:rPr lang="x-none" dirty="0"/>
               <a:t>ased on exchangeability and constraint shattering</a:t>
             </a:r>
           </a:p>
           <a:p>
             <a:r>
-              <a:rPr lang="en-BE" dirty="0"/>
+              <a:rPr lang="x-none" dirty="0"/>
               <a:t>Outperforms existing approaches based on</a:t>
             </a:r>
             <a:br>
-              <a:rPr lang="en-BE" dirty="0"/>
+              <a:rPr lang="x-none" dirty="0"/>
             </a:br>
             <a:r>
-              <a:rPr lang="en-BE" dirty="0"/>
+              <a:rPr lang="x-none" dirty="0"/>
               <a:t>enumeration</a:t>
             </a:r>
           </a:p>
@@ -6420,7 +6551,7 @@
           <p:cNvPr id="3" name="Title 2">
             <a:extLst>
               <a:ext uri="{FF2B5EF4-FFF2-40B4-BE49-F238E27FC236}">
-                <a16:creationId xmlns:a16="http://schemas.microsoft.com/office/drawing/2014/main" id="{BBB10FF4-8CAC-EB46-A675-41388AFE627D}"/>
+                <a16:creationId xmlns="" xmlns:a16="http://schemas.microsoft.com/office/drawing/2014/main" id="{BBB10FF4-8CAC-EB46-A675-41388AFE627D}"/>
               </a:ext>
             </a:extLst>
           </p:cNvPr>
@@ -6437,7 +6568,7 @@
           <a:lstStyle/>
           <a:p>
             <a:r>
-              <a:rPr lang="en-BE" dirty="0"/>
+              <a:rPr lang="x-none" dirty="0"/>
               <a:t>CoSo</a:t>
             </a:r>
           </a:p>
@@ -6448,7 +6579,7 @@
           <p:cNvPr id="5" name="Picture 4" descr="Graphical user interface, chart, application&#10;&#10;Description automatically generated">
             <a:extLst>
               <a:ext uri="{FF2B5EF4-FFF2-40B4-BE49-F238E27FC236}">
-                <a16:creationId xmlns:a16="http://schemas.microsoft.com/office/drawing/2014/main" id="{34BD57AA-CF61-8D4B-99F0-56A11B84728D}"/>
+                <a16:creationId xmlns="" xmlns:a16="http://schemas.microsoft.com/office/drawing/2014/main" id="{34BD57AA-CF61-8D4B-99F0-56A11B84728D}"/>
               </a:ext>
             </a:extLst>
           </p:cNvPr>
@@ -6811,6 +6942,141 @@
 </p:sld>
 </file>
 
+<file path=ppt/slides/slide18.xml><?xml version="1.0" encoding="utf-8"?>
+<p:sld xmlns:a="http://schemas.openxmlformats.org/drawingml/2006/main" xmlns:r="http://schemas.openxmlformats.org/officeDocument/2006/relationships" xmlns:p="http://schemas.openxmlformats.org/presentationml/2006/main">
+  <p:cSld>
+    <p:spTree>
+      <p:nvGrpSpPr>
+        <p:cNvPr id="1" name=""/>
+        <p:cNvGrpSpPr/>
+        <p:nvPr/>
+      </p:nvGrpSpPr>
+      <p:grpSpPr>
+        <a:xfrm>
+          <a:off x="0" y="0"/>
+          <a:ext cx="0" cy="0"/>
+          <a:chOff x="0" y="0"/>
+          <a:chExt cx="0" cy="0"/>
+        </a:xfrm>
+      </p:grpSpPr>
+      <p:sp>
+        <p:nvSpPr>
+          <p:cNvPr id="4" name="AutoShape 2" descr="Pietro.png"/>
+          <p:cNvSpPr>
+            <a:spLocks noChangeAspect="1" noChangeArrowheads="1"/>
+          </p:cNvSpPr>
+          <p:nvPr/>
+        </p:nvSpPr>
+        <p:spPr bwMode="auto">
+          <a:xfrm>
+            <a:off x="155575" y="-144463"/>
+            <a:ext cx="304800" cy="304801"/>
+          </a:xfrm>
+          <a:prstGeom prst="rect">
+            <a:avLst/>
+          </a:prstGeom>
+          <a:noFill/>
+          <a:extLst>
+            <a:ext uri="{909E8E84-426E-40DD-AFC4-6F175D3DCCD1}">
+              <a14:hiddenFill xmlns:a14="http://schemas.microsoft.com/office/drawing/2010/main">
+                <a:solidFill>
+                  <a:srgbClr val="FFFFFF"/>
+                </a:solidFill>
+              </a14:hiddenFill>
+            </a:ext>
+          </a:extLst>
+        </p:spPr>
+        <p:txBody>
+          <a:bodyPr vert="horz" wrap="square" lIns="91440" tIns="45720" rIns="91440" bIns="45720" numCol="1" anchor="t" anchorCtr="0" compatLnSpc="1">
+            <a:prstTxWarp prst="textNoShape">
+              <a:avLst/>
+            </a:prstTxWarp>
+          </a:bodyPr>
+          <a:lstStyle/>
+          <a:p>
+            <a:endParaRPr lang="nl-BE"/>
+          </a:p>
+        </p:txBody>
+      </p:sp>
+      <p:sp>
+        <p:nvSpPr>
+          <p:cNvPr id="11" name="Titel 1"/>
+          <p:cNvSpPr txBox="1">
+            <a:spLocks/>
+          </p:cNvSpPr>
+          <p:nvPr/>
+        </p:nvSpPr>
+        <p:spPr>
+          <a:xfrm>
+            <a:off x="685800" y="2391327"/>
+            <a:ext cx="7772400" cy="1829761"/>
+          </a:xfrm>
+          <a:prstGeom prst="rect">
+            <a:avLst/>
+          </a:prstGeom>
+        </p:spPr>
+        <p:txBody>
+          <a:bodyPr vert="horz" rtlCol="0" anchor="ctr">
+            <a:normAutofit fontScale="97500"/>
+            <a:scene3d>
+              <a:camera prst="orthographicFront"/>
+              <a:lightRig rig="soft" dir="t"/>
+            </a:scene3d>
+            <a:sp3d prstMaterial="softEdge">
+              <a:bevelT w="25400" h="25400"/>
+            </a:sp3d>
+          </a:bodyPr>
+          <a:lstStyle>
+            <a:lvl1pPr algn="l" rtl="0" eaLnBrk="1" latinLnBrk="0" hangingPunct="1">
+              <a:spcBef>
+                <a:spcPct val="0"/>
+              </a:spcBef>
+              <a:buNone/>
+              <a:defRPr kumimoji="0" sz="4100" b="1" kern="1200">
+                <a:solidFill>
+                  <a:schemeClr val="tx2"/>
+                </a:solidFill>
+                <a:effectLst>
+                  <a:outerShdw blurRad="31750" dist="25400" dir="5400000" algn="tl" rotWithShape="0">
+                    <a:srgbClr val="000000">
+                      <a:alpha val="25000"/>
+                    </a:srgbClr>
+                  </a:outerShdw>
+                </a:effectLst>
+                <a:latin typeface="+mj-lt"/>
+                <a:ea typeface="+mj-ea"/>
+                <a:cs typeface="+mj-cs"/>
+              </a:defRPr>
+            </a:lvl1pPr>
+            <a:extLst/>
+          </a:lstStyle>
+          <a:p>
+            <a:pPr algn="ctr"/>
+            <a:r>
+              <a:rPr lang="en-US" sz="4500" dirty="0" smtClean="0"/>
+              <a:t>Questions</a:t>
+            </a:r>
+            <a:r>
+              <a:rPr lang="en-US" dirty="0" smtClean="0"/>
+              <a:t>?</a:t>
+            </a:r>
+            <a:endParaRPr lang="nl-BE" dirty="0"/>
+          </a:p>
+        </p:txBody>
+      </p:sp>
+    </p:spTree>
+    <p:extLst>
+      <p:ext uri="{BB962C8B-B14F-4D97-AF65-F5344CB8AC3E}">
+        <p14:creationId xmlns:p14="http://schemas.microsoft.com/office/powerpoint/2010/main" val="567575257"/>
+      </p:ext>
+    </p:extLst>
+  </p:cSld>
+  <p:clrMapOvr>
+    <a:masterClrMapping/>
+  </p:clrMapOvr>
+</p:sld>
+</file>
+
 <file path=ppt/slides/slide2.xml><?xml version="1.0" encoding="utf-8"?>
 <p:sld xmlns:a="http://schemas.openxmlformats.org/drawingml/2006/main" xmlns:r="http://schemas.openxmlformats.org/officeDocument/2006/relationships" xmlns:p="http://schemas.openxmlformats.org/presentationml/2006/main">
   <p:cSld>
@@ -7036,36 +7302,6 @@
       </p:grpSpPr>
       <p:sp>
         <p:nvSpPr>
-          <p:cNvPr id="2" name="Tijdelijke aanduiding voor inhoud 1"/>
-          <p:cNvSpPr>
-            <a:spLocks noGrp="1"/>
-          </p:cNvSpPr>
-          <p:nvPr>
-            <p:ph idx="1"/>
-          </p:nvPr>
-        </p:nvSpPr>
-        <p:spPr/>
-        <p:txBody>
-          <a:bodyPr/>
-          <a:lstStyle/>
-          <a:p>
-            <a:r>
-              <a:rPr lang="nl-BE" dirty="0"/>
-              <a:t>(</a:t>
-            </a:r>
-            <a:r>
-              <a:rPr lang="nl-BE" dirty="0" err="1"/>
-              <a:t>Example</a:t>
-            </a:r>
-            <a:r>
-              <a:rPr lang="nl-BE" dirty="0"/>
-              <a:t>)</a:t>
-            </a:r>
-          </a:p>
-        </p:txBody>
-      </p:sp>
-      <p:sp>
-        <p:nvSpPr>
           <p:cNvPr id="3" name="Titel 2"/>
           <p:cNvSpPr>
             <a:spLocks noGrp="1"/>
@@ -7088,13 +7324,196 @@
               <a:t> </a:t>
             </a:r>
             <a:r>
-              <a:rPr lang="nl-BE" dirty="0" err="1"/>
+              <a:rPr lang="nl-BE" dirty="0" err="1" smtClean="0"/>
               <a:t>Reasoning</a:t>
             </a:r>
+            <a:r>
+              <a:rPr lang="nl-BE" dirty="0" smtClean="0"/>
+              <a:t> (</a:t>
+            </a:r>
+            <a:r>
+              <a:rPr lang="nl-BE" dirty="0" err="1" smtClean="0"/>
+              <a:t>Example</a:t>
+            </a:r>
+            <a:r>
+              <a:rPr lang="nl-BE" dirty="0" smtClean="0"/>
+              <a:t>)</a:t>
+            </a:r>
             <a:endParaRPr lang="nl-BE" dirty="0"/>
           </a:p>
         </p:txBody>
       </p:sp>
+      <p:sp>
+        <p:nvSpPr>
+          <p:cNvPr id="9" name="Tijdelijke aanduiding voor inhoud 1"/>
+          <p:cNvSpPr>
+            <a:spLocks noGrp="1"/>
+          </p:cNvSpPr>
+          <p:nvPr>
+            <p:ph idx="1"/>
+          </p:nvPr>
+        </p:nvSpPr>
+        <p:spPr>
+          <a:xfrm>
+            <a:off x="457200" y="1481328"/>
+            <a:ext cx="8229600" cy="4525963"/>
+          </a:xfrm>
+        </p:spPr>
+        <p:txBody>
+          <a:bodyPr/>
+          <a:lstStyle/>
+          <a:p>
+            <a:r>
+              <a:rPr lang="nl-BE" dirty="0" err="1" smtClean="0"/>
+              <a:t>Conditional</a:t>
+            </a:r>
+            <a:r>
+              <a:rPr lang="nl-BE" dirty="0" smtClean="0"/>
+              <a:t> </a:t>
+            </a:r>
+            <a:r>
+              <a:rPr lang="nl-BE" dirty="0" err="1" smtClean="0"/>
+              <a:t>Dependencies</a:t>
+            </a:r>
+            <a:endParaRPr lang="nl-BE" dirty="0"/>
+          </a:p>
+          <a:p>
+            <a:r>
+              <a:rPr lang="nl-BE" dirty="0" smtClean="0"/>
+              <a:t>Traditional Model (</a:t>
+            </a:r>
+            <a:r>
+              <a:rPr lang="nl-BE" dirty="0" err="1" smtClean="0"/>
+              <a:t>Grounded</a:t>
+            </a:r>
+            <a:r>
+              <a:rPr lang="nl-BE" dirty="0" smtClean="0"/>
+              <a:t>)</a:t>
+            </a:r>
+            <a:endParaRPr lang="nl-BE" dirty="0"/>
+          </a:p>
+          <a:p>
+            <a:pPr lvl="1"/>
+            <a:r>
+              <a:rPr lang="nl-BE" dirty="0" smtClean="0"/>
+              <a:t>2 </a:t>
+            </a:r>
+            <a:r>
+              <a:rPr lang="nl-BE" dirty="0" err="1" smtClean="0"/>
+              <a:t>Seperate</a:t>
+            </a:r>
+            <a:r>
+              <a:rPr lang="nl-BE" dirty="0" smtClean="0"/>
+              <a:t> </a:t>
+            </a:r>
+            <a:r>
+              <a:rPr lang="nl-BE" dirty="0" err="1" smtClean="0"/>
+              <a:t>functions</a:t>
+            </a:r>
+            <a:endParaRPr lang="nl-BE" dirty="0"/>
+          </a:p>
+          <a:p>
+            <a:r>
+              <a:rPr lang="nl-BE" dirty="0" err="1" smtClean="0"/>
+              <a:t>Lifted</a:t>
+            </a:r>
+            <a:r>
+              <a:rPr lang="nl-BE" dirty="0" smtClean="0"/>
+              <a:t> Model</a:t>
+            </a:r>
+          </a:p>
+          <a:p>
+            <a:pPr lvl="1"/>
+            <a:r>
+              <a:rPr lang="nl-BE" dirty="0" err="1" smtClean="0"/>
+              <a:t>Generalization</a:t>
+            </a:r>
+            <a:endParaRPr lang="nl-BE" dirty="0"/>
+          </a:p>
+        </p:txBody>
+      </p:sp>
+      <p:pic>
+        <p:nvPicPr>
+          <p:cNvPr id="1026" name="Picture 2" descr="Bestand:Unofficial Windows logo variant - 2002–2012 (Multicolored).svg -  Wikipedia"/>
+          <p:cNvPicPr>
+            <a:picLocks noChangeAspect="1" noChangeArrowheads="1"/>
+          </p:cNvPicPr>
+          <p:nvPr/>
+        </p:nvPicPr>
+        <p:blipFill>
+          <a:blip r:embed="rId2" cstate="print">
+            <a:extLst>
+              <a:ext uri="{28A0092B-C50C-407E-A947-70E740481C1C}">
+                <a14:useLocalDpi xmlns:a14="http://schemas.microsoft.com/office/drawing/2010/main" val="0"/>
+              </a:ext>
+            </a:extLst>
+          </a:blip>
+          <a:srcRect/>
+          <a:stretch>
+            <a:fillRect/>
+          </a:stretch>
+        </p:blipFill>
+        <p:spPr bwMode="auto">
+          <a:xfrm>
+            <a:off x="4805536" y="2852936"/>
+            <a:ext cx="990600" cy="874461"/>
+          </a:xfrm>
+          <a:prstGeom prst="rect">
+            <a:avLst/>
+          </a:prstGeom>
+          <a:noFill/>
+          <a:extLst>
+            <a:ext uri="{909E8E84-426E-40DD-AFC4-6F175D3DCCD1}">
+              <a14:hiddenFill xmlns:a14="http://schemas.microsoft.com/office/drawing/2010/main">
+                <a:solidFill>
+                  <a:srgbClr val="FFFFFF"/>
+                </a:solidFill>
+              </a14:hiddenFill>
+            </a:ext>
+          </a:extLst>
+        </p:spPr>
+      </p:pic>
+      <p:pic>
+        <p:nvPicPr>
+          <p:cNvPr id="1030" name="Picture 6" descr="stickers with Apple logo"/>
+          <p:cNvPicPr>
+            <a:picLocks noChangeAspect="1" noChangeArrowheads="1"/>
+          </p:cNvPicPr>
+          <p:nvPr/>
+        </p:nvPicPr>
+        <p:blipFill>
+          <a:blip r:embed="rId3" cstate="print">
+            <a:extLst>
+              <a:ext uri="{28A0092B-C50C-407E-A947-70E740481C1C}">
+                <a14:useLocalDpi xmlns:a14="http://schemas.microsoft.com/office/drawing/2010/main" val="0"/>
+              </a:ext>
+            </a:extLst>
+          </a:blip>
+          <a:srcRect/>
+          <a:stretch>
+            <a:fillRect/>
+          </a:stretch>
+        </p:blipFill>
+        <p:spPr bwMode="auto">
+          <a:xfrm>
+            <a:off x="4805536" y="4077072"/>
+            <a:ext cx="972000" cy="972000"/>
+          </a:xfrm>
+          <a:prstGeom prst="rect">
+            <a:avLst/>
+          </a:prstGeom>
+          <a:noFill/>
+          <a:extLst>
+            <a:ext uri="{909E8E84-426E-40DD-AFC4-6F175D3DCCD1}">
+              <a14:hiddenFill xmlns:a14="http://schemas.microsoft.com/office/drawing/2010/main">
+                <a:solidFill>
+                  <a:srgbClr val="FFFFFF"/>
+                </a:solidFill>
+              </a14:hiddenFill>
+            </a:ext>
+          </a:extLst>
+        </p:spPr>
+      </p:pic>
     </p:spTree>
     <p:extLst>
       <p:ext uri="{BB962C8B-B14F-4D97-AF65-F5344CB8AC3E}">
@@ -8626,8 +9045,8 @@
           <a:chExt cx="0" cy="0"/>
         </a:xfrm>
       </p:grpSpPr>
-      <mc:AlternateContent xmlns:mc="http://schemas.openxmlformats.org/markup-compatibility/2006">
-        <mc:Choice xmlns:a14="http://schemas.microsoft.com/office/drawing/2010/main" Requires="a14">
+      <mc:AlternateContent xmlns:mc="http://schemas.openxmlformats.org/markup-compatibility/2006" xmlns:a14="http://schemas.microsoft.com/office/drawing/2010/main">
+        <mc:Choice Requires="a14">
           <p:sp>
             <p:nvSpPr>
               <p:cNvPr id="2" name="Tijdelijke aanduiding voor inhoud 1"/>
@@ -8655,7 +9074,7 @@
                         <m:endChr m:val="⟩"/>
                         <m:ctrlPr>
                           <a:rPr lang="nl-BE" i="1">
-                            <a:latin typeface="Cambria Math" panose="02040503050406030204" pitchFamily="18" charset="0"/>
+                            <a:latin typeface="Cambria Math"/>
                           </a:rPr>
                         </m:ctrlPr>
                       </m:dPr>
@@ -8848,7 +9267,7 @@
                         <m:endChr m:val="⟩"/>
                         <m:ctrlPr>
                           <a:rPr lang="nl-BE" b="0" i="1" smtClean="0">
-                            <a:latin typeface="Cambria Math" panose="02040503050406030204" pitchFamily="18" charset="0"/>
+                            <a:latin typeface="Cambria Math"/>
                           </a:rPr>
                         </m:ctrlPr>
                       </m:dPr>
@@ -8899,7 +9318,7 @@
             </p:txBody>
           </p:sp>
         </mc:Choice>
-        <mc:Fallback>
+        <mc:Fallback xmlns="">
           <p:sp>
             <p:nvSpPr>
               <p:cNvPr id="2" name="Tijdelijke aanduiding voor inhoud 1"/>
@@ -8985,8 +9404,8 @@
           <a:chExt cx="0" cy="0"/>
         </a:xfrm>
       </p:grpSpPr>
-      <mc:AlternateContent xmlns:mc="http://schemas.openxmlformats.org/markup-compatibility/2006">
-        <mc:Choice xmlns:a14="http://schemas.microsoft.com/office/drawing/2010/main" Requires="a14">
+      <mc:AlternateContent xmlns:mc="http://schemas.openxmlformats.org/markup-compatibility/2006" xmlns:a14="http://schemas.microsoft.com/office/drawing/2010/main">
+        <mc:Choice Requires="a14">
           <p:sp>
             <p:nvSpPr>
               <p:cNvPr id="2" name="Tijdelijke aanduiding voor inhoud 1"/>
@@ -9030,7 +9449,7 @@
                         <m:endChr m:val="⟩"/>
                         <m:ctrlPr>
                           <a:rPr lang="nl-BE" b="0" i="1" smtClean="0">
-                            <a:latin typeface="Cambria Math" panose="02040503050406030204" pitchFamily="18" charset="0"/>
+                            <a:latin typeface="Cambria Math"/>
                           </a:rPr>
                         </m:ctrlPr>
                       </m:dPr>
@@ -9146,7 +9565,7 @@
             </p:txBody>
           </p:sp>
         </mc:Choice>
-        <mc:Fallback>
+        <mc:Fallback xmlns="">
           <p:sp>
             <p:nvSpPr>
               <p:cNvPr id="2" name="Tijdelijke aanduiding voor inhoud 1"/>

--- a/Presentation.pptx
+++ b/Presentation.pptx
@@ -22,6 +22,7 @@
     <p:sldId id="272" r:id="rId16"/>
     <p:sldId id="273" r:id="rId17"/>
     <p:sldId id="264" r:id="rId18"/>
+    <p:sldId id="274" r:id="rId19"/>
   </p:sldIdLst>
   <p:sldSz cx="9144000" cy="6858000" type="screen4x3"/>
   <p:notesSz cx="6858000" cy="9144000"/>
@@ -122,7 +123,7 @@
   </p:defaultTextStyle>
   <p:extLst>
     <p:ext uri="{EFAFB233-063F-42B5-8137-9DF3F51BA10A}">
-      <p15:sldGuideLst xmlns:p15="http://schemas.microsoft.com/office/powerpoint/2012/main">
+      <p15:sldGuideLst xmlns="" xmlns:p15="http://schemas.microsoft.com/office/powerpoint/2012/main">
         <p15:guide id="1" orient="horz" pos="2160">
           <p15:clr>
             <a:srgbClr val="A4A3A4"/>
@@ -756,7 +757,7 @@
           <a:p>
             <a:fld id="{3D636C07-7E76-46D3-B86B-6AF7C60E533E}" type="datetimeFigureOut">
               <a:rPr lang="nl-NL" smtClean="0"/>
-              <a:t>08-11-2020</a:t>
+              <a:t>8-11-2020</a:t>
             </a:fld>
             <a:endParaRPr lang="nl-NL"/>
           </a:p>
@@ -818,7 +819,7 @@
           <a:p>
             <a:fld id="{A9096D49-DAE3-40DE-93E0-41688E0A5016}" type="slidenum">
               <a:rPr lang="nl-NL" smtClean="0"/>
-              <a:t>‹#›</a:t>
+              <a:t>‹nr.›</a:t>
             </a:fld>
             <a:endParaRPr lang="nl-NL"/>
           </a:p>
@@ -946,7 +947,7 @@
           <a:p>
             <a:fld id="{3D636C07-7E76-46D3-B86B-6AF7C60E533E}" type="datetimeFigureOut">
               <a:rPr lang="nl-NL" smtClean="0"/>
-              <a:t>08-11-2020</a:t>
+              <a:t>8-11-2020</a:t>
             </a:fld>
             <a:endParaRPr lang="nl-NL"/>
           </a:p>
@@ -988,7 +989,7 @@
           <a:p>
             <a:fld id="{A9096D49-DAE3-40DE-93E0-41688E0A5016}" type="slidenum">
               <a:rPr lang="nl-NL" smtClean="0"/>
-              <a:t>‹#›</a:t>
+              <a:t>‹nr.›</a:t>
             </a:fld>
             <a:endParaRPr lang="nl-NL"/>
           </a:p>
@@ -1121,7 +1122,7 @@
           <a:p>
             <a:fld id="{3D636C07-7E76-46D3-B86B-6AF7C60E533E}" type="datetimeFigureOut">
               <a:rPr lang="nl-NL" smtClean="0"/>
-              <a:t>08-11-2020</a:t>
+              <a:t>8-11-2020</a:t>
             </a:fld>
             <a:endParaRPr lang="nl-NL"/>
           </a:p>
@@ -1163,7 +1164,7 @@
           <a:p>
             <a:fld id="{A9096D49-DAE3-40DE-93E0-41688E0A5016}" type="slidenum">
               <a:rPr lang="nl-NL" smtClean="0"/>
-              <a:t>‹#›</a:t>
+              <a:t>‹nr.›</a:t>
             </a:fld>
             <a:endParaRPr lang="nl-NL"/>
           </a:p>
@@ -1263,7 +1264,7 @@
           <a:p>
             <a:fld id="{3D636C07-7E76-46D3-B86B-6AF7C60E533E}" type="datetimeFigureOut">
               <a:rPr lang="nl-NL" smtClean="0"/>
-              <a:t>08-11-2020</a:t>
+              <a:t>8-11-2020</a:t>
             </a:fld>
             <a:endParaRPr lang="nl-NL"/>
           </a:p>
@@ -1305,7 +1306,7 @@
           <a:p>
             <a:fld id="{A9096D49-DAE3-40DE-93E0-41688E0A5016}" type="slidenum">
               <a:rPr lang="nl-NL" smtClean="0"/>
-              <a:t>‹#›</a:t>
+              <a:t>‹nr.›</a:t>
             </a:fld>
             <a:endParaRPr lang="nl-NL"/>
           </a:p>
@@ -1510,7 +1511,7 @@
           <a:p>
             <a:fld id="{3D636C07-7E76-46D3-B86B-6AF7C60E533E}" type="datetimeFigureOut">
               <a:rPr lang="nl-NL" smtClean="0"/>
-              <a:t>08-11-2020</a:t>
+              <a:t>8-11-2020</a:t>
             </a:fld>
             <a:endParaRPr lang="nl-NL"/>
           </a:p>
@@ -1552,7 +1553,7 @@
           <a:p>
             <a:fld id="{A9096D49-DAE3-40DE-93E0-41688E0A5016}" type="slidenum">
               <a:rPr lang="nl-NL" smtClean="0"/>
-              <a:t>‹#›</a:t>
+              <a:t>‹nr.›</a:t>
             </a:fld>
             <a:endParaRPr lang="nl-NL"/>
           </a:p>
@@ -1909,7 +1910,7 @@
           <a:p>
             <a:fld id="{3D636C07-7E76-46D3-B86B-6AF7C60E533E}" type="datetimeFigureOut">
               <a:rPr lang="nl-NL" smtClean="0"/>
-              <a:t>08-11-2020</a:t>
+              <a:t>8-11-2020</a:t>
             </a:fld>
             <a:endParaRPr lang="nl-NL"/>
           </a:p>
@@ -1951,7 +1952,7 @@
           <a:p>
             <a:fld id="{A9096D49-DAE3-40DE-93E0-41688E0A5016}" type="slidenum">
               <a:rPr lang="nl-NL" smtClean="0"/>
-              <a:t>‹#›</a:t>
+              <a:t>‹nr.›</a:t>
             </a:fld>
             <a:endParaRPr lang="nl-NL"/>
           </a:p>
@@ -2347,7 +2348,7 @@
           <a:p>
             <a:fld id="{3D636C07-7E76-46D3-B86B-6AF7C60E533E}" type="datetimeFigureOut">
               <a:rPr lang="nl-NL" smtClean="0"/>
-              <a:t>08-11-2020</a:t>
+              <a:t>8-11-2020</a:t>
             </a:fld>
             <a:endParaRPr lang="nl-NL"/>
           </a:p>
@@ -2389,7 +2390,7 @@
           <a:p>
             <a:fld id="{A9096D49-DAE3-40DE-93E0-41688E0A5016}" type="slidenum">
               <a:rPr lang="nl-NL" smtClean="0"/>
-              <a:t>‹#›</a:t>
+              <a:t>‹nr.›</a:t>
             </a:fld>
             <a:endParaRPr lang="nl-NL"/>
           </a:p>
@@ -2442,7 +2443,7 @@
           <a:p>
             <a:fld id="{3D636C07-7E76-46D3-B86B-6AF7C60E533E}" type="datetimeFigureOut">
               <a:rPr lang="nl-NL" smtClean="0"/>
-              <a:t>08-11-2020</a:t>
+              <a:t>8-11-2020</a:t>
             </a:fld>
             <a:endParaRPr lang="nl-NL"/>
           </a:p>
@@ -2484,7 +2485,7 @@
           <a:p>
             <a:fld id="{A9096D49-DAE3-40DE-93E0-41688E0A5016}" type="slidenum">
               <a:rPr lang="nl-NL" smtClean="0"/>
-              <a:t>‹#›</a:t>
+              <a:t>‹nr.›</a:t>
             </a:fld>
             <a:endParaRPr lang="nl-NL"/>
           </a:p>
@@ -2555,7 +2556,7 @@
           <a:p>
             <a:fld id="{3D636C07-7E76-46D3-B86B-6AF7C60E533E}" type="datetimeFigureOut">
               <a:rPr lang="nl-NL" smtClean="0"/>
-              <a:t>08-11-2020</a:t>
+              <a:t>8-11-2020</a:t>
             </a:fld>
             <a:endParaRPr lang="nl-NL"/>
           </a:p>
@@ -2597,7 +2598,7 @@
           <a:p>
             <a:fld id="{A9096D49-DAE3-40DE-93E0-41688E0A5016}" type="slidenum">
               <a:rPr lang="nl-NL" smtClean="0"/>
-              <a:t>‹#›</a:t>
+              <a:t>‹nr.›</a:t>
             </a:fld>
             <a:endParaRPr lang="nl-NL"/>
           </a:p>
@@ -2823,7 +2824,7 @@
           <a:p>
             <a:fld id="{3D636C07-7E76-46D3-B86B-6AF7C60E533E}" type="datetimeFigureOut">
               <a:rPr lang="nl-NL" smtClean="0"/>
-              <a:t>08-11-2020</a:t>
+              <a:t>8-11-2020</a:t>
             </a:fld>
             <a:endParaRPr lang="nl-NL"/>
           </a:p>
@@ -2865,7 +2866,7 @@
           <a:p>
             <a:fld id="{A9096D49-DAE3-40DE-93E0-41688E0A5016}" type="slidenum">
               <a:rPr lang="nl-NL" smtClean="0"/>
-              <a:t>‹#›</a:t>
+              <a:t>‹nr.›</a:t>
             </a:fld>
             <a:endParaRPr lang="nl-NL"/>
           </a:p>
@@ -3024,7 +3025,7 @@
           <a:p>
             <a:fld id="{3D636C07-7E76-46D3-B86B-6AF7C60E533E}" type="datetimeFigureOut">
               <a:rPr lang="nl-NL" smtClean="0"/>
-              <a:t>08-11-2020</a:t>
+              <a:t>8-11-2020</a:t>
             </a:fld>
             <a:endParaRPr lang="nl-NL"/>
           </a:p>
@@ -3089,7 +3090,7 @@
           <a:p>
             <a:fld id="{A9096D49-DAE3-40DE-93E0-41688E0A5016}" type="slidenum">
               <a:rPr lang="nl-NL" smtClean="0"/>
-              <a:t>‹#›</a:t>
+              <a:t>‹nr.›</a:t>
             </a:fld>
             <a:endParaRPr lang="nl-NL"/>
           </a:p>
@@ -4113,7 +4114,7 @@
           <a:p>
             <a:fld id="{3D636C07-7E76-46D3-B86B-6AF7C60E533E}" type="datetimeFigureOut">
               <a:rPr lang="nl-NL" smtClean="0"/>
-              <a:t>08-11-2020</a:t>
+              <a:t>8-11-2020</a:t>
             </a:fld>
             <a:endParaRPr lang="nl-NL"/>
           </a:p>
@@ -4189,7 +4190,7 @@
           <a:p>
             <a:fld id="{A9096D49-DAE3-40DE-93E0-41688E0A5016}" type="slidenum">
               <a:rPr lang="nl-NL" smtClean="0"/>
-              <a:t>‹#›</a:t>
+              <a:t>‹nr.›</a:t>
             </a:fld>
             <a:endParaRPr lang="nl-NL"/>
           </a:p>
@@ -4919,8 +4920,8 @@
                     <m:sSub>
                       <m:sSubPr>
                         <m:ctrlPr>
-                          <a:rPr lang="en-BE" i="1">
-                            <a:latin typeface="Cambria Math" panose="02040503050406030204" pitchFamily="18" charset="0"/>
+                          <a:rPr lang="x-none" i="1">
+                            <a:latin typeface="Cambria Math"/>
                           </a:rPr>
                         </m:ctrlPr>
                       </m:sSubPr>
@@ -4950,8 +4951,8 @@
                     <m:sSub>
                       <m:sSubPr>
                         <m:ctrlPr>
-                          <a:rPr lang="en-BE" i="1">
-                            <a:latin typeface="Cambria Math" panose="02040503050406030204" pitchFamily="18" charset="0"/>
+                          <a:rPr lang="x-none" i="1">
+                            <a:latin typeface="Cambria Math"/>
                           </a:rPr>
                         </m:ctrlPr>
                       </m:sSubPr>
@@ -4990,8 +4991,8 @@
                     <m:sSub>
                       <m:sSubPr>
                         <m:ctrlPr>
-                          <a:rPr lang="en-BE" i="1">
-                            <a:latin typeface="Cambria Math" panose="02040503050406030204" pitchFamily="18" charset="0"/>
+                          <a:rPr lang="x-none" i="1">
+                            <a:latin typeface="Cambria Math"/>
                           </a:rPr>
                         </m:ctrlPr>
                       </m:sSubPr>
@@ -5021,8 +5022,8 @@
                     <m:sSub>
                       <m:sSubPr>
                         <m:ctrlPr>
-                          <a:rPr lang="en-BE" i="1">
-                            <a:latin typeface="Cambria Math" panose="02040503050406030204" pitchFamily="18" charset="0"/>
+                          <a:rPr lang="x-none" i="1">
+                            <a:latin typeface="Cambria Math"/>
                           </a:rPr>
                         </m:ctrlPr>
                       </m:sSubPr>
@@ -5052,8 +5053,8 @@
                     <m:sSub>
                       <m:sSubPr>
                         <m:ctrlPr>
-                          <a:rPr lang="en-BE" i="1">
-                            <a:latin typeface="Cambria Math" panose="02040503050406030204" pitchFamily="18" charset="0"/>
+                          <a:rPr lang="x-none" i="1">
+                            <a:latin typeface="Cambria Math"/>
                           </a:rPr>
                         </m:ctrlPr>
                       </m:sSubPr>
@@ -5083,8 +5084,8 @@
                     <m:sSub>
                       <m:sSubPr>
                         <m:ctrlPr>
-                          <a:rPr lang="en-BE" i="1">
-                            <a:latin typeface="Cambria Math" panose="02040503050406030204" pitchFamily="18" charset="0"/>
+                          <a:rPr lang="x-none" i="1">
+                            <a:latin typeface="Cambria Math"/>
                           </a:rPr>
                         </m:ctrlPr>
                       </m:sSubPr>
@@ -5137,8 +5138,8 @@
                     <m:sSub>
                       <m:sSubPr>
                         <m:ctrlPr>
-                          <a:rPr lang="en-BE" i="1">
-                            <a:latin typeface="Cambria Math" panose="02040503050406030204" pitchFamily="18" charset="0"/>
+                          <a:rPr lang="x-none" i="1">
+                            <a:latin typeface="Cambria Math"/>
                           </a:rPr>
                         </m:ctrlPr>
                       </m:sSubPr>
@@ -5168,8 +5169,8 @@
                     <m:sSub>
                       <m:sSubPr>
                         <m:ctrlPr>
-                          <a:rPr lang="en-BE" i="1">
-                            <a:latin typeface="Cambria Math" panose="02040503050406030204" pitchFamily="18" charset="0"/>
+                          <a:rPr lang="x-none" i="1">
+                            <a:latin typeface="Cambria Math"/>
                           </a:rPr>
                         </m:ctrlPr>
                       </m:sSubPr>
@@ -5205,8 +5206,8 @@
                     <m:sSub>
                       <m:sSubPr>
                         <m:ctrlPr>
-                          <a:rPr lang="en-BE" i="1">
-                            <a:latin typeface="Cambria Math" panose="02040503050406030204" pitchFamily="18" charset="0"/>
+                          <a:rPr lang="x-none" i="1">
+                            <a:latin typeface="Cambria Math"/>
                           </a:rPr>
                         </m:ctrlPr>
                       </m:sSubPr>
@@ -5236,8 +5237,8 @@
                     <m:sSub>
                       <m:sSubPr>
                         <m:ctrlPr>
-                          <a:rPr lang="en-BE" i="1">
-                            <a:latin typeface="Cambria Math" panose="02040503050406030204" pitchFamily="18" charset="0"/>
+                          <a:rPr lang="x-none" i="1">
+                            <a:latin typeface="Cambria Math"/>
                           </a:rPr>
                         </m:ctrlPr>
                       </m:sSubPr>
@@ -5415,8 +5416,8 @@
                     <m:sSub>
                       <m:sSubPr>
                         <m:ctrlPr>
-                          <a:rPr lang="en-BE" i="1">
-                            <a:latin typeface="Cambria Math" panose="02040503050406030204" pitchFamily="18" charset="0"/>
+                          <a:rPr lang="x-none" i="1">
+                            <a:latin typeface="Cambria Math"/>
                           </a:rPr>
                         </m:ctrlPr>
                       </m:sSubPr>
@@ -5446,8 +5447,8 @@
                     <m:sSub>
                       <m:sSubPr>
                         <m:ctrlPr>
-                          <a:rPr lang="en-BE" i="1">
-                            <a:latin typeface="Cambria Math" panose="02040503050406030204" pitchFamily="18" charset="0"/>
+                          <a:rPr lang="x-none" i="1">
+                            <a:latin typeface="Cambria Math"/>
                           </a:rPr>
                         </m:ctrlPr>
                       </m:sSubPr>
@@ -5477,8 +5478,8 @@
                     <m:sSub>
                       <m:sSubPr>
                         <m:ctrlPr>
-                          <a:rPr lang="en-BE" i="1">
-                            <a:latin typeface="Cambria Math" panose="02040503050406030204" pitchFamily="18" charset="0"/>
+                          <a:rPr lang="x-none" i="1">
+                            <a:latin typeface="Cambria Math"/>
                           </a:rPr>
                         </m:ctrlPr>
                       </m:sSubPr>
@@ -5508,8 +5509,8 @@
                     <m:sSub>
                       <m:sSubPr>
                         <m:ctrlPr>
-                          <a:rPr lang="en-BE" i="1">
-                            <a:latin typeface="Cambria Math" panose="02040503050406030204" pitchFamily="18" charset="0"/>
+                          <a:rPr lang="x-none" i="1">
+                            <a:latin typeface="Cambria Math"/>
                           </a:rPr>
                         </m:ctrlPr>
                       </m:sSubPr>
@@ -5539,8 +5540,8 @@
                     <m:sSub>
                       <m:sSubPr>
                         <m:ctrlPr>
-                          <a:rPr lang="en-BE" i="1">
-                            <a:latin typeface="Cambria Math" panose="02040503050406030204" pitchFamily="18" charset="0"/>
+                          <a:rPr lang="x-none" i="1">
+                            <a:latin typeface="Cambria Math"/>
                           </a:rPr>
                         </m:ctrlPr>
                       </m:sSubPr>
@@ -5718,8 +5719,8 @@
           <a:chExt cx="0" cy="0"/>
         </a:xfrm>
       </p:grpSpPr>
-      <mc:AlternateContent xmlns:mc="http://schemas.openxmlformats.org/markup-compatibility/2006">
-        <mc:Choice xmlns:a14="http://schemas.microsoft.com/office/drawing/2010/main" Requires="a14">
+      <mc:AlternateContent xmlns:mc="http://schemas.openxmlformats.org/markup-compatibility/2006" xmlns:a14="http://schemas.microsoft.com/office/drawing/2010/main">
+        <mc:Choice Requires="a14">
           <p:sp>
             <p:nvSpPr>
               <p:cNvPr id="2" name="Tijdelijke aanduiding voor inhoud 1"/>
@@ -5760,7 +5761,7 @@
                       <m:dPr>
                         <m:ctrlPr>
                           <a:rPr lang="nl-BE" b="0" i="1" smtClean="0">
-                            <a:latin typeface="Cambria Math" panose="02040503050406030204" pitchFamily="18" charset="0"/>
+                            <a:latin typeface="Cambria Math"/>
                           </a:rPr>
                         </m:ctrlPr>
                       </m:dPr>
@@ -5769,7 +5770,7 @@
                           <m:sSubPr>
                             <m:ctrlPr>
                               <a:rPr lang="nl-BE" b="0" i="1" smtClean="0">
-                                <a:latin typeface="Cambria Math" panose="02040503050406030204" pitchFamily="18" charset="0"/>
+                                <a:latin typeface="Cambria Math"/>
                               </a:rPr>
                             </m:ctrlPr>
                           </m:sSubPr>
@@ -5801,7 +5802,7 @@
                           <m:sSubPr>
                             <m:ctrlPr>
                               <a:rPr lang="nl-BE" b="0" i="1" smtClean="0">
-                                <a:latin typeface="Cambria Math" panose="02040503050406030204" pitchFamily="18" charset="0"/>
+                                <a:latin typeface="Cambria Math"/>
                                 <a:ea typeface="Cambria Math" panose="02040503050406030204" pitchFamily="18" charset="0"/>
                               </a:rPr>
                             </m:ctrlPr>
@@ -5850,7 +5851,7 @@
                           <m:sSubPr>
                             <m:ctrlPr>
                               <a:rPr lang="nl-BE" b="0" i="1" smtClean="0">
-                                <a:latin typeface="Cambria Math" panose="02040503050406030204" pitchFamily="18" charset="0"/>
+                                <a:latin typeface="Cambria Math"/>
                                 <a:ea typeface="Cambria Math" panose="02040503050406030204" pitchFamily="18" charset="0"/>
                               </a:rPr>
                             </m:ctrlPr>
@@ -5885,7 +5886,7 @@
                           <m:sSubPr>
                             <m:ctrlPr>
                               <a:rPr lang="nl-BE" b="0" i="1" smtClean="0">
-                                <a:latin typeface="Cambria Math" panose="02040503050406030204" pitchFamily="18" charset="0"/>
+                                <a:latin typeface="Cambria Math"/>
                                 <a:ea typeface="Cambria Math" panose="02040503050406030204" pitchFamily="18" charset="0"/>
                               </a:rPr>
                             </m:ctrlPr>
@@ -5929,7 +5930,7 @@
                       <m:dPr>
                         <m:ctrlPr>
                           <a:rPr lang="nl-BE" b="0" i="1" smtClean="0">
-                            <a:latin typeface="Cambria Math" panose="02040503050406030204" pitchFamily="18" charset="0"/>
+                            <a:latin typeface="Cambria Math"/>
                             <a:ea typeface="Cambria Math" panose="02040503050406030204" pitchFamily="18" charset="0"/>
                           </a:rPr>
                         </m:ctrlPr>
@@ -5939,7 +5940,7 @@
                           <m:sSubPr>
                             <m:ctrlPr>
                               <a:rPr lang="nl-BE" b="0" i="1" smtClean="0">
-                                <a:latin typeface="Cambria Math" panose="02040503050406030204" pitchFamily="18" charset="0"/>
+                                <a:latin typeface="Cambria Math"/>
                                 <a:ea typeface="Cambria Math" panose="02040503050406030204" pitchFamily="18" charset="0"/>
                               </a:rPr>
                             </m:ctrlPr>
@@ -5988,7 +5989,7 @@
                           <m:sSubPr>
                             <m:ctrlPr>
                               <a:rPr lang="nl-BE" b="0" i="1" smtClean="0">
-                                <a:latin typeface="Cambria Math" panose="02040503050406030204" pitchFamily="18" charset="0"/>
+                                <a:latin typeface="Cambria Math"/>
                                 <a:ea typeface="Cambria Math" panose="02040503050406030204" pitchFamily="18" charset="0"/>
                               </a:rPr>
                             </m:ctrlPr>
@@ -6032,7 +6033,7 @@
                       <m:dPr>
                         <m:ctrlPr>
                           <a:rPr lang="nl-BE" b="0" i="1" smtClean="0">
-                            <a:latin typeface="Cambria Math" panose="02040503050406030204" pitchFamily="18" charset="0"/>
+                            <a:latin typeface="Cambria Math"/>
                             <a:ea typeface="Cambria Math" panose="02040503050406030204" pitchFamily="18" charset="0"/>
                           </a:rPr>
                         </m:ctrlPr>
@@ -6042,7 +6043,7 @@
                           <m:sSubPr>
                             <m:ctrlPr>
                               <a:rPr lang="nl-BE" b="0" i="1" smtClean="0">
-                                <a:latin typeface="Cambria Math" panose="02040503050406030204" pitchFamily="18" charset="0"/>
+                                <a:latin typeface="Cambria Math"/>
                                 <a:ea typeface="Cambria Math" panose="02040503050406030204" pitchFamily="18" charset="0"/>
                               </a:rPr>
                             </m:ctrlPr>
@@ -6091,7 +6092,7 @@
                           <m:sSubPr>
                             <m:ctrlPr>
                               <a:rPr lang="nl-BE" b="0" i="1" smtClean="0">
-                                <a:latin typeface="Cambria Math" panose="02040503050406030204" pitchFamily="18" charset="0"/>
+                                <a:latin typeface="Cambria Math"/>
                                 <a:ea typeface="Cambria Math" panose="02040503050406030204" pitchFamily="18" charset="0"/>
                               </a:rPr>
                             </m:ctrlPr>
@@ -6128,7 +6129,7 @@
                       <m:sSubPr>
                         <m:ctrlPr>
                           <a:rPr lang="nl-BE" b="0" i="1" smtClean="0">
-                            <a:latin typeface="Cambria Math" panose="02040503050406030204" pitchFamily="18" charset="0"/>
+                            <a:latin typeface="Cambria Math"/>
                             <a:ea typeface="Cambria Math" panose="02040503050406030204" pitchFamily="18" charset="0"/>
                           </a:rPr>
                         </m:ctrlPr>
@@ -6163,7 +6164,7 @@
                       <m:sSubPr>
                         <m:ctrlPr>
                           <a:rPr lang="nl-BE" i="1" smtClean="0">
-                            <a:latin typeface="Cambria Math" panose="02040503050406030204" pitchFamily="18" charset="0"/>
+                            <a:latin typeface="Cambria Math"/>
                             <a:ea typeface="Cambria Math" panose="02040503050406030204" pitchFamily="18" charset="0"/>
                           </a:rPr>
                         </m:ctrlPr>
@@ -6242,7 +6243,7 @@
             </p:txBody>
           </p:sp>
         </mc:Choice>
-        <mc:Fallback>
+        <mc:Fallback xmlns="">
           <p:sp>
             <p:nvSpPr>
               <p:cNvPr id="2" name="Tijdelijke aanduiding voor inhoud 1"/>
@@ -6333,8 +6334,8 @@
           <a:chExt cx="0" cy="0"/>
         </a:xfrm>
       </p:grpSpPr>
-      <mc:AlternateContent xmlns:mc="http://schemas.openxmlformats.org/markup-compatibility/2006">
-        <mc:Choice xmlns:a14="http://schemas.microsoft.com/office/drawing/2010/main" Requires="a14">
+      <mc:AlternateContent xmlns:mc="http://schemas.openxmlformats.org/markup-compatibility/2006" xmlns:a14="http://schemas.microsoft.com/office/drawing/2010/main">
+        <mc:Choice Requires="a14">
           <p:sp>
             <p:nvSpPr>
               <p:cNvPr id="2" name="Tijdelijke aanduiding voor inhoud 1"/>
@@ -6382,7 +6383,7 @@
                         <m:endChr m:val="}"/>
                         <m:ctrlPr>
                           <a:rPr lang="nl-BE" b="0" i="1" smtClean="0">
-                            <a:latin typeface="Cambria Math" panose="02040503050406030204" pitchFamily="18" charset="0"/>
+                            <a:latin typeface="Cambria Math"/>
                           </a:rPr>
                         </m:ctrlPr>
                       </m:dPr>
@@ -6391,7 +6392,7 @@
                           <m:sSubPr>
                             <m:ctrlPr>
                               <a:rPr lang="nl-BE" b="0" i="1" smtClean="0">
-                                <a:latin typeface="Cambria Math" panose="02040503050406030204" pitchFamily="18" charset="0"/>
+                                <a:latin typeface="Cambria Math"/>
                               </a:rPr>
                             </m:ctrlPr>
                           </m:sSubPr>
@@ -6423,7 +6424,7 @@
                           <m:sSubPr>
                             <m:ctrlPr>
                               <a:rPr lang="nl-BE" b="0" i="1" smtClean="0">
-                                <a:latin typeface="Cambria Math" panose="02040503050406030204" pitchFamily="18" charset="0"/>
+                                <a:latin typeface="Cambria Math"/>
                                 <a:ea typeface="Cambria Math" panose="02040503050406030204" pitchFamily="18" charset="0"/>
                               </a:rPr>
                             </m:ctrlPr>
@@ -6466,8 +6467,8 @@
                         <m:begChr m:val="{"/>
                         <m:endChr m:val="}"/>
                         <m:ctrlPr>
-                          <a:rPr lang="nl-BE" b="0" i="0" smtClean="0">
-                            <a:latin typeface="Cambria Math" panose="02040503050406030204" pitchFamily="18" charset="0"/>
+                          <a:rPr lang="nl-BE" b="0" i="1" smtClean="0">
+                            <a:latin typeface="Cambria Math"/>
                           </a:rPr>
                         </m:ctrlPr>
                       </m:dPr>
@@ -6476,7 +6477,7 @@
                           <m:sSubPr>
                             <m:ctrlPr>
                               <a:rPr lang="nl-BE" i="1" smtClean="0">
-                                <a:latin typeface="Cambria Math" panose="02040503050406030204" pitchFamily="18" charset="0"/>
+                                <a:latin typeface="Cambria Math"/>
                               </a:rPr>
                             </m:ctrlPr>
                           </m:sSubPr>
@@ -6515,7 +6516,7 @@
                       <m:sSubPr>
                         <m:ctrlPr>
                           <a:rPr lang="nl-BE" b="0" i="1" smtClean="0">
-                            <a:latin typeface="Cambria Math" panose="02040503050406030204" pitchFamily="18" charset="0"/>
+                            <a:latin typeface="Cambria Math"/>
                           </a:rPr>
                         </m:ctrlPr>
                       </m:sSubPr>
@@ -6587,7 +6588,7 @@
                         <m:endChr m:val="}"/>
                         <m:ctrlPr>
                           <a:rPr lang="nl-BE" i="1">
-                            <a:latin typeface="Cambria Math" panose="02040503050406030204" pitchFamily="18" charset="0"/>
+                            <a:latin typeface="Cambria Math"/>
                           </a:rPr>
                         </m:ctrlPr>
                       </m:dPr>
@@ -6596,7 +6597,7 @@
                           <m:sSubPr>
                             <m:ctrlPr>
                               <a:rPr lang="nl-BE" i="1">
-                                <a:latin typeface="Cambria Math" panose="02040503050406030204" pitchFamily="18" charset="0"/>
+                                <a:latin typeface="Cambria Math"/>
                               </a:rPr>
                             </m:ctrlPr>
                           </m:sSubPr>
@@ -6643,7 +6644,7 @@
                         <m:endChr m:val="}"/>
                         <m:ctrlPr>
                           <a:rPr lang="nl-BE" i="1">
-                            <a:latin typeface="Cambria Math" panose="02040503050406030204" pitchFamily="18" charset="0"/>
+                            <a:latin typeface="Cambria Math"/>
                           </a:rPr>
                         </m:ctrlPr>
                       </m:dPr>
@@ -6652,7 +6653,7 @@
                           <m:sSubPr>
                             <m:ctrlPr>
                               <a:rPr lang="nl-BE" i="1">
-                                <a:latin typeface="Cambria Math" panose="02040503050406030204" pitchFamily="18" charset="0"/>
+                                <a:latin typeface="Cambria Math"/>
                               </a:rPr>
                             </m:ctrlPr>
                           </m:sSubPr>
@@ -6733,7 +6734,7 @@
             </p:txBody>
           </p:sp>
         </mc:Choice>
-        <mc:Fallback>
+        <mc:Fallback xmlns="">
           <p:sp>
             <p:nvSpPr>
               <p:cNvPr id="2" name="Tijdelijke aanduiding voor inhoud 1"/>
@@ -6829,7 +6830,7 @@
           <p:cNvPr id="2" name="Content Placeholder 1">
             <a:extLst>
               <a:ext uri="{FF2B5EF4-FFF2-40B4-BE49-F238E27FC236}">
-                <a16:creationId xmlns:a16="http://schemas.microsoft.com/office/drawing/2014/main" id="{40AC8F06-1FD3-6E47-8949-AA6CB8C87572}"/>
+                <a16:creationId xmlns="" xmlns:a16="http://schemas.microsoft.com/office/drawing/2014/main" id="{40AC8F06-1FD3-6E47-8949-AA6CB8C87572}"/>
               </a:ext>
             </a:extLst>
           </p:cNvPr>
@@ -6846,7 +6847,7 @@
           <a:lstStyle/>
           <a:p>
             <a:r>
-              <a:rPr lang="en-BE" dirty="0"/>
+              <a:rPr lang="x-none" dirty="0"/>
               <a:t>Solver for combinatorial problems</a:t>
             </a:r>
           </a:p>
@@ -6857,20 +6858,20 @@
               <a:t>B</a:t>
             </a:r>
             <a:r>
-              <a:rPr lang="en-BE" dirty="0"/>
+              <a:rPr lang="x-none" dirty="0"/>
               <a:t>ased on exchangeability and constraint shattering</a:t>
             </a:r>
           </a:p>
           <a:p>
             <a:r>
-              <a:rPr lang="en-BE" dirty="0"/>
+              <a:rPr lang="x-none" dirty="0"/>
               <a:t>Outperforms existing approaches based on</a:t>
             </a:r>
             <a:br>
-              <a:rPr lang="en-BE" dirty="0"/>
+              <a:rPr lang="x-none" dirty="0"/>
             </a:br>
             <a:r>
-              <a:rPr lang="en-BE" dirty="0"/>
+              <a:rPr lang="x-none" dirty="0"/>
               <a:t>enumeration</a:t>
             </a:r>
           </a:p>
@@ -6881,7 +6882,7 @@
           <p:cNvPr id="3" name="Title 2">
             <a:extLst>
               <a:ext uri="{FF2B5EF4-FFF2-40B4-BE49-F238E27FC236}">
-                <a16:creationId xmlns:a16="http://schemas.microsoft.com/office/drawing/2014/main" id="{BBB10FF4-8CAC-EB46-A675-41388AFE627D}"/>
+                <a16:creationId xmlns="" xmlns:a16="http://schemas.microsoft.com/office/drawing/2014/main" id="{BBB10FF4-8CAC-EB46-A675-41388AFE627D}"/>
               </a:ext>
             </a:extLst>
           </p:cNvPr>
@@ -6898,7 +6899,7 @@
           <a:lstStyle/>
           <a:p>
             <a:r>
-              <a:rPr lang="en-BE" dirty="0"/>
+              <a:rPr lang="x-none" dirty="0"/>
               <a:t>CoSo</a:t>
             </a:r>
           </a:p>
@@ -6909,7 +6910,7 @@
           <p:cNvPr id="5" name="Picture 4" descr="Graphical user interface, chart, application&#10;&#10;Description automatically generated">
             <a:extLst>
               <a:ext uri="{FF2B5EF4-FFF2-40B4-BE49-F238E27FC236}">
-                <a16:creationId xmlns:a16="http://schemas.microsoft.com/office/drawing/2014/main" id="{34BD57AA-CF61-8D4B-99F0-56A11B84728D}"/>
+                <a16:creationId xmlns="" xmlns:a16="http://schemas.microsoft.com/office/drawing/2014/main" id="{34BD57AA-CF61-8D4B-99F0-56A11B84728D}"/>
               </a:ext>
             </a:extLst>
           </p:cNvPr>
@@ -7272,6 +7273,141 @@
 </p:sld>
 </file>
 
+<file path=ppt/slides/slide18.xml><?xml version="1.0" encoding="utf-8"?>
+<p:sld xmlns:a="http://schemas.openxmlformats.org/drawingml/2006/main" xmlns:r="http://schemas.openxmlformats.org/officeDocument/2006/relationships" xmlns:p="http://schemas.openxmlformats.org/presentationml/2006/main">
+  <p:cSld>
+    <p:spTree>
+      <p:nvGrpSpPr>
+        <p:cNvPr id="1" name=""/>
+        <p:cNvGrpSpPr/>
+        <p:nvPr/>
+      </p:nvGrpSpPr>
+      <p:grpSpPr>
+        <a:xfrm>
+          <a:off x="0" y="0"/>
+          <a:ext cx="0" cy="0"/>
+          <a:chOff x="0" y="0"/>
+          <a:chExt cx="0" cy="0"/>
+        </a:xfrm>
+      </p:grpSpPr>
+      <p:sp>
+        <p:nvSpPr>
+          <p:cNvPr id="4" name="AutoShape 2" descr="Pietro.png"/>
+          <p:cNvSpPr>
+            <a:spLocks noChangeAspect="1" noChangeArrowheads="1"/>
+          </p:cNvSpPr>
+          <p:nvPr/>
+        </p:nvSpPr>
+        <p:spPr bwMode="auto">
+          <a:xfrm>
+            <a:off x="155575" y="-144463"/>
+            <a:ext cx="304800" cy="304801"/>
+          </a:xfrm>
+          <a:prstGeom prst="rect">
+            <a:avLst/>
+          </a:prstGeom>
+          <a:noFill/>
+          <a:extLst>
+            <a:ext uri="{909E8E84-426E-40DD-AFC4-6F175D3DCCD1}">
+              <a14:hiddenFill xmlns:a14="http://schemas.microsoft.com/office/drawing/2010/main">
+                <a:solidFill>
+                  <a:srgbClr val="FFFFFF"/>
+                </a:solidFill>
+              </a14:hiddenFill>
+            </a:ext>
+          </a:extLst>
+        </p:spPr>
+        <p:txBody>
+          <a:bodyPr vert="horz" wrap="square" lIns="91440" tIns="45720" rIns="91440" bIns="45720" numCol="1" anchor="t" anchorCtr="0" compatLnSpc="1">
+            <a:prstTxWarp prst="textNoShape">
+              <a:avLst/>
+            </a:prstTxWarp>
+          </a:bodyPr>
+          <a:lstStyle/>
+          <a:p>
+            <a:endParaRPr lang="nl-BE"/>
+          </a:p>
+        </p:txBody>
+      </p:sp>
+      <p:sp>
+        <p:nvSpPr>
+          <p:cNvPr id="11" name="Titel 1"/>
+          <p:cNvSpPr txBox="1">
+            <a:spLocks/>
+          </p:cNvSpPr>
+          <p:nvPr/>
+        </p:nvSpPr>
+        <p:spPr>
+          <a:xfrm>
+            <a:off x="685800" y="2391327"/>
+            <a:ext cx="7772400" cy="1829761"/>
+          </a:xfrm>
+          <a:prstGeom prst="rect">
+            <a:avLst/>
+          </a:prstGeom>
+        </p:spPr>
+        <p:txBody>
+          <a:bodyPr vert="horz" rtlCol="0" anchor="ctr">
+            <a:normAutofit fontScale="97500"/>
+            <a:scene3d>
+              <a:camera prst="orthographicFront"/>
+              <a:lightRig rig="soft" dir="t"/>
+            </a:scene3d>
+            <a:sp3d prstMaterial="softEdge">
+              <a:bevelT w="25400" h="25400"/>
+            </a:sp3d>
+          </a:bodyPr>
+          <a:lstStyle>
+            <a:lvl1pPr algn="l" rtl="0" eaLnBrk="1" latinLnBrk="0" hangingPunct="1">
+              <a:spcBef>
+                <a:spcPct val="0"/>
+              </a:spcBef>
+              <a:buNone/>
+              <a:defRPr kumimoji="0" sz="4100" b="1" kern="1200">
+                <a:solidFill>
+                  <a:schemeClr val="tx2"/>
+                </a:solidFill>
+                <a:effectLst>
+                  <a:outerShdw blurRad="31750" dist="25400" dir="5400000" algn="tl" rotWithShape="0">
+                    <a:srgbClr val="000000">
+                      <a:alpha val="25000"/>
+                    </a:srgbClr>
+                  </a:outerShdw>
+                </a:effectLst>
+                <a:latin typeface="+mj-lt"/>
+                <a:ea typeface="+mj-ea"/>
+                <a:cs typeface="+mj-cs"/>
+              </a:defRPr>
+            </a:lvl1pPr>
+            <a:extLst/>
+          </a:lstStyle>
+          <a:p>
+            <a:pPr algn="ctr"/>
+            <a:r>
+              <a:rPr lang="en-US" sz="4500" dirty="0" smtClean="0"/>
+              <a:t>Questions</a:t>
+            </a:r>
+            <a:r>
+              <a:rPr lang="en-US" dirty="0" smtClean="0"/>
+              <a:t>?</a:t>
+            </a:r>
+            <a:endParaRPr lang="nl-BE" dirty="0"/>
+          </a:p>
+        </p:txBody>
+      </p:sp>
+    </p:spTree>
+    <p:extLst>
+      <p:ext uri="{BB962C8B-B14F-4D97-AF65-F5344CB8AC3E}">
+        <p14:creationId xmlns:p14="http://schemas.microsoft.com/office/powerpoint/2010/main" val="3256963629"/>
+      </p:ext>
+    </p:extLst>
+  </p:cSld>
+  <p:clrMapOvr>
+    <a:masterClrMapping/>
+  </p:clrMapOvr>
+</p:sld>
+</file>
+
 <file path=ppt/slides/slide2.xml><?xml version="1.0" encoding="utf-8"?>
 <p:sld xmlns:a="http://schemas.openxmlformats.org/drawingml/2006/main" xmlns:r="http://schemas.openxmlformats.org/officeDocument/2006/relationships" xmlns:p="http://schemas.openxmlformats.org/presentationml/2006/main">
   <p:cSld>
@@ -7497,7 +7633,43 @@
       </p:grpSpPr>
       <p:sp>
         <p:nvSpPr>
-          <p:cNvPr id="2" name="Tijdelijke aanduiding voor inhoud 1"/>
+          <p:cNvPr id="6" name="Titel 2"/>
+          <p:cNvSpPr>
+            <a:spLocks noGrp="1"/>
+          </p:cNvSpPr>
+          <p:nvPr>
+            <p:ph type="title"/>
+          </p:nvPr>
+        </p:nvSpPr>
+        <p:spPr>
+          <a:xfrm>
+            <a:off x="457200" y="274638"/>
+            <a:ext cx="8229600" cy="1143000"/>
+          </a:xfrm>
+        </p:spPr>
+        <p:txBody>
+          <a:bodyPr/>
+          <a:lstStyle/>
+          <a:p>
+            <a:r>
+              <a:rPr lang="nl-BE" dirty="0" err="1"/>
+              <a:t>Lifted</a:t>
+            </a:r>
+            <a:r>
+              <a:rPr lang="nl-BE" dirty="0"/>
+              <a:t> </a:t>
+            </a:r>
+            <a:r>
+              <a:rPr lang="nl-BE" dirty="0" err="1" smtClean="0"/>
+              <a:t>Reasoning</a:t>
+            </a:r>
+            <a:endParaRPr lang="nl-BE" dirty="0"/>
+          </a:p>
+        </p:txBody>
+      </p:sp>
+      <p:sp>
+        <p:nvSpPr>
+          <p:cNvPr id="7" name="Tijdelijke aanduiding voor inhoud 1"/>
           <p:cNvSpPr>
             <a:spLocks noGrp="1"/>
           </p:cNvSpPr>
@@ -7505,57 +7677,440 @@
             <p:ph idx="1"/>
           </p:nvPr>
         </p:nvSpPr>
-        <p:spPr/>
+        <p:spPr>
+          <a:xfrm>
+            <a:off x="457200" y="1481328"/>
+            <a:ext cx="8229600" cy="4525963"/>
+          </a:xfrm>
+        </p:spPr>
         <p:txBody>
           <a:bodyPr/>
           <a:lstStyle/>
           <a:p>
             <a:r>
-              <a:rPr lang="nl-BE" dirty="0"/>
-              <a:t>(</a:t>
-            </a:r>
-            <a:r>
-              <a:rPr lang="nl-BE" dirty="0" err="1"/>
-              <a:t>Example</a:t>
-            </a:r>
-            <a:r>
-              <a:rPr lang="nl-BE" dirty="0"/>
+              <a:rPr lang="nl-BE" dirty="0" err="1" smtClean="0"/>
+              <a:t>Conditional</a:t>
+            </a:r>
+            <a:r>
+              <a:rPr lang="nl-BE" dirty="0" smtClean="0"/>
+              <a:t> </a:t>
+            </a:r>
+            <a:r>
+              <a:rPr lang="nl-BE" dirty="0" err="1" smtClean="0"/>
+              <a:t>Dependencies</a:t>
+            </a:r>
+            <a:endParaRPr lang="nl-BE" dirty="0"/>
+          </a:p>
+          <a:p>
+            <a:r>
+              <a:rPr lang="nl-BE" dirty="0" smtClean="0"/>
+              <a:t>Traditional Model (</a:t>
+            </a:r>
+            <a:r>
+              <a:rPr lang="nl-BE" dirty="0" err="1" smtClean="0"/>
+              <a:t>Grounded</a:t>
+            </a:r>
+            <a:r>
+              <a:rPr lang="nl-BE" dirty="0" smtClean="0"/>
               <a:t>)</a:t>
             </a:r>
-          </a:p>
-        </p:txBody>
-      </p:sp>
-      <p:sp>
-        <p:nvSpPr>
-          <p:cNvPr id="3" name="Titel 2"/>
-          <p:cNvSpPr>
-            <a:spLocks noGrp="1"/>
-          </p:cNvSpPr>
-          <p:nvPr>
-            <p:ph type="title"/>
-          </p:nvPr>
-        </p:nvSpPr>
-        <p:spPr/>
-        <p:txBody>
-          <a:bodyPr/>
+            <a:endParaRPr lang="nl-BE" dirty="0"/>
+          </a:p>
+          <a:p>
+            <a:pPr lvl="1"/>
+            <a:r>
+              <a:rPr lang="nl-BE" dirty="0" smtClean="0"/>
+              <a:t>2 </a:t>
+            </a:r>
+            <a:r>
+              <a:rPr lang="nl-BE" dirty="0" err="1" smtClean="0"/>
+              <a:t>Seperate</a:t>
+            </a:r>
+            <a:r>
+              <a:rPr lang="nl-BE" dirty="0" smtClean="0"/>
+              <a:t> </a:t>
+            </a:r>
+            <a:r>
+              <a:rPr lang="nl-BE" dirty="0" err="1" smtClean="0"/>
+              <a:t>functions</a:t>
+            </a:r>
+            <a:endParaRPr lang="nl-BE" dirty="0"/>
+          </a:p>
+          <a:p>
+            <a:r>
+              <a:rPr lang="nl-BE" dirty="0" err="1" smtClean="0"/>
+              <a:t>Lifted</a:t>
+            </a:r>
+            <a:r>
+              <a:rPr lang="nl-BE" dirty="0" smtClean="0"/>
+              <a:t> Model</a:t>
+            </a:r>
+          </a:p>
+          <a:p>
+            <a:pPr lvl="1"/>
+            <a:r>
+              <a:rPr lang="nl-BE" dirty="0" err="1" smtClean="0"/>
+              <a:t>Generalization</a:t>
+            </a:r>
+            <a:endParaRPr lang="nl-BE" dirty="0" smtClean="0"/>
+          </a:p>
+          <a:p>
+            <a:pPr lvl="1"/>
+            <a:r>
+              <a:rPr lang="nl-BE" dirty="0" err="1" smtClean="0"/>
+              <a:t>Faster</a:t>
+            </a:r>
+            <a:r>
+              <a:rPr lang="nl-BE" dirty="0" smtClean="0"/>
+              <a:t> processing</a:t>
+            </a:r>
+            <a:endParaRPr lang="nl-BE" dirty="0"/>
+          </a:p>
+        </p:txBody>
+      </p:sp>
+      <p:pic>
+        <p:nvPicPr>
+          <p:cNvPr id="8" name="Picture 2" descr="Bestand:Unofficial Windows logo variant - 2002–2012 (Multicolored).svg -  Wikipedia"/>
+          <p:cNvPicPr>
+            <a:picLocks noChangeAspect="1" noChangeArrowheads="1"/>
+          </p:cNvPicPr>
+          <p:nvPr/>
+        </p:nvPicPr>
+        <p:blipFill>
+          <a:blip r:embed="rId2" cstate="print">
+            <a:extLst>
+              <a:ext uri="{28A0092B-C50C-407E-A947-70E740481C1C}">
+                <a14:useLocalDpi xmlns:a14="http://schemas.microsoft.com/office/drawing/2010/main" val="0"/>
+              </a:ext>
+            </a:extLst>
+          </a:blip>
+          <a:srcRect/>
+          <a:stretch>
+            <a:fillRect/>
+          </a:stretch>
+        </p:blipFill>
+        <p:spPr bwMode="auto">
+          <a:xfrm>
+            <a:off x="5093568" y="2852937"/>
+            <a:ext cx="897287" cy="792088"/>
+          </a:xfrm>
+          <a:prstGeom prst="rect">
+            <a:avLst/>
+          </a:prstGeom>
+          <a:noFill/>
+          <a:extLst>
+            <a:ext uri="{909E8E84-426E-40DD-AFC4-6F175D3DCCD1}">
+              <a14:hiddenFill xmlns:a14="http://schemas.microsoft.com/office/drawing/2010/main">
+                <a:solidFill>
+                  <a:srgbClr val="FFFFFF"/>
+                </a:solidFill>
+              </a14:hiddenFill>
+            </a:ext>
+          </a:extLst>
+        </p:spPr>
+      </p:pic>
+      <p:pic>
+        <p:nvPicPr>
+          <p:cNvPr id="9" name="Picture 6" descr="stickers with Apple logo"/>
+          <p:cNvPicPr>
+            <a:picLocks noChangeAspect="1" noChangeArrowheads="1"/>
+          </p:cNvPicPr>
+          <p:nvPr/>
+        </p:nvPicPr>
+        <p:blipFill>
+          <a:blip r:embed="rId3" cstate="print">
+            <a:extLst>
+              <a:ext uri="{28A0092B-C50C-407E-A947-70E740481C1C}">
+                <a14:useLocalDpi xmlns:a14="http://schemas.microsoft.com/office/drawing/2010/main" val="0"/>
+              </a:ext>
+            </a:extLst>
+          </a:blip>
+          <a:srcRect/>
+          <a:stretch>
+            <a:fillRect/>
+          </a:stretch>
+        </p:blipFill>
+        <p:spPr bwMode="auto">
+          <a:xfrm>
+            <a:off x="5112168" y="4005064"/>
+            <a:ext cx="899992" cy="899992"/>
+          </a:xfrm>
+          <a:prstGeom prst="rect">
+            <a:avLst/>
+          </a:prstGeom>
+          <a:noFill/>
+          <a:extLst>
+            <a:ext uri="{909E8E84-426E-40DD-AFC4-6F175D3DCCD1}">
+              <a14:hiddenFill xmlns:a14="http://schemas.microsoft.com/office/drawing/2010/main">
+                <a:solidFill>
+                  <a:srgbClr val="FFFFFF"/>
+                </a:solidFill>
+              </a14:hiddenFill>
+            </a:ext>
+          </a:extLst>
+        </p:spPr>
+      </p:pic>
+      <p:cxnSp>
+        <p:nvCxnSpPr>
+          <p:cNvPr id="10" name="Rechte verbindingslijn 9"/>
+          <p:cNvCxnSpPr/>
+          <p:nvPr/>
+        </p:nvCxnSpPr>
+        <p:spPr>
+          <a:xfrm>
+            <a:off x="4805536" y="5301208"/>
+            <a:ext cx="3582888" cy="0"/>
+          </a:xfrm>
+          <a:prstGeom prst="line">
+            <a:avLst/>
+          </a:prstGeom>
+        </p:spPr>
+        <p:style>
+          <a:lnRef idx="1">
+            <a:schemeClr val="accent1"/>
+          </a:lnRef>
+          <a:fillRef idx="0">
+            <a:schemeClr val="accent1"/>
+          </a:fillRef>
+          <a:effectRef idx="0">
+            <a:schemeClr val="accent1"/>
+          </a:effectRef>
+          <a:fontRef idx="minor">
+            <a:schemeClr val="tx1"/>
+          </a:fontRef>
+        </p:style>
+      </p:cxnSp>
+      <p:sp>
+        <p:nvSpPr>
+          <p:cNvPr id="11" name="Tekstvak 10"/>
+          <p:cNvSpPr txBox="1"/>
+          <p:nvPr/>
+        </p:nvSpPr>
+        <p:spPr>
+          <a:xfrm>
+            <a:off x="4652764" y="5687670"/>
+            <a:ext cx="1944216" cy="523220"/>
+          </a:xfrm>
+          <a:prstGeom prst="rect">
+            <a:avLst/>
+          </a:prstGeom>
+          <a:noFill/>
+        </p:spPr>
+        <p:txBody>
+          <a:bodyPr wrap="square" rtlCol="0">
+            <a:spAutoFit/>
+          </a:bodyPr>
           <a:lstStyle/>
           <a:p>
             <a:r>
-              <a:rPr lang="nl-BE" dirty="0" err="1"/>
-              <a:t>Lifted</a:t>
-            </a:r>
-            <a:r>
-              <a:rPr lang="nl-BE" dirty="0"/>
-              <a:t> </a:t>
-            </a:r>
-            <a:r>
-              <a:rPr lang="nl-BE" dirty="0" err="1"/>
-              <a:t>Reasoning</a:t>
-            </a:r>
-            <a:endParaRPr lang="nl-BE" dirty="0"/>
-          </a:p>
-        </p:txBody>
-      </p:sp>
+              <a:rPr lang="nl-BE" sz="2800" b="1" dirty="0" smtClean="0"/>
+              <a:t>Company</a:t>
+            </a:r>
+            <a:endParaRPr lang="nl-BE" sz="2800" b="1" dirty="0"/>
+          </a:p>
+        </p:txBody>
+      </p:sp>
+      <p:sp>
+        <p:nvSpPr>
+          <p:cNvPr id="12" name="Tekstvak 11"/>
+          <p:cNvSpPr txBox="1"/>
+          <p:nvPr/>
+        </p:nvSpPr>
+        <p:spPr>
+          <a:xfrm>
+            <a:off x="7308304" y="2987371"/>
+            <a:ext cx="972108" cy="523220"/>
+          </a:xfrm>
+          <a:prstGeom prst="rect">
+            <a:avLst/>
+          </a:prstGeom>
+          <a:noFill/>
+        </p:spPr>
+        <p:txBody>
+          <a:bodyPr wrap="square" rtlCol="0">
+            <a:spAutoFit/>
+          </a:bodyPr>
+          <a:lstStyle/>
+          <a:p>
+            <a:r>
+              <a:rPr lang="nl-BE" sz="2800" b="1" dirty="0" smtClean="0"/>
+              <a:t>Age</a:t>
+            </a:r>
+            <a:endParaRPr lang="nl-BE" sz="2800" b="1" dirty="0"/>
+          </a:p>
+        </p:txBody>
+      </p:sp>
+      <p:sp>
+        <p:nvSpPr>
+          <p:cNvPr id="13" name="Tekstvak 12"/>
+          <p:cNvSpPr txBox="1"/>
+          <p:nvPr/>
+        </p:nvSpPr>
+        <p:spPr>
+          <a:xfrm>
+            <a:off x="7308304" y="4193450"/>
+            <a:ext cx="972108" cy="523220"/>
+          </a:xfrm>
+          <a:prstGeom prst="rect">
+            <a:avLst/>
+          </a:prstGeom>
+          <a:noFill/>
+        </p:spPr>
+        <p:txBody>
+          <a:bodyPr wrap="square" rtlCol="0">
+            <a:spAutoFit/>
+          </a:bodyPr>
+          <a:lstStyle/>
+          <a:p>
+            <a:r>
+              <a:rPr lang="nl-BE" sz="2800" b="1" dirty="0" smtClean="0"/>
+              <a:t>Age</a:t>
+            </a:r>
+            <a:endParaRPr lang="nl-BE" sz="2800" b="1" dirty="0"/>
+          </a:p>
+        </p:txBody>
+      </p:sp>
+      <p:sp>
+        <p:nvSpPr>
+          <p:cNvPr id="14" name="Tekstvak 13"/>
+          <p:cNvSpPr txBox="1"/>
+          <p:nvPr/>
+        </p:nvSpPr>
+        <p:spPr>
+          <a:xfrm>
+            <a:off x="7344308" y="5687670"/>
+            <a:ext cx="972108" cy="523220"/>
+          </a:xfrm>
+          <a:prstGeom prst="rect">
+            <a:avLst/>
+          </a:prstGeom>
+          <a:noFill/>
+        </p:spPr>
+        <p:txBody>
+          <a:bodyPr wrap="square" rtlCol="0">
+            <a:spAutoFit/>
+          </a:bodyPr>
+          <a:lstStyle/>
+          <a:p>
+            <a:r>
+              <a:rPr lang="nl-BE" sz="2800" b="1" dirty="0" smtClean="0"/>
+              <a:t>Age</a:t>
+            </a:r>
+            <a:endParaRPr lang="nl-BE" sz="2800" b="1" dirty="0"/>
+          </a:p>
+        </p:txBody>
+      </p:sp>
+      <p:cxnSp>
+        <p:nvCxnSpPr>
+          <p:cNvPr id="3" name="Rechte verbindingslijn met pijl 2"/>
+          <p:cNvCxnSpPr>
+            <a:stCxn id="8" idx="3"/>
+            <a:endCxn id="12" idx="1"/>
+          </p:cNvCxnSpPr>
+          <p:nvPr/>
+        </p:nvCxnSpPr>
+        <p:spPr>
+          <a:xfrm>
+            <a:off x="5990855" y="3248981"/>
+            <a:ext cx="1317449" cy="0"/>
+          </a:xfrm>
+          <a:prstGeom prst="straightConnector1">
+            <a:avLst/>
+          </a:prstGeom>
+          <a:ln w="38100">
+            <a:headEnd type="arrow"/>
+            <a:tailEnd type="arrow"/>
+          </a:ln>
+        </p:spPr>
+        <p:style>
+          <a:lnRef idx="1">
+            <a:schemeClr val="accent1"/>
+          </a:lnRef>
+          <a:fillRef idx="0">
+            <a:schemeClr val="accent1"/>
+          </a:fillRef>
+          <a:effectRef idx="0">
+            <a:schemeClr val="accent1"/>
+          </a:effectRef>
+          <a:fontRef idx="minor">
+            <a:schemeClr val="tx1"/>
+          </a:fontRef>
+        </p:style>
+      </p:cxnSp>
+      <p:cxnSp>
+        <p:nvCxnSpPr>
+          <p:cNvPr id="15" name="Rechte verbindingslijn met pijl 14"/>
+          <p:cNvCxnSpPr>
+            <a:stCxn id="9" idx="3"/>
+            <a:endCxn id="13" idx="1"/>
+          </p:cNvCxnSpPr>
+          <p:nvPr/>
+        </p:nvCxnSpPr>
+        <p:spPr>
+          <a:xfrm>
+            <a:off x="6012160" y="4455060"/>
+            <a:ext cx="1296144" cy="0"/>
+          </a:xfrm>
+          <a:prstGeom prst="straightConnector1">
+            <a:avLst/>
+          </a:prstGeom>
+          <a:ln w="38100">
+            <a:headEnd type="arrow"/>
+            <a:tailEnd type="arrow"/>
+          </a:ln>
+        </p:spPr>
+        <p:style>
+          <a:lnRef idx="1">
+            <a:schemeClr val="accent1"/>
+          </a:lnRef>
+          <a:fillRef idx="0">
+            <a:schemeClr val="accent1"/>
+          </a:fillRef>
+          <a:effectRef idx="0">
+            <a:schemeClr val="accent1"/>
+          </a:effectRef>
+          <a:fontRef idx="minor">
+            <a:schemeClr val="tx1"/>
+          </a:fontRef>
+        </p:style>
+      </p:cxnSp>
+      <p:cxnSp>
+        <p:nvCxnSpPr>
+          <p:cNvPr id="16" name="Rechte verbindingslijn met pijl 15"/>
+          <p:cNvCxnSpPr>
+            <a:stCxn id="11" idx="3"/>
+            <a:endCxn id="14" idx="1"/>
+          </p:cNvCxnSpPr>
+          <p:nvPr/>
+        </p:nvCxnSpPr>
+        <p:spPr>
+          <a:xfrm>
+            <a:off x="6596980" y="5949280"/>
+            <a:ext cx="747328" cy="0"/>
+          </a:xfrm>
+          <a:prstGeom prst="straightConnector1">
+            <a:avLst/>
+          </a:prstGeom>
+          <a:ln w="38100">
+            <a:headEnd type="arrow"/>
+            <a:tailEnd type="arrow"/>
+          </a:ln>
+        </p:spPr>
+        <p:style>
+          <a:lnRef idx="1">
+            <a:schemeClr val="accent1"/>
+          </a:lnRef>
+          <a:fillRef idx="0">
+            <a:schemeClr val="accent1"/>
+          </a:fillRef>
+          <a:effectRef idx="0">
+            <a:schemeClr val="accent1"/>
+          </a:effectRef>
+          <a:fontRef idx="minor">
+            <a:schemeClr val="tx1"/>
+          </a:fontRef>
+        </p:style>
+      </p:cxnSp>
     </p:spTree>
     <p:extLst>
       <p:ext uri="{BB962C8B-B14F-4D97-AF65-F5344CB8AC3E}">
@@ -9116,7 +9671,7 @@
                         <m:endChr m:val="⟩"/>
                         <m:ctrlPr>
                           <a:rPr lang="nl-BE" i="1">
-                            <a:latin typeface="Cambria Math" panose="02040503050406030204" pitchFamily="18" charset="0"/>
+                            <a:latin typeface="Cambria Math"/>
                           </a:rPr>
                         </m:ctrlPr>
                       </m:dPr>
@@ -9309,7 +9864,7 @@
                         <m:endChr m:val="⟩"/>
                         <m:ctrlPr>
                           <a:rPr lang="nl-BE" b="0" i="1" smtClean="0">
-                            <a:latin typeface="Cambria Math" panose="02040503050406030204" pitchFamily="18" charset="0"/>
+                            <a:latin typeface="Cambria Math"/>
                           </a:rPr>
                         </m:ctrlPr>
                       </m:dPr>
@@ -9491,7 +10046,7 @@
                         <m:endChr m:val="⟩"/>
                         <m:ctrlPr>
                           <a:rPr lang="nl-BE" b="0" i="1" smtClean="0">
-                            <a:latin typeface="Cambria Math" panose="02040503050406030204" pitchFamily="18" charset="0"/>
+                            <a:latin typeface="Cambria Math"/>
                           </a:rPr>
                         </m:ctrlPr>
                       </m:dPr>

--- a/Presentation.pptx
+++ b/Presentation.pptx
@@ -7,22 +7,25 @@
   <p:sldIdLst>
     <p:sldId id="256" r:id="rId2"/>
     <p:sldId id="257" r:id="rId3"/>
-    <p:sldId id="258" r:id="rId4"/>
-    <p:sldId id="265" r:id="rId5"/>
-    <p:sldId id="267" r:id="rId6"/>
-    <p:sldId id="259" r:id="rId7"/>
-    <p:sldId id="260" r:id="rId8"/>
-    <p:sldId id="268" r:id="rId9"/>
-    <p:sldId id="269" r:id="rId10"/>
-    <p:sldId id="261" r:id="rId11"/>
-    <p:sldId id="266" r:id="rId12"/>
-    <p:sldId id="262" r:id="rId13"/>
-    <p:sldId id="270" r:id="rId14"/>
-    <p:sldId id="271" r:id="rId15"/>
-    <p:sldId id="272" r:id="rId16"/>
-    <p:sldId id="273" r:id="rId17"/>
-    <p:sldId id="264" r:id="rId18"/>
-    <p:sldId id="274" r:id="rId19"/>
+    <p:sldId id="275" r:id="rId4"/>
+    <p:sldId id="258" r:id="rId5"/>
+    <p:sldId id="276" r:id="rId6"/>
+    <p:sldId id="265" r:id="rId7"/>
+    <p:sldId id="267" r:id="rId8"/>
+    <p:sldId id="259" r:id="rId9"/>
+    <p:sldId id="260" r:id="rId10"/>
+    <p:sldId id="268" r:id="rId11"/>
+    <p:sldId id="269" r:id="rId12"/>
+    <p:sldId id="261" r:id="rId13"/>
+    <p:sldId id="266" r:id="rId14"/>
+    <p:sldId id="262" r:id="rId15"/>
+    <p:sldId id="270" r:id="rId16"/>
+    <p:sldId id="271" r:id="rId17"/>
+    <p:sldId id="272" r:id="rId18"/>
+    <p:sldId id="273" r:id="rId19"/>
+    <p:sldId id="264" r:id="rId20"/>
+    <p:sldId id="277" r:id="rId21"/>
+    <p:sldId id="274" r:id="rId22"/>
   </p:sldIdLst>
   <p:sldSz cx="9144000" cy="6858000" type="screen4x3"/>
   <p:notesSz cx="6858000" cy="9144000"/>
@@ -4541,18 +4544,7 @@
             <a:pPr algn="ctr"/>
             <a:r>
               <a:rPr lang="en-US" dirty="0"/>
-              <a:t>Lifted Reasoning </a:t>
-            </a:r>
-            <a:br>
-              <a:rPr lang="en-US" dirty="0"/>
-            </a:br>
-            <a:r>
-              <a:rPr lang="en-US" sz="4000" dirty="0"/>
-              <a:t>for</a:t>
-            </a:r>
-            <a:r>
-              <a:rPr lang="en-US" dirty="0"/>
-              <a:t> Combinatorial Counting</a:t>
+              <a:t>Visualizing Combinatorial Problem Resolution</a:t>
             </a:r>
             <a:endParaRPr lang="nl-BE" dirty="0"/>
           </a:p>
@@ -4588,78 +4580,201 @@
           <a:chExt cx="0" cy="0"/>
         </a:xfrm>
       </p:grpSpPr>
-      <p:sp>
-        <p:nvSpPr>
-          <p:cNvPr id="2" name="Tijdelijke aanduiding voor inhoud 1"/>
-          <p:cNvSpPr>
-            <a:spLocks noGrp="1"/>
-          </p:cNvSpPr>
-          <p:nvPr>
-            <p:ph idx="1"/>
-          </p:nvPr>
-        </p:nvSpPr>
-        <p:spPr/>
-        <p:txBody>
-          <a:bodyPr/>
-          <a:lstStyle/>
-          <a:p>
-            <a:r>
-              <a:rPr lang="nl-BE" dirty="0"/>
-              <a:t>Elements</a:t>
-            </a:r>
-          </a:p>
-          <a:p>
-            <a:pPr lvl="1"/>
-            <a:r>
-              <a:rPr lang="nl-BE" dirty="0"/>
-              <a:t>Atomic objects</a:t>
-            </a:r>
-          </a:p>
-          <a:p>
-            <a:r>
-              <a:rPr lang="nl-BE" dirty="0"/>
-              <a:t>Domains</a:t>
-            </a:r>
-          </a:p>
-          <a:p>
-            <a:pPr lvl="1"/>
-            <a:r>
-              <a:rPr lang="nl-BE" dirty="0"/>
-              <a:t>Sets of elements</a:t>
-            </a:r>
-          </a:p>
-          <a:p>
-            <a:r>
-              <a:rPr lang="nl-BE" dirty="0" err="1"/>
-              <a:t>Structures</a:t>
-            </a:r>
-            <a:endParaRPr lang="nl-BE" dirty="0"/>
-          </a:p>
-          <a:p>
-            <a:pPr lvl="1"/>
-            <a:r>
-              <a:rPr lang="nl-BE" dirty="0" err="1"/>
-              <a:t>Twelvefold</a:t>
-            </a:r>
-            <a:r>
-              <a:rPr lang="nl-BE" dirty="0"/>
-              <a:t> way </a:t>
-            </a:r>
-            <a:r>
-              <a:rPr lang="nl-BE" dirty="0" err="1"/>
-              <a:t>problem</a:t>
-            </a:r>
-            <a:endParaRPr lang="nl-BE" dirty="0"/>
-          </a:p>
-          <a:p>
-            <a:pPr lvl="1"/>
-            <a:r>
-              <a:rPr lang="nl-BE" dirty="0"/>
-              <a:t>(D, F)</a:t>
-            </a:r>
-          </a:p>
-        </p:txBody>
-      </p:sp>
+      <mc:AlternateContent xmlns:mc="http://schemas.openxmlformats.org/markup-compatibility/2006" xmlns:a14="http://schemas.microsoft.com/office/drawing/2010/main">
+        <mc:Choice Requires="a14">
+          <p:sp>
+            <p:nvSpPr>
+              <p:cNvPr id="2" name="Tijdelijke aanduiding voor inhoud 1"/>
+              <p:cNvSpPr>
+                <a:spLocks noGrp="1"/>
+              </p:cNvSpPr>
+              <p:nvPr>
+                <p:ph idx="1"/>
+              </p:nvPr>
+            </p:nvSpPr>
+            <p:spPr/>
+            <p:txBody>
+              <a:bodyPr/>
+              <a:lstStyle/>
+              <a:p>
+                <a:r>
+                  <a:rPr lang="nl-BE" dirty="0"/>
+                  <a:t>Counting Constraint Satisfaction Problem</a:t>
+                </a:r>
+              </a:p>
+              <a:p>
+                <a:pPr lvl="1"/>
+                <a:r>
+                  <a:rPr lang="nl-BE" dirty="0"/>
+                  <a:t>Find the number of satisfying assignments</a:t>
+                </a:r>
+              </a:p>
+              <a:p>
+                <a:pPr lvl="2"/>
+                <a14:m>
+                  <m:oMath xmlns:m="http://schemas.openxmlformats.org/officeDocument/2006/math">
+                    <m:r>
+                      <a:rPr lang="nl-BE" b="0" i="1" smtClean="0">
+                        <a:latin typeface="Cambria Math" panose="02040503050406030204" pitchFamily="18" charset="0"/>
+                      </a:rPr>
+                      <m:t>𝑀𝐶</m:t>
+                    </m:r>
+                    <m:d>
+                      <m:dPr>
+                        <m:begChr m:val="⟨"/>
+                        <m:endChr m:val="⟩"/>
+                        <m:ctrlPr>
+                          <a:rPr lang="nl-BE" b="0" i="1" smtClean="0">
+                            <a:latin typeface="Cambria Math"/>
+                          </a:rPr>
+                        </m:ctrlPr>
+                      </m:dPr>
+                      <m:e>
+                        <m:r>
+                          <a:rPr lang="nl-BE" b="0" i="1" smtClean="0">
+                            <a:latin typeface="Cambria Math" panose="02040503050406030204" pitchFamily="18" charset="0"/>
+                          </a:rPr>
+                          <m:t>𝑉</m:t>
+                        </m:r>
+                        <m:r>
+                          <a:rPr lang="nl-BE" b="0" i="1" smtClean="0">
+                            <a:latin typeface="Cambria Math" panose="02040503050406030204" pitchFamily="18" charset="0"/>
+                          </a:rPr>
+                          <m:t>,</m:t>
+                        </m:r>
+                        <m:r>
+                          <a:rPr lang="nl-BE" b="0" i="1" smtClean="0">
+                            <a:latin typeface="Cambria Math" panose="02040503050406030204" pitchFamily="18" charset="0"/>
+                          </a:rPr>
+                          <m:t>𝐷</m:t>
+                        </m:r>
+                        <m:r>
+                          <a:rPr lang="nl-BE" b="0" i="1" smtClean="0">
+                            <a:latin typeface="Cambria Math" panose="02040503050406030204" pitchFamily="18" charset="0"/>
+                          </a:rPr>
+                          <m:t>,</m:t>
+                        </m:r>
+                        <m:r>
+                          <a:rPr lang="nl-BE" b="0" i="1" smtClean="0">
+                            <a:latin typeface="Cambria Math" panose="02040503050406030204" pitchFamily="18" charset="0"/>
+                          </a:rPr>
+                          <m:t>𝐶</m:t>
+                        </m:r>
+                      </m:e>
+                    </m:d>
+                  </m:oMath>
+                </a14:m>
+                <a:endParaRPr lang="nl-BE" dirty="0"/>
+              </a:p>
+              <a:p>
+                <a:r>
+                  <a:rPr lang="nl-BE" dirty="0"/>
+                  <a:t>Combinatorics problems can be expressed as #CSPs</a:t>
+                </a:r>
+              </a:p>
+              <a:p>
+                <a:pPr lvl="1"/>
+                <a:r>
+                  <a:rPr lang="nl-BE" dirty="0"/>
+                  <a:t>Set </a:t>
+                </a:r>
+                <a14:m>
+                  <m:oMath xmlns:m="http://schemas.openxmlformats.org/officeDocument/2006/math">
+                    <m:r>
+                      <a:rPr lang="nl-BE" b="0" i="1" smtClean="0">
+                        <a:latin typeface="Cambria Math" panose="02040503050406030204" pitchFamily="18" charset="0"/>
+                      </a:rPr>
+                      <m:t>𝑋</m:t>
+                    </m:r>
+                  </m:oMath>
+                </a14:m>
+                <a:r>
+                  <a:rPr lang="nl-BE" dirty="0"/>
+                  <a:t> </a:t>
+                </a:r>
+                <a:r>
+                  <a:rPr lang="nl-BE" dirty="0">
+                    <a:sym typeface="Wingdings" pitchFamily="2" charset="2"/>
+                  </a:rPr>
+                  <a:t> set of variables</a:t>
+                </a:r>
+              </a:p>
+              <a:p>
+                <a:pPr lvl="1"/>
+                <a:r>
+                  <a:rPr lang="nl-BE" dirty="0">
+                    <a:sym typeface="Wingdings" pitchFamily="2" charset="2"/>
+                  </a:rPr>
+                  <a:t>Set </a:t>
+                </a:r>
+                <a14:m>
+                  <m:oMath xmlns:m="http://schemas.openxmlformats.org/officeDocument/2006/math">
+                    <m:r>
+                      <a:rPr lang="nl-BE" b="0" i="1" smtClean="0">
+                        <a:latin typeface="Cambria Math" panose="02040503050406030204" pitchFamily="18" charset="0"/>
+                        <a:sym typeface="Wingdings" pitchFamily="2" charset="2"/>
+                      </a:rPr>
+                      <m:t>𝑌</m:t>
+                    </m:r>
+                  </m:oMath>
+                </a14:m>
+                <a:r>
+                  <a:rPr lang="nl-BE" dirty="0"/>
+                  <a:t> </a:t>
+                </a:r>
+                <a:r>
+                  <a:rPr lang="nl-BE" dirty="0">
+                    <a:sym typeface="Wingdings" pitchFamily="2" charset="2"/>
+                  </a:rPr>
+                  <a:t> domain</a:t>
+                </a:r>
+              </a:p>
+              <a:p>
+                <a:r>
+                  <a:rPr lang="nl-BE" dirty="0">
+                    <a:sym typeface="Wingdings" pitchFamily="2" charset="2"/>
+                  </a:rPr>
+                  <a:t>Generalization of #SAT: counting the number of satsifying intepretations for a Boolean formula </a:t>
+                </a:r>
+                <a:endParaRPr lang="nl-BE" dirty="0"/>
+              </a:p>
+            </p:txBody>
+          </p:sp>
+        </mc:Choice>
+        <mc:Fallback xmlns="">
+          <p:sp>
+            <p:nvSpPr>
+              <p:cNvPr id="2" name="Tijdelijke aanduiding voor inhoud 1"/>
+              <p:cNvSpPr>
+                <a:spLocks noGrp="1" noRot="1" noChangeAspect="1" noMove="1" noResize="1" noEditPoints="1" noAdjustHandles="1" noChangeArrowheads="1" noChangeShapeType="1" noTextEdit="1"/>
+              </p:cNvSpPr>
+              <p:nvPr>
+                <p:ph idx="1"/>
+              </p:nvPr>
+            </p:nvSpPr>
+            <p:spPr>
+              <a:blipFill>
+                <a:blip r:embed="rId2"/>
+                <a:stretch>
+                  <a:fillRect t="-1401" r="-1389"/>
+                </a:stretch>
+              </a:blipFill>
+            </p:spPr>
+            <p:txBody>
+              <a:bodyPr/>
+              <a:lstStyle/>
+              <a:p>
+                <a:r>
+                  <a:rPr lang="en-BE">
+                    <a:noFill/>
+                  </a:rPr>
+                  <a:t> </a:t>
+                </a:r>
+              </a:p>
+            </p:txBody>
+          </p:sp>
+        </mc:Fallback>
+      </mc:AlternateContent>
       <p:sp>
         <p:nvSpPr>
           <p:cNvPr id="3" name="Titel 2"/>
@@ -4676,17 +4791,16 @@
           <a:lstStyle/>
           <a:p>
             <a:r>
-              <a:rPr lang="nl-BE" dirty="0" err="1"/>
-              <a:t>CoLa</a:t>
-            </a:r>
-            <a:endParaRPr lang="nl-BE" dirty="0"/>
+              <a:rPr lang="nl-BE" dirty="0"/>
+              <a:t>#CSP</a:t>
+            </a:r>
           </a:p>
         </p:txBody>
       </p:sp>
     </p:spTree>
     <p:extLst>
       <p:ext uri="{BB962C8B-B14F-4D97-AF65-F5344CB8AC3E}">
-        <p14:creationId xmlns:p14="http://schemas.microsoft.com/office/powerpoint/2010/main" val="349216217"/>
+        <p14:creationId xmlns:p14="http://schemas.microsoft.com/office/powerpoint/2010/main" val="281160088"/>
       </p:ext>
     </p:extLst>
   </p:cSld>
@@ -4730,6 +4844,230 @@
           <a:p>
             <a:r>
               <a:rPr lang="nl-BE" dirty="0"/>
+              <a:t>#CSPs generalize #SAT</a:t>
+            </a:r>
+          </a:p>
+          <a:p>
+            <a:r>
+              <a:rPr lang="nl-BE" dirty="0"/>
+              <a:t>#SAT is #P-complete</a:t>
+            </a:r>
+          </a:p>
+          <a:p>
+            <a:pPr lvl="1"/>
+            <a:r>
+              <a:rPr lang="nl-BE" dirty="0"/>
+              <a:t>#P: class of counting problems</a:t>
+            </a:r>
+            <a:endParaRPr lang="nl-BE" dirty="0">
+              <a:sym typeface="Wingdings" pitchFamily="2" charset="2"/>
+            </a:endParaRPr>
+          </a:p>
+          <a:p>
+            <a:r>
+              <a:rPr lang="nl-BE" dirty="0">
+                <a:sym typeface="Wingdings" pitchFamily="2" charset="2"/>
+              </a:rPr>
+              <a:t>All counting problems can be reduced to #SATs</a:t>
+            </a:r>
+            <a:endParaRPr lang="nl-BE" dirty="0"/>
+          </a:p>
+        </p:txBody>
+      </p:sp>
+      <p:sp>
+        <p:nvSpPr>
+          <p:cNvPr id="3" name="Titel 2"/>
+          <p:cNvSpPr>
+            <a:spLocks noGrp="1"/>
+          </p:cNvSpPr>
+          <p:nvPr>
+            <p:ph type="title"/>
+          </p:nvPr>
+        </p:nvSpPr>
+        <p:spPr/>
+        <p:txBody>
+          <a:bodyPr/>
+          <a:lstStyle/>
+          <a:p>
+            <a:r>
+              <a:rPr lang="nl-BE" dirty="0"/>
+              <a:t>#SAT and #CSPs</a:t>
+            </a:r>
+          </a:p>
+        </p:txBody>
+      </p:sp>
+    </p:spTree>
+    <p:extLst>
+      <p:ext uri="{BB962C8B-B14F-4D97-AF65-F5344CB8AC3E}">
+        <p14:creationId xmlns:p14="http://schemas.microsoft.com/office/powerpoint/2010/main" val="842178977"/>
+      </p:ext>
+    </p:extLst>
+  </p:cSld>
+  <p:clrMapOvr>
+    <a:masterClrMapping/>
+  </p:clrMapOvr>
+</p:sld>
+</file>
+
+<file path=ppt/slides/slide12.xml><?xml version="1.0" encoding="utf-8"?>
+<p:sld xmlns:a="http://schemas.openxmlformats.org/drawingml/2006/main" xmlns:r="http://schemas.openxmlformats.org/officeDocument/2006/relationships" xmlns:p="http://schemas.openxmlformats.org/presentationml/2006/main">
+  <p:cSld>
+    <p:spTree>
+      <p:nvGrpSpPr>
+        <p:cNvPr id="1" name=""/>
+        <p:cNvGrpSpPr/>
+        <p:nvPr/>
+      </p:nvGrpSpPr>
+      <p:grpSpPr>
+        <a:xfrm>
+          <a:off x="0" y="0"/>
+          <a:ext cx="0" cy="0"/>
+          <a:chOff x="0" y="0"/>
+          <a:chExt cx="0" cy="0"/>
+        </a:xfrm>
+      </p:grpSpPr>
+      <p:sp>
+        <p:nvSpPr>
+          <p:cNvPr id="2" name="Tijdelijke aanduiding voor inhoud 1"/>
+          <p:cNvSpPr>
+            <a:spLocks noGrp="1"/>
+          </p:cNvSpPr>
+          <p:nvPr>
+            <p:ph idx="1"/>
+          </p:nvPr>
+        </p:nvSpPr>
+        <p:spPr/>
+        <p:txBody>
+          <a:bodyPr/>
+          <a:lstStyle/>
+          <a:p>
+            <a:r>
+              <a:rPr lang="nl-BE" dirty="0"/>
+              <a:t>Elements</a:t>
+            </a:r>
+          </a:p>
+          <a:p>
+            <a:pPr lvl="1"/>
+            <a:r>
+              <a:rPr lang="nl-BE" dirty="0"/>
+              <a:t>Atomic objects</a:t>
+            </a:r>
+          </a:p>
+          <a:p>
+            <a:r>
+              <a:rPr lang="nl-BE" dirty="0"/>
+              <a:t>Domains</a:t>
+            </a:r>
+          </a:p>
+          <a:p>
+            <a:pPr lvl="1"/>
+            <a:r>
+              <a:rPr lang="nl-BE" dirty="0"/>
+              <a:t>Sets of elements</a:t>
+            </a:r>
+          </a:p>
+          <a:p>
+            <a:r>
+              <a:rPr lang="nl-BE" dirty="0" err="1"/>
+              <a:t>Structures</a:t>
+            </a:r>
+            <a:endParaRPr lang="nl-BE" dirty="0"/>
+          </a:p>
+          <a:p>
+            <a:pPr lvl="1"/>
+            <a:r>
+              <a:rPr lang="nl-BE" dirty="0" err="1"/>
+              <a:t>Twelvefold</a:t>
+            </a:r>
+            <a:r>
+              <a:rPr lang="nl-BE" dirty="0"/>
+              <a:t> way </a:t>
+            </a:r>
+            <a:r>
+              <a:rPr lang="nl-BE" dirty="0" err="1"/>
+              <a:t>problem</a:t>
+            </a:r>
+            <a:endParaRPr lang="nl-BE" dirty="0"/>
+          </a:p>
+          <a:p>
+            <a:pPr lvl="1"/>
+            <a:r>
+              <a:rPr lang="nl-BE" dirty="0"/>
+              <a:t>(D, F)</a:t>
+            </a:r>
+          </a:p>
+        </p:txBody>
+      </p:sp>
+      <p:sp>
+        <p:nvSpPr>
+          <p:cNvPr id="3" name="Titel 2"/>
+          <p:cNvSpPr>
+            <a:spLocks noGrp="1"/>
+          </p:cNvSpPr>
+          <p:nvPr>
+            <p:ph type="title"/>
+          </p:nvPr>
+        </p:nvSpPr>
+        <p:spPr/>
+        <p:txBody>
+          <a:bodyPr/>
+          <a:lstStyle/>
+          <a:p>
+            <a:r>
+              <a:rPr lang="nl-BE" dirty="0" err="1"/>
+              <a:t>CoLa</a:t>
+            </a:r>
+            <a:endParaRPr lang="nl-BE" dirty="0"/>
+          </a:p>
+        </p:txBody>
+      </p:sp>
+    </p:spTree>
+    <p:extLst>
+      <p:ext uri="{BB962C8B-B14F-4D97-AF65-F5344CB8AC3E}">
+        <p14:creationId xmlns:p14="http://schemas.microsoft.com/office/powerpoint/2010/main" val="349216217"/>
+      </p:ext>
+    </p:extLst>
+  </p:cSld>
+  <p:clrMapOvr>
+    <a:masterClrMapping/>
+  </p:clrMapOvr>
+</p:sld>
+</file>
+
+<file path=ppt/slides/slide13.xml><?xml version="1.0" encoding="utf-8"?>
+<p:sld xmlns:a="http://schemas.openxmlformats.org/drawingml/2006/main" xmlns:r="http://schemas.openxmlformats.org/officeDocument/2006/relationships" xmlns:p="http://schemas.openxmlformats.org/presentationml/2006/main">
+  <p:cSld>
+    <p:spTree>
+      <p:nvGrpSpPr>
+        <p:cNvPr id="1" name=""/>
+        <p:cNvGrpSpPr/>
+        <p:nvPr/>
+      </p:nvGrpSpPr>
+      <p:grpSpPr>
+        <a:xfrm>
+          <a:off x="0" y="0"/>
+          <a:ext cx="0" cy="0"/>
+          <a:chOff x="0" y="0"/>
+          <a:chExt cx="0" cy="0"/>
+        </a:xfrm>
+      </p:grpSpPr>
+      <p:sp>
+        <p:nvSpPr>
+          <p:cNvPr id="2" name="Tijdelijke aanduiding voor inhoud 1"/>
+          <p:cNvSpPr>
+            <a:spLocks noGrp="1"/>
+          </p:cNvSpPr>
+          <p:nvPr>
+            <p:ph idx="1"/>
+          </p:nvPr>
+        </p:nvSpPr>
+        <p:spPr/>
+        <p:txBody>
+          <a:bodyPr/>
+          <a:lstStyle/>
+          <a:p>
+            <a:r>
+              <a:rPr lang="nl-BE" dirty="0"/>
               <a:t>Domain </a:t>
             </a:r>
             <a:r>
@@ -4863,7 +5201,7 @@
 </p:sld>
 </file>
 
-<file path=ppt/slides/slide12.xml><?xml version="1.0" encoding="utf-8"?>
+<file path=ppt/slides/slide14.xml><?xml version="1.0" encoding="utf-8"?>
 <p:sld xmlns:a="http://schemas.openxmlformats.org/drawingml/2006/main" xmlns:r="http://schemas.openxmlformats.org/officeDocument/2006/relationships" xmlns:p="http://schemas.openxmlformats.org/presentationml/2006/main">
   <p:cSld>
     <p:spTree>
@@ -5362,7 +5700,7 @@
 </p:sld>
 </file>
 
-<file path=ppt/slides/slide13.xml><?xml version="1.0" encoding="utf-8"?>
+<file path=ppt/slides/slide15.xml><?xml version="1.0" encoding="utf-8"?>
 <p:sld xmlns:a="http://schemas.openxmlformats.org/drawingml/2006/main" xmlns:r="http://schemas.openxmlformats.org/officeDocument/2006/relationships" xmlns:p="http://schemas.openxmlformats.org/presentationml/2006/main">
   <p:cSld>
     <p:spTree>
@@ -5702,7 +6040,7 @@
 </p:sld>
 </file>
 
-<file path=ppt/slides/slide14.xml><?xml version="1.0" encoding="utf-8"?>
+<file path=ppt/slides/slide16.xml><?xml version="1.0" encoding="utf-8"?>
 <p:sld xmlns:a="http://schemas.openxmlformats.org/drawingml/2006/main" xmlns:r="http://schemas.openxmlformats.org/officeDocument/2006/relationships" xmlns:p="http://schemas.openxmlformats.org/presentationml/2006/main">
   <p:cSld>
     <p:spTree>
@@ -6317,7 +6655,7 @@
 </p:sld>
 </file>
 
-<file path=ppt/slides/slide15.xml><?xml version="1.0" encoding="utf-8"?>
+<file path=ppt/slides/slide17.xml><?xml version="1.0" encoding="utf-8"?>
 <p:sld xmlns:a="http://schemas.openxmlformats.org/drawingml/2006/main" xmlns:r="http://schemas.openxmlformats.org/officeDocument/2006/relationships" xmlns:p="http://schemas.openxmlformats.org/presentationml/2006/main">
   <p:cSld>
     <p:spTree>
@@ -6808,7 +7146,7 @@
 </p:sld>
 </file>
 
-<file path=ppt/slides/slide16.xml><?xml version="1.0" encoding="utf-8"?>
+<file path=ppt/slides/slide18.xml><?xml version="1.0" encoding="utf-8"?>
 <p:sld xmlns:a="http://schemas.openxmlformats.org/drawingml/2006/main" xmlns:r="http://schemas.openxmlformats.org/officeDocument/2006/relationships" xmlns:p="http://schemas.openxmlformats.org/presentationml/2006/main">
   <p:cSld>
     <p:spTree>
@@ -6954,7 +7292,7 @@
 </p:sld>
 </file>
 
-<file path=ppt/slides/slide17.xml><?xml version="1.0" encoding="utf-8"?>
+<file path=ppt/slides/slide19.xml><?xml version="1.0" encoding="utf-8"?>
 <p:sld xmlns:a="http://schemas.openxmlformats.org/drawingml/2006/main" xmlns:r="http://schemas.openxmlformats.org/officeDocument/2006/relationships" xmlns:p="http://schemas.openxmlformats.org/presentationml/2006/main">
   <p:cSld>
     <p:spTree>
@@ -7008,8 +7346,13 @@
             </a:r>
             <a:r>
               <a:rPr lang="nl-BE" dirty="0"/>
-              <a:t> Interface</a:t>
-            </a:r>
+              <a:t> </a:t>
+            </a:r>
+            <a:r>
+              <a:rPr lang="nl-BE" dirty="0" smtClean="0"/>
+              <a:t>Interface</a:t>
+            </a:r>
+            <a:endParaRPr lang="nl-BE" dirty="0"/>
           </a:p>
           <a:p>
             <a:r>
@@ -7022,27 +7365,43 @@
             </a:r>
             <a:r>
               <a:rPr lang="nl-BE" dirty="0"/>
-              <a:t> steps</a:t>
+              <a:t> </a:t>
+            </a:r>
+            <a:r>
+              <a:rPr lang="nl-BE" dirty="0" smtClean="0"/>
+              <a:t>steps</a:t>
             </a:r>
           </a:p>
           <a:p>
             <a:pPr lvl="1"/>
             <a:r>
+              <a:rPr lang="nl-BE" dirty="0" err="1" smtClean="0"/>
+              <a:t>Breaking</a:t>
+            </a:r>
+            <a:r>
+              <a:rPr lang="nl-BE" dirty="0" smtClean="0"/>
+              <a:t> </a:t>
+            </a:r>
+            <a:r>
               <a:rPr lang="nl-BE" dirty="0" err="1"/>
-              <a:t>Breaking</a:t>
+              <a:t>problem</a:t>
             </a:r>
             <a:r>
               <a:rPr lang="nl-BE" dirty="0"/>
               <a:t> </a:t>
             </a:r>
             <a:r>
-              <a:rPr lang="nl-BE" dirty="0" err="1"/>
-              <a:t>problem</a:t>
-            </a:r>
-            <a:r>
-              <a:rPr lang="nl-BE" dirty="0"/>
-              <a:t> down</a:t>
-            </a:r>
+              <a:rPr lang="nl-BE" dirty="0" smtClean="0"/>
+              <a:t>down</a:t>
+            </a:r>
+          </a:p>
+          <a:p>
+            <a:pPr lvl="1"/>
+            <a:r>
+              <a:rPr lang="nl-BE" dirty="0" smtClean="0"/>
+              <a:t>Human thinking</a:t>
+            </a:r>
+            <a:endParaRPr lang="nl-BE" dirty="0"/>
           </a:p>
           <a:p>
             <a:pPr lvl="1"/>
@@ -7052,64 +7411,9 @@
             </a:r>
           </a:p>
           <a:p>
-            <a:pPr lvl="1"/>
-            <a:r>
-              <a:rPr lang="nl-BE" dirty="0"/>
-              <a:t>(E.g. </a:t>
-            </a:r>
-            <a:r>
-              <a:rPr lang="nl-BE" dirty="0" err="1"/>
-              <a:t>Symbolab</a:t>
-            </a:r>
-            <a:r>
-              <a:rPr lang="nl-BE" dirty="0"/>
-              <a:t>)</a:t>
-            </a:r>
-          </a:p>
-          <a:p>
-            <a:r>
-              <a:rPr lang="nl-BE" dirty="0"/>
-              <a:t>Area </a:t>
-            </a:r>
-            <a:r>
-              <a:rPr lang="nl-BE" dirty="0" err="1"/>
-              <a:t>Proportional</a:t>
-            </a:r>
-            <a:r>
-              <a:rPr lang="nl-BE" dirty="0"/>
-              <a:t> </a:t>
-            </a:r>
-            <a:r>
-              <a:rPr lang="nl-BE" dirty="0" err="1"/>
-              <a:t>Venn</a:t>
-            </a:r>
-            <a:r>
-              <a:rPr lang="nl-BE" dirty="0"/>
-              <a:t> </a:t>
-            </a:r>
-            <a:r>
-              <a:rPr lang="nl-BE" dirty="0" err="1"/>
-              <a:t>Diagrams</a:t>
-            </a:r>
-            <a:endParaRPr lang="nl-BE" dirty="0"/>
-          </a:p>
-          <a:p>
-            <a:pPr lvl="1"/>
-            <a:r>
-              <a:rPr lang="nl-BE" dirty="0" err="1"/>
-              <a:t>Circle</a:t>
-            </a:r>
-            <a:r>
-              <a:rPr lang="nl-BE" dirty="0"/>
-              <a:t> area ~ domain </a:t>
-            </a:r>
-            <a:r>
-              <a:rPr lang="nl-BE" dirty="0" err="1"/>
-              <a:t>size</a:t>
-            </a:r>
-            <a:endParaRPr lang="nl-BE" dirty="0"/>
-          </a:p>
-          <a:p>
+            <a:pPr marL="109728" indent="0">
+              <a:buNone/>
+            </a:pPr>
             <a:endParaRPr lang="nl-BE" dirty="0"/>
           </a:p>
         </p:txBody>
@@ -7184,7 +7488,7 @@
       </p:sp>
       <p:pic>
         <p:nvPicPr>
-          <p:cNvPr id="5" name="Afbeelding 4"/>
+          <p:cNvPr id="7" name="Afbeelding 6"/>
           <p:cNvPicPr>
             <a:picLocks noChangeAspect="1"/>
           </p:cNvPicPr>
@@ -7204,7 +7508,7 @@
         </p:blipFill>
         <p:spPr>
           <a:xfrm>
-            <a:off x="4926520" y="764704"/>
+            <a:off x="4926520" y="1484784"/>
             <a:ext cx="3749936" cy="2736304"/>
           </a:xfrm>
           <a:prstGeom prst="rect">
@@ -7212,6 +7516,507 @@
           </a:prstGeom>
         </p:spPr>
       </p:pic>
+    </p:spTree>
+    <p:extLst>
+      <p:ext uri="{BB962C8B-B14F-4D97-AF65-F5344CB8AC3E}">
+        <p14:creationId xmlns:p14="http://schemas.microsoft.com/office/powerpoint/2010/main" val="481414398"/>
+      </p:ext>
+    </p:extLst>
+  </p:cSld>
+  <p:clrMapOvr>
+    <a:masterClrMapping/>
+  </p:clrMapOvr>
+</p:sld>
+</file>
+
+<file path=ppt/slides/slide2.xml><?xml version="1.0" encoding="utf-8"?>
+<p:sld xmlns:a="http://schemas.openxmlformats.org/drawingml/2006/main" xmlns:r="http://schemas.openxmlformats.org/officeDocument/2006/relationships" xmlns:p="http://schemas.openxmlformats.org/presentationml/2006/main">
+  <p:cSld>
+    <p:spTree>
+      <p:nvGrpSpPr>
+        <p:cNvPr id="1" name=""/>
+        <p:cNvGrpSpPr/>
+        <p:nvPr/>
+      </p:nvGrpSpPr>
+      <p:grpSpPr>
+        <a:xfrm>
+          <a:off x="0" y="0"/>
+          <a:ext cx="0" cy="0"/>
+          <a:chOff x="0" y="0"/>
+          <a:chExt cx="0" cy="0"/>
+        </a:xfrm>
+      </p:grpSpPr>
+      <p:sp>
+        <p:nvSpPr>
+          <p:cNvPr id="2" name="Tijdelijke aanduiding voor inhoud 1"/>
+          <p:cNvSpPr>
+            <a:spLocks noGrp="1"/>
+          </p:cNvSpPr>
+          <p:nvPr>
+            <p:ph idx="1"/>
+          </p:nvPr>
+        </p:nvSpPr>
+        <p:spPr/>
+        <p:txBody>
+          <a:bodyPr/>
+          <a:lstStyle/>
+          <a:p>
+            <a:r>
+              <a:rPr lang="nl-BE" dirty="0" err="1" smtClean="0"/>
+              <a:t>Cfr</a:t>
+            </a:r>
+            <a:r>
+              <a:rPr lang="nl-BE" dirty="0" smtClean="0"/>
+              <a:t>. </a:t>
+            </a:r>
+            <a:r>
+              <a:rPr lang="nl-BE" dirty="0" err="1" smtClean="0"/>
+              <a:t>Symbolab</a:t>
+            </a:r>
+            <a:endParaRPr lang="nl-BE" dirty="0"/>
+          </a:p>
+          <a:p>
+            <a:pPr lvl="1"/>
+            <a:r>
+              <a:rPr lang="nl-BE" dirty="0" smtClean="0"/>
+              <a:t>Mathematical </a:t>
+            </a:r>
+            <a:r>
+              <a:rPr lang="nl-BE" dirty="0" err="1" smtClean="0"/>
+              <a:t>problems</a:t>
+            </a:r>
+            <a:endParaRPr lang="nl-BE" dirty="0" smtClean="0"/>
+          </a:p>
+          <a:p>
+            <a:pPr lvl="1"/>
+            <a:r>
+              <a:rPr lang="nl-BE" dirty="0" err="1" smtClean="0"/>
+              <a:t>Step-by-step</a:t>
+            </a:r>
+            <a:r>
+              <a:rPr lang="nl-BE" dirty="0" smtClean="0"/>
+              <a:t> </a:t>
+            </a:r>
+            <a:r>
+              <a:rPr lang="nl-BE" dirty="0" err="1" smtClean="0"/>
+              <a:t>solving</a:t>
+            </a:r>
+            <a:endParaRPr lang="nl-BE" dirty="0" smtClean="0"/>
+          </a:p>
+          <a:p>
+            <a:pPr lvl="1"/>
+            <a:r>
+              <a:rPr lang="nl-BE" dirty="0" smtClean="0"/>
+              <a:t>Help Students</a:t>
+            </a:r>
+            <a:endParaRPr lang="nl-BE" dirty="0"/>
+          </a:p>
+          <a:p>
+            <a:r>
+              <a:rPr lang="nl-BE" dirty="0" err="1" smtClean="0"/>
+              <a:t>Our</a:t>
+            </a:r>
+            <a:r>
+              <a:rPr lang="nl-BE" dirty="0" smtClean="0"/>
+              <a:t> </a:t>
+            </a:r>
+            <a:r>
+              <a:rPr lang="nl-BE" dirty="0" err="1" smtClean="0"/>
+              <a:t>Visualization</a:t>
+            </a:r>
+            <a:endParaRPr lang="nl-BE" dirty="0" smtClean="0"/>
+          </a:p>
+          <a:p>
+            <a:pPr lvl="1"/>
+            <a:r>
+              <a:rPr lang="nl-BE" dirty="0" err="1" smtClean="0"/>
+              <a:t>Didactic</a:t>
+            </a:r>
+            <a:r>
+              <a:rPr lang="nl-BE" dirty="0" smtClean="0"/>
+              <a:t> tool</a:t>
+            </a:r>
+            <a:endParaRPr lang="nl-BE" dirty="0"/>
+          </a:p>
+          <a:p>
+            <a:pPr lvl="1"/>
+            <a:r>
+              <a:rPr lang="nl-BE" dirty="0" smtClean="0"/>
+              <a:t>Focus = Combinatorics</a:t>
+            </a:r>
+          </a:p>
+          <a:p>
+            <a:pPr lvl="1"/>
+            <a:r>
+              <a:rPr lang="nl-BE" dirty="0" err="1" smtClean="0"/>
+              <a:t>Lifted</a:t>
+            </a:r>
+            <a:r>
+              <a:rPr lang="nl-BE" dirty="0" smtClean="0"/>
+              <a:t> </a:t>
+            </a:r>
+            <a:r>
+              <a:rPr lang="nl-BE" dirty="0" err="1" smtClean="0"/>
+              <a:t>Reasoning</a:t>
+            </a:r>
+            <a:endParaRPr lang="nl-BE" dirty="0"/>
+          </a:p>
+        </p:txBody>
+      </p:sp>
+      <p:sp>
+        <p:nvSpPr>
+          <p:cNvPr id="3" name="Titel 2"/>
+          <p:cNvSpPr>
+            <a:spLocks noGrp="1"/>
+          </p:cNvSpPr>
+          <p:nvPr>
+            <p:ph type="title"/>
+          </p:nvPr>
+        </p:nvSpPr>
+        <p:spPr/>
+        <p:txBody>
+          <a:bodyPr/>
+          <a:lstStyle/>
+          <a:p>
+            <a:r>
+              <a:rPr lang="nl-BE" dirty="0" err="1" smtClean="0"/>
+              <a:t>Why</a:t>
+            </a:r>
+            <a:r>
+              <a:rPr lang="nl-BE" dirty="0" smtClean="0"/>
+              <a:t> is </a:t>
+            </a:r>
+            <a:r>
+              <a:rPr lang="nl-BE" dirty="0" err="1" smtClean="0"/>
+              <a:t>it</a:t>
+            </a:r>
+            <a:r>
+              <a:rPr lang="nl-BE" dirty="0" smtClean="0"/>
+              <a:t> Relevant?</a:t>
+            </a:r>
+            <a:endParaRPr lang="nl-BE" dirty="0"/>
+          </a:p>
+        </p:txBody>
+      </p:sp>
+      <p:pic>
+        <p:nvPicPr>
+          <p:cNvPr id="1026" name="Picture 2" descr="Symbolab - Math solver - Apps on Google Play"/>
+          <p:cNvPicPr>
+            <a:picLocks noChangeAspect="1" noChangeArrowheads="1"/>
+          </p:cNvPicPr>
+          <p:nvPr/>
+        </p:nvPicPr>
+        <p:blipFill>
+          <a:blip r:embed="rId2" cstate="print">
+            <a:extLst>
+              <a:ext uri="{28A0092B-C50C-407E-A947-70E740481C1C}">
+                <a14:useLocalDpi xmlns:a14="http://schemas.microsoft.com/office/drawing/2010/main" val="0"/>
+              </a:ext>
+            </a:extLst>
+          </a:blip>
+          <a:srcRect/>
+          <a:stretch>
+            <a:fillRect/>
+          </a:stretch>
+        </p:blipFill>
+        <p:spPr bwMode="auto">
+          <a:xfrm>
+            <a:off x="6660232" y="1196861"/>
+            <a:ext cx="1589111" cy="1589111"/>
+          </a:xfrm>
+          <a:prstGeom prst="rect">
+            <a:avLst/>
+          </a:prstGeom>
+          <a:noFill/>
+          <a:extLst>
+            <a:ext uri="{909E8E84-426E-40DD-AFC4-6F175D3DCCD1}">
+              <a14:hiddenFill xmlns:a14="http://schemas.microsoft.com/office/drawing/2010/main">
+                <a:solidFill>
+                  <a:srgbClr val="FFFFFF"/>
+                </a:solidFill>
+              </a14:hiddenFill>
+            </a:ext>
+          </a:extLst>
+        </p:spPr>
+      </p:pic>
+      <p:pic>
+        <p:nvPicPr>
+          <p:cNvPr id="5" name="Afbeelding 4"/>
+          <p:cNvPicPr>
+            <a:picLocks noChangeAspect="1"/>
+          </p:cNvPicPr>
+          <p:nvPr/>
+        </p:nvPicPr>
+        <p:blipFill>
+          <a:blip r:embed="rId3">
+            <a:extLst>
+              <a:ext uri="{28A0092B-C50C-407E-A947-70E740481C1C}">
+                <a14:useLocalDpi xmlns:a14="http://schemas.microsoft.com/office/drawing/2010/main" val="0"/>
+              </a:ext>
+            </a:extLst>
+          </a:blip>
+          <a:stretch>
+            <a:fillRect/>
+          </a:stretch>
+        </p:blipFill>
+        <p:spPr>
+          <a:xfrm>
+            <a:off x="4860032" y="3501008"/>
+            <a:ext cx="3749936" cy="2736304"/>
+          </a:xfrm>
+          <a:prstGeom prst="rect">
+            <a:avLst/>
+          </a:prstGeom>
+        </p:spPr>
+      </p:pic>
+    </p:spTree>
+    <p:extLst>
+      <p:ext uri="{BB962C8B-B14F-4D97-AF65-F5344CB8AC3E}">
+        <p14:creationId xmlns:p14="http://schemas.microsoft.com/office/powerpoint/2010/main" val="1106000908"/>
+      </p:ext>
+    </p:extLst>
+  </p:cSld>
+  <p:clrMapOvr>
+    <a:masterClrMapping/>
+  </p:clrMapOvr>
+</p:sld>
+</file>
+
+<file path=ppt/slides/slide20.xml><?xml version="1.0" encoding="utf-8"?>
+<p:sld xmlns:a="http://schemas.openxmlformats.org/drawingml/2006/main" xmlns:r="http://schemas.openxmlformats.org/officeDocument/2006/relationships" xmlns:p="http://schemas.openxmlformats.org/presentationml/2006/main">
+  <p:cSld>
+    <p:spTree>
+      <p:nvGrpSpPr>
+        <p:cNvPr id="1" name=""/>
+        <p:cNvGrpSpPr/>
+        <p:nvPr/>
+      </p:nvGrpSpPr>
+      <p:grpSpPr>
+        <a:xfrm>
+          <a:off x="0" y="0"/>
+          <a:ext cx="0" cy="0"/>
+          <a:chOff x="0" y="0"/>
+          <a:chExt cx="0" cy="0"/>
+        </a:xfrm>
+      </p:grpSpPr>
+      <p:sp>
+        <p:nvSpPr>
+          <p:cNvPr id="2" name="Tijdelijke aanduiding voor inhoud 1"/>
+          <p:cNvSpPr>
+            <a:spLocks noGrp="1"/>
+          </p:cNvSpPr>
+          <p:nvPr>
+            <p:ph idx="1"/>
+          </p:nvPr>
+        </p:nvSpPr>
+        <p:spPr/>
+        <p:txBody>
+          <a:bodyPr/>
+          <a:lstStyle/>
+          <a:p>
+            <a:r>
+              <a:rPr lang="nl-BE" dirty="0" err="1" smtClean="0"/>
+              <a:t>Godot</a:t>
+            </a:r>
+            <a:r>
+              <a:rPr lang="nl-BE" dirty="0" smtClean="0"/>
+              <a:t> Engine</a:t>
+            </a:r>
+            <a:endParaRPr lang="nl-BE" dirty="0"/>
+          </a:p>
+          <a:p>
+            <a:pPr lvl="1"/>
+            <a:r>
+              <a:rPr lang="nl-BE" dirty="0" err="1" smtClean="0"/>
+              <a:t>GDscript</a:t>
+            </a:r>
+            <a:endParaRPr lang="nl-BE" dirty="0" smtClean="0"/>
+          </a:p>
+          <a:p>
+            <a:pPr lvl="1"/>
+            <a:r>
+              <a:rPr lang="nl-BE" dirty="0" err="1" smtClean="0"/>
+              <a:t>External</a:t>
+            </a:r>
+            <a:r>
+              <a:rPr lang="nl-BE" dirty="0" smtClean="0"/>
+              <a:t> files</a:t>
+            </a:r>
+          </a:p>
+          <a:p>
+            <a:r>
+              <a:rPr lang="nl-BE" dirty="0" smtClean="0"/>
+              <a:t>Steps</a:t>
+            </a:r>
+          </a:p>
+          <a:p>
+            <a:pPr lvl="1"/>
+            <a:r>
+              <a:rPr lang="nl-BE" dirty="0" err="1" smtClean="0"/>
+              <a:t>Venn</a:t>
+            </a:r>
+            <a:r>
+              <a:rPr lang="nl-BE" dirty="0" smtClean="0"/>
+              <a:t> </a:t>
+            </a:r>
+            <a:r>
+              <a:rPr lang="nl-BE" dirty="0" err="1"/>
+              <a:t>d</a:t>
+            </a:r>
+            <a:r>
+              <a:rPr lang="nl-BE" dirty="0" err="1" smtClean="0"/>
+              <a:t>iagrams</a:t>
+            </a:r>
+            <a:endParaRPr lang="nl-BE" dirty="0" smtClean="0"/>
+          </a:p>
+          <a:p>
+            <a:pPr lvl="1"/>
+            <a:r>
+              <a:rPr lang="nl-BE" dirty="0" smtClean="0"/>
+              <a:t>Basic </a:t>
+            </a:r>
+            <a:r>
+              <a:rPr lang="nl-BE" dirty="0" err="1" smtClean="0"/>
+              <a:t>problems</a:t>
+            </a:r>
+            <a:endParaRPr lang="nl-BE" dirty="0" smtClean="0"/>
+          </a:p>
+          <a:p>
+            <a:pPr lvl="1"/>
+            <a:r>
+              <a:rPr lang="nl-BE" dirty="0" err="1" smtClean="0"/>
+              <a:t>Constraints</a:t>
+            </a:r>
+            <a:endParaRPr lang="nl-BE" dirty="0"/>
+          </a:p>
+          <a:p>
+            <a:r>
+              <a:rPr lang="nl-BE" dirty="0" smtClean="0"/>
+              <a:t>Area </a:t>
+            </a:r>
+            <a:r>
+              <a:rPr lang="nl-BE" dirty="0" err="1" smtClean="0"/>
+              <a:t>Proportional</a:t>
+            </a:r>
+            <a:r>
+              <a:rPr lang="nl-BE" dirty="0" smtClean="0"/>
+              <a:t> </a:t>
+            </a:r>
+            <a:r>
+              <a:rPr lang="nl-BE" dirty="0" err="1" smtClean="0"/>
+              <a:t>Venn</a:t>
+            </a:r>
+            <a:endParaRPr lang="nl-BE" dirty="0" smtClean="0"/>
+          </a:p>
+          <a:p>
+            <a:pPr lvl="1"/>
+            <a:r>
+              <a:rPr lang="nl-BE" dirty="0" err="1" smtClean="0"/>
+              <a:t>Circle</a:t>
+            </a:r>
+            <a:r>
+              <a:rPr lang="nl-BE" dirty="0" smtClean="0"/>
+              <a:t> </a:t>
+            </a:r>
+            <a:r>
+              <a:rPr lang="nl-BE" dirty="0"/>
+              <a:t>area ~ domain </a:t>
+            </a:r>
+            <a:r>
+              <a:rPr lang="nl-BE" dirty="0" err="1" smtClean="0"/>
+              <a:t>size</a:t>
+            </a:r>
+            <a:endParaRPr lang="nl-BE" dirty="0" smtClean="0"/>
+          </a:p>
+          <a:p>
+            <a:pPr lvl="1"/>
+            <a:r>
+              <a:rPr lang="nl-BE" dirty="0" smtClean="0"/>
+              <a:t>Python </a:t>
+            </a:r>
+            <a:r>
+              <a:rPr lang="nl-BE" dirty="0" err="1" smtClean="0"/>
+              <a:t>library</a:t>
+            </a:r>
+            <a:endParaRPr lang="nl-BE" dirty="0" smtClean="0"/>
+          </a:p>
+          <a:p>
+            <a:pPr lvl="1"/>
+            <a:endParaRPr lang="nl-BE" dirty="0"/>
+          </a:p>
+          <a:p>
+            <a:endParaRPr lang="nl-BE" dirty="0"/>
+          </a:p>
+        </p:txBody>
+      </p:sp>
+      <p:sp>
+        <p:nvSpPr>
+          <p:cNvPr id="3" name="Titel 2"/>
+          <p:cNvSpPr>
+            <a:spLocks noGrp="1"/>
+          </p:cNvSpPr>
+          <p:nvPr>
+            <p:ph type="title"/>
+          </p:nvPr>
+        </p:nvSpPr>
+        <p:spPr/>
+        <p:txBody>
+          <a:bodyPr>
+            <a:normAutofit/>
+          </a:bodyPr>
+          <a:lstStyle/>
+          <a:p>
+            <a:r>
+              <a:rPr lang="en-GB" dirty="0" smtClean="0">
+                <a:effectLst/>
+              </a:rPr>
+              <a:t>Visualization (Implementation)</a:t>
+            </a:r>
+            <a:endParaRPr lang="nl-BE" dirty="0">
+              <a:effectLst/>
+            </a:endParaRPr>
+          </a:p>
+        </p:txBody>
+      </p:sp>
+      <p:sp>
+        <p:nvSpPr>
+          <p:cNvPr id="4" name="AutoShape 2" descr="Pietro.png"/>
+          <p:cNvSpPr>
+            <a:spLocks noChangeAspect="1" noChangeArrowheads="1"/>
+          </p:cNvSpPr>
+          <p:nvPr/>
+        </p:nvSpPr>
+        <p:spPr bwMode="auto">
+          <a:xfrm>
+            <a:off x="155575" y="-144463"/>
+            <a:ext cx="304800" cy="304801"/>
+          </a:xfrm>
+          <a:prstGeom prst="rect">
+            <a:avLst/>
+          </a:prstGeom>
+          <a:noFill/>
+          <a:extLst>
+            <a:ext uri="{909E8E84-426E-40DD-AFC4-6F175D3DCCD1}">
+              <a14:hiddenFill xmlns:a14="http://schemas.microsoft.com/office/drawing/2010/main">
+                <a:solidFill>
+                  <a:srgbClr val="FFFFFF"/>
+                </a:solidFill>
+              </a14:hiddenFill>
+            </a:ext>
+          </a:extLst>
+        </p:spPr>
+        <p:txBody>
+          <a:bodyPr vert="horz" wrap="square" lIns="91440" tIns="45720" rIns="91440" bIns="45720" numCol="1" anchor="t" anchorCtr="0" compatLnSpc="1">
+            <a:prstTxWarp prst="textNoShape">
+              <a:avLst/>
+            </a:prstTxWarp>
+          </a:bodyPr>
+          <a:lstStyle/>
+          <a:p>
+            <a:endParaRPr lang="nl-BE"/>
+          </a:p>
+        </p:txBody>
+      </p:sp>
       <p:pic>
         <p:nvPicPr>
           <p:cNvPr id="2052" name="Picture 4" descr="Venn diagram proportional and color shading with semi-transparency - Stack  Overflow"/>
@@ -7221,11 +8026,11 @@
           <p:nvPr/>
         </p:nvPicPr>
         <p:blipFill rotWithShape="1">
-          <a:blip r:embed="rId3" cstate="print">
+          <a:blip r:embed="rId2" cstate="print">
             <a:extLst>
               <a:ext uri="{BEBA8EAE-BF5A-486C-A8C5-ECC9F3942E4B}">
                 <a14:imgProps xmlns:a14="http://schemas.microsoft.com/office/drawing/2010/main">
-                  <a14:imgLayer r:embed="rId4">
+                  <a14:imgLayer r:embed="rId3">
                     <a14:imgEffect>
                       <a14:backgroundRemoval t="0" b="100000" l="0" r="100000"/>
                     </a14:imgEffect>
@@ -7242,8 +8047,8 @@
         </p:blipFill>
         <p:spPr bwMode="auto">
           <a:xfrm>
-            <a:off x="6012160" y="4365104"/>
-            <a:ext cx="2736304" cy="2181226"/>
+            <a:off x="5317116" y="3212976"/>
+            <a:ext cx="3071308" cy="2448272"/>
           </a:xfrm>
           <a:prstGeom prst="rect">
             <a:avLst/>
@@ -7260,10 +8065,152 @@
           </a:extLst>
         </p:spPr>
       </p:pic>
+      <p:sp>
+        <p:nvSpPr>
+          <p:cNvPr id="6" name="AutoShape 2" descr="Godot Engine - Free and open source 2D and 3D game engine"/>
+          <p:cNvSpPr>
+            <a:spLocks noChangeAspect="1" noChangeArrowheads="1"/>
+          </p:cNvSpPr>
+          <p:nvPr/>
+        </p:nvSpPr>
+        <p:spPr bwMode="auto">
+          <a:xfrm>
+            <a:off x="307975" y="7937"/>
+            <a:ext cx="304800" cy="304801"/>
+          </a:xfrm>
+          <a:prstGeom prst="rect">
+            <a:avLst/>
+          </a:prstGeom>
+          <a:noFill/>
+          <a:extLst>
+            <a:ext uri="{909E8E84-426E-40DD-AFC4-6F175D3DCCD1}">
+              <a14:hiddenFill xmlns:a14="http://schemas.microsoft.com/office/drawing/2010/main">
+                <a:solidFill>
+                  <a:srgbClr val="FFFFFF"/>
+                </a:solidFill>
+              </a14:hiddenFill>
+            </a:ext>
+          </a:extLst>
+        </p:spPr>
+        <p:txBody>
+          <a:bodyPr vert="horz" wrap="square" lIns="91440" tIns="45720" rIns="91440" bIns="45720" numCol="1" anchor="t" anchorCtr="0" compatLnSpc="1">
+            <a:prstTxWarp prst="textNoShape">
+              <a:avLst/>
+            </a:prstTxWarp>
+          </a:bodyPr>
+          <a:lstStyle/>
+          <a:p>
+            <a:endParaRPr lang="nl-BE"/>
+          </a:p>
+        </p:txBody>
+      </p:sp>
+      <p:sp>
+        <p:nvSpPr>
+          <p:cNvPr id="7" name="AutoShape 4" descr="Godot Engine - Free and open source 2D and 3D game engine"/>
+          <p:cNvSpPr>
+            <a:spLocks noChangeAspect="1" noChangeArrowheads="1"/>
+          </p:cNvSpPr>
+          <p:nvPr/>
+        </p:nvSpPr>
+        <p:spPr bwMode="auto">
+          <a:xfrm>
+            <a:off x="460375" y="160337"/>
+            <a:ext cx="304800" cy="304801"/>
+          </a:xfrm>
+          <a:prstGeom prst="rect">
+            <a:avLst/>
+          </a:prstGeom>
+          <a:noFill/>
+          <a:extLst>
+            <a:ext uri="{909E8E84-426E-40DD-AFC4-6F175D3DCCD1}">
+              <a14:hiddenFill xmlns:a14="http://schemas.microsoft.com/office/drawing/2010/main">
+                <a:solidFill>
+                  <a:srgbClr val="FFFFFF"/>
+                </a:solidFill>
+              </a14:hiddenFill>
+            </a:ext>
+          </a:extLst>
+        </p:spPr>
+        <p:txBody>
+          <a:bodyPr vert="horz" wrap="square" lIns="91440" tIns="45720" rIns="91440" bIns="45720" numCol="1" anchor="t" anchorCtr="0" compatLnSpc="1">
+            <a:prstTxWarp prst="textNoShape">
+              <a:avLst/>
+            </a:prstTxWarp>
+          </a:bodyPr>
+          <a:lstStyle/>
+          <a:p>
+            <a:endParaRPr lang="nl-BE"/>
+          </a:p>
+        </p:txBody>
+      </p:sp>
+      <p:pic>
+        <p:nvPicPr>
+          <p:cNvPr id="2053" name="Picture 5"/>
+          <p:cNvPicPr>
+            <a:picLocks noChangeAspect="1" noChangeArrowheads="1"/>
+          </p:cNvPicPr>
+          <p:nvPr/>
+        </p:nvPicPr>
+        <p:blipFill>
+          <a:blip r:embed="rId4" cstate="print">
+            <a:extLst>
+              <a:ext uri="{28A0092B-C50C-407E-A947-70E740481C1C}">
+                <a14:useLocalDpi xmlns:a14="http://schemas.microsoft.com/office/drawing/2010/main" val="0"/>
+              </a:ext>
+            </a:extLst>
+          </a:blip>
+          <a:srcRect/>
+          <a:stretch>
+            <a:fillRect/>
+          </a:stretch>
+        </p:blipFill>
+        <p:spPr bwMode="auto">
+          <a:xfrm>
+            <a:off x="4427983" y="1680736"/>
+            <a:ext cx="3828035" cy="1388224"/>
+          </a:xfrm>
+          <a:prstGeom prst="rect">
+            <a:avLst/>
+          </a:prstGeom>
+          <a:noFill/>
+          <a:ln>
+            <a:noFill/>
+          </a:ln>
+          <a:effectLst/>
+          <a:extLst>
+            <a:ext uri="{909E8E84-426E-40DD-AFC4-6F175D3DCCD1}">
+              <a14:hiddenFill xmlns:a14="http://schemas.microsoft.com/office/drawing/2010/main">
+                <a:solidFill>
+                  <a:schemeClr val="accent1"/>
+                </a:solidFill>
+              </a14:hiddenFill>
+            </a:ext>
+            <a:ext uri="{91240B29-F687-4F45-9708-019B960494DF}">
+              <a14:hiddenLine xmlns:a14="http://schemas.microsoft.com/office/drawing/2010/main" w="9525">
+                <a:solidFill>
+                  <a:schemeClr val="tx1"/>
+                </a:solidFill>
+                <a:miter lim="800000"/>
+                <a:headEnd/>
+                <a:tailEnd/>
+              </a14:hiddenLine>
+            </a:ext>
+            <a:ext uri="{AF507438-7753-43E0-B8FC-AC1667EBCBE1}">
+              <a14:hiddenEffects xmlns:a14="http://schemas.microsoft.com/office/drawing/2010/main">
+                <a:effectLst>
+                  <a:outerShdw dist="35921" dir="2700000" algn="ctr" rotWithShape="0">
+                    <a:schemeClr val="bg2"/>
+                  </a:outerShdw>
+                </a:effectLst>
+              </a14:hiddenEffects>
+            </a:ext>
+          </a:extLst>
+        </p:spPr>
+      </p:pic>
     </p:spTree>
     <p:extLst>
       <p:ext uri="{BB962C8B-B14F-4D97-AF65-F5344CB8AC3E}">
-        <p14:creationId xmlns:p14="http://schemas.microsoft.com/office/powerpoint/2010/main" val="481414398"/>
+        <p14:creationId xmlns:p14="http://schemas.microsoft.com/office/powerpoint/2010/main" val="4144239806"/>
       </p:ext>
     </p:extLst>
   </p:cSld>
@@ -7273,7 +8220,7 @@
 </p:sld>
 </file>
 
-<file path=ppt/slides/slide18.xml><?xml version="1.0" encoding="utf-8"?>
+<file path=ppt/slides/slide21.xml><?xml version="1.0" encoding="utf-8"?>
 <p:sld xmlns:a="http://schemas.openxmlformats.org/drawingml/2006/main" xmlns:r="http://schemas.openxmlformats.org/officeDocument/2006/relationships" xmlns:p="http://schemas.openxmlformats.org/presentationml/2006/main">
   <p:cSld>
     <p:spTree>
@@ -7408,212 +8355,6 @@
 </p:sld>
 </file>
 
-<file path=ppt/slides/slide2.xml><?xml version="1.0" encoding="utf-8"?>
-<p:sld xmlns:a="http://schemas.openxmlformats.org/drawingml/2006/main" xmlns:r="http://schemas.openxmlformats.org/officeDocument/2006/relationships" xmlns:p="http://schemas.openxmlformats.org/presentationml/2006/main">
-  <p:cSld>
-    <p:spTree>
-      <p:nvGrpSpPr>
-        <p:cNvPr id="1" name=""/>
-        <p:cNvGrpSpPr/>
-        <p:nvPr/>
-      </p:nvGrpSpPr>
-      <p:grpSpPr>
-        <a:xfrm>
-          <a:off x="0" y="0"/>
-          <a:ext cx="0" cy="0"/>
-          <a:chOff x="0" y="0"/>
-          <a:chExt cx="0" cy="0"/>
-        </a:xfrm>
-      </p:grpSpPr>
-      <p:sp>
-        <p:nvSpPr>
-          <p:cNvPr id="2" name="Tijdelijke aanduiding voor inhoud 1"/>
-          <p:cNvSpPr>
-            <a:spLocks noGrp="1"/>
-          </p:cNvSpPr>
-          <p:nvPr>
-            <p:ph idx="1"/>
-          </p:nvPr>
-        </p:nvSpPr>
-        <p:spPr/>
-        <p:txBody>
-          <a:bodyPr/>
-          <a:lstStyle/>
-          <a:p>
-            <a:r>
-              <a:rPr lang="nl-BE" dirty="0" err="1"/>
-              <a:t>Lifted</a:t>
-            </a:r>
-            <a:r>
-              <a:rPr lang="nl-BE" dirty="0"/>
-              <a:t> </a:t>
-            </a:r>
-            <a:r>
-              <a:rPr lang="nl-BE" dirty="0" err="1"/>
-              <a:t>Reasoning</a:t>
-            </a:r>
-            <a:r>
-              <a:rPr lang="nl-BE" dirty="0"/>
-              <a:t> = </a:t>
-            </a:r>
-            <a:r>
-              <a:rPr lang="nl-BE" dirty="0" err="1"/>
-              <a:t>Lifted</a:t>
-            </a:r>
-            <a:r>
-              <a:rPr lang="nl-BE" dirty="0"/>
-              <a:t> </a:t>
-            </a:r>
-            <a:r>
-              <a:rPr lang="nl-BE" dirty="0" err="1"/>
-              <a:t>Inference</a:t>
-            </a:r>
-            <a:endParaRPr lang="nl-BE" dirty="0"/>
-          </a:p>
-          <a:p>
-            <a:r>
-              <a:rPr lang="nl-BE" dirty="0" err="1"/>
-              <a:t>Graphical</a:t>
-            </a:r>
-            <a:r>
-              <a:rPr lang="nl-BE" dirty="0"/>
-              <a:t> </a:t>
-            </a:r>
-            <a:r>
-              <a:rPr lang="nl-BE" dirty="0" err="1"/>
-              <a:t>Probability</a:t>
-            </a:r>
-            <a:r>
-              <a:rPr lang="nl-BE" dirty="0"/>
-              <a:t> Models</a:t>
-            </a:r>
-          </a:p>
-          <a:p>
-            <a:pPr lvl="1"/>
-            <a:r>
-              <a:rPr lang="nl-BE" dirty="0"/>
-              <a:t>No </a:t>
-            </a:r>
-            <a:r>
-              <a:rPr lang="nl-BE" dirty="0" err="1"/>
-              <a:t>use</a:t>
-            </a:r>
-            <a:r>
-              <a:rPr lang="nl-BE" dirty="0"/>
-              <a:t> of </a:t>
-            </a:r>
-            <a:r>
-              <a:rPr lang="nl-BE" dirty="0" err="1"/>
-              <a:t>symmetries</a:t>
-            </a:r>
-            <a:r>
-              <a:rPr lang="nl-BE" dirty="0"/>
-              <a:t>/</a:t>
-            </a:r>
-            <a:r>
-              <a:rPr lang="nl-BE" dirty="0" err="1"/>
-              <a:t>redundancies</a:t>
-            </a:r>
-            <a:endParaRPr lang="nl-BE" dirty="0"/>
-          </a:p>
-          <a:p>
-            <a:pPr lvl="1"/>
-            <a:r>
-              <a:rPr lang="nl-BE" dirty="0" err="1"/>
-              <a:t>Grounded</a:t>
-            </a:r>
-            <a:r>
-              <a:rPr lang="nl-BE" dirty="0"/>
-              <a:t> </a:t>
-            </a:r>
-            <a:r>
-              <a:rPr lang="nl-BE" dirty="0" err="1"/>
-              <a:t>Inference</a:t>
-            </a:r>
-            <a:endParaRPr lang="nl-BE" dirty="0"/>
-          </a:p>
-          <a:p>
-            <a:r>
-              <a:rPr lang="nl-BE" dirty="0" err="1"/>
-              <a:t>Initial</a:t>
-            </a:r>
-            <a:r>
-              <a:rPr lang="nl-BE" dirty="0"/>
-              <a:t> </a:t>
-            </a:r>
-            <a:r>
-              <a:rPr lang="nl-BE" dirty="0" err="1"/>
-              <a:t>Proposal</a:t>
-            </a:r>
-            <a:r>
-              <a:rPr lang="nl-BE" dirty="0"/>
-              <a:t> (David Poole)</a:t>
-            </a:r>
-          </a:p>
-          <a:p>
-            <a:r>
-              <a:rPr lang="nl-BE" dirty="0"/>
-              <a:t>Shift of Focus</a:t>
-            </a:r>
-          </a:p>
-          <a:p>
-            <a:pPr lvl="1"/>
-            <a:r>
-              <a:rPr lang="nl-BE" dirty="0"/>
-              <a:t>Machine </a:t>
-            </a:r>
-            <a:r>
-              <a:rPr lang="nl-BE" dirty="0" err="1"/>
-              <a:t>learning</a:t>
-            </a:r>
-            <a:endParaRPr lang="nl-BE" dirty="0"/>
-          </a:p>
-        </p:txBody>
-      </p:sp>
-      <p:sp>
-        <p:nvSpPr>
-          <p:cNvPr id="3" name="Titel 2"/>
-          <p:cNvSpPr>
-            <a:spLocks noGrp="1"/>
-          </p:cNvSpPr>
-          <p:nvPr>
-            <p:ph type="title"/>
-          </p:nvPr>
-        </p:nvSpPr>
-        <p:spPr/>
-        <p:txBody>
-          <a:bodyPr/>
-          <a:lstStyle/>
-          <a:p>
-            <a:r>
-              <a:rPr lang="nl-BE" dirty="0" err="1"/>
-              <a:t>Lifted</a:t>
-            </a:r>
-            <a:r>
-              <a:rPr lang="nl-BE" dirty="0"/>
-              <a:t> </a:t>
-            </a:r>
-            <a:r>
-              <a:rPr lang="nl-BE" dirty="0" err="1"/>
-              <a:t>Reasoning</a:t>
-            </a:r>
-            <a:endParaRPr lang="nl-BE" dirty="0"/>
-          </a:p>
-        </p:txBody>
-      </p:sp>
-    </p:spTree>
-    <p:extLst>
-      <p:ext uri="{BB962C8B-B14F-4D97-AF65-F5344CB8AC3E}">
-        <p14:creationId xmlns:p14="http://schemas.microsoft.com/office/powerpoint/2010/main" val="1106000908"/>
-      </p:ext>
-    </p:extLst>
-  </p:cSld>
-  <p:clrMapOvr>
-    <a:masterClrMapping/>
-  </p:clrMapOvr>
-</p:sld>
-</file>
-
 <file path=ppt/slides/slide3.xml><?xml version="1.0" encoding="utf-8"?>
 <p:sld xmlns:a="http://schemas.openxmlformats.org/drawingml/2006/main" xmlns:r="http://schemas.openxmlformats.org/officeDocument/2006/relationships" xmlns:p="http://schemas.openxmlformats.org/presentationml/2006/main">
   <p:cSld>
@@ -7633,6 +8374,126 @@
       </p:grpSpPr>
       <p:sp>
         <p:nvSpPr>
+          <p:cNvPr id="3" name="Titel 2"/>
+          <p:cNvSpPr>
+            <a:spLocks noGrp="1"/>
+          </p:cNvSpPr>
+          <p:nvPr>
+            <p:ph type="title"/>
+          </p:nvPr>
+        </p:nvSpPr>
+        <p:spPr/>
+        <p:txBody>
+          <a:bodyPr/>
+          <a:lstStyle/>
+          <a:p>
+            <a:r>
+              <a:rPr lang="nl-BE" dirty="0" err="1" smtClean="0"/>
+              <a:t>Bibliography</a:t>
+            </a:r>
+            <a:endParaRPr lang="nl-BE" dirty="0"/>
+          </a:p>
+        </p:txBody>
+      </p:sp>
+      <p:sp>
+        <p:nvSpPr>
+          <p:cNvPr id="5" name="Tijdelijke aanduiding voor inhoud 1"/>
+          <p:cNvSpPr>
+            <a:spLocks noGrp="1"/>
+          </p:cNvSpPr>
+          <p:nvPr>
+            <p:ph idx="1"/>
+          </p:nvPr>
+        </p:nvSpPr>
+        <p:spPr>
+          <a:xfrm>
+            <a:off x="457200" y="1481328"/>
+            <a:ext cx="8229600" cy="4525963"/>
+          </a:xfrm>
+        </p:spPr>
+        <p:txBody>
+          <a:bodyPr/>
+          <a:lstStyle/>
+          <a:p>
+            <a:pPr marL="624078" indent="-514350">
+              <a:buSzPct val="100000"/>
+              <a:buFont typeface="+mj-lt"/>
+              <a:buAutoNum type="arabicPeriod"/>
+            </a:pPr>
+            <a:r>
+              <a:rPr lang="en-US" dirty="0"/>
+              <a:t>Lifted Reasoning for Combinatorial </a:t>
+            </a:r>
+            <a:r>
+              <a:rPr lang="en-US" dirty="0" smtClean="0"/>
+              <a:t>Counting</a:t>
+            </a:r>
+          </a:p>
+          <a:p>
+            <a:pPr marL="624078" indent="-514350">
+              <a:buSzPct val="100000"/>
+              <a:buFont typeface="+mj-lt"/>
+              <a:buAutoNum type="arabicPeriod"/>
+            </a:pPr>
+            <a:r>
+              <a:rPr lang="en-US" dirty="0"/>
+              <a:t>Towards High-Level Probabilistic Reasoning with Lifted </a:t>
+            </a:r>
+            <a:r>
+              <a:rPr lang="en-US" dirty="0" smtClean="0"/>
+              <a:t>Inference</a:t>
+            </a:r>
+          </a:p>
+          <a:p>
+            <a:pPr marL="624078" indent="-514350">
+              <a:buSzPct val="100000"/>
+              <a:buFont typeface="+mj-lt"/>
+              <a:buAutoNum type="arabicPeriod"/>
+            </a:pPr>
+            <a:r>
+              <a:rPr lang="en-US" dirty="0" smtClean="0"/>
+              <a:t>Constructing </a:t>
+            </a:r>
+            <a:r>
+              <a:rPr lang="en-US" dirty="0"/>
+              <a:t>Area-Proportional Venn and Euler</a:t>
+            </a:r>
+            <a:endParaRPr lang="nl-BE" dirty="0"/>
+          </a:p>
+        </p:txBody>
+      </p:sp>
+    </p:spTree>
+    <p:extLst>
+      <p:ext uri="{BB962C8B-B14F-4D97-AF65-F5344CB8AC3E}">
+        <p14:creationId xmlns:p14="http://schemas.microsoft.com/office/powerpoint/2010/main" val="1466824754"/>
+      </p:ext>
+    </p:extLst>
+  </p:cSld>
+  <p:clrMapOvr>
+    <a:masterClrMapping/>
+  </p:clrMapOvr>
+</p:sld>
+</file>
+
+<file path=ppt/slides/slide4.xml><?xml version="1.0" encoding="utf-8"?>
+<p:sld xmlns:a="http://schemas.openxmlformats.org/drawingml/2006/main" xmlns:r="http://schemas.openxmlformats.org/officeDocument/2006/relationships" xmlns:p="http://schemas.openxmlformats.org/presentationml/2006/main">
+  <p:cSld>
+    <p:spTree>
+      <p:nvGrpSpPr>
+        <p:cNvPr id="1" name=""/>
+        <p:cNvGrpSpPr/>
+        <p:nvPr/>
+      </p:nvGrpSpPr>
+      <p:grpSpPr>
+        <a:xfrm>
+          <a:off x="0" y="0"/>
+          <a:ext cx="0" cy="0"/>
+          <a:chOff x="0" y="0"/>
+          <a:chExt cx="0" cy="0"/>
+        </a:xfrm>
+      </p:grpSpPr>
+      <p:sp>
+        <p:nvSpPr>
           <p:cNvPr id="6" name="Titel 2"/>
           <p:cNvSpPr>
             <a:spLocks noGrp="1"/>
@@ -7684,8 +8545,33 @@
           </a:xfrm>
         </p:spPr>
         <p:txBody>
-          <a:bodyPr/>
+          <a:bodyPr>
+            <a:normAutofit/>
+          </a:bodyPr>
           <a:lstStyle/>
+          <a:p>
+            <a:r>
+              <a:rPr lang="nl-BE" dirty="0"/>
+              <a:t>(= </a:t>
+            </a:r>
+            <a:r>
+              <a:rPr lang="nl-BE" dirty="0" err="1"/>
+              <a:t>Lifted</a:t>
+            </a:r>
+            <a:r>
+              <a:rPr lang="nl-BE" dirty="0"/>
+              <a:t> </a:t>
+            </a:r>
+            <a:r>
+              <a:rPr lang="nl-BE" dirty="0" err="1"/>
+              <a:t>Inference</a:t>
+            </a:r>
+            <a:r>
+              <a:rPr lang="nl-BE" dirty="0" smtClean="0"/>
+              <a:t>)</a:t>
+            </a:r>
+            <a:endParaRPr lang="nl-BE" dirty="0" smtClean="0"/>
+          </a:p>
           <a:p>
             <a:r>
               <a:rPr lang="nl-BE" dirty="0" err="1" smtClean="0"/>
@@ -7704,46 +8590,81 @@
           <a:p>
             <a:r>
               <a:rPr lang="nl-BE" dirty="0" smtClean="0"/>
-              <a:t>Traditional Model (</a:t>
-            </a:r>
+              <a:t>Traditional </a:t>
+            </a:r>
+            <a:r>
+              <a:rPr lang="nl-BE" dirty="0" smtClean="0"/>
+              <a:t>Model</a:t>
+            </a:r>
+          </a:p>
+          <a:p>
+            <a:pPr lvl="1"/>
+            <a:r>
+              <a:rPr lang="nl-BE" dirty="0" smtClean="0"/>
+              <a:t>2 </a:t>
+            </a:r>
+            <a:r>
+              <a:rPr lang="nl-BE" dirty="0" err="1" smtClean="0"/>
+              <a:t>Seperate</a:t>
+            </a:r>
+            <a:r>
+              <a:rPr lang="nl-BE" dirty="0" smtClean="0"/>
+              <a:t> </a:t>
+            </a:r>
+            <a:r>
+              <a:rPr lang="nl-BE" dirty="0" err="1" smtClean="0"/>
+              <a:t>functions</a:t>
+            </a:r>
+            <a:endParaRPr lang="nl-BE" dirty="0" smtClean="0"/>
+          </a:p>
+          <a:p>
+            <a:pPr lvl="1"/>
+            <a:r>
+              <a:rPr lang="nl-BE" dirty="0"/>
+              <a:t>No </a:t>
+            </a:r>
+            <a:r>
+              <a:rPr lang="nl-BE" dirty="0" err="1"/>
+              <a:t>use</a:t>
+            </a:r>
+            <a:r>
+              <a:rPr lang="nl-BE" dirty="0"/>
+              <a:t> of </a:t>
+            </a:r>
+            <a:r>
+              <a:rPr lang="nl-BE" dirty="0" err="1" smtClean="0"/>
+              <a:t>symmetries</a:t>
+            </a:r>
+            <a:endParaRPr lang="nl-BE" dirty="0" smtClean="0"/>
+          </a:p>
+          <a:p>
+            <a:pPr lvl="1"/>
             <a:r>
               <a:rPr lang="nl-BE" dirty="0" err="1" smtClean="0"/>
               <a:t>Grounded</a:t>
             </a:r>
             <a:r>
               <a:rPr lang="nl-BE" dirty="0" smtClean="0"/>
-              <a:t>)</a:t>
-            </a:r>
-            <a:endParaRPr lang="nl-BE" dirty="0"/>
-          </a:p>
-          <a:p>
-            <a:pPr lvl="1"/>
-            <a:r>
-              <a:rPr lang="nl-BE" dirty="0" smtClean="0"/>
-              <a:t>2 </a:t>
+              <a:t> </a:t>
             </a:r>
             <a:r>
               <a:rPr lang="nl-BE" dirty="0" err="1" smtClean="0"/>
-              <a:t>Seperate</a:t>
+              <a:t>Inference</a:t>
+            </a:r>
+            <a:endParaRPr lang="nl-BE" dirty="0" smtClean="0"/>
+          </a:p>
+          <a:p>
+            <a:r>
+              <a:rPr lang="nl-BE" dirty="0" err="1" smtClean="0"/>
+              <a:t>Lifted</a:t>
             </a:r>
             <a:r>
               <a:rPr lang="nl-BE" dirty="0" smtClean="0"/>
               <a:t> </a:t>
             </a:r>
             <a:r>
-              <a:rPr lang="nl-BE" dirty="0" err="1" smtClean="0"/>
-              <a:t>functions</a:t>
-            </a:r>
-            <a:endParaRPr lang="nl-BE" dirty="0"/>
-          </a:p>
-          <a:p>
-            <a:r>
-              <a:rPr lang="nl-BE" dirty="0" err="1" smtClean="0"/>
-              <a:t>Lifted</a:t>
-            </a:r>
-            <a:r>
               <a:rPr lang="nl-BE" dirty="0" smtClean="0"/>
-              <a:t> Model</a:t>
+              <a:t>Model</a:t>
             </a:r>
           </a:p>
           <a:p>
@@ -7762,9 +8683,13 @@
             </a:r>
             <a:r>
               <a:rPr lang="nl-BE" dirty="0" smtClean="0"/>
-              <a:t> processing</a:t>
-            </a:r>
-            <a:endParaRPr lang="nl-BE" dirty="0"/>
+              <a:t> </a:t>
+            </a:r>
+            <a:r>
+              <a:rPr lang="nl-BE" dirty="0" smtClean="0"/>
+              <a:t>processing</a:t>
+            </a:r>
+            <a:endParaRPr lang="nl-BE" dirty="0" smtClean="0"/>
           </a:p>
         </p:txBody>
       </p:sp>
@@ -8124,132 +9049,6 @@
 </p:sld>
 </file>
 
-<file path=ppt/slides/slide4.xml><?xml version="1.0" encoding="utf-8"?>
-<p:sld xmlns:a="http://schemas.openxmlformats.org/drawingml/2006/main" xmlns:r="http://schemas.openxmlformats.org/officeDocument/2006/relationships" xmlns:p="http://schemas.openxmlformats.org/presentationml/2006/main">
-  <p:cSld>
-    <p:spTree>
-      <p:nvGrpSpPr>
-        <p:cNvPr id="1" name=""/>
-        <p:cNvGrpSpPr/>
-        <p:nvPr/>
-      </p:nvGrpSpPr>
-      <p:grpSpPr>
-        <a:xfrm>
-          <a:off x="0" y="0"/>
-          <a:ext cx="0" cy="0"/>
-          <a:chOff x="0" y="0"/>
-          <a:chExt cx="0" cy="0"/>
-        </a:xfrm>
-      </p:grpSpPr>
-      <p:sp>
-        <p:nvSpPr>
-          <p:cNvPr id="2" name="Tijdelijke aanduiding voor inhoud 1"/>
-          <p:cNvSpPr>
-            <a:spLocks noGrp="1"/>
-          </p:cNvSpPr>
-          <p:nvPr>
-            <p:ph idx="1"/>
-          </p:nvPr>
-        </p:nvSpPr>
-        <p:spPr/>
-        <p:txBody>
-          <a:bodyPr/>
-          <a:lstStyle/>
-          <a:p>
-            <a:r>
-              <a:rPr lang="nl-BE" dirty="0" err="1"/>
-              <a:t>Counting</a:t>
-            </a:r>
-            <a:r>
-              <a:rPr lang="nl-BE" dirty="0"/>
-              <a:t> </a:t>
-            </a:r>
-            <a:r>
-              <a:rPr lang="nl-BE" dirty="0" err="1"/>
-              <a:t>possible</a:t>
-            </a:r>
-            <a:r>
-              <a:rPr lang="nl-BE" dirty="0"/>
-              <a:t> arrangements</a:t>
-            </a:r>
-          </a:p>
-          <a:p>
-            <a:pPr lvl="1"/>
-            <a:r>
-              <a:rPr lang="nl-BE" dirty="0"/>
-              <a:t>(E.g. </a:t>
-            </a:r>
-            <a:r>
-              <a:rPr lang="nl-BE" dirty="0" err="1"/>
-              <a:t>shuffled</a:t>
-            </a:r>
-            <a:r>
-              <a:rPr lang="nl-BE" dirty="0"/>
-              <a:t> deck)</a:t>
-            </a:r>
-          </a:p>
-          <a:p>
-            <a:r>
-              <a:rPr lang="nl-BE" dirty="0" err="1"/>
-              <a:t>Constraints</a:t>
-            </a:r>
-            <a:endParaRPr lang="nl-BE" dirty="0"/>
-          </a:p>
-          <a:p>
-            <a:pPr lvl="1"/>
-            <a:r>
-              <a:rPr lang="nl-BE" dirty="0"/>
-              <a:t>(E.g. first = ace of spades)</a:t>
-            </a:r>
-          </a:p>
-          <a:p>
-            <a:r>
-              <a:rPr lang="nl-BE" dirty="0"/>
-              <a:t>Human </a:t>
-            </a:r>
-            <a:r>
-              <a:rPr lang="nl-BE" dirty="0" err="1"/>
-              <a:t>solving</a:t>
-            </a:r>
-            <a:endParaRPr lang="nl-BE" dirty="0"/>
-          </a:p>
-        </p:txBody>
-      </p:sp>
-      <p:sp>
-        <p:nvSpPr>
-          <p:cNvPr id="3" name="Titel 2"/>
-          <p:cNvSpPr>
-            <a:spLocks noGrp="1"/>
-          </p:cNvSpPr>
-          <p:nvPr>
-            <p:ph type="title"/>
-          </p:nvPr>
-        </p:nvSpPr>
-        <p:spPr/>
-        <p:txBody>
-          <a:bodyPr/>
-          <a:lstStyle/>
-          <a:p>
-            <a:r>
-              <a:rPr lang="nl-BE" dirty="0"/>
-              <a:t>Combinatorics</a:t>
-            </a:r>
-          </a:p>
-        </p:txBody>
-      </p:sp>
-    </p:spTree>
-    <p:extLst>
-      <p:ext uri="{BB962C8B-B14F-4D97-AF65-F5344CB8AC3E}">
-        <p14:creationId xmlns:p14="http://schemas.microsoft.com/office/powerpoint/2010/main" val="3344845153"/>
-      </p:ext>
-    </p:extLst>
-  </p:cSld>
-  <p:clrMapOvr>
-    <a:masterClrMapping/>
-  </p:clrMapOvr>
-</p:sld>
-</file>
-
 <file path=ppt/slides/slide5.xml><?xml version="1.0" encoding="utf-8"?>
 <p:sld xmlns:a="http://schemas.openxmlformats.org/drawingml/2006/main" xmlns:r="http://schemas.openxmlformats.org/officeDocument/2006/relationships" xmlns:p="http://schemas.openxmlformats.org/presentationml/2006/main">
   <p:cSld>
@@ -8283,6 +9082,276 @@
           <a:lstStyle/>
           <a:p>
             <a:r>
+              <a:rPr lang="nl-BE" dirty="0" err="1" smtClean="0"/>
+              <a:t>Initial</a:t>
+            </a:r>
+            <a:r>
+              <a:rPr lang="nl-BE" dirty="0" smtClean="0"/>
+              <a:t> </a:t>
+            </a:r>
+            <a:r>
+              <a:rPr lang="nl-BE" dirty="0" err="1"/>
+              <a:t>Proposal</a:t>
+            </a:r>
+            <a:r>
+              <a:rPr lang="nl-BE" dirty="0"/>
+              <a:t> (David Poole</a:t>
+            </a:r>
+            <a:r>
+              <a:rPr lang="nl-BE" dirty="0" smtClean="0"/>
+              <a:t>)</a:t>
+            </a:r>
+          </a:p>
+          <a:p>
+            <a:pPr lvl="1"/>
+            <a:r>
+              <a:rPr lang="nl-BE" dirty="0" smtClean="0"/>
+              <a:t>High-level </a:t>
+            </a:r>
+            <a:r>
+              <a:rPr lang="nl-BE" dirty="0" err="1" smtClean="0"/>
+              <a:t>Reasoning</a:t>
+            </a:r>
+            <a:endParaRPr lang="nl-BE" dirty="0"/>
+          </a:p>
+          <a:p>
+            <a:r>
+              <a:rPr lang="nl-BE" dirty="0"/>
+              <a:t>Shift of Focus</a:t>
+            </a:r>
+          </a:p>
+          <a:p>
+            <a:pPr lvl="1"/>
+            <a:r>
+              <a:rPr lang="nl-BE" dirty="0"/>
+              <a:t>Machine </a:t>
+            </a:r>
+            <a:r>
+              <a:rPr lang="nl-BE" dirty="0" err="1" smtClean="0"/>
+              <a:t>learning</a:t>
+            </a:r>
+            <a:endParaRPr lang="nl-BE" dirty="0" smtClean="0"/>
+          </a:p>
+          <a:p>
+            <a:r>
+              <a:rPr lang="nl-BE" dirty="0" err="1" smtClean="0"/>
+              <a:t>Now</a:t>
+            </a:r>
+            <a:r>
+              <a:rPr lang="nl-BE" dirty="0" smtClean="0"/>
+              <a:t>: Combinatorics</a:t>
+            </a:r>
+            <a:endParaRPr lang="nl-BE" dirty="0"/>
+          </a:p>
+          <a:p>
+            <a:pPr lvl="1"/>
+            <a:endParaRPr lang="nl-BE" dirty="0" smtClean="0"/>
+          </a:p>
+        </p:txBody>
+      </p:sp>
+      <p:sp>
+        <p:nvSpPr>
+          <p:cNvPr id="3" name="Titel 2"/>
+          <p:cNvSpPr>
+            <a:spLocks noGrp="1"/>
+          </p:cNvSpPr>
+          <p:nvPr>
+            <p:ph type="title"/>
+          </p:nvPr>
+        </p:nvSpPr>
+        <p:spPr/>
+        <p:txBody>
+          <a:bodyPr/>
+          <a:lstStyle/>
+          <a:p>
+            <a:r>
+              <a:rPr lang="nl-BE" dirty="0" err="1"/>
+              <a:t>Lifted</a:t>
+            </a:r>
+            <a:r>
+              <a:rPr lang="nl-BE" dirty="0"/>
+              <a:t> </a:t>
+            </a:r>
+            <a:r>
+              <a:rPr lang="nl-BE" dirty="0" err="1"/>
+              <a:t>Reasoning</a:t>
+            </a:r>
+            <a:endParaRPr lang="nl-BE" dirty="0"/>
+          </a:p>
+        </p:txBody>
+      </p:sp>
+    </p:spTree>
+    <p:extLst>
+      <p:ext uri="{BB962C8B-B14F-4D97-AF65-F5344CB8AC3E}">
+        <p14:creationId xmlns:p14="http://schemas.microsoft.com/office/powerpoint/2010/main" val="3301373306"/>
+      </p:ext>
+    </p:extLst>
+  </p:cSld>
+  <p:clrMapOvr>
+    <a:masterClrMapping/>
+  </p:clrMapOvr>
+</p:sld>
+</file>
+
+<file path=ppt/slides/slide6.xml><?xml version="1.0" encoding="utf-8"?>
+<p:sld xmlns:a="http://schemas.openxmlformats.org/drawingml/2006/main" xmlns:r="http://schemas.openxmlformats.org/officeDocument/2006/relationships" xmlns:p="http://schemas.openxmlformats.org/presentationml/2006/main">
+  <p:cSld>
+    <p:spTree>
+      <p:nvGrpSpPr>
+        <p:cNvPr id="1" name=""/>
+        <p:cNvGrpSpPr/>
+        <p:nvPr/>
+      </p:nvGrpSpPr>
+      <p:grpSpPr>
+        <a:xfrm>
+          <a:off x="0" y="0"/>
+          <a:ext cx="0" cy="0"/>
+          <a:chOff x="0" y="0"/>
+          <a:chExt cx="0" cy="0"/>
+        </a:xfrm>
+      </p:grpSpPr>
+      <p:sp>
+        <p:nvSpPr>
+          <p:cNvPr id="2" name="Tijdelijke aanduiding voor inhoud 1"/>
+          <p:cNvSpPr>
+            <a:spLocks noGrp="1"/>
+          </p:cNvSpPr>
+          <p:nvPr>
+            <p:ph idx="1"/>
+          </p:nvPr>
+        </p:nvSpPr>
+        <p:spPr/>
+        <p:txBody>
+          <a:bodyPr/>
+          <a:lstStyle/>
+          <a:p>
+            <a:r>
+              <a:rPr lang="nl-BE" dirty="0" err="1"/>
+              <a:t>Counting</a:t>
+            </a:r>
+            <a:r>
+              <a:rPr lang="nl-BE" dirty="0"/>
+              <a:t> </a:t>
+            </a:r>
+            <a:r>
+              <a:rPr lang="nl-BE" dirty="0" err="1"/>
+              <a:t>possible</a:t>
+            </a:r>
+            <a:r>
+              <a:rPr lang="nl-BE" dirty="0"/>
+              <a:t> arrangements</a:t>
+            </a:r>
+          </a:p>
+          <a:p>
+            <a:pPr lvl="1"/>
+            <a:r>
+              <a:rPr lang="nl-BE" dirty="0"/>
+              <a:t>(E.g. </a:t>
+            </a:r>
+            <a:r>
+              <a:rPr lang="nl-BE" dirty="0" err="1"/>
+              <a:t>shuffled</a:t>
+            </a:r>
+            <a:r>
+              <a:rPr lang="nl-BE" dirty="0"/>
+              <a:t> deck)</a:t>
+            </a:r>
+          </a:p>
+          <a:p>
+            <a:r>
+              <a:rPr lang="nl-BE" dirty="0" err="1"/>
+              <a:t>Constraints</a:t>
+            </a:r>
+            <a:endParaRPr lang="nl-BE" dirty="0"/>
+          </a:p>
+          <a:p>
+            <a:pPr lvl="1"/>
+            <a:r>
+              <a:rPr lang="nl-BE" dirty="0"/>
+              <a:t>(E.g. first = ace of spades)</a:t>
+            </a:r>
+          </a:p>
+          <a:p>
+            <a:r>
+              <a:rPr lang="nl-BE" dirty="0"/>
+              <a:t>Human </a:t>
+            </a:r>
+            <a:r>
+              <a:rPr lang="nl-BE" dirty="0" err="1"/>
+              <a:t>solving</a:t>
+            </a:r>
+            <a:endParaRPr lang="nl-BE" dirty="0"/>
+          </a:p>
+        </p:txBody>
+      </p:sp>
+      <p:sp>
+        <p:nvSpPr>
+          <p:cNvPr id="3" name="Titel 2"/>
+          <p:cNvSpPr>
+            <a:spLocks noGrp="1"/>
+          </p:cNvSpPr>
+          <p:nvPr>
+            <p:ph type="title"/>
+          </p:nvPr>
+        </p:nvSpPr>
+        <p:spPr/>
+        <p:txBody>
+          <a:bodyPr/>
+          <a:lstStyle/>
+          <a:p>
+            <a:r>
+              <a:rPr lang="nl-BE" dirty="0"/>
+              <a:t>Combinatorics</a:t>
+            </a:r>
+          </a:p>
+        </p:txBody>
+      </p:sp>
+    </p:spTree>
+    <p:extLst>
+      <p:ext uri="{BB962C8B-B14F-4D97-AF65-F5344CB8AC3E}">
+        <p14:creationId xmlns:p14="http://schemas.microsoft.com/office/powerpoint/2010/main" val="3344845153"/>
+      </p:ext>
+    </p:extLst>
+  </p:cSld>
+  <p:clrMapOvr>
+    <a:masterClrMapping/>
+  </p:clrMapOvr>
+</p:sld>
+</file>
+
+<file path=ppt/slides/slide7.xml><?xml version="1.0" encoding="utf-8"?>
+<p:sld xmlns:a="http://schemas.openxmlformats.org/drawingml/2006/main" xmlns:r="http://schemas.openxmlformats.org/officeDocument/2006/relationships" xmlns:p="http://schemas.openxmlformats.org/presentationml/2006/main">
+  <p:cSld>
+    <p:spTree>
+      <p:nvGrpSpPr>
+        <p:cNvPr id="1" name=""/>
+        <p:cNvGrpSpPr/>
+        <p:nvPr/>
+      </p:nvGrpSpPr>
+      <p:grpSpPr>
+        <a:xfrm>
+          <a:off x="0" y="0"/>
+          <a:ext cx="0" cy="0"/>
+          <a:chOff x="0" y="0"/>
+          <a:chExt cx="0" cy="0"/>
+        </a:xfrm>
+      </p:grpSpPr>
+      <p:sp>
+        <p:nvSpPr>
+          <p:cNvPr id="2" name="Tijdelijke aanduiding voor inhoud 1"/>
+          <p:cNvSpPr>
+            <a:spLocks noGrp="1"/>
+          </p:cNvSpPr>
+          <p:nvPr>
+            <p:ph idx="1"/>
+          </p:nvPr>
+        </p:nvSpPr>
+        <p:spPr/>
+        <p:txBody>
+          <a:bodyPr/>
+          <a:lstStyle/>
+          <a:p>
+            <a:r>
               <a:rPr lang="nl-BE" dirty="0"/>
               <a:t>12 Common </a:t>
             </a:r>
@@ -8307,8 +9376,8 @@
               <a:t>Mathematical </a:t>
             </a:r>
             <a:r>
-              <a:rPr lang="nl-BE" dirty="0" err="1"/>
-              <a:t>Formula</a:t>
+              <a:rPr lang="nl-BE" dirty="0" err="1" smtClean="0"/>
+              <a:t>Formulas</a:t>
             </a:r>
             <a:endParaRPr lang="nl-BE" dirty="0"/>
           </a:p>
@@ -8409,7 +9478,7 @@
 </p:sld>
 </file>
 
-<file path=ppt/slides/slide6.xml><?xml version="1.0" encoding="utf-8"?>
+<file path=ppt/slides/slide8.xml><?xml version="1.0" encoding="utf-8"?>
 <p:sld xmlns:a="http://schemas.openxmlformats.org/drawingml/2006/main" xmlns:r="http://schemas.openxmlformats.org/officeDocument/2006/relationships" xmlns:p="http://schemas.openxmlformats.org/presentationml/2006/main">
   <p:cSld>
     <p:spTree>
@@ -9625,7 +10694,7 @@
 </p:sld>
 </file>
 
-<file path=ppt/slides/slide7.xml><?xml version="1.0" encoding="utf-8"?>
+<file path=ppt/slides/slide9.xml><?xml version="1.0" encoding="utf-8"?>
 <p:sld xmlns:a="http://schemas.openxmlformats.org/drawingml/2006/main" xmlns:r="http://schemas.openxmlformats.org/officeDocument/2006/relationships" xmlns:p="http://schemas.openxmlformats.org/presentationml/2006/main">
   <p:cSld>
     <p:spTree>
@@ -9984,352 +11053,6 @@
 </p:sld>
 </file>
 
-<file path=ppt/slides/slide8.xml><?xml version="1.0" encoding="utf-8"?>
-<p:sld xmlns:a="http://schemas.openxmlformats.org/drawingml/2006/main" xmlns:r="http://schemas.openxmlformats.org/officeDocument/2006/relationships" xmlns:p="http://schemas.openxmlformats.org/presentationml/2006/main">
-  <p:cSld>
-    <p:spTree>
-      <p:nvGrpSpPr>
-        <p:cNvPr id="1" name=""/>
-        <p:cNvGrpSpPr/>
-        <p:nvPr/>
-      </p:nvGrpSpPr>
-      <p:grpSpPr>
-        <a:xfrm>
-          <a:off x="0" y="0"/>
-          <a:ext cx="0" cy="0"/>
-          <a:chOff x="0" y="0"/>
-          <a:chExt cx="0" cy="0"/>
-        </a:xfrm>
-      </p:grpSpPr>
-      <mc:AlternateContent xmlns:mc="http://schemas.openxmlformats.org/markup-compatibility/2006" xmlns:a14="http://schemas.microsoft.com/office/drawing/2010/main">
-        <mc:Choice Requires="a14">
-          <p:sp>
-            <p:nvSpPr>
-              <p:cNvPr id="2" name="Tijdelijke aanduiding voor inhoud 1"/>
-              <p:cNvSpPr>
-                <a:spLocks noGrp="1"/>
-              </p:cNvSpPr>
-              <p:nvPr>
-                <p:ph idx="1"/>
-              </p:nvPr>
-            </p:nvSpPr>
-            <p:spPr/>
-            <p:txBody>
-              <a:bodyPr/>
-              <a:lstStyle/>
-              <a:p>
-                <a:r>
-                  <a:rPr lang="nl-BE" dirty="0"/>
-                  <a:t>Counting Constraint Satisfaction Problem</a:t>
-                </a:r>
-              </a:p>
-              <a:p>
-                <a:pPr lvl="1"/>
-                <a:r>
-                  <a:rPr lang="nl-BE" dirty="0"/>
-                  <a:t>Find the number of satisfying assignments</a:t>
-                </a:r>
-              </a:p>
-              <a:p>
-                <a:pPr lvl="2"/>
-                <a14:m>
-                  <m:oMath xmlns:m="http://schemas.openxmlformats.org/officeDocument/2006/math">
-                    <m:r>
-                      <a:rPr lang="nl-BE" b="0" i="1" smtClean="0">
-                        <a:latin typeface="Cambria Math" panose="02040503050406030204" pitchFamily="18" charset="0"/>
-                      </a:rPr>
-                      <m:t>𝑀𝐶</m:t>
-                    </m:r>
-                    <m:d>
-                      <m:dPr>
-                        <m:begChr m:val="⟨"/>
-                        <m:endChr m:val="⟩"/>
-                        <m:ctrlPr>
-                          <a:rPr lang="nl-BE" b="0" i="1" smtClean="0">
-                            <a:latin typeface="Cambria Math"/>
-                          </a:rPr>
-                        </m:ctrlPr>
-                      </m:dPr>
-                      <m:e>
-                        <m:r>
-                          <a:rPr lang="nl-BE" b="0" i="1" smtClean="0">
-                            <a:latin typeface="Cambria Math" panose="02040503050406030204" pitchFamily="18" charset="0"/>
-                          </a:rPr>
-                          <m:t>𝑉</m:t>
-                        </m:r>
-                        <m:r>
-                          <a:rPr lang="nl-BE" b="0" i="1" smtClean="0">
-                            <a:latin typeface="Cambria Math" panose="02040503050406030204" pitchFamily="18" charset="0"/>
-                          </a:rPr>
-                          <m:t>,</m:t>
-                        </m:r>
-                        <m:r>
-                          <a:rPr lang="nl-BE" b="0" i="1" smtClean="0">
-                            <a:latin typeface="Cambria Math" panose="02040503050406030204" pitchFamily="18" charset="0"/>
-                          </a:rPr>
-                          <m:t>𝐷</m:t>
-                        </m:r>
-                        <m:r>
-                          <a:rPr lang="nl-BE" b="0" i="1" smtClean="0">
-                            <a:latin typeface="Cambria Math" panose="02040503050406030204" pitchFamily="18" charset="0"/>
-                          </a:rPr>
-                          <m:t>,</m:t>
-                        </m:r>
-                        <m:r>
-                          <a:rPr lang="nl-BE" b="0" i="1" smtClean="0">
-                            <a:latin typeface="Cambria Math" panose="02040503050406030204" pitchFamily="18" charset="0"/>
-                          </a:rPr>
-                          <m:t>𝐶</m:t>
-                        </m:r>
-                      </m:e>
-                    </m:d>
-                  </m:oMath>
-                </a14:m>
-                <a:endParaRPr lang="nl-BE" dirty="0"/>
-              </a:p>
-              <a:p>
-                <a:r>
-                  <a:rPr lang="nl-BE" dirty="0"/>
-                  <a:t>Combinatorics problems can be expressed as #CSPs</a:t>
-                </a:r>
-              </a:p>
-              <a:p>
-                <a:pPr lvl="1"/>
-                <a:r>
-                  <a:rPr lang="nl-BE" dirty="0"/>
-                  <a:t>Set </a:t>
-                </a:r>
-                <a14:m>
-                  <m:oMath xmlns:m="http://schemas.openxmlformats.org/officeDocument/2006/math">
-                    <m:r>
-                      <a:rPr lang="nl-BE" b="0" i="1" smtClean="0">
-                        <a:latin typeface="Cambria Math" panose="02040503050406030204" pitchFamily="18" charset="0"/>
-                      </a:rPr>
-                      <m:t>𝑋</m:t>
-                    </m:r>
-                  </m:oMath>
-                </a14:m>
-                <a:r>
-                  <a:rPr lang="nl-BE" dirty="0"/>
-                  <a:t> </a:t>
-                </a:r>
-                <a:r>
-                  <a:rPr lang="nl-BE" dirty="0">
-                    <a:sym typeface="Wingdings" pitchFamily="2" charset="2"/>
-                  </a:rPr>
-                  <a:t> set of variables</a:t>
-                </a:r>
-              </a:p>
-              <a:p>
-                <a:pPr lvl="1"/>
-                <a:r>
-                  <a:rPr lang="nl-BE" dirty="0">
-                    <a:sym typeface="Wingdings" pitchFamily="2" charset="2"/>
-                  </a:rPr>
-                  <a:t>Set </a:t>
-                </a:r>
-                <a14:m>
-                  <m:oMath xmlns:m="http://schemas.openxmlformats.org/officeDocument/2006/math">
-                    <m:r>
-                      <a:rPr lang="nl-BE" b="0" i="1" smtClean="0">
-                        <a:latin typeface="Cambria Math" panose="02040503050406030204" pitchFamily="18" charset="0"/>
-                        <a:sym typeface="Wingdings" pitchFamily="2" charset="2"/>
-                      </a:rPr>
-                      <m:t>𝑌</m:t>
-                    </m:r>
-                  </m:oMath>
-                </a14:m>
-                <a:r>
-                  <a:rPr lang="nl-BE" dirty="0"/>
-                  <a:t> </a:t>
-                </a:r>
-                <a:r>
-                  <a:rPr lang="nl-BE" dirty="0">
-                    <a:sym typeface="Wingdings" pitchFamily="2" charset="2"/>
-                  </a:rPr>
-                  <a:t> domain</a:t>
-                </a:r>
-              </a:p>
-              <a:p>
-                <a:r>
-                  <a:rPr lang="nl-BE" dirty="0">
-                    <a:sym typeface="Wingdings" pitchFamily="2" charset="2"/>
-                  </a:rPr>
-                  <a:t>Generalization of #SAT: counting the number of satsifying intepretations for a Boolean formula </a:t>
-                </a:r>
-                <a:endParaRPr lang="nl-BE" dirty="0"/>
-              </a:p>
-            </p:txBody>
-          </p:sp>
-        </mc:Choice>
-        <mc:Fallback xmlns="">
-          <p:sp>
-            <p:nvSpPr>
-              <p:cNvPr id="2" name="Tijdelijke aanduiding voor inhoud 1"/>
-              <p:cNvSpPr>
-                <a:spLocks noGrp="1" noRot="1" noChangeAspect="1" noMove="1" noResize="1" noEditPoints="1" noAdjustHandles="1" noChangeArrowheads="1" noChangeShapeType="1" noTextEdit="1"/>
-              </p:cNvSpPr>
-              <p:nvPr>
-                <p:ph idx="1"/>
-              </p:nvPr>
-            </p:nvSpPr>
-            <p:spPr>
-              <a:blipFill>
-                <a:blip r:embed="rId2"/>
-                <a:stretch>
-                  <a:fillRect t="-1401" r="-1389"/>
-                </a:stretch>
-              </a:blipFill>
-            </p:spPr>
-            <p:txBody>
-              <a:bodyPr/>
-              <a:lstStyle/>
-              <a:p>
-                <a:r>
-                  <a:rPr lang="en-BE">
-                    <a:noFill/>
-                  </a:rPr>
-                  <a:t> </a:t>
-                </a:r>
-              </a:p>
-            </p:txBody>
-          </p:sp>
-        </mc:Fallback>
-      </mc:AlternateContent>
-      <p:sp>
-        <p:nvSpPr>
-          <p:cNvPr id="3" name="Titel 2"/>
-          <p:cNvSpPr>
-            <a:spLocks noGrp="1"/>
-          </p:cNvSpPr>
-          <p:nvPr>
-            <p:ph type="title"/>
-          </p:nvPr>
-        </p:nvSpPr>
-        <p:spPr/>
-        <p:txBody>
-          <a:bodyPr/>
-          <a:lstStyle/>
-          <a:p>
-            <a:r>
-              <a:rPr lang="nl-BE" dirty="0"/>
-              <a:t>#CSP</a:t>
-            </a:r>
-          </a:p>
-        </p:txBody>
-      </p:sp>
-    </p:spTree>
-    <p:extLst>
-      <p:ext uri="{BB962C8B-B14F-4D97-AF65-F5344CB8AC3E}">
-        <p14:creationId xmlns:p14="http://schemas.microsoft.com/office/powerpoint/2010/main" val="281160088"/>
-      </p:ext>
-    </p:extLst>
-  </p:cSld>
-  <p:clrMapOvr>
-    <a:masterClrMapping/>
-  </p:clrMapOvr>
-</p:sld>
-</file>
-
-<file path=ppt/slides/slide9.xml><?xml version="1.0" encoding="utf-8"?>
-<p:sld xmlns:a="http://schemas.openxmlformats.org/drawingml/2006/main" xmlns:r="http://schemas.openxmlformats.org/officeDocument/2006/relationships" xmlns:p="http://schemas.openxmlformats.org/presentationml/2006/main">
-  <p:cSld>
-    <p:spTree>
-      <p:nvGrpSpPr>
-        <p:cNvPr id="1" name=""/>
-        <p:cNvGrpSpPr/>
-        <p:nvPr/>
-      </p:nvGrpSpPr>
-      <p:grpSpPr>
-        <a:xfrm>
-          <a:off x="0" y="0"/>
-          <a:ext cx="0" cy="0"/>
-          <a:chOff x="0" y="0"/>
-          <a:chExt cx="0" cy="0"/>
-        </a:xfrm>
-      </p:grpSpPr>
-      <p:sp>
-        <p:nvSpPr>
-          <p:cNvPr id="2" name="Tijdelijke aanduiding voor inhoud 1"/>
-          <p:cNvSpPr>
-            <a:spLocks noGrp="1"/>
-          </p:cNvSpPr>
-          <p:nvPr>
-            <p:ph idx="1"/>
-          </p:nvPr>
-        </p:nvSpPr>
-        <p:spPr/>
-        <p:txBody>
-          <a:bodyPr/>
-          <a:lstStyle/>
-          <a:p>
-            <a:r>
-              <a:rPr lang="nl-BE" dirty="0"/>
-              <a:t>#CSPs generalize #SAT</a:t>
-            </a:r>
-          </a:p>
-          <a:p>
-            <a:r>
-              <a:rPr lang="nl-BE" dirty="0"/>
-              <a:t>#SAT is #P-complete</a:t>
-            </a:r>
-          </a:p>
-          <a:p>
-            <a:pPr lvl="1"/>
-            <a:r>
-              <a:rPr lang="nl-BE" dirty="0"/>
-              <a:t>#P: class of counting problems</a:t>
-            </a:r>
-            <a:endParaRPr lang="nl-BE" dirty="0">
-              <a:sym typeface="Wingdings" pitchFamily="2" charset="2"/>
-            </a:endParaRPr>
-          </a:p>
-          <a:p>
-            <a:r>
-              <a:rPr lang="nl-BE" dirty="0">
-                <a:sym typeface="Wingdings" pitchFamily="2" charset="2"/>
-              </a:rPr>
-              <a:t>All counting problems can be reduced to #SATs</a:t>
-            </a:r>
-            <a:endParaRPr lang="nl-BE" dirty="0"/>
-          </a:p>
-        </p:txBody>
-      </p:sp>
-      <p:sp>
-        <p:nvSpPr>
-          <p:cNvPr id="3" name="Titel 2"/>
-          <p:cNvSpPr>
-            <a:spLocks noGrp="1"/>
-          </p:cNvSpPr>
-          <p:nvPr>
-            <p:ph type="title"/>
-          </p:nvPr>
-        </p:nvSpPr>
-        <p:spPr/>
-        <p:txBody>
-          <a:bodyPr/>
-          <a:lstStyle/>
-          <a:p>
-            <a:r>
-              <a:rPr lang="nl-BE" dirty="0"/>
-              <a:t>#SAT and #CSPs</a:t>
-            </a:r>
-          </a:p>
-        </p:txBody>
-      </p:sp>
-    </p:spTree>
-    <p:extLst>
-      <p:ext uri="{BB962C8B-B14F-4D97-AF65-F5344CB8AC3E}">
-        <p14:creationId xmlns:p14="http://schemas.microsoft.com/office/powerpoint/2010/main" val="842178977"/>
-      </p:ext>
-    </p:extLst>
-  </p:cSld>
-  <p:clrMapOvr>
-    <a:masterClrMapping/>
-  </p:clrMapOvr>
-</p:sld>
-</file>
-
 <file path=ppt/theme/theme1.xml><?xml version="1.0" encoding="utf-8"?>
 <a:theme xmlns:a="http://schemas.openxmlformats.org/drawingml/2006/main" name="Concours">
   <a:themeElements>

--- a/Presentation.pptx
+++ b/Presentation.pptx
@@ -13,19 +13,17 @@
     <p:sldId id="265" r:id="rId7"/>
     <p:sldId id="267" r:id="rId8"/>
     <p:sldId id="259" r:id="rId9"/>
-    <p:sldId id="260" r:id="rId10"/>
-    <p:sldId id="268" r:id="rId11"/>
-    <p:sldId id="269" r:id="rId12"/>
-    <p:sldId id="261" r:id="rId13"/>
-    <p:sldId id="266" r:id="rId14"/>
-    <p:sldId id="262" r:id="rId15"/>
-    <p:sldId id="270" r:id="rId16"/>
-    <p:sldId id="271" r:id="rId17"/>
-    <p:sldId id="272" r:id="rId18"/>
-    <p:sldId id="273" r:id="rId19"/>
-    <p:sldId id="264" r:id="rId20"/>
-    <p:sldId id="277" r:id="rId21"/>
-    <p:sldId id="274" r:id="rId22"/>
+    <p:sldId id="268" r:id="rId10"/>
+    <p:sldId id="261" r:id="rId11"/>
+    <p:sldId id="266" r:id="rId12"/>
+    <p:sldId id="262" r:id="rId13"/>
+    <p:sldId id="270" r:id="rId14"/>
+    <p:sldId id="271" r:id="rId15"/>
+    <p:sldId id="272" r:id="rId16"/>
+    <p:sldId id="273" r:id="rId17"/>
+    <p:sldId id="264" r:id="rId18"/>
+    <p:sldId id="277" r:id="rId19"/>
+    <p:sldId id="274" r:id="rId20"/>
   </p:sldIdLst>
   <p:sldSz cx="9144000" cy="6858000" type="screen4x3"/>
   <p:notesSz cx="6858000" cy="9144000"/>
@@ -126,7 +124,7 @@
   </p:defaultTextStyle>
   <p:extLst>
     <p:ext uri="{EFAFB233-063F-42B5-8137-9DF3F51BA10A}">
-      <p15:sldGuideLst xmlns="" xmlns:p15="http://schemas.microsoft.com/office/powerpoint/2012/main">
+      <p15:sldGuideLst xmlns:p15="http://schemas.microsoft.com/office/powerpoint/2012/main">
         <p15:guide id="1" orient="horz" pos="2160">
           <p15:clr>
             <a:srgbClr val="A4A3A4"/>
@@ -760,7 +758,7 @@
           <a:p>
             <a:fld id="{3D636C07-7E76-46D3-B86B-6AF7C60E533E}" type="datetimeFigureOut">
               <a:rPr lang="nl-NL" smtClean="0"/>
-              <a:t>8-11-2020</a:t>
+              <a:t>08-11-2020</a:t>
             </a:fld>
             <a:endParaRPr lang="nl-NL"/>
           </a:p>
@@ -822,7 +820,7 @@
           <a:p>
             <a:fld id="{A9096D49-DAE3-40DE-93E0-41688E0A5016}" type="slidenum">
               <a:rPr lang="nl-NL" smtClean="0"/>
-              <a:t>‹nr.›</a:t>
+              <a:t>‹#›</a:t>
             </a:fld>
             <a:endParaRPr lang="nl-NL"/>
           </a:p>
@@ -950,7 +948,7 @@
           <a:p>
             <a:fld id="{3D636C07-7E76-46D3-B86B-6AF7C60E533E}" type="datetimeFigureOut">
               <a:rPr lang="nl-NL" smtClean="0"/>
-              <a:t>8-11-2020</a:t>
+              <a:t>08-11-2020</a:t>
             </a:fld>
             <a:endParaRPr lang="nl-NL"/>
           </a:p>
@@ -992,7 +990,7 @@
           <a:p>
             <a:fld id="{A9096D49-DAE3-40DE-93E0-41688E0A5016}" type="slidenum">
               <a:rPr lang="nl-NL" smtClean="0"/>
-              <a:t>‹nr.›</a:t>
+              <a:t>‹#›</a:t>
             </a:fld>
             <a:endParaRPr lang="nl-NL"/>
           </a:p>
@@ -1125,7 +1123,7 @@
           <a:p>
             <a:fld id="{3D636C07-7E76-46D3-B86B-6AF7C60E533E}" type="datetimeFigureOut">
               <a:rPr lang="nl-NL" smtClean="0"/>
-              <a:t>8-11-2020</a:t>
+              <a:t>08-11-2020</a:t>
             </a:fld>
             <a:endParaRPr lang="nl-NL"/>
           </a:p>
@@ -1167,7 +1165,7 @@
           <a:p>
             <a:fld id="{A9096D49-DAE3-40DE-93E0-41688E0A5016}" type="slidenum">
               <a:rPr lang="nl-NL" smtClean="0"/>
-              <a:t>‹nr.›</a:t>
+              <a:t>‹#›</a:t>
             </a:fld>
             <a:endParaRPr lang="nl-NL"/>
           </a:p>
@@ -1267,7 +1265,7 @@
           <a:p>
             <a:fld id="{3D636C07-7E76-46D3-B86B-6AF7C60E533E}" type="datetimeFigureOut">
               <a:rPr lang="nl-NL" smtClean="0"/>
-              <a:t>8-11-2020</a:t>
+              <a:t>08-11-2020</a:t>
             </a:fld>
             <a:endParaRPr lang="nl-NL"/>
           </a:p>
@@ -1309,7 +1307,7 @@
           <a:p>
             <a:fld id="{A9096D49-DAE3-40DE-93E0-41688E0A5016}" type="slidenum">
               <a:rPr lang="nl-NL" smtClean="0"/>
-              <a:t>‹nr.›</a:t>
+              <a:t>‹#›</a:t>
             </a:fld>
             <a:endParaRPr lang="nl-NL"/>
           </a:p>
@@ -1514,7 +1512,7 @@
           <a:p>
             <a:fld id="{3D636C07-7E76-46D3-B86B-6AF7C60E533E}" type="datetimeFigureOut">
               <a:rPr lang="nl-NL" smtClean="0"/>
-              <a:t>8-11-2020</a:t>
+              <a:t>08-11-2020</a:t>
             </a:fld>
             <a:endParaRPr lang="nl-NL"/>
           </a:p>
@@ -1556,7 +1554,7 @@
           <a:p>
             <a:fld id="{A9096D49-DAE3-40DE-93E0-41688E0A5016}" type="slidenum">
               <a:rPr lang="nl-NL" smtClean="0"/>
-              <a:t>‹nr.›</a:t>
+              <a:t>‹#›</a:t>
             </a:fld>
             <a:endParaRPr lang="nl-NL"/>
           </a:p>
@@ -1913,7 +1911,7 @@
           <a:p>
             <a:fld id="{3D636C07-7E76-46D3-B86B-6AF7C60E533E}" type="datetimeFigureOut">
               <a:rPr lang="nl-NL" smtClean="0"/>
-              <a:t>8-11-2020</a:t>
+              <a:t>08-11-2020</a:t>
             </a:fld>
             <a:endParaRPr lang="nl-NL"/>
           </a:p>
@@ -1955,7 +1953,7 @@
           <a:p>
             <a:fld id="{A9096D49-DAE3-40DE-93E0-41688E0A5016}" type="slidenum">
               <a:rPr lang="nl-NL" smtClean="0"/>
-              <a:t>‹nr.›</a:t>
+              <a:t>‹#›</a:t>
             </a:fld>
             <a:endParaRPr lang="nl-NL"/>
           </a:p>
@@ -2351,7 +2349,7 @@
           <a:p>
             <a:fld id="{3D636C07-7E76-46D3-B86B-6AF7C60E533E}" type="datetimeFigureOut">
               <a:rPr lang="nl-NL" smtClean="0"/>
-              <a:t>8-11-2020</a:t>
+              <a:t>08-11-2020</a:t>
             </a:fld>
             <a:endParaRPr lang="nl-NL"/>
           </a:p>
@@ -2393,7 +2391,7 @@
           <a:p>
             <a:fld id="{A9096D49-DAE3-40DE-93E0-41688E0A5016}" type="slidenum">
               <a:rPr lang="nl-NL" smtClean="0"/>
-              <a:t>‹nr.›</a:t>
+              <a:t>‹#›</a:t>
             </a:fld>
             <a:endParaRPr lang="nl-NL"/>
           </a:p>
@@ -2446,7 +2444,7 @@
           <a:p>
             <a:fld id="{3D636C07-7E76-46D3-B86B-6AF7C60E533E}" type="datetimeFigureOut">
               <a:rPr lang="nl-NL" smtClean="0"/>
-              <a:t>8-11-2020</a:t>
+              <a:t>08-11-2020</a:t>
             </a:fld>
             <a:endParaRPr lang="nl-NL"/>
           </a:p>
@@ -2488,7 +2486,7 @@
           <a:p>
             <a:fld id="{A9096D49-DAE3-40DE-93E0-41688E0A5016}" type="slidenum">
               <a:rPr lang="nl-NL" smtClean="0"/>
-              <a:t>‹nr.›</a:t>
+              <a:t>‹#›</a:t>
             </a:fld>
             <a:endParaRPr lang="nl-NL"/>
           </a:p>
@@ -2559,7 +2557,7 @@
           <a:p>
             <a:fld id="{3D636C07-7E76-46D3-B86B-6AF7C60E533E}" type="datetimeFigureOut">
               <a:rPr lang="nl-NL" smtClean="0"/>
-              <a:t>8-11-2020</a:t>
+              <a:t>08-11-2020</a:t>
             </a:fld>
             <a:endParaRPr lang="nl-NL"/>
           </a:p>
@@ -2601,7 +2599,7 @@
           <a:p>
             <a:fld id="{A9096D49-DAE3-40DE-93E0-41688E0A5016}" type="slidenum">
               <a:rPr lang="nl-NL" smtClean="0"/>
-              <a:t>‹nr.›</a:t>
+              <a:t>‹#›</a:t>
             </a:fld>
             <a:endParaRPr lang="nl-NL"/>
           </a:p>
@@ -2827,7 +2825,7 @@
           <a:p>
             <a:fld id="{3D636C07-7E76-46D3-B86B-6AF7C60E533E}" type="datetimeFigureOut">
               <a:rPr lang="nl-NL" smtClean="0"/>
-              <a:t>8-11-2020</a:t>
+              <a:t>08-11-2020</a:t>
             </a:fld>
             <a:endParaRPr lang="nl-NL"/>
           </a:p>
@@ -2869,7 +2867,7 @@
           <a:p>
             <a:fld id="{A9096D49-DAE3-40DE-93E0-41688E0A5016}" type="slidenum">
               <a:rPr lang="nl-NL" smtClean="0"/>
-              <a:t>‹nr.›</a:t>
+              <a:t>‹#›</a:t>
             </a:fld>
             <a:endParaRPr lang="nl-NL"/>
           </a:p>
@@ -3028,7 +3026,7 @@
           <a:p>
             <a:fld id="{3D636C07-7E76-46D3-B86B-6AF7C60E533E}" type="datetimeFigureOut">
               <a:rPr lang="nl-NL" smtClean="0"/>
-              <a:t>8-11-2020</a:t>
+              <a:t>08-11-2020</a:t>
             </a:fld>
             <a:endParaRPr lang="nl-NL"/>
           </a:p>
@@ -3093,7 +3091,7 @@
           <a:p>
             <a:fld id="{A9096D49-DAE3-40DE-93E0-41688E0A5016}" type="slidenum">
               <a:rPr lang="nl-NL" smtClean="0"/>
-              <a:t>‹nr.›</a:t>
+              <a:t>‹#›</a:t>
             </a:fld>
             <a:endParaRPr lang="nl-NL"/>
           </a:p>
@@ -4117,7 +4115,7 @@
           <a:p>
             <a:fld id="{3D636C07-7E76-46D3-B86B-6AF7C60E533E}" type="datetimeFigureOut">
               <a:rPr lang="nl-NL" smtClean="0"/>
-              <a:t>8-11-2020</a:t>
+              <a:t>08-11-2020</a:t>
             </a:fld>
             <a:endParaRPr lang="nl-NL"/>
           </a:p>
@@ -4193,7 +4191,7 @@
           <a:p>
             <a:fld id="{A9096D49-DAE3-40DE-93E0-41688E0A5016}" type="slidenum">
               <a:rPr lang="nl-NL" smtClean="0"/>
-              <a:t>‹nr.›</a:t>
+              <a:t>‹#›</a:t>
             </a:fld>
             <a:endParaRPr lang="nl-NL"/>
           </a:p>
@@ -4580,201 +4578,78 @@
           <a:chExt cx="0" cy="0"/>
         </a:xfrm>
       </p:grpSpPr>
-      <mc:AlternateContent xmlns:mc="http://schemas.openxmlformats.org/markup-compatibility/2006" xmlns:a14="http://schemas.microsoft.com/office/drawing/2010/main">
-        <mc:Choice Requires="a14">
-          <p:sp>
-            <p:nvSpPr>
-              <p:cNvPr id="2" name="Tijdelijke aanduiding voor inhoud 1"/>
-              <p:cNvSpPr>
-                <a:spLocks noGrp="1"/>
-              </p:cNvSpPr>
-              <p:nvPr>
-                <p:ph idx="1"/>
-              </p:nvPr>
-            </p:nvSpPr>
-            <p:spPr/>
-            <p:txBody>
-              <a:bodyPr/>
-              <a:lstStyle/>
-              <a:p>
-                <a:r>
-                  <a:rPr lang="nl-BE" dirty="0"/>
-                  <a:t>Counting Constraint Satisfaction Problem</a:t>
-                </a:r>
-              </a:p>
-              <a:p>
-                <a:pPr lvl="1"/>
-                <a:r>
-                  <a:rPr lang="nl-BE" dirty="0"/>
-                  <a:t>Find the number of satisfying assignments</a:t>
-                </a:r>
-              </a:p>
-              <a:p>
-                <a:pPr lvl="2"/>
-                <a14:m>
-                  <m:oMath xmlns:m="http://schemas.openxmlformats.org/officeDocument/2006/math">
-                    <m:r>
-                      <a:rPr lang="nl-BE" b="0" i="1" smtClean="0">
-                        <a:latin typeface="Cambria Math" panose="02040503050406030204" pitchFamily="18" charset="0"/>
-                      </a:rPr>
-                      <m:t>𝑀𝐶</m:t>
-                    </m:r>
-                    <m:d>
-                      <m:dPr>
-                        <m:begChr m:val="⟨"/>
-                        <m:endChr m:val="⟩"/>
-                        <m:ctrlPr>
-                          <a:rPr lang="nl-BE" b="0" i="1" smtClean="0">
-                            <a:latin typeface="Cambria Math"/>
-                          </a:rPr>
-                        </m:ctrlPr>
-                      </m:dPr>
-                      <m:e>
-                        <m:r>
-                          <a:rPr lang="nl-BE" b="0" i="1" smtClean="0">
-                            <a:latin typeface="Cambria Math" panose="02040503050406030204" pitchFamily="18" charset="0"/>
-                          </a:rPr>
-                          <m:t>𝑉</m:t>
-                        </m:r>
-                        <m:r>
-                          <a:rPr lang="nl-BE" b="0" i="1" smtClean="0">
-                            <a:latin typeface="Cambria Math" panose="02040503050406030204" pitchFamily="18" charset="0"/>
-                          </a:rPr>
-                          <m:t>,</m:t>
-                        </m:r>
-                        <m:r>
-                          <a:rPr lang="nl-BE" b="0" i="1" smtClean="0">
-                            <a:latin typeface="Cambria Math" panose="02040503050406030204" pitchFamily="18" charset="0"/>
-                          </a:rPr>
-                          <m:t>𝐷</m:t>
-                        </m:r>
-                        <m:r>
-                          <a:rPr lang="nl-BE" b="0" i="1" smtClean="0">
-                            <a:latin typeface="Cambria Math" panose="02040503050406030204" pitchFamily="18" charset="0"/>
-                          </a:rPr>
-                          <m:t>,</m:t>
-                        </m:r>
-                        <m:r>
-                          <a:rPr lang="nl-BE" b="0" i="1" smtClean="0">
-                            <a:latin typeface="Cambria Math" panose="02040503050406030204" pitchFamily="18" charset="0"/>
-                          </a:rPr>
-                          <m:t>𝐶</m:t>
-                        </m:r>
-                      </m:e>
-                    </m:d>
-                  </m:oMath>
-                </a14:m>
-                <a:endParaRPr lang="nl-BE" dirty="0"/>
-              </a:p>
-              <a:p>
-                <a:r>
-                  <a:rPr lang="nl-BE" dirty="0"/>
-                  <a:t>Combinatorics problems can be expressed as #CSPs</a:t>
-                </a:r>
-              </a:p>
-              <a:p>
-                <a:pPr lvl="1"/>
-                <a:r>
-                  <a:rPr lang="nl-BE" dirty="0"/>
-                  <a:t>Set </a:t>
-                </a:r>
-                <a14:m>
-                  <m:oMath xmlns:m="http://schemas.openxmlformats.org/officeDocument/2006/math">
-                    <m:r>
-                      <a:rPr lang="nl-BE" b="0" i="1" smtClean="0">
-                        <a:latin typeface="Cambria Math" panose="02040503050406030204" pitchFamily="18" charset="0"/>
-                      </a:rPr>
-                      <m:t>𝑋</m:t>
-                    </m:r>
-                  </m:oMath>
-                </a14:m>
-                <a:r>
-                  <a:rPr lang="nl-BE" dirty="0"/>
-                  <a:t> </a:t>
-                </a:r>
-                <a:r>
-                  <a:rPr lang="nl-BE" dirty="0">
-                    <a:sym typeface="Wingdings" pitchFamily="2" charset="2"/>
-                  </a:rPr>
-                  <a:t> set of variables</a:t>
-                </a:r>
-              </a:p>
-              <a:p>
-                <a:pPr lvl="1"/>
-                <a:r>
-                  <a:rPr lang="nl-BE" dirty="0">
-                    <a:sym typeface="Wingdings" pitchFamily="2" charset="2"/>
-                  </a:rPr>
-                  <a:t>Set </a:t>
-                </a:r>
-                <a14:m>
-                  <m:oMath xmlns:m="http://schemas.openxmlformats.org/officeDocument/2006/math">
-                    <m:r>
-                      <a:rPr lang="nl-BE" b="0" i="1" smtClean="0">
-                        <a:latin typeface="Cambria Math" panose="02040503050406030204" pitchFamily="18" charset="0"/>
-                        <a:sym typeface="Wingdings" pitchFamily="2" charset="2"/>
-                      </a:rPr>
-                      <m:t>𝑌</m:t>
-                    </m:r>
-                  </m:oMath>
-                </a14:m>
-                <a:r>
-                  <a:rPr lang="nl-BE" dirty="0"/>
-                  <a:t> </a:t>
-                </a:r>
-                <a:r>
-                  <a:rPr lang="nl-BE" dirty="0">
-                    <a:sym typeface="Wingdings" pitchFamily="2" charset="2"/>
-                  </a:rPr>
-                  <a:t> domain</a:t>
-                </a:r>
-              </a:p>
-              <a:p>
-                <a:r>
-                  <a:rPr lang="nl-BE" dirty="0">
-                    <a:sym typeface="Wingdings" pitchFamily="2" charset="2"/>
-                  </a:rPr>
-                  <a:t>Generalization of #SAT: counting the number of satsifying intepretations for a Boolean formula </a:t>
-                </a:r>
-                <a:endParaRPr lang="nl-BE" dirty="0"/>
-              </a:p>
-            </p:txBody>
-          </p:sp>
-        </mc:Choice>
-        <mc:Fallback xmlns="">
-          <p:sp>
-            <p:nvSpPr>
-              <p:cNvPr id="2" name="Tijdelijke aanduiding voor inhoud 1"/>
-              <p:cNvSpPr>
-                <a:spLocks noGrp="1" noRot="1" noChangeAspect="1" noMove="1" noResize="1" noEditPoints="1" noAdjustHandles="1" noChangeArrowheads="1" noChangeShapeType="1" noTextEdit="1"/>
-              </p:cNvSpPr>
-              <p:nvPr>
-                <p:ph idx="1"/>
-              </p:nvPr>
-            </p:nvSpPr>
-            <p:spPr>
-              <a:blipFill>
-                <a:blip r:embed="rId2"/>
-                <a:stretch>
-                  <a:fillRect t="-1401" r="-1389"/>
-                </a:stretch>
-              </a:blipFill>
-            </p:spPr>
-            <p:txBody>
-              <a:bodyPr/>
-              <a:lstStyle/>
-              <a:p>
-                <a:r>
-                  <a:rPr lang="en-BE">
-                    <a:noFill/>
-                  </a:rPr>
-                  <a:t> </a:t>
-                </a:r>
-              </a:p>
-            </p:txBody>
-          </p:sp>
-        </mc:Fallback>
-      </mc:AlternateContent>
+      <p:sp>
+        <p:nvSpPr>
+          <p:cNvPr id="2" name="Tijdelijke aanduiding voor inhoud 1"/>
+          <p:cNvSpPr>
+            <a:spLocks noGrp="1"/>
+          </p:cNvSpPr>
+          <p:nvPr>
+            <p:ph idx="1"/>
+          </p:nvPr>
+        </p:nvSpPr>
+        <p:spPr/>
+        <p:txBody>
+          <a:bodyPr/>
+          <a:lstStyle/>
+          <a:p>
+            <a:r>
+              <a:rPr lang="nl-BE" dirty="0"/>
+              <a:t>Elements</a:t>
+            </a:r>
+          </a:p>
+          <a:p>
+            <a:pPr lvl="1"/>
+            <a:r>
+              <a:rPr lang="nl-BE" dirty="0"/>
+              <a:t>Atomic objects</a:t>
+            </a:r>
+          </a:p>
+          <a:p>
+            <a:r>
+              <a:rPr lang="nl-BE" dirty="0"/>
+              <a:t>Domains</a:t>
+            </a:r>
+          </a:p>
+          <a:p>
+            <a:pPr lvl="1"/>
+            <a:r>
+              <a:rPr lang="nl-BE" dirty="0"/>
+              <a:t>Sets of elements</a:t>
+            </a:r>
+          </a:p>
+          <a:p>
+            <a:r>
+              <a:rPr lang="nl-BE" dirty="0" err="1"/>
+              <a:t>Structures</a:t>
+            </a:r>
+            <a:endParaRPr lang="nl-BE" dirty="0"/>
+          </a:p>
+          <a:p>
+            <a:pPr lvl="1"/>
+            <a:r>
+              <a:rPr lang="nl-BE" dirty="0" err="1"/>
+              <a:t>Twelvefold</a:t>
+            </a:r>
+            <a:r>
+              <a:rPr lang="nl-BE" dirty="0"/>
+              <a:t> way </a:t>
+            </a:r>
+            <a:r>
+              <a:rPr lang="nl-BE" dirty="0" err="1"/>
+              <a:t>problem</a:t>
+            </a:r>
+            <a:endParaRPr lang="nl-BE" dirty="0"/>
+          </a:p>
+          <a:p>
+            <a:pPr lvl="1"/>
+            <a:r>
+              <a:rPr lang="nl-BE" dirty="0"/>
+              <a:t>(D, F)</a:t>
+            </a:r>
+          </a:p>
+        </p:txBody>
+      </p:sp>
       <p:sp>
         <p:nvSpPr>
           <p:cNvPr id="3" name="Titel 2"/>
@@ -4791,16 +4666,17 @@
           <a:lstStyle/>
           <a:p>
             <a:r>
-              <a:rPr lang="nl-BE" dirty="0"/>
-              <a:t>#CSP</a:t>
-            </a:r>
+              <a:rPr lang="nl-BE" dirty="0" err="1"/>
+              <a:t>CoLa</a:t>
+            </a:r>
+            <a:endParaRPr lang="nl-BE" dirty="0"/>
           </a:p>
         </p:txBody>
       </p:sp>
     </p:spTree>
     <p:extLst>
       <p:ext uri="{BB962C8B-B14F-4D97-AF65-F5344CB8AC3E}">
-        <p14:creationId xmlns:p14="http://schemas.microsoft.com/office/powerpoint/2010/main" val="281160088"/>
+        <p14:creationId xmlns:p14="http://schemas.microsoft.com/office/powerpoint/2010/main" val="349216217"/>
       </p:ext>
     </p:extLst>
   </p:cSld>
@@ -4844,230 +4720,6 @@
           <a:p>
             <a:r>
               <a:rPr lang="nl-BE" dirty="0"/>
-              <a:t>#CSPs generalize #SAT</a:t>
-            </a:r>
-          </a:p>
-          <a:p>
-            <a:r>
-              <a:rPr lang="nl-BE" dirty="0"/>
-              <a:t>#SAT is #P-complete</a:t>
-            </a:r>
-          </a:p>
-          <a:p>
-            <a:pPr lvl="1"/>
-            <a:r>
-              <a:rPr lang="nl-BE" dirty="0"/>
-              <a:t>#P: class of counting problems</a:t>
-            </a:r>
-            <a:endParaRPr lang="nl-BE" dirty="0">
-              <a:sym typeface="Wingdings" pitchFamily="2" charset="2"/>
-            </a:endParaRPr>
-          </a:p>
-          <a:p>
-            <a:r>
-              <a:rPr lang="nl-BE" dirty="0">
-                <a:sym typeface="Wingdings" pitchFamily="2" charset="2"/>
-              </a:rPr>
-              <a:t>All counting problems can be reduced to #SATs</a:t>
-            </a:r>
-            <a:endParaRPr lang="nl-BE" dirty="0"/>
-          </a:p>
-        </p:txBody>
-      </p:sp>
-      <p:sp>
-        <p:nvSpPr>
-          <p:cNvPr id="3" name="Titel 2"/>
-          <p:cNvSpPr>
-            <a:spLocks noGrp="1"/>
-          </p:cNvSpPr>
-          <p:nvPr>
-            <p:ph type="title"/>
-          </p:nvPr>
-        </p:nvSpPr>
-        <p:spPr/>
-        <p:txBody>
-          <a:bodyPr/>
-          <a:lstStyle/>
-          <a:p>
-            <a:r>
-              <a:rPr lang="nl-BE" dirty="0"/>
-              <a:t>#SAT and #CSPs</a:t>
-            </a:r>
-          </a:p>
-        </p:txBody>
-      </p:sp>
-    </p:spTree>
-    <p:extLst>
-      <p:ext uri="{BB962C8B-B14F-4D97-AF65-F5344CB8AC3E}">
-        <p14:creationId xmlns:p14="http://schemas.microsoft.com/office/powerpoint/2010/main" val="842178977"/>
-      </p:ext>
-    </p:extLst>
-  </p:cSld>
-  <p:clrMapOvr>
-    <a:masterClrMapping/>
-  </p:clrMapOvr>
-</p:sld>
-</file>
-
-<file path=ppt/slides/slide12.xml><?xml version="1.0" encoding="utf-8"?>
-<p:sld xmlns:a="http://schemas.openxmlformats.org/drawingml/2006/main" xmlns:r="http://schemas.openxmlformats.org/officeDocument/2006/relationships" xmlns:p="http://schemas.openxmlformats.org/presentationml/2006/main">
-  <p:cSld>
-    <p:spTree>
-      <p:nvGrpSpPr>
-        <p:cNvPr id="1" name=""/>
-        <p:cNvGrpSpPr/>
-        <p:nvPr/>
-      </p:nvGrpSpPr>
-      <p:grpSpPr>
-        <a:xfrm>
-          <a:off x="0" y="0"/>
-          <a:ext cx="0" cy="0"/>
-          <a:chOff x="0" y="0"/>
-          <a:chExt cx="0" cy="0"/>
-        </a:xfrm>
-      </p:grpSpPr>
-      <p:sp>
-        <p:nvSpPr>
-          <p:cNvPr id="2" name="Tijdelijke aanduiding voor inhoud 1"/>
-          <p:cNvSpPr>
-            <a:spLocks noGrp="1"/>
-          </p:cNvSpPr>
-          <p:nvPr>
-            <p:ph idx="1"/>
-          </p:nvPr>
-        </p:nvSpPr>
-        <p:spPr/>
-        <p:txBody>
-          <a:bodyPr/>
-          <a:lstStyle/>
-          <a:p>
-            <a:r>
-              <a:rPr lang="nl-BE" dirty="0"/>
-              <a:t>Elements</a:t>
-            </a:r>
-          </a:p>
-          <a:p>
-            <a:pPr lvl="1"/>
-            <a:r>
-              <a:rPr lang="nl-BE" dirty="0"/>
-              <a:t>Atomic objects</a:t>
-            </a:r>
-          </a:p>
-          <a:p>
-            <a:r>
-              <a:rPr lang="nl-BE" dirty="0"/>
-              <a:t>Domains</a:t>
-            </a:r>
-          </a:p>
-          <a:p>
-            <a:pPr lvl="1"/>
-            <a:r>
-              <a:rPr lang="nl-BE" dirty="0"/>
-              <a:t>Sets of elements</a:t>
-            </a:r>
-          </a:p>
-          <a:p>
-            <a:r>
-              <a:rPr lang="nl-BE" dirty="0" err="1"/>
-              <a:t>Structures</a:t>
-            </a:r>
-            <a:endParaRPr lang="nl-BE" dirty="0"/>
-          </a:p>
-          <a:p>
-            <a:pPr lvl="1"/>
-            <a:r>
-              <a:rPr lang="nl-BE" dirty="0" err="1"/>
-              <a:t>Twelvefold</a:t>
-            </a:r>
-            <a:r>
-              <a:rPr lang="nl-BE" dirty="0"/>
-              <a:t> way </a:t>
-            </a:r>
-            <a:r>
-              <a:rPr lang="nl-BE" dirty="0" err="1"/>
-              <a:t>problem</a:t>
-            </a:r>
-            <a:endParaRPr lang="nl-BE" dirty="0"/>
-          </a:p>
-          <a:p>
-            <a:pPr lvl="1"/>
-            <a:r>
-              <a:rPr lang="nl-BE" dirty="0"/>
-              <a:t>(D, F)</a:t>
-            </a:r>
-          </a:p>
-        </p:txBody>
-      </p:sp>
-      <p:sp>
-        <p:nvSpPr>
-          <p:cNvPr id="3" name="Titel 2"/>
-          <p:cNvSpPr>
-            <a:spLocks noGrp="1"/>
-          </p:cNvSpPr>
-          <p:nvPr>
-            <p:ph type="title"/>
-          </p:nvPr>
-        </p:nvSpPr>
-        <p:spPr/>
-        <p:txBody>
-          <a:bodyPr/>
-          <a:lstStyle/>
-          <a:p>
-            <a:r>
-              <a:rPr lang="nl-BE" dirty="0" err="1"/>
-              <a:t>CoLa</a:t>
-            </a:r>
-            <a:endParaRPr lang="nl-BE" dirty="0"/>
-          </a:p>
-        </p:txBody>
-      </p:sp>
-    </p:spTree>
-    <p:extLst>
-      <p:ext uri="{BB962C8B-B14F-4D97-AF65-F5344CB8AC3E}">
-        <p14:creationId xmlns:p14="http://schemas.microsoft.com/office/powerpoint/2010/main" val="349216217"/>
-      </p:ext>
-    </p:extLst>
-  </p:cSld>
-  <p:clrMapOvr>
-    <a:masterClrMapping/>
-  </p:clrMapOvr>
-</p:sld>
-</file>
-
-<file path=ppt/slides/slide13.xml><?xml version="1.0" encoding="utf-8"?>
-<p:sld xmlns:a="http://schemas.openxmlformats.org/drawingml/2006/main" xmlns:r="http://schemas.openxmlformats.org/officeDocument/2006/relationships" xmlns:p="http://schemas.openxmlformats.org/presentationml/2006/main">
-  <p:cSld>
-    <p:spTree>
-      <p:nvGrpSpPr>
-        <p:cNvPr id="1" name=""/>
-        <p:cNvGrpSpPr/>
-        <p:nvPr/>
-      </p:nvGrpSpPr>
-      <p:grpSpPr>
-        <a:xfrm>
-          <a:off x="0" y="0"/>
-          <a:ext cx="0" cy="0"/>
-          <a:chOff x="0" y="0"/>
-          <a:chExt cx="0" cy="0"/>
-        </a:xfrm>
-      </p:grpSpPr>
-      <p:sp>
-        <p:nvSpPr>
-          <p:cNvPr id="2" name="Tijdelijke aanduiding voor inhoud 1"/>
-          <p:cNvSpPr>
-            <a:spLocks noGrp="1"/>
-          </p:cNvSpPr>
-          <p:nvPr>
-            <p:ph idx="1"/>
-          </p:nvPr>
-        </p:nvSpPr>
-        <p:spPr/>
-        <p:txBody>
-          <a:bodyPr/>
-          <a:lstStyle/>
-          <a:p>
-            <a:r>
-              <a:rPr lang="nl-BE" dirty="0"/>
               <a:t>Domain </a:t>
             </a:r>
             <a:r>
@@ -5201,7 +4853,7 @@
 </p:sld>
 </file>
 
-<file path=ppt/slides/slide14.xml><?xml version="1.0" encoding="utf-8"?>
+<file path=ppt/slides/slide12.xml><?xml version="1.0" encoding="utf-8"?>
 <p:sld xmlns:a="http://schemas.openxmlformats.org/drawingml/2006/main" xmlns:r="http://schemas.openxmlformats.org/officeDocument/2006/relationships" xmlns:p="http://schemas.openxmlformats.org/presentationml/2006/main">
   <p:cSld>
     <p:spTree>
@@ -5259,7 +4911,7 @@
                       <m:sSubPr>
                         <m:ctrlPr>
                           <a:rPr lang="x-none" i="1">
-                            <a:latin typeface="Cambria Math"/>
+                            <a:latin typeface="Cambria Math" panose="02040503050406030204" pitchFamily="18" charset="0"/>
                           </a:rPr>
                         </m:ctrlPr>
                       </m:sSubPr>
@@ -5290,7 +4942,7 @@
                       <m:sSubPr>
                         <m:ctrlPr>
                           <a:rPr lang="x-none" i="1">
-                            <a:latin typeface="Cambria Math"/>
+                            <a:latin typeface="Cambria Math" panose="02040503050406030204" pitchFamily="18" charset="0"/>
                           </a:rPr>
                         </m:ctrlPr>
                       </m:sSubPr>
@@ -5330,7 +4982,7 @@
                       <m:sSubPr>
                         <m:ctrlPr>
                           <a:rPr lang="x-none" i="1">
-                            <a:latin typeface="Cambria Math"/>
+                            <a:latin typeface="Cambria Math" panose="02040503050406030204" pitchFamily="18" charset="0"/>
                           </a:rPr>
                         </m:ctrlPr>
                       </m:sSubPr>
@@ -5361,7 +5013,7 @@
                       <m:sSubPr>
                         <m:ctrlPr>
                           <a:rPr lang="x-none" i="1">
-                            <a:latin typeface="Cambria Math"/>
+                            <a:latin typeface="Cambria Math" panose="02040503050406030204" pitchFamily="18" charset="0"/>
                           </a:rPr>
                         </m:ctrlPr>
                       </m:sSubPr>
@@ -5392,7 +5044,7 @@
                       <m:sSubPr>
                         <m:ctrlPr>
                           <a:rPr lang="x-none" i="1">
-                            <a:latin typeface="Cambria Math"/>
+                            <a:latin typeface="Cambria Math" panose="02040503050406030204" pitchFamily="18" charset="0"/>
                           </a:rPr>
                         </m:ctrlPr>
                       </m:sSubPr>
@@ -5423,7 +5075,7 @@
                       <m:sSubPr>
                         <m:ctrlPr>
                           <a:rPr lang="x-none" i="1">
-                            <a:latin typeface="Cambria Math"/>
+                            <a:latin typeface="Cambria Math" panose="02040503050406030204" pitchFamily="18" charset="0"/>
                           </a:rPr>
                         </m:ctrlPr>
                       </m:sSubPr>
@@ -5477,7 +5129,7 @@
                       <m:sSubPr>
                         <m:ctrlPr>
                           <a:rPr lang="x-none" i="1">
-                            <a:latin typeface="Cambria Math"/>
+                            <a:latin typeface="Cambria Math" panose="02040503050406030204" pitchFamily="18" charset="0"/>
                           </a:rPr>
                         </m:ctrlPr>
                       </m:sSubPr>
@@ -5508,7 +5160,7 @@
                       <m:sSubPr>
                         <m:ctrlPr>
                           <a:rPr lang="x-none" i="1">
-                            <a:latin typeface="Cambria Math"/>
+                            <a:latin typeface="Cambria Math" panose="02040503050406030204" pitchFamily="18" charset="0"/>
                           </a:rPr>
                         </m:ctrlPr>
                       </m:sSubPr>
@@ -5545,7 +5197,7 @@
                       <m:sSubPr>
                         <m:ctrlPr>
                           <a:rPr lang="x-none" i="1">
-                            <a:latin typeface="Cambria Math"/>
+                            <a:latin typeface="Cambria Math" panose="02040503050406030204" pitchFamily="18" charset="0"/>
                           </a:rPr>
                         </m:ctrlPr>
                       </m:sSubPr>
@@ -5576,7 +5228,7 @@
                       <m:sSubPr>
                         <m:ctrlPr>
                           <a:rPr lang="x-none" i="1">
-                            <a:latin typeface="Cambria Math"/>
+                            <a:latin typeface="Cambria Math" panose="02040503050406030204" pitchFamily="18" charset="0"/>
                           </a:rPr>
                         </m:ctrlPr>
                       </m:sSubPr>
@@ -5700,7 +5352,7 @@
 </p:sld>
 </file>
 
-<file path=ppt/slides/slide15.xml><?xml version="1.0" encoding="utf-8"?>
+<file path=ppt/slides/slide13.xml><?xml version="1.0" encoding="utf-8"?>
 <p:sld xmlns:a="http://schemas.openxmlformats.org/drawingml/2006/main" xmlns:r="http://schemas.openxmlformats.org/officeDocument/2006/relationships" xmlns:p="http://schemas.openxmlformats.org/presentationml/2006/main">
   <p:cSld>
     <p:spTree>
@@ -5755,7 +5407,7 @@
                       <m:sSubPr>
                         <m:ctrlPr>
                           <a:rPr lang="x-none" i="1">
-                            <a:latin typeface="Cambria Math"/>
+                            <a:latin typeface="Cambria Math" panose="02040503050406030204" pitchFamily="18" charset="0"/>
                           </a:rPr>
                         </m:ctrlPr>
                       </m:sSubPr>
@@ -5786,7 +5438,7 @@
                       <m:sSubPr>
                         <m:ctrlPr>
                           <a:rPr lang="x-none" i="1">
-                            <a:latin typeface="Cambria Math"/>
+                            <a:latin typeface="Cambria Math" panose="02040503050406030204" pitchFamily="18" charset="0"/>
                           </a:rPr>
                         </m:ctrlPr>
                       </m:sSubPr>
@@ -5817,7 +5469,7 @@
                       <m:sSubPr>
                         <m:ctrlPr>
                           <a:rPr lang="x-none" i="1">
-                            <a:latin typeface="Cambria Math"/>
+                            <a:latin typeface="Cambria Math" panose="02040503050406030204" pitchFamily="18" charset="0"/>
                           </a:rPr>
                         </m:ctrlPr>
                       </m:sSubPr>
@@ -5848,7 +5500,7 @@
                       <m:sSubPr>
                         <m:ctrlPr>
                           <a:rPr lang="x-none" i="1">
-                            <a:latin typeface="Cambria Math"/>
+                            <a:latin typeface="Cambria Math" panose="02040503050406030204" pitchFamily="18" charset="0"/>
                           </a:rPr>
                         </m:ctrlPr>
                       </m:sSubPr>
@@ -5879,7 +5531,7 @@
                       <m:sSubPr>
                         <m:ctrlPr>
                           <a:rPr lang="x-none" i="1">
-                            <a:latin typeface="Cambria Math"/>
+                            <a:latin typeface="Cambria Math" panose="02040503050406030204" pitchFamily="18" charset="0"/>
                           </a:rPr>
                         </m:ctrlPr>
                       </m:sSubPr>
@@ -6040,7 +5692,7 @@
 </p:sld>
 </file>
 
-<file path=ppt/slides/slide16.xml><?xml version="1.0" encoding="utf-8"?>
+<file path=ppt/slides/slide14.xml><?xml version="1.0" encoding="utf-8"?>
 <p:sld xmlns:a="http://schemas.openxmlformats.org/drawingml/2006/main" xmlns:r="http://schemas.openxmlformats.org/officeDocument/2006/relationships" xmlns:p="http://schemas.openxmlformats.org/presentationml/2006/main">
   <p:cSld>
     <p:spTree>
@@ -6099,7 +5751,7 @@
                       <m:dPr>
                         <m:ctrlPr>
                           <a:rPr lang="nl-BE" b="0" i="1" smtClean="0">
-                            <a:latin typeface="Cambria Math"/>
+                            <a:latin typeface="Cambria Math" panose="02040503050406030204" pitchFamily="18" charset="0"/>
                           </a:rPr>
                         </m:ctrlPr>
                       </m:dPr>
@@ -6108,7 +5760,7 @@
                           <m:sSubPr>
                             <m:ctrlPr>
                               <a:rPr lang="nl-BE" b="0" i="1" smtClean="0">
-                                <a:latin typeface="Cambria Math"/>
+                                <a:latin typeface="Cambria Math" panose="02040503050406030204" pitchFamily="18" charset="0"/>
                               </a:rPr>
                             </m:ctrlPr>
                           </m:sSubPr>
@@ -6140,7 +5792,7 @@
                           <m:sSubPr>
                             <m:ctrlPr>
                               <a:rPr lang="nl-BE" b="0" i="1" smtClean="0">
-                                <a:latin typeface="Cambria Math"/>
+                                <a:latin typeface="Cambria Math" panose="02040503050406030204" pitchFamily="18" charset="0"/>
                                 <a:ea typeface="Cambria Math" panose="02040503050406030204" pitchFamily="18" charset="0"/>
                               </a:rPr>
                             </m:ctrlPr>
@@ -6189,7 +5841,7 @@
                           <m:sSubPr>
                             <m:ctrlPr>
                               <a:rPr lang="nl-BE" b="0" i="1" smtClean="0">
-                                <a:latin typeface="Cambria Math"/>
+                                <a:latin typeface="Cambria Math" panose="02040503050406030204" pitchFamily="18" charset="0"/>
                                 <a:ea typeface="Cambria Math" panose="02040503050406030204" pitchFamily="18" charset="0"/>
                               </a:rPr>
                             </m:ctrlPr>
@@ -6224,7 +5876,7 @@
                           <m:sSubPr>
                             <m:ctrlPr>
                               <a:rPr lang="nl-BE" b="0" i="1" smtClean="0">
-                                <a:latin typeface="Cambria Math"/>
+                                <a:latin typeface="Cambria Math" panose="02040503050406030204" pitchFamily="18" charset="0"/>
                                 <a:ea typeface="Cambria Math" panose="02040503050406030204" pitchFamily="18" charset="0"/>
                               </a:rPr>
                             </m:ctrlPr>
@@ -6268,7 +5920,7 @@
                       <m:dPr>
                         <m:ctrlPr>
                           <a:rPr lang="nl-BE" b="0" i="1" smtClean="0">
-                            <a:latin typeface="Cambria Math"/>
+                            <a:latin typeface="Cambria Math" panose="02040503050406030204" pitchFamily="18" charset="0"/>
                             <a:ea typeface="Cambria Math" panose="02040503050406030204" pitchFamily="18" charset="0"/>
                           </a:rPr>
                         </m:ctrlPr>
@@ -6278,7 +5930,7 @@
                           <m:sSubPr>
                             <m:ctrlPr>
                               <a:rPr lang="nl-BE" b="0" i="1" smtClean="0">
-                                <a:latin typeface="Cambria Math"/>
+                                <a:latin typeface="Cambria Math" panose="02040503050406030204" pitchFamily="18" charset="0"/>
                                 <a:ea typeface="Cambria Math" panose="02040503050406030204" pitchFamily="18" charset="0"/>
                               </a:rPr>
                             </m:ctrlPr>
@@ -6327,7 +5979,7 @@
                           <m:sSubPr>
                             <m:ctrlPr>
                               <a:rPr lang="nl-BE" b="0" i="1" smtClean="0">
-                                <a:latin typeface="Cambria Math"/>
+                                <a:latin typeface="Cambria Math" panose="02040503050406030204" pitchFamily="18" charset="0"/>
                                 <a:ea typeface="Cambria Math" panose="02040503050406030204" pitchFamily="18" charset="0"/>
                               </a:rPr>
                             </m:ctrlPr>
@@ -6371,7 +6023,7 @@
                       <m:dPr>
                         <m:ctrlPr>
                           <a:rPr lang="nl-BE" b="0" i="1" smtClean="0">
-                            <a:latin typeface="Cambria Math"/>
+                            <a:latin typeface="Cambria Math" panose="02040503050406030204" pitchFamily="18" charset="0"/>
                             <a:ea typeface="Cambria Math" panose="02040503050406030204" pitchFamily="18" charset="0"/>
                           </a:rPr>
                         </m:ctrlPr>
@@ -6381,7 +6033,7 @@
                           <m:sSubPr>
                             <m:ctrlPr>
                               <a:rPr lang="nl-BE" b="0" i="1" smtClean="0">
-                                <a:latin typeface="Cambria Math"/>
+                                <a:latin typeface="Cambria Math" panose="02040503050406030204" pitchFamily="18" charset="0"/>
                                 <a:ea typeface="Cambria Math" panose="02040503050406030204" pitchFamily="18" charset="0"/>
                               </a:rPr>
                             </m:ctrlPr>
@@ -6430,7 +6082,7 @@
                           <m:sSubPr>
                             <m:ctrlPr>
                               <a:rPr lang="nl-BE" b="0" i="1" smtClean="0">
-                                <a:latin typeface="Cambria Math"/>
+                                <a:latin typeface="Cambria Math" panose="02040503050406030204" pitchFamily="18" charset="0"/>
                                 <a:ea typeface="Cambria Math" panose="02040503050406030204" pitchFamily="18" charset="0"/>
                               </a:rPr>
                             </m:ctrlPr>
@@ -6467,7 +6119,7 @@
                       <m:sSubPr>
                         <m:ctrlPr>
                           <a:rPr lang="nl-BE" b="0" i="1" smtClean="0">
-                            <a:latin typeface="Cambria Math"/>
+                            <a:latin typeface="Cambria Math" panose="02040503050406030204" pitchFamily="18" charset="0"/>
                             <a:ea typeface="Cambria Math" panose="02040503050406030204" pitchFamily="18" charset="0"/>
                           </a:rPr>
                         </m:ctrlPr>
@@ -6502,7 +6154,7 @@
                       <m:sSubPr>
                         <m:ctrlPr>
                           <a:rPr lang="nl-BE" i="1" smtClean="0">
-                            <a:latin typeface="Cambria Math"/>
+                            <a:latin typeface="Cambria Math" panose="02040503050406030204" pitchFamily="18" charset="0"/>
                             <a:ea typeface="Cambria Math" panose="02040503050406030204" pitchFamily="18" charset="0"/>
                           </a:rPr>
                         </m:ctrlPr>
@@ -6655,7 +6307,7 @@
 </p:sld>
 </file>
 
-<file path=ppt/slides/slide17.xml><?xml version="1.0" encoding="utf-8"?>
+<file path=ppt/slides/slide15.xml><?xml version="1.0" encoding="utf-8"?>
 <p:sld xmlns:a="http://schemas.openxmlformats.org/drawingml/2006/main" xmlns:r="http://schemas.openxmlformats.org/officeDocument/2006/relationships" xmlns:p="http://schemas.openxmlformats.org/presentationml/2006/main">
   <p:cSld>
     <p:spTree>
@@ -6721,7 +6373,7 @@
                         <m:endChr m:val="}"/>
                         <m:ctrlPr>
                           <a:rPr lang="nl-BE" b="0" i="1" smtClean="0">
-                            <a:latin typeface="Cambria Math"/>
+                            <a:latin typeface="Cambria Math" panose="02040503050406030204" pitchFamily="18" charset="0"/>
                           </a:rPr>
                         </m:ctrlPr>
                       </m:dPr>
@@ -6730,7 +6382,7 @@
                           <m:sSubPr>
                             <m:ctrlPr>
                               <a:rPr lang="nl-BE" b="0" i="1" smtClean="0">
-                                <a:latin typeface="Cambria Math"/>
+                                <a:latin typeface="Cambria Math" panose="02040503050406030204" pitchFamily="18" charset="0"/>
                               </a:rPr>
                             </m:ctrlPr>
                           </m:sSubPr>
@@ -6762,7 +6414,7 @@
                           <m:sSubPr>
                             <m:ctrlPr>
                               <a:rPr lang="nl-BE" b="0" i="1" smtClean="0">
-                                <a:latin typeface="Cambria Math"/>
+                                <a:latin typeface="Cambria Math" panose="02040503050406030204" pitchFamily="18" charset="0"/>
                                 <a:ea typeface="Cambria Math" panose="02040503050406030204" pitchFamily="18" charset="0"/>
                               </a:rPr>
                             </m:ctrlPr>
@@ -6806,7 +6458,7 @@
                         <m:endChr m:val="}"/>
                         <m:ctrlPr>
                           <a:rPr lang="nl-BE" b="0" i="1" smtClean="0">
-                            <a:latin typeface="Cambria Math"/>
+                            <a:latin typeface="Cambria Math" panose="02040503050406030204" pitchFamily="18" charset="0"/>
                           </a:rPr>
                         </m:ctrlPr>
                       </m:dPr>
@@ -6815,7 +6467,7 @@
                           <m:sSubPr>
                             <m:ctrlPr>
                               <a:rPr lang="nl-BE" i="1" smtClean="0">
-                                <a:latin typeface="Cambria Math"/>
+                                <a:latin typeface="Cambria Math" panose="02040503050406030204" pitchFamily="18" charset="0"/>
                               </a:rPr>
                             </m:ctrlPr>
                           </m:sSubPr>
@@ -6854,7 +6506,7 @@
                       <m:sSubPr>
                         <m:ctrlPr>
                           <a:rPr lang="nl-BE" b="0" i="1" smtClean="0">
-                            <a:latin typeface="Cambria Math"/>
+                            <a:latin typeface="Cambria Math" panose="02040503050406030204" pitchFamily="18" charset="0"/>
                           </a:rPr>
                         </m:ctrlPr>
                       </m:sSubPr>
@@ -6926,7 +6578,7 @@
                         <m:endChr m:val="}"/>
                         <m:ctrlPr>
                           <a:rPr lang="nl-BE" i="1">
-                            <a:latin typeface="Cambria Math"/>
+                            <a:latin typeface="Cambria Math" panose="02040503050406030204" pitchFamily="18" charset="0"/>
                           </a:rPr>
                         </m:ctrlPr>
                       </m:dPr>
@@ -6935,7 +6587,7 @@
                           <m:sSubPr>
                             <m:ctrlPr>
                               <a:rPr lang="nl-BE" i="1">
-                                <a:latin typeface="Cambria Math"/>
+                                <a:latin typeface="Cambria Math" panose="02040503050406030204" pitchFamily="18" charset="0"/>
                               </a:rPr>
                             </m:ctrlPr>
                           </m:sSubPr>
@@ -6982,7 +6634,7 @@
                         <m:endChr m:val="}"/>
                         <m:ctrlPr>
                           <a:rPr lang="nl-BE" i="1">
-                            <a:latin typeface="Cambria Math"/>
+                            <a:latin typeface="Cambria Math" panose="02040503050406030204" pitchFamily="18" charset="0"/>
                           </a:rPr>
                         </m:ctrlPr>
                       </m:dPr>
@@ -6991,7 +6643,7 @@
                           <m:sSubPr>
                             <m:ctrlPr>
                               <a:rPr lang="nl-BE" i="1">
-                                <a:latin typeface="Cambria Math"/>
+                                <a:latin typeface="Cambria Math" panose="02040503050406030204" pitchFamily="18" charset="0"/>
                               </a:rPr>
                             </m:ctrlPr>
                           </m:sSubPr>
@@ -7146,7 +6798,7 @@
 </p:sld>
 </file>
 
-<file path=ppt/slides/slide18.xml><?xml version="1.0" encoding="utf-8"?>
+<file path=ppt/slides/slide16.xml><?xml version="1.0" encoding="utf-8"?>
 <p:sld xmlns:a="http://schemas.openxmlformats.org/drawingml/2006/main" xmlns:r="http://schemas.openxmlformats.org/officeDocument/2006/relationships" xmlns:p="http://schemas.openxmlformats.org/presentationml/2006/main">
   <p:cSld>
     <p:spTree>
@@ -7168,7 +6820,7 @@
           <p:cNvPr id="2" name="Content Placeholder 1">
             <a:extLst>
               <a:ext uri="{FF2B5EF4-FFF2-40B4-BE49-F238E27FC236}">
-                <a16:creationId xmlns="" xmlns:a16="http://schemas.microsoft.com/office/drawing/2014/main" id="{40AC8F06-1FD3-6E47-8949-AA6CB8C87572}"/>
+                <a16:creationId xmlns:a16="http://schemas.microsoft.com/office/drawing/2014/main" id="{40AC8F06-1FD3-6E47-8949-AA6CB8C87572}"/>
               </a:ext>
             </a:extLst>
           </p:cNvPr>
@@ -7220,7 +6872,7 @@
           <p:cNvPr id="3" name="Title 2">
             <a:extLst>
               <a:ext uri="{FF2B5EF4-FFF2-40B4-BE49-F238E27FC236}">
-                <a16:creationId xmlns="" xmlns:a16="http://schemas.microsoft.com/office/drawing/2014/main" id="{BBB10FF4-8CAC-EB46-A675-41388AFE627D}"/>
+                <a16:creationId xmlns:a16="http://schemas.microsoft.com/office/drawing/2014/main" id="{BBB10FF4-8CAC-EB46-A675-41388AFE627D}"/>
               </a:ext>
             </a:extLst>
           </p:cNvPr>
@@ -7248,7 +6900,7 @@
           <p:cNvPr id="5" name="Picture 4" descr="Graphical user interface, chart, application&#10;&#10;Description automatically generated">
             <a:extLst>
               <a:ext uri="{FF2B5EF4-FFF2-40B4-BE49-F238E27FC236}">
-                <a16:creationId xmlns="" xmlns:a16="http://schemas.microsoft.com/office/drawing/2014/main" id="{34BD57AA-CF61-8D4B-99F0-56A11B84728D}"/>
+                <a16:creationId xmlns:a16="http://schemas.microsoft.com/office/drawing/2014/main" id="{34BD57AA-CF61-8D4B-99F0-56A11B84728D}"/>
               </a:ext>
             </a:extLst>
           </p:cNvPr>
@@ -7292,7 +6944,7 @@
 </p:sld>
 </file>
 
-<file path=ppt/slides/slide19.xml><?xml version="1.0" encoding="utf-8"?>
+<file path=ppt/slides/slide17.xml><?xml version="1.0" encoding="utf-8"?>
 <p:sld xmlns:a="http://schemas.openxmlformats.org/drawingml/2006/main" xmlns:r="http://schemas.openxmlformats.org/officeDocument/2006/relationships" xmlns:p="http://schemas.openxmlformats.org/presentationml/2006/main">
   <p:cSld>
     <p:spTree>
@@ -7346,13 +6998,8 @@
             </a:r>
             <a:r>
               <a:rPr lang="nl-BE" dirty="0"/>
-              <a:t> </a:t>
-            </a:r>
-            <a:r>
-              <a:rPr lang="nl-BE" dirty="0" smtClean="0"/>
-              <a:t>Interface</a:t>
-            </a:r>
-            <a:endParaRPr lang="nl-BE" dirty="0"/>
+              <a:t> Interface</a:t>
+            </a:r>
           </a:p>
           <a:p>
             <a:r>
@@ -7365,21 +7012,17 @@
             </a:r>
             <a:r>
               <a:rPr lang="nl-BE" dirty="0"/>
-              <a:t> </a:t>
-            </a:r>
-            <a:r>
-              <a:rPr lang="nl-BE" dirty="0" smtClean="0"/>
-              <a:t>steps</a:t>
+              <a:t> steps</a:t>
             </a:r>
           </a:p>
           <a:p>
             <a:pPr lvl="1"/>
             <a:r>
-              <a:rPr lang="nl-BE" dirty="0" err="1" smtClean="0"/>
+              <a:rPr lang="nl-BE" dirty="0" err="1"/>
               <a:t>Breaking</a:t>
             </a:r>
             <a:r>
-              <a:rPr lang="nl-BE" dirty="0" smtClean="0"/>
+              <a:rPr lang="nl-BE" dirty="0"/>
               <a:t> </a:t>
             </a:r>
             <a:r>
@@ -7388,20 +7031,15 @@
             </a:r>
             <a:r>
               <a:rPr lang="nl-BE" dirty="0"/>
-              <a:t> </a:t>
-            </a:r>
-            <a:r>
-              <a:rPr lang="nl-BE" dirty="0" smtClean="0"/>
-              <a:t>down</a:t>
+              <a:t> down</a:t>
             </a:r>
           </a:p>
           <a:p>
             <a:pPr lvl="1"/>
             <a:r>
-              <a:rPr lang="nl-BE" dirty="0" smtClean="0"/>
+              <a:rPr lang="nl-BE" dirty="0"/>
               <a:t>Human thinking</a:t>
             </a:r>
-            <a:endParaRPr lang="nl-BE" dirty="0"/>
           </a:p>
           <a:p>
             <a:pPr lvl="1"/>
@@ -7529,6 +7167,570 @@
 </p:sld>
 </file>
 
+<file path=ppt/slides/slide18.xml><?xml version="1.0" encoding="utf-8"?>
+<p:sld xmlns:a="http://schemas.openxmlformats.org/drawingml/2006/main" xmlns:r="http://schemas.openxmlformats.org/officeDocument/2006/relationships" xmlns:p="http://schemas.openxmlformats.org/presentationml/2006/main">
+  <p:cSld>
+    <p:spTree>
+      <p:nvGrpSpPr>
+        <p:cNvPr id="1" name=""/>
+        <p:cNvGrpSpPr/>
+        <p:nvPr/>
+      </p:nvGrpSpPr>
+      <p:grpSpPr>
+        <a:xfrm>
+          <a:off x="0" y="0"/>
+          <a:ext cx="0" cy="0"/>
+          <a:chOff x="0" y="0"/>
+          <a:chExt cx="0" cy="0"/>
+        </a:xfrm>
+      </p:grpSpPr>
+      <p:sp>
+        <p:nvSpPr>
+          <p:cNvPr id="2" name="Tijdelijke aanduiding voor inhoud 1"/>
+          <p:cNvSpPr>
+            <a:spLocks noGrp="1"/>
+          </p:cNvSpPr>
+          <p:nvPr>
+            <p:ph idx="1"/>
+          </p:nvPr>
+        </p:nvSpPr>
+        <p:spPr/>
+        <p:txBody>
+          <a:bodyPr/>
+          <a:lstStyle/>
+          <a:p>
+            <a:r>
+              <a:rPr lang="nl-BE" dirty="0" err="1"/>
+              <a:t>Godot</a:t>
+            </a:r>
+            <a:r>
+              <a:rPr lang="nl-BE" dirty="0"/>
+              <a:t> Engine</a:t>
+            </a:r>
+          </a:p>
+          <a:p>
+            <a:pPr lvl="1"/>
+            <a:r>
+              <a:rPr lang="nl-BE" dirty="0" err="1"/>
+              <a:t>GDscript</a:t>
+            </a:r>
+            <a:endParaRPr lang="nl-BE" dirty="0"/>
+          </a:p>
+          <a:p>
+            <a:pPr lvl="1"/>
+            <a:r>
+              <a:rPr lang="nl-BE" dirty="0" err="1"/>
+              <a:t>External</a:t>
+            </a:r>
+            <a:r>
+              <a:rPr lang="nl-BE" dirty="0"/>
+              <a:t> files</a:t>
+            </a:r>
+          </a:p>
+          <a:p>
+            <a:r>
+              <a:rPr lang="nl-BE" dirty="0"/>
+              <a:t>Steps</a:t>
+            </a:r>
+          </a:p>
+          <a:p>
+            <a:pPr lvl="1"/>
+            <a:r>
+              <a:rPr lang="nl-BE" dirty="0" err="1"/>
+              <a:t>Venn</a:t>
+            </a:r>
+            <a:r>
+              <a:rPr lang="nl-BE" dirty="0"/>
+              <a:t> </a:t>
+            </a:r>
+            <a:r>
+              <a:rPr lang="nl-BE" dirty="0" err="1"/>
+              <a:t>diagrams</a:t>
+            </a:r>
+            <a:endParaRPr lang="nl-BE" dirty="0"/>
+          </a:p>
+          <a:p>
+            <a:pPr lvl="1"/>
+            <a:r>
+              <a:rPr lang="nl-BE" dirty="0"/>
+              <a:t>Basic </a:t>
+            </a:r>
+            <a:r>
+              <a:rPr lang="nl-BE" dirty="0" err="1"/>
+              <a:t>problems</a:t>
+            </a:r>
+            <a:endParaRPr lang="nl-BE" dirty="0"/>
+          </a:p>
+          <a:p>
+            <a:pPr lvl="1"/>
+            <a:r>
+              <a:rPr lang="nl-BE" dirty="0" err="1"/>
+              <a:t>Constraints</a:t>
+            </a:r>
+            <a:endParaRPr lang="nl-BE" dirty="0"/>
+          </a:p>
+          <a:p>
+            <a:r>
+              <a:rPr lang="nl-BE" dirty="0"/>
+              <a:t>Area </a:t>
+            </a:r>
+            <a:r>
+              <a:rPr lang="nl-BE" dirty="0" err="1"/>
+              <a:t>Proportional</a:t>
+            </a:r>
+            <a:r>
+              <a:rPr lang="nl-BE" dirty="0"/>
+              <a:t> </a:t>
+            </a:r>
+            <a:r>
+              <a:rPr lang="nl-BE" dirty="0" err="1"/>
+              <a:t>Venn</a:t>
+            </a:r>
+            <a:endParaRPr lang="nl-BE" dirty="0"/>
+          </a:p>
+          <a:p>
+            <a:pPr lvl="1"/>
+            <a:r>
+              <a:rPr lang="nl-BE" dirty="0" err="1"/>
+              <a:t>Circle</a:t>
+            </a:r>
+            <a:r>
+              <a:rPr lang="nl-BE" dirty="0"/>
+              <a:t> area ~ domain </a:t>
+            </a:r>
+            <a:r>
+              <a:rPr lang="nl-BE" dirty="0" err="1"/>
+              <a:t>size</a:t>
+            </a:r>
+            <a:endParaRPr lang="nl-BE" dirty="0"/>
+          </a:p>
+          <a:p>
+            <a:pPr lvl="1"/>
+            <a:r>
+              <a:rPr lang="nl-BE" dirty="0"/>
+              <a:t>Python </a:t>
+            </a:r>
+            <a:r>
+              <a:rPr lang="nl-BE" dirty="0" err="1"/>
+              <a:t>library</a:t>
+            </a:r>
+            <a:endParaRPr lang="nl-BE" dirty="0"/>
+          </a:p>
+          <a:p>
+            <a:pPr lvl="1"/>
+            <a:endParaRPr lang="nl-BE" dirty="0"/>
+          </a:p>
+          <a:p>
+            <a:endParaRPr lang="nl-BE" dirty="0"/>
+          </a:p>
+        </p:txBody>
+      </p:sp>
+      <p:sp>
+        <p:nvSpPr>
+          <p:cNvPr id="3" name="Titel 2"/>
+          <p:cNvSpPr>
+            <a:spLocks noGrp="1"/>
+          </p:cNvSpPr>
+          <p:nvPr>
+            <p:ph type="title"/>
+          </p:nvPr>
+        </p:nvSpPr>
+        <p:spPr/>
+        <p:txBody>
+          <a:bodyPr>
+            <a:normAutofit/>
+          </a:bodyPr>
+          <a:lstStyle/>
+          <a:p>
+            <a:r>
+              <a:rPr lang="en-GB" dirty="0">
+                <a:effectLst/>
+              </a:rPr>
+              <a:t>Visualization (Implementation)</a:t>
+            </a:r>
+            <a:endParaRPr lang="nl-BE" dirty="0">
+              <a:effectLst/>
+            </a:endParaRPr>
+          </a:p>
+        </p:txBody>
+      </p:sp>
+      <p:sp>
+        <p:nvSpPr>
+          <p:cNvPr id="4" name="AutoShape 2" descr="Pietro.png"/>
+          <p:cNvSpPr>
+            <a:spLocks noChangeAspect="1" noChangeArrowheads="1"/>
+          </p:cNvSpPr>
+          <p:nvPr/>
+        </p:nvSpPr>
+        <p:spPr bwMode="auto">
+          <a:xfrm>
+            <a:off x="155575" y="-144463"/>
+            <a:ext cx="304800" cy="304801"/>
+          </a:xfrm>
+          <a:prstGeom prst="rect">
+            <a:avLst/>
+          </a:prstGeom>
+          <a:noFill/>
+          <a:extLst>
+            <a:ext uri="{909E8E84-426E-40DD-AFC4-6F175D3DCCD1}">
+              <a14:hiddenFill xmlns:a14="http://schemas.microsoft.com/office/drawing/2010/main">
+                <a:solidFill>
+                  <a:srgbClr val="FFFFFF"/>
+                </a:solidFill>
+              </a14:hiddenFill>
+            </a:ext>
+          </a:extLst>
+        </p:spPr>
+        <p:txBody>
+          <a:bodyPr vert="horz" wrap="square" lIns="91440" tIns="45720" rIns="91440" bIns="45720" numCol="1" anchor="t" anchorCtr="0" compatLnSpc="1">
+            <a:prstTxWarp prst="textNoShape">
+              <a:avLst/>
+            </a:prstTxWarp>
+          </a:bodyPr>
+          <a:lstStyle/>
+          <a:p>
+            <a:endParaRPr lang="nl-BE"/>
+          </a:p>
+        </p:txBody>
+      </p:sp>
+      <p:pic>
+        <p:nvPicPr>
+          <p:cNvPr id="2052" name="Picture 4" descr="Venn diagram proportional and color shading with semi-transparency - Stack  Overflow"/>
+          <p:cNvPicPr>
+            <a:picLocks noChangeAspect="1" noChangeArrowheads="1"/>
+          </p:cNvPicPr>
+          <p:nvPr/>
+        </p:nvPicPr>
+        <p:blipFill rotWithShape="1">
+          <a:blip r:embed="rId2" cstate="print">
+            <a:extLst>
+              <a:ext uri="{BEBA8EAE-BF5A-486C-A8C5-ECC9F3942E4B}">
+                <a14:imgProps xmlns:a14="http://schemas.microsoft.com/office/drawing/2010/main">
+                  <a14:imgLayer r:embed="rId3">
+                    <a14:imgEffect>
+                      <a14:backgroundRemoval t="0" b="100000" l="0" r="100000"/>
+                    </a14:imgEffect>
+                  </a14:imgLayer>
+                </a14:imgProps>
+              </a:ext>
+              <a:ext uri="{28A0092B-C50C-407E-A947-70E740481C1C}">
+                <a14:useLocalDpi xmlns:a14="http://schemas.microsoft.com/office/drawing/2010/main" val="0"/>
+              </a:ext>
+            </a:extLst>
+          </a:blip>
+          <a:srcRect t="10081" b="10204"/>
+          <a:stretch/>
+        </p:blipFill>
+        <p:spPr bwMode="auto">
+          <a:xfrm>
+            <a:off x="5317116" y="3212976"/>
+            <a:ext cx="3071308" cy="2448272"/>
+          </a:xfrm>
+          <a:prstGeom prst="rect">
+            <a:avLst/>
+          </a:prstGeom>
+          <a:noFill/>
+          <a:extLst>
+            <a:ext uri="{909E8E84-426E-40DD-AFC4-6F175D3DCCD1}">
+              <a14:hiddenFill xmlns:a14="http://schemas.microsoft.com/office/drawing/2010/main">
+                <a:solidFill>
+                  <a:srgbClr val="FFFFFF"/>
+                </a:solidFill>
+              </a14:hiddenFill>
+            </a:ext>
+          </a:extLst>
+        </p:spPr>
+      </p:pic>
+      <p:sp>
+        <p:nvSpPr>
+          <p:cNvPr id="6" name="AutoShape 2" descr="Godot Engine - Free and open source 2D and 3D game engine"/>
+          <p:cNvSpPr>
+            <a:spLocks noChangeAspect="1" noChangeArrowheads="1"/>
+          </p:cNvSpPr>
+          <p:nvPr/>
+        </p:nvSpPr>
+        <p:spPr bwMode="auto">
+          <a:xfrm>
+            <a:off x="307975" y="7937"/>
+            <a:ext cx="304800" cy="304801"/>
+          </a:xfrm>
+          <a:prstGeom prst="rect">
+            <a:avLst/>
+          </a:prstGeom>
+          <a:noFill/>
+          <a:extLst>
+            <a:ext uri="{909E8E84-426E-40DD-AFC4-6F175D3DCCD1}">
+              <a14:hiddenFill xmlns:a14="http://schemas.microsoft.com/office/drawing/2010/main">
+                <a:solidFill>
+                  <a:srgbClr val="FFFFFF"/>
+                </a:solidFill>
+              </a14:hiddenFill>
+            </a:ext>
+          </a:extLst>
+        </p:spPr>
+        <p:txBody>
+          <a:bodyPr vert="horz" wrap="square" lIns="91440" tIns="45720" rIns="91440" bIns="45720" numCol="1" anchor="t" anchorCtr="0" compatLnSpc="1">
+            <a:prstTxWarp prst="textNoShape">
+              <a:avLst/>
+            </a:prstTxWarp>
+          </a:bodyPr>
+          <a:lstStyle/>
+          <a:p>
+            <a:endParaRPr lang="nl-BE"/>
+          </a:p>
+        </p:txBody>
+      </p:sp>
+      <p:sp>
+        <p:nvSpPr>
+          <p:cNvPr id="7" name="AutoShape 4" descr="Godot Engine - Free and open source 2D and 3D game engine"/>
+          <p:cNvSpPr>
+            <a:spLocks noChangeAspect="1" noChangeArrowheads="1"/>
+          </p:cNvSpPr>
+          <p:nvPr/>
+        </p:nvSpPr>
+        <p:spPr bwMode="auto">
+          <a:xfrm>
+            <a:off x="460375" y="160337"/>
+            <a:ext cx="304800" cy="304801"/>
+          </a:xfrm>
+          <a:prstGeom prst="rect">
+            <a:avLst/>
+          </a:prstGeom>
+          <a:noFill/>
+          <a:extLst>
+            <a:ext uri="{909E8E84-426E-40DD-AFC4-6F175D3DCCD1}">
+              <a14:hiddenFill xmlns:a14="http://schemas.microsoft.com/office/drawing/2010/main">
+                <a:solidFill>
+                  <a:srgbClr val="FFFFFF"/>
+                </a:solidFill>
+              </a14:hiddenFill>
+            </a:ext>
+          </a:extLst>
+        </p:spPr>
+        <p:txBody>
+          <a:bodyPr vert="horz" wrap="square" lIns="91440" tIns="45720" rIns="91440" bIns="45720" numCol="1" anchor="t" anchorCtr="0" compatLnSpc="1">
+            <a:prstTxWarp prst="textNoShape">
+              <a:avLst/>
+            </a:prstTxWarp>
+          </a:bodyPr>
+          <a:lstStyle/>
+          <a:p>
+            <a:endParaRPr lang="nl-BE"/>
+          </a:p>
+        </p:txBody>
+      </p:sp>
+      <p:pic>
+        <p:nvPicPr>
+          <p:cNvPr id="2053" name="Picture 5"/>
+          <p:cNvPicPr>
+            <a:picLocks noChangeAspect="1" noChangeArrowheads="1"/>
+          </p:cNvPicPr>
+          <p:nvPr/>
+        </p:nvPicPr>
+        <p:blipFill>
+          <a:blip r:embed="rId4" cstate="print">
+            <a:extLst>
+              <a:ext uri="{28A0092B-C50C-407E-A947-70E740481C1C}">
+                <a14:useLocalDpi xmlns:a14="http://schemas.microsoft.com/office/drawing/2010/main" val="0"/>
+              </a:ext>
+            </a:extLst>
+          </a:blip>
+          <a:srcRect/>
+          <a:stretch>
+            <a:fillRect/>
+          </a:stretch>
+        </p:blipFill>
+        <p:spPr bwMode="auto">
+          <a:xfrm>
+            <a:off x="4427983" y="1680736"/>
+            <a:ext cx="3828035" cy="1388224"/>
+          </a:xfrm>
+          <a:prstGeom prst="rect">
+            <a:avLst/>
+          </a:prstGeom>
+          <a:noFill/>
+          <a:ln>
+            <a:noFill/>
+          </a:ln>
+          <a:effectLst/>
+          <a:extLst>
+            <a:ext uri="{909E8E84-426E-40DD-AFC4-6F175D3DCCD1}">
+              <a14:hiddenFill xmlns:a14="http://schemas.microsoft.com/office/drawing/2010/main">
+                <a:solidFill>
+                  <a:schemeClr val="accent1"/>
+                </a:solidFill>
+              </a14:hiddenFill>
+            </a:ext>
+            <a:ext uri="{91240B29-F687-4F45-9708-019B960494DF}">
+              <a14:hiddenLine xmlns:a14="http://schemas.microsoft.com/office/drawing/2010/main" w="9525">
+                <a:solidFill>
+                  <a:schemeClr val="tx1"/>
+                </a:solidFill>
+                <a:miter lim="800000"/>
+                <a:headEnd/>
+                <a:tailEnd/>
+              </a14:hiddenLine>
+            </a:ext>
+            <a:ext uri="{AF507438-7753-43E0-B8FC-AC1667EBCBE1}">
+              <a14:hiddenEffects xmlns:a14="http://schemas.microsoft.com/office/drawing/2010/main">
+                <a:effectLst>
+                  <a:outerShdw dist="35921" dir="2700000" algn="ctr" rotWithShape="0">
+                    <a:schemeClr val="bg2"/>
+                  </a:outerShdw>
+                </a:effectLst>
+              </a14:hiddenEffects>
+            </a:ext>
+          </a:extLst>
+        </p:spPr>
+      </p:pic>
+    </p:spTree>
+    <p:extLst>
+      <p:ext uri="{BB962C8B-B14F-4D97-AF65-F5344CB8AC3E}">
+        <p14:creationId xmlns:p14="http://schemas.microsoft.com/office/powerpoint/2010/main" val="4144239806"/>
+      </p:ext>
+    </p:extLst>
+  </p:cSld>
+  <p:clrMapOvr>
+    <a:masterClrMapping/>
+  </p:clrMapOvr>
+</p:sld>
+</file>
+
+<file path=ppt/slides/slide19.xml><?xml version="1.0" encoding="utf-8"?>
+<p:sld xmlns:a="http://schemas.openxmlformats.org/drawingml/2006/main" xmlns:r="http://schemas.openxmlformats.org/officeDocument/2006/relationships" xmlns:p="http://schemas.openxmlformats.org/presentationml/2006/main">
+  <p:cSld>
+    <p:spTree>
+      <p:nvGrpSpPr>
+        <p:cNvPr id="1" name=""/>
+        <p:cNvGrpSpPr/>
+        <p:nvPr/>
+      </p:nvGrpSpPr>
+      <p:grpSpPr>
+        <a:xfrm>
+          <a:off x="0" y="0"/>
+          <a:ext cx="0" cy="0"/>
+          <a:chOff x="0" y="0"/>
+          <a:chExt cx="0" cy="0"/>
+        </a:xfrm>
+      </p:grpSpPr>
+      <p:sp>
+        <p:nvSpPr>
+          <p:cNvPr id="4" name="AutoShape 2" descr="Pietro.png"/>
+          <p:cNvSpPr>
+            <a:spLocks noChangeAspect="1" noChangeArrowheads="1"/>
+          </p:cNvSpPr>
+          <p:nvPr/>
+        </p:nvSpPr>
+        <p:spPr bwMode="auto">
+          <a:xfrm>
+            <a:off x="155575" y="-144463"/>
+            <a:ext cx="304800" cy="304801"/>
+          </a:xfrm>
+          <a:prstGeom prst="rect">
+            <a:avLst/>
+          </a:prstGeom>
+          <a:noFill/>
+          <a:extLst>
+            <a:ext uri="{909E8E84-426E-40DD-AFC4-6F175D3DCCD1}">
+              <a14:hiddenFill xmlns:a14="http://schemas.microsoft.com/office/drawing/2010/main">
+                <a:solidFill>
+                  <a:srgbClr val="FFFFFF"/>
+                </a:solidFill>
+              </a14:hiddenFill>
+            </a:ext>
+          </a:extLst>
+        </p:spPr>
+        <p:txBody>
+          <a:bodyPr vert="horz" wrap="square" lIns="91440" tIns="45720" rIns="91440" bIns="45720" numCol="1" anchor="t" anchorCtr="0" compatLnSpc="1">
+            <a:prstTxWarp prst="textNoShape">
+              <a:avLst/>
+            </a:prstTxWarp>
+          </a:bodyPr>
+          <a:lstStyle/>
+          <a:p>
+            <a:endParaRPr lang="nl-BE"/>
+          </a:p>
+        </p:txBody>
+      </p:sp>
+      <p:sp>
+        <p:nvSpPr>
+          <p:cNvPr id="11" name="Titel 1"/>
+          <p:cNvSpPr txBox="1">
+            <a:spLocks/>
+          </p:cNvSpPr>
+          <p:nvPr/>
+        </p:nvSpPr>
+        <p:spPr>
+          <a:xfrm>
+            <a:off x="685800" y="2391327"/>
+            <a:ext cx="7772400" cy="1829761"/>
+          </a:xfrm>
+          <a:prstGeom prst="rect">
+            <a:avLst/>
+          </a:prstGeom>
+        </p:spPr>
+        <p:txBody>
+          <a:bodyPr vert="horz" rtlCol="0" anchor="ctr">
+            <a:normAutofit fontScale="97500"/>
+            <a:scene3d>
+              <a:camera prst="orthographicFront"/>
+              <a:lightRig rig="soft" dir="t"/>
+            </a:scene3d>
+            <a:sp3d prstMaterial="softEdge">
+              <a:bevelT w="25400" h="25400"/>
+            </a:sp3d>
+          </a:bodyPr>
+          <a:lstStyle>
+            <a:lvl1pPr algn="l" rtl="0" eaLnBrk="1" latinLnBrk="0" hangingPunct="1">
+              <a:spcBef>
+                <a:spcPct val="0"/>
+              </a:spcBef>
+              <a:buNone/>
+              <a:defRPr kumimoji="0" sz="4100" b="1" kern="1200">
+                <a:solidFill>
+                  <a:schemeClr val="tx2"/>
+                </a:solidFill>
+                <a:effectLst>
+                  <a:outerShdw blurRad="31750" dist="25400" dir="5400000" algn="tl" rotWithShape="0">
+                    <a:srgbClr val="000000">
+                      <a:alpha val="25000"/>
+                    </a:srgbClr>
+                  </a:outerShdw>
+                </a:effectLst>
+                <a:latin typeface="+mj-lt"/>
+                <a:ea typeface="+mj-ea"/>
+                <a:cs typeface="+mj-cs"/>
+              </a:defRPr>
+            </a:lvl1pPr>
+            <a:extLst/>
+          </a:lstStyle>
+          <a:p>
+            <a:pPr algn="ctr"/>
+            <a:r>
+              <a:rPr lang="en-US" sz="4500" dirty="0"/>
+              <a:t>Questions</a:t>
+            </a:r>
+            <a:r>
+              <a:rPr lang="en-US" dirty="0"/>
+              <a:t>?</a:t>
+            </a:r>
+            <a:endParaRPr lang="nl-BE" dirty="0"/>
+          </a:p>
+        </p:txBody>
+      </p:sp>
+    </p:spTree>
+    <p:extLst>
+      <p:ext uri="{BB962C8B-B14F-4D97-AF65-F5344CB8AC3E}">
+        <p14:creationId xmlns:p14="http://schemas.microsoft.com/office/powerpoint/2010/main" val="3256963629"/>
+      </p:ext>
+    </p:extLst>
+  </p:cSld>
+  <p:clrMapOvr>
+    <a:masterClrMapping/>
+  </p:clrMapOvr>
+</p:sld>
+</file>
+
 <file path=ppt/slides/slide2.xml><?xml version="1.0" encoding="utf-8"?>
 <p:sld xmlns:a="http://schemas.openxmlformats.org/drawingml/2006/main" xmlns:r="http://schemas.openxmlformats.org/officeDocument/2006/relationships" xmlns:p="http://schemas.openxmlformats.org/presentationml/2006/main">
   <p:cSld>
@@ -7562,15 +7764,15 @@
           <a:lstStyle/>
           <a:p>
             <a:r>
-              <a:rPr lang="nl-BE" dirty="0" err="1" smtClean="0"/>
+              <a:rPr lang="nl-BE" dirty="0" err="1"/>
               <a:t>Cfr</a:t>
             </a:r>
             <a:r>
-              <a:rPr lang="nl-BE" dirty="0" smtClean="0"/>
+              <a:rPr lang="nl-BE" dirty="0"/>
               <a:t>. </a:t>
             </a:r>
             <a:r>
-              <a:rPr lang="nl-BE" dirty="0" err="1" smtClean="0"/>
+              <a:rPr lang="nl-BE" dirty="0" err="1"/>
               <a:t>Symbolab</a:t>
             </a:r>
             <a:endParaRPr lang="nl-BE" dirty="0"/>
@@ -7578,85 +7780,83 @@
           <a:p>
             <a:pPr lvl="1"/>
             <a:r>
-              <a:rPr lang="nl-BE" dirty="0" smtClean="0"/>
+              <a:rPr lang="nl-BE" dirty="0"/>
               <a:t>Mathematical </a:t>
             </a:r>
             <a:r>
-              <a:rPr lang="nl-BE" dirty="0" err="1" smtClean="0"/>
+              <a:rPr lang="nl-BE" dirty="0" err="1"/>
               <a:t>problems</a:t>
             </a:r>
-            <a:endParaRPr lang="nl-BE" dirty="0" smtClean="0"/>
+            <a:endParaRPr lang="nl-BE" dirty="0"/>
           </a:p>
           <a:p>
             <a:pPr lvl="1"/>
             <a:r>
-              <a:rPr lang="nl-BE" dirty="0" err="1" smtClean="0"/>
+              <a:rPr lang="nl-BE" dirty="0" err="1"/>
               <a:t>Step-by-step</a:t>
             </a:r>
             <a:r>
-              <a:rPr lang="nl-BE" dirty="0" smtClean="0"/>
+              <a:rPr lang="nl-BE" dirty="0"/>
               <a:t> </a:t>
             </a:r>
             <a:r>
-              <a:rPr lang="nl-BE" dirty="0" err="1" smtClean="0"/>
+              <a:rPr lang="nl-BE" dirty="0" err="1"/>
               <a:t>solving</a:t>
             </a:r>
-            <a:endParaRPr lang="nl-BE" dirty="0" smtClean="0"/>
+            <a:endParaRPr lang="nl-BE" dirty="0"/>
           </a:p>
           <a:p>
             <a:pPr lvl="1"/>
             <a:r>
-              <a:rPr lang="nl-BE" dirty="0" smtClean="0"/>
+              <a:rPr lang="nl-BE" dirty="0"/>
               <a:t>Help Students</a:t>
             </a:r>
+          </a:p>
+          <a:p>
+            <a:r>
+              <a:rPr lang="nl-BE" dirty="0" err="1"/>
+              <a:t>Our</a:t>
+            </a:r>
+            <a:r>
+              <a:rPr lang="nl-BE" dirty="0"/>
+              <a:t> </a:t>
+            </a:r>
+            <a:r>
+              <a:rPr lang="nl-BE" dirty="0" err="1"/>
+              <a:t>Visualization</a:t>
+            </a:r>
             <a:endParaRPr lang="nl-BE" dirty="0"/>
           </a:p>
           <a:p>
-            <a:r>
-              <a:rPr lang="nl-BE" dirty="0" err="1" smtClean="0"/>
-              <a:t>Our</a:t>
-            </a:r>
-            <a:r>
-              <a:rPr lang="nl-BE" dirty="0" smtClean="0"/>
+            <a:pPr lvl="1"/>
+            <a:r>
+              <a:rPr lang="nl-BE" dirty="0" err="1"/>
+              <a:t>Didactic</a:t>
+            </a:r>
+            <a:r>
+              <a:rPr lang="nl-BE" dirty="0"/>
+              <a:t> tool</a:t>
+            </a:r>
+          </a:p>
+          <a:p>
+            <a:pPr lvl="1"/>
+            <a:r>
+              <a:rPr lang="nl-BE" dirty="0"/>
+              <a:t>Focus = Combinatorics</a:t>
+            </a:r>
+          </a:p>
+          <a:p>
+            <a:pPr lvl="1"/>
+            <a:r>
+              <a:rPr lang="nl-BE" dirty="0" err="1"/>
+              <a:t>Lifted</a:t>
+            </a:r>
+            <a:r>
+              <a:rPr lang="nl-BE" dirty="0"/>
               <a:t> </a:t>
             </a:r>
             <a:r>
-              <a:rPr lang="nl-BE" dirty="0" err="1" smtClean="0"/>
-              <a:t>Visualization</a:t>
-            </a:r>
-            <a:endParaRPr lang="nl-BE" dirty="0" smtClean="0"/>
-          </a:p>
-          <a:p>
-            <a:pPr lvl="1"/>
-            <a:r>
-              <a:rPr lang="nl-BE" dirty="0" err="1" smtClean="0"/>
-              <a:t>Didactic</a:t>
-            </a:r>
-            <a:r>
-              <a:rPr lang="nl-BE" dirty="0" smtClean="0"/>
-              <a:t> tool</a:t>
-            </a:r>
-            <a:endParaRPr lang="nl-BE" dirty="0"/>
-          </a:p>
-          <a:p>
-            <a:pPr lvl="1"/>
-            <a:r>
-              <a:rPr lang="nl-BE" dirty="0" smtClean="0"/>
-              <a:t>Focus = Combinatorics</a:t>
-            </a:r>
-          </a:p>
-          <a:p>
-            <a:pPr lvl="1"/>
-            <a:r>
-              <a:rPr lang="nl-BE" dirty="0" err="1" smtClean="0"/>
-              <a:t>Lifted</a:t>
-            </a:r>
-            <a:r>
-              <a:rPr lang="nl-BE" dirty="0" smtClean="0"/>
-              <a:t> </a:t>
-            </a:r>
-            <a:r>
-              <a:rPr lang="nl-BE" dirty="0" err="1" smtClean="0"/>
+              <a:rPr lang="nl-BE" dirty="0" err="1"/>
               <a:t>Reasoning</a:t>
             </a:r>
             <a:endParaRPr lang="nl-BE" dirty="0"/>
@@ -7679,22 +7879,21 @@
           <a:lstStyle/>
           <a:p>
             <a:r>
-              <a:rPr lang="nl-BE" dirty="0" err="1" smtClean="0"/>
+              <a:rPr lang="nl-BE" dirty="0" err="1"/>
               <a:t>Why</a:t>
             </a:r>
             <a:r>
-              <a:rPr lang="nl-BE" dirty="0" smtClean="0"/>
+              <a:rPr lang="nl-BE" dirty="0"/>
               <a:t> is </a:t>
             </a:r>
             <a:r>
-              <a:rPr lang="nl-BE" dirty="0" err="1" smtClean="0"/>
+              <a:rPr lang="nl-BE" dirty="0" err="1"/>
               <a:t>it</a:t>
             </a:r>
             <a:r>
-              <a:rPr lang="nl-BE" dirty="0" smtClean="0"/>
+              <a:rPr lang="nl-BE" dirty="0"/>
               <a:t> Relevant?</a:t>
             </a:r>
-            <a:endParaRPr lang="nl-BE" dirty="0"/>
           </a:p>
         </p:txBody>
       </p:sp>
@@ -7782,579 +7981,6 @@
 </p:sld>
 </file>
 
-<file path=ppt/slides/slide20.xml><?xml version="1.0" encoding="utf-8"?>
-<p:sld xmlns:a="http://schemas.openxmlformats.org/drawingml/2006/main" xmlns:r="http://schemas.openxmlformats.org/officeDocument/2006/relationships" xmlns:p="http://schemas.openxmlformats.org/presentationml/2006/main">
-  <p:cSld>
-    <p:spTree>
-      <p:nvGrpSpPr>
-        <p:cNvPr id="1" name=""/>
-        <p:cNvGrpSpPr/>
-        <p:nvPr/>
-      </p:nvGrpSpPr>
-      <p:grpSpPr>
-        <a:xfrm>
-          <a:off x="0" y="0"/>
-          <a:ext cx="0" cy="0"/>
-          <a:chOff x="0" y="0"/>
-          <a:chExt cx="0" cy="0"/>
-        </a:xfrm>
-      </p:grpSpPr>
-      <p:sp>
-        <p:nvSpPr>
-          <p:cNvPr id="2" name="Tijdelijke aanduiding voor inhoud 1"/>
-          <p:cNvSpPr>
-            <a:spLocks noGrp="1"/>
-          </p:cNvSpPr>
-          <p:nvPr>
-            <p:ph idx="1"/>
-          </p:nvPr>
-        </p:nvSpPr>
-        <p:spPr/>
-        <p:txBody>
-          <a:bodyPr/>
-          <a:lstStyle/>
-          <a:p>
-            <a:r>
-              <a:rPr lang="nl-BE" dirty="0" err="1" smtClean="0"/>
-              <a:t>Godot</a:t>
-            </a:r>
-            <a:r>
-              <a:rPr lang="nl-BE" dirty="0" smtClean="0"/>
-              <a:t> Engine</a:t>
-            </a:r>
-            <a:endParaRPr lang="nl-BE" dirty="0"/>
-          </a:p>
-          <a:p>
-            <a:pPr lvl="1"/>
-            <a:r>
-              <a:rPr lang="nl-BE" dirty="0" err="1" smtClean="0"/>
-              <a:t>GDscript</a:t>
-            </a:r>
-            <a:endParaRPr lang="nl-BE" dirty="0" smtClean="0"/>
-          </a:p>
-          <a:p>
-            <a:pPr lvl="1"/>
-            <a:r>
-              <a:rPr lang="nl-BE" dirty="0" err="1" smtClean="0"/>
-              <a:t>External</a:t>
-            </a:r>
-            <a:r>
-              <a:rPr lang="nl-BE" dirty="0" smtClean="0"/>
-              <a:t> files</a:t>
-            </a:r>
-          </a:p>
-          <a:p>
-            <a:r>
-              <a:rPr lang="nl-BE" dirty="0" smtClean="0"/>
-              <a:t>Steps</a:t>
-            </a:r>
-          </a:p>
-          <a:p>
-            <a:pPr lvl="1"/>
-            <a:r>
-              <a:rPr lang="nl-BE" dirty="0" err="1" smtClean="0"/>
-              <a:t>Venn</a:t>
-            </a:r>
-            <a:r>
-              <a:rPr lang="nl-BE" dirty="0" smtClean="0"/>
-              <a:t> </a:t>
-            </a:r>
-            <a:r>
-              <a:rPr lang="nl-BE" dirty="0" err="1"/>
-              <a:t>d</a:t>
-            </a:r>
-            <a:r>
-              <a:rPr lang="nl-BE" dirty="0" err="1" smtClean="0"/>
-              <a:t>iagrams</a:t>
-            </a:r>
-            <a:endParaRPr lang="nl-BE" dirty="0" smtClean="0"/>
-          </a:p>
-          <a:p>
-            <a:pPr lvl="1"/>
-            <a:r>
-              <a:rPr lang="nl-BE" dirty="0" smtClean="0"/>
-              <a:t>Basic </a:t>
-            </a:r>
-            <a:r>
-              <a:rPr lang="nl-BE" dirty="0" err="1" smtClean="0"/>
-              <a:t>problems</a:t>
-            </a:r>
-            <a:endParaRPr lang="nl-BE" dirty="0" smtClean="0"/>
-          </a:p>
-          <a:p>
-            <a:pPr lvl="1"/>
-            <a:r>
-              <a:rPr lang="nl-BE" dirty="0" err="1" smtClean="0"/>
-              <a:t>Constraints</a:t>
-            </a:r>
-            <a:endParaRPr lang="nl-BE" dirty="0"/>
-          </a:p>
-          <a:p>
-            <a:r>
-              <a:rPr lang="nl-BE" dirty="0" smtClean="0"/>
-              <a:t>Area </a:t>
-            </a:r>
-            <a:r>
-              <a:rPr lang="nl-BE" dirty="0" err="1" smtClean="0"/>
-              <a:t>Proportional</a:t>
-            </a:r>
-            <a:r>
-              <a:rPr lang="nl-BE" dirty="0" smtClean="0"/>
-              <a:t> </a:t>
-            </a:r>
-            <a:r>
-              <a:rPr lang="nl-BE" dirty="0" err="1" smtClean="0"/>
-              <a:t>Venn</a:t>
-            </a:r>
-            <a:endParaRPr lang="nl-BE" dirty="0" smtClean="0"/>
-          </a:p>
-          <a:p>
-            <a:pPr lvl="1"/>
-            <a:r>
-              <a:rPr lang="nl-BE" dirty="0" err="1" smtClean="0"/>
-              <a:t>Circle</a:t>
-            </a:r>
-            <a:r>
-              <a:rPr lang="nl-BE" dirty="0" smtClean="0"/>
-              <a:t> </a:t>
-            </a:r>
-            <a:r>
-              <a:rPr lang="nl-BE" dirty="0"/>
-              <a:t>area ~ domain </a:t>
-            </a:r>
-            <a:r>
-              <a:rPr lang="nl-BE" dirty="0" err="1" smtClean="0"/>
-              <a:t>size</a:t>
-            </a:r>
-            <a:endParaRPr lang="nl-BE" dirty="0" smtClean="0"/>
-          </a:p>
-          <a:p>
-            <a:pPr lvl="1"/>
-            <a:r>
-              <a:rPr lang="nl-BE" dirty="0" smtClean="0"/>
-              <a:t>Python </a:t>
-            </a:r>
-            <a:r>
-              <a:rPr lang="nl-BE" dirty="0" err="1" smtClean="0"/>
-              <a:t>library</a:t>
-            </a:r>
-            <a:endParaRPr lang="nl-BE" dirty="0" smtClean="0"/>
-          </a:p>
-          <a:p>
-            <a:pPr lvl="1"/>
-            <a:endParaRPr lang="nl-BE" dirty="0"/>
-          </a:p>
-          <a:p>
-            <a:endParaRPr lang="nl-BE" dirty="0"/>
-          </a:p>
-        </p:txBody>
-      </p:sp>
-      <p:sp>
-        <p:nvSpPr>
-          <p:cNvPr id="3" name="Titel 2"/>
-          <p:cNvSpPr>
-            <a:spLocks noGrp="1"/>
-          </p:cNvSpPr>
-          <p:nvPr>
-            <p:ph type="title"/>
-          </p:nvPr>
-        </p:nvSpPr>
-        <p:spPr/>
-        <p:txBody>
-          <a:bodyPr>
-            <a:normAutofit/>
-          </a:bodyPr>
-          <a:lstStyle/>
-          <a:p>
-            <a:r>
-              <a:rPr lang="en-GB" dirty="0" smtClean="0">
-                <a:effectLst/>
-              </a:rPr>
-              <a:t>Visualization (Implementation)</a:t>
-            </a:r>
-            <a:endParaRPr lang="nl-BE" dirty="0">
-              <a:effectLst/>
-            </a:endParaRPr>
-          </a:p>
-        </p:txBody>
-      </p:sp>
-      <p:sp>
-        <p:nvSpPr>
-          <p:cNvPr id="4" name="AutoShape 2" descr="Pietro.png"/>
-          <p:cNvSpPr>
-            <a:spLocks noChangeAspect="1" noChangeArrowheads="1"/>
-          </p:cNvSpPr>
-          <p:nvPr/>
-        </p:nvSpPr>
-        <p:spPr bwMode="auto">
-          <a:xfrm>
-            <a:off x="155575" y="-144463"/>
-            <a:ext cx="304800" cy="304801"/>
-          </a:xfrm>
-          <a:prstGeom prst="rect">
-            <a:avLst/>
-          </a:prstGeom>
-          <a:noFill/>
-          <a:extLst>
-            <a:ext uri="{909E8E84-426E-40DD-AFC4-6F175D3DCCD1}">
-              <a14:hiddenFill xmlns:a14="http://schemas.microsoft.com/office/drawing/2010/main">
-                <a:solidFill>
-                  <a:srgbClr val="FFFFFF"/>
-                </a:solidFill>
-              </a14:hiddenFill>
-            </a:ext>
-          </a:extLst>
-        </p:spPr>
-        <p:txBody>
-          <a:bodyPr vert="horz" wrap="square" lIns="91440" tIns="45720" rIns="91440" bIns="45720" numCol="1" anchor="t" anchorCtr="0" compatLnSpc="1">
-            <a:prstTxWarp prst="textNoShape">
-              <a:avLst/>
-            </a:prstTxWarp>
-          </a:bodyPr>
-          <a:lstStyle/>
-          <a:p>
-            <a:endParaRPr lang="nl-BE"/>
-          </a:p>
-        </p:txBody>
-      </p:sp>
-      <p:pic>
-        <p:nvPicPr>
-          <p:cNvPr id="2052" name="Picture 4" descr="Venn diagram proportional and color shading with semi-transparency - Stack  Overflow"/>
-          <p:cNvPicPr>
-            <a:picLocks noChangeAspect="1" noChangeArrowheads="1"/>
-          </p:cNvPicPr>
-          <p:nvPr/>
-        </p:nvPicPr>
-        <p:blipFill rotWithShape="1">
-          <a:blip r:embed="rId2" cstate="print">
-            <a:extLst>
-              <a:ext uri="{BEBA8EAE-BF5A-486C-A8C5-ECC9F3942E4B}">
-                <a14:imgProps xmlns:a14="http://schemas.microsoft.com/office/drawing/2010/main">
-                  <a14:imgLayer r:embed="rId3">
-                    <a14:imgEffect>
-                      <a14:backgroundRemoval t="0" b="100000" l="0" r="100000"/>
-                    </a14:imgEffect>
-                  </a14:imgLayer>
-                </a14:imgProps>
-              </a:ext>
-              <a:ext uri="{28A0092B-C50C-407E-A947-70E740481C1C}">
-                <a14:useLocalDpi xmlns:a14="http://schemas.microsoft.com/office/drawing/2010/main" val="0"/>
-              </a:ext>
-            </a:extLst>
-          </a:blip>
-          <a:srcRect t="10081" b="10204"/>
-          <a:stretch/>
-        </p:blipFill>
-        <p:spPr bwMode="auto">
-          <a:xfrm>
-            <a:off x="5317116" y="3212976"/>
-            <a:ext cx="3071308" cy="2448272"/>
-          </a:xfrm>
-          <a:prstGeom prst="rect">
-            <a:avLst/>
-          </a:prstGeom>
-          <a:noFill/>
-          <a:extLst>
-            <a:ext uri="{909E8E84-426E-40DD-AFC4-6F175D3DCCD1}">
-              <a14:hiddenFill xmlns:a14="http://schemas.microsoft.com/office/drawing/2010/main">
-                <a:solidFill>
-                  <a:srgbClr val="FFFFFF"/>
-                </a:solidFill>
-              </a14:hiddenFill>
-            </a:ext>
-          </a:extLst>
-        </p:spPr>
-      </p:pic>
-      <p:sp>
-        <p:nvSpPr>
-          <p:cNvPr id="6" name="AutoShape 2" descr="Godot Engine - Free and open source 2D and 3D game engine"/>
-          <p:cNvSpPr>
-            <a:spLocks noChangeAspect="1" noChangeArrowheads="1"/>
-          </p:cNvSpPr>
-          <p:nvPr/>
-        </p:nvSpPr>
-        <p:spPr bwMode="auto">
-          <a:xfrm>
-            <a:off x="307975" y="7937"/>
-            <a:ext cx="304800" cy="304801"/>
-          </a:xfrm>
-          <a:prstGeom prst="rect">
-            <a:avLst/>
-          </a:prstGeom>
-          <a:noFill/>
-          <a:extLst>
-            <a:ext uri="{909E8E84-426E-40DD-AFC4-6F175D3DCCD1}">
-              <a14:hiddenFill xmlns:a14="http://schemas.microsoft.com/office/drawing/2010/main">
-                <a:solidFill>
-                  <a:srgbClr val="FFFFFF"/>
-                </a:solidFill>
-              </a14:hiddenFill>
-            </a:ext>
-          </a:extLst>
-        </p:spPr>
-        <p:txBody>
-          <a:bodyPr vert="horz" wrap="square" lIns="91440" tIns="45720" rIns="91440" bIns="45720" numCol="1" anchor="t" anchorCtr="0" compatLnSpc="1">
-            <a:prstTxWarp prst="textNoShape">
-              <a:avLst/>
-            </a:prstTxWarp>
-          </a:bodyPr>
-          <a:lstStyle/>
-          <a:p>
-            <a:endParaRPr lang="nl-BE"/>
-          </a:p>
-        </p:txBody>
-      </p:sp>
-      <p:sp>
-        <p:nvSpPr>
-          <p:cNvPr id="7" name="AutoShape 4" descr="Godot Engine - Free and open source 2D and 3D game engine"/>
-          <p:cNvSpPr>
-            <a:spLocks noChangeAspect="1" noChangeArrowheads="1"/>
-          </p:cNvSpPr>
-          <p:nvPr/>
-        </p:nvSpPr>
-        <p:spPr bwMode="auto">
-          <a:xfrm>
-            <a:off x="460375" y="160337"/>
-            <a:ext cx="304800" cy="304801"/>
-          </a:xfrm>
-          <a:prstGeom prst="rect">
-            <a:avLst/>
-          </a:prstGeom>
-          <a:noFill/>
-          <a:extLst>
-            <a:ext uri="{909E8E84-426E-40DD-AFC4-6F175D3DCCD1}">
-              <a14:hiddenFill xmlns:a14="http://schemas.microsoft.com/office/drawing/2010/main">
-                <a:solidFill>
-                  <a:srgbClr val="FFFFFF"/>
-                </a:solidFill>
-              </a14:hiddenFill>
-            </a:ext>
-          </a:extLst>
-        </p:spPr>
-        <p:txBody>
-          <a:bodyPr vert="horz" wrap="square" lIns="91440" tIns="45720" rIns="91440" bIns="45720" numCol="1" anchor="t" anchorCtr="0" compatLnSpc="1">
-            <a:prstTxWarp prst="textNoShape">
-              <a:avLst/>
-            </a:prstTxWarp>
-          </a:bodyPr>
-          <a:lstStyle/>
-          <a:p>
-            <a:endParaRPr lang="nl-BE"/>
-          </a:p>
-        </p:txBody>
-      </p:sp>
-      <p:pic>
-        <p:nvPicPr>
-          <p:cNvPr id="2053" name="Picture 5"/>
-          <p:cNvPicPr>
-            <a:picLocks noChangeAspect="1" noChangeArrowheads="1"/>
-          </p:cNvPicPr>
-          <p:nvPr/>
-        </p:nvPicPr>
-        <p:blipFill>
-          <a:blip r:embed="rId4" cstate="print">
-            <a:extLst>
-              <a:ext uri="{28A0092B-C50C-407E-A947-70E740481C1C}">
-                <a14:useLocalDpi xmlns:a14="http://schemas.microsoft.com/office/drawing/2010/main" val="0"/>
-              </a:ext>
-            </a:extLst>
-          </a:blip>
-          <a:srcRect/>
-          <a:stretch>
-            <a:fillRect/>
-          </a:stretch>
-        </p:blipFill>
-        <p:spPr bwMode="auto">
-          <a:xfrm>
-            <a:off x="4427983" y="1680736"/>
-            <a:ext cx="3828035" cy="1388224"/>
-          </a:xfrm>
-          <a:prstGeom prst="rect">
-            <a:avLst/>
-          </a:prstGeom>
-          <a:noFill/>
-          <a:ln>
-            <a:noFill/>
-          </a:ln>
-          <a:effectLst/>
-          <a:extLst>
-            <a:ext uri="{909E8E84-426E-40DD-AFC4-6F175D3DCCD1}">
-              <a14:hiddenFill xmlns:a14="http://schemas.microsoft.com/office/drawing/2010/main">
-                <a:solidFill>
-                  <a:schemeClr val="accent1"/>
-                </a:solidFill>
-              </a14:hiddenFill>
-            </a:ext>
-            <a:ext uri="{91240B29-F687-4F45-9708-019B960494DF}">
-              <a14:hiddenLine xmlns:a14="http://schemas.microsoft.com/office/drawing/2010/main" w="9525">
-                <a:solidFill>
-                  <a:schemeClr val="tx1"/>
-                </a:solidFill>
-                <a:miter lim="800000"/>
-                <a:headEnd/>
-                <a:tailEnd/>
-              </a14:hiddenLine>
-            </a:ext>
-            <a:ext uri="{AF507438-7753-43E0-B8FC-AC1667EBCBE1}">
-              <a14:hiddenEffects xmlns:a14="http://schemas.microsoft.com/office/drawing/2010/main">
-                <a:effectLst>
-                  <a:outerShdw dist="35921" dir="2700000" algn="ctr" rotWithShape="0">
-                    <a:schemeClr val="bg2"/>
-                  </a:outerShdw>
-                </a:effectLst>
-              </a14:hiddenEffects>
-            </a:ext>
-          </a:extLst>
-        </p:spPr>
-      </p:pic>
-    </p:spTree>
-    <p:extLst>
-      <p:ext uri="{BB962C8B-B14F-4D97-AF65-F5344CB8AC3E}">
-        <p14:creationId xmlns:p14="http://schemas.microsoft.com/office/powerpoint/2010/main" val="4144239806"/>
-      </p:ext>
-    </p:extLst>
-  </p:cSld>
-  <p:clrMapOvr>
-    <a:masterClrMapping/>
-  </p:clrMapOvr>
-</p:sld>
-</file>
-
-<file path=ppt/slides/slide21.xml><?xml version="1.0" encoding="utf-8"?>
-<p:sld xmlns:a="http://schemas.openxmlformats.org/drawingml/2006/main" xmlns:r="http://schemas.openxmlformats.org/officeDocument/2006/relationships" xmlns:p="http://schemas.openxmlformats.org/presentationml/2006/main">
-  <p:cSld>
-    <p:spTree>
-      <p:nvGrpSpPr>
-        <p:cNvPr id="1" name=""/>
-        <p:cNvGrpSpPr/>
-        <p:nvPr/>
-      </p:nvGrpSpPr>
-      <p:grpSpPr>
-        <a:xfrm>
-          <a:off x="0" y="0"/>
-          <a:ext cx="0" cy="0"/>
-          <a:chOff x="0" y="0"/>
-          <a:chExt cx="0" cy="0"/>
-        </a:xfrm>
-      </p:grpSpPr>
-      <p:sp>
-        <p:nvSpPr>
-          <p:cNvPr id="4" name="AutoShape 2" descr="Pietro.png"/>
-          <p:cNvSpPr>
-            <a:spLocks noChangeAspect="1" noChangeArrowheads="1"/>
-          </p:cNvSpPr>
-          <p:nvPr/>
-        </p:nvSpPr>
-        <p:spPr bwMode="auto">
-          <a:xfrm>
-            <a:off x="155575" y="-144463"/>
-            <a:ext cx="304800" cy="304801"/>
-          </a:xfrm>
-          <a:prstGeom prst="rect">
-            <a:avLst/>
-          </a:prstGeom>
-          <a:noFill/>
-          <a:extLst>
-            <a:ext uri="{909E8E84-426E-40DD-AFC4-6F175D3DCCD1}">
-              <a14:hiddenFill xmlns:a14="http://schemas.microsoft.com/office/drawing/2010/main">
-                <a:solidFill>
-                  <a:srgbClr val="FFFFFF"/>
-                </a:solidFill>
-              </a14:hiddenFill>
-            </a:ext>
-          </a:extLst>
-        </p:spPr>
-        <p:txBody>
-          <a:bodyPr vert="horz" wrap="square" lIns="91440" tIns="45720" rIns="91440" bIns="45720" numCol="1" anchor="t" anchorCtr="0" compatLnSpc="1">
-            <a:prstTxWarp prst="textNoShape">
-              <a:avLst/>
-            </a:prstTxWarp>
-          </a:bodyPr>
-          <a:lstStyle/>
-          <a:p>
-            <a:endParaRPr lang="nl-BE"/>
-          </a:p>
-        </p:txBody>
-      </p:sp>
-      <p:sp>
-        <p:nvSpPr>
-          <p:cNvPr id="11" name="Titel 1"/>
-          <p:cNvSpPr txBox="1">
-            <a:spLocks/>
-          </p:cNvSpPr>
-          <p:nvPr/>
-        </p:nvSpPr>
-        <p:spPr>
-          <a:xfrm>
-            <a:off x="685800" y="2391327"/>
-            <a:ext cx="7772400" cy="1829761"/>
-          </a:xfrm>
-          <a:prstGeom prst="rect">
-            <a:avLst/>
-          </a:prstGeom>
-        </p:spPr>
-        <p:txBody>
-          <a:bodyPr vert="horz" rtlCol="0" anchor="ctr">
-            <a:normAutofit fontScale="97500"/>
-            <a:scene3d>
-              <a:camera prst="orthographicFront"/>
-              <a:lightRig rig="soft" dir="t"/>
-            </a:scene3d>
-            <a:sp3d prstMaterial="softEdge">
-              <a:bevelT w="25400" h="25400"/>
-            </a:sp3d>
-          </a:bodyPr>
-          <a:lstStyle>
-            <a:lvl1pPr algn="l" rtl="0" eaLnBrk="1" latinLnBrk="0" hangingPunct="1">
-              <a:spcBef>
-                <a:spcPct val="0"/>
-              </a:spcBef>
-              <a:buNone/>
-              <a:defRPr kumimoji="0" sz="4100" b="1" kern="1200">
-                <a:solidFill>
-                  <a:schemeClr val="tx2"/>
-                </a:solidFill>
-                <a:effectLst>
-                  <a:outerShdw blurRad="31750" dist="25400" dir="5400000" algn="tl" rotWithShape="0">
-                    <a:srgbClr val="000000">
-                      <a:alpha val="25000"/>
-                    </a:srgbClr>
-                  </a:outerShdw>
-                </a:effectLst>
-                <a:latin typeface="+mj-lt"/>
-                <a:ea typeface="+mj-ea"/>
-                <a:cs typeface="+mj-cs"/>
-              </a:defRPr>
-            </a:lvl1pPr>
-            <a:extLst/>
-          </a:lstStyle>
-          <a:p>
-            <a:pPr algn="ctr"/>
-            <a:r>
-              <a:rPr lang="en-US" sz="4500" dirty="0" smtClean="0"/>
-              <a:t>Questions</a:t>
-            </a:r>
-            <a:r>
-              <a:rPr lang="en-US" dirty="0" smtClean="0"/>
-              <a:t>?</a:t>
-            </a:r>
-            <a:endParaRPr lang="nl-BE" dirty="0"/>
-          </a:p>
-        </p:txBody>
-      </p:sp>
-    </p:spTree>
-    <p:extLst>
-      <p:ext uri="{BB962C8B-B14F-4D97-AF65-F5344CB8AC3E}">
-        <p14:creationId xmlns:p14="http://schemas.microsoft.com/office/powerpoint/2010/main" val="3256963629"/>
-      </p:ext>
-    </p:extLst>
-  </p:cSld>
-  <p:clrMapOvr>
-    <a:masterClrMapping/>
-  </p:clrMapOvr>
-</p:sld>
-</file>
-
 <file path=ppt/slides/slide3.xml><?xml version="1.0" encoding="utf-8"?>
 <p:sld xmlns:a="http://schemas.openxmlformats.org/drawingml/2006/main" xmlns:r="http://schemas.openxmlformats.org/officeDocument/2006/relationships" xmlns:p="http://schemas.openxmlformats.org/presentationml/2006/main">
   <p:cSld>
@@ -8388,7 +8014,7 @@
           <a:lstStyle/>
           <a:p>
             <a:r>
-              <a:rPr lang="nl-BE" dirty="0" err="1" smtClean="0"/>
+              <a:rPr lang="nl-BE" dirty="0" err="1"/>
               <a:t>Bibliography</a:t>
             </a:r>
             <a:endParaRPr lang="nl-BE" dirty="0"/>
@@ -8422,11 +8048,7 @@
             </a:pPr>
             <a:r>
               <a:rPr lang="en-US" dirty="0"/>
-              <a:t>Lifted Reasoning for Combinatorial </a:t>
-            </a:r>
-            <a:r>
-              <a:rPr lang="en-US" dirty="0" smtClean="0"/>
-              <a:t>Counting</a:t>
+              <a:t>Lifted Reasoning for Combinatorial Counting</a:t>
             </a:r>
           </a:p>
           <a:p>
@@ -8437,11 +8059,7 @@
             </a:pPr>
             <a:r>
               <a:rPr lang="en-US" dirty="0"/>
-              <a:t>Towards High-Level Probabilistic Reasoning with Lifted </a:t>
-            </a:r>
-            <a:r>
-              <a:rPr lang="en-US" dirty="0" smtClean="0"/>
-              <a:t>Inference</a:t>
+              <a:t>Towards High-Level Probabilistic Reasoning with Lifted Inference</a:t>
             </a:r>
           </a:p>
           <a:p>
@@ -8451,12 +8069,8 @@
               <a:buAutoNum type="arabicPeriod"/>
             </a:pPr>
             <a:r>
-              <a:rPr lang="en-US" dirty="0" smtClean="0"/>
-              <a:t>Constructing </a:t>
-            </a:r>
-            <a:r>
               <a:rPr lang="en-US" dirty="0"/>
-              <a:t>Area-Proportional Venn and Euler</a:t>
+              <a:t>Constructing Area-Proportional Venn and Euler</a:t>
             </a:r>
             <a:endParaRPr lang="nl-BE" dirty="0"/>
           </a:p>
@@ -8521,7 +8135,7 @@
               <a:t> </a:t>
             </a:r>
             <a:r>
-              <a:rPr lang="nl-BE" dirty="0" err="1" smtClean="0"/>
+              <a:rPr lang="nl-BE" dirty="0" err="1"/>
               <a:t>Reasoning</a:t>
             </a:r>
             <a:endParaRPr lang="nl-BE" dirty="0"/>
@@ -8567,55 +8181,50 @@
               <a:t>Inference</a:t>
             </a:r>
             <a:r>
-              <a:rPr lang="nl-BE" dirty="0" smtClean="0"/>
+              <a:rPr lang="nl-BE" dirty="0"/>
               <a:t>)</a:t>
             </a:r>
-            <a:endParaRPr lang="nl-BE" dirty="0" smtClean="0"/>
-          </a:p>
-          <a:p>
-            <a:r>
-              <a:rPr lang="nl-BE" dirty="0" err="1" smtClean="0"/>
+          </a:p>
+          <a:p>
+            <a:r>
+              <a:rPr lang="nl-BE" dirty="0" err="1"/>
               <a:t>Conditional</a:t>
             </a:r>
             <a:r>
-              <a:rPr lang="nl-BE" dirty="0" smtClean="0"/>
+              <a:rPr lang="nl-BE" dirty="0"/>
               <a:t> </a:t>
             </a:r>
             <a:r>
-              <a:rPr lang="nl-BE" dirty="0" err="1" smtClean="0"/>
+              <a:rPr lang="nl-BE" dirty="0" err="1"/>
               <a:t>Dependencies</a:t>
             </a:r>
             <a:endParaRPr lang="nl-BE" dirty="0"/>
           </a:p>
           <a:p>
             <a:r>
-              <a:rPr lang="nl-BE" dirty="0" smtClean="0"/>
-              <a:t>Traditional </a:t>
-            </a:r>
-            <a:r>
-              <a:rPr lang="nl-BE" dirty="0" smtClean="0"/>
-              <a:t>Model</a:t>
+              <a:rPr lang="nl-BE" dirty="0"/>
+              <a:t>Traditional Model</a:t>
             </a:r>
           </a:p>
           <a:p>
             <a:pPr lvl="1"/>
             <a:r>
-              <a:rPr lang="nl-BE" dirty="0" smtClean="0"/>
+              <a:rPr lang="nl-BE" dirty="0"/>
               <a:t>2 </a:t>
             </a:r>
             <a:r>
-              <a:rPr lang="nl-BE" dirty="0" err="1" smtClean="0"/>
+              <a:rPr lang="nl-BE" dirty="0" err="1"/>
               <a:t>Seperate</a:t>
             </a:r>
             <a:r>
-              <a:rPr lang="nl-BE" dirty="0" smtClean="0"/>
+              <a:rPr lang="nl-BE" dirty="0"/>
               <a:t> </a:t>
             </a:r>
             <a:r>
-              <a:rPr lang="nl-BE" dirty="0" err="1" smtClean="0"/>
+              <a:rPr lang="nl-BE" dirty="0" err="1"/>
               <a:t>functions</a:t>
             </a:r>
-            <a:endParaRPr lang="nl-BE" dirty="0" smtClean="0"/>
+            <a:endParaRPr lang="nl-BE" dirty="0"/>
           </a:p>
           <a:p>
             <a:pPr lvl="1"/>
@@ -8632,64 +8241,55 @@
               <a:t> of </a:t>
             </a:r>
             <a:r>
-              <a:rPr lang="nl-BE" dirty="0" err="1" smtClean="0"/>
+              <a:rPr lang="nl-BE" dirty="0" err="1"/>
               <a:t>symmetries</a:t>
             </a:r>
-            <a:endParaRPr lang="nl-BE" dirty="0" smtClean="0"/>
+            <a:endParaRPr lang="nl-BE" dirty="0"/>
           </a:p>
           <a:p>
             <a:pPr lvl="1"/>
             <a:r>
-              <a:rPr lang="nl-BE" dirty="0" err="1" smtClean="0"/>
+              <a:rPr lang="nl-BE" dirty="0" err="1"/>
               <a:t>Grounded</a:t>
             </a:r>
             <a:r>
-              <a:rPr lang="nl-BE" dirty="0" smtClean="0"/>
+              <a:rPr lang="nl-BE" dirty="0"/>
               <a:t> </a:t>
             </a:r>
             <a:r>
-              <a:rPr lang="nl-BE" dirty="0" err="1" smtClean="0"/>
+              <a:rPr lang="nl-BE" dirty="0" err="1"/>
               <a:t>Inference</a:t>
             </a:r>
-            <a:endParaRPr lang="nl-BE" dirty="0" smtClean="0"/>
-          </a:p>
-          <a:p>
-            <a:r>
-              <a:rPr lang="nl-BE" dirty="0" err="1" smtClean="0"/>
+            <a:endParaRPr lang="nl-BE" dirty="0"/>
+          </a:p>
+          <a:p>
+            <a:r>
+              <a:rPr lang="nl-BE" dirty="0" err="1"/>
               <a:t>Lifted</a:t>
             </a:r>
             <a:r>
-              <a:rPr lang="nl-BE" dirty="0" smtClean="0"/>
-              <a:t> </a:t>
-            </a:r>
-            <a:r>
-              <a:rPr lang="nl-BE" dirty="0" smtClean="0"/>
-              <a:t>Model</a:t>
+              <a:rPr lang="nl-BE" dirty="0"/>
+              <a:t> Model</a:t>
             </a:r>
           </a:p>
           <a:p>
             <a:pPr lvl="1"/>
             <a:r>
-              <a:rPr lang="nl-BE" dirty="0" err="1" smtClean="0"/>
+              <a:rPr lang="nl-BE" dirty="0" err="1"/>
               <a:t>Generalization</a:t>
             </a:r>
-            <a:endParaRPr lang="nl-BE" dirty="0" smtClean="0"/>
+            <a:endParaRPr lang="nl-BE" dirty="0"/>
           </a:p>
           <a:p>
             <a:pPr lvl="1"/>
             <a:r>
-              <a:rPr lang="nl-BE" dirty="0" err="1" smtClean="0"/>
+              <a:rPr lang="nl-BE" dirty="0" err="1"/>
               <a:t>Faster</a:t>
             </a:r>
             <a:r>
-              <a:rPr lang="nl-BE" dirty="0" smtClean="0"/>
-              <a:t> </a:t>
-            </a:r>
-            <a:r>
-              <a:rPr lang="nl-BE" dirty="0" smtClean="0"/>
-              <a:t>processing</a:t>
-            </a:r>
-            <a:endParaRPr lang="nl-BE" dirty="0" smtClean="0"/>
+              <a:rPr lang="nl-BE" dirty="0"/>
+              <a:t> processing</a:t>
+            </a:r>
           </a:p>
         </p:txBody>
       </p:sp>
@@ -8828,10 +8428,9 @@
           <a:lstStyle/>
           <a:p>
             <a:r>
-              <a:rPr lang="nl-BE" sz="2800" b="1" dirty="0" smtClean="0"/>
+              <a:rPr lang="nl-BE" sz="2800" b="1" dirty="0"/>
               <a:t>Company</a:t>
             </a:r>
-            <a:endParaRPr lang="nl-BE" sz="2800" b="1" dirty="0"/>
           </a:p>
         </p:txBody>
       </p:sp>
@@ -8858,10 +8457,9 @@
           <a:lstStyle/>
           <a:p>
             <a:r>
-              <a:rPr lang="nl-BE" sz="2800" b="1" dirty="0" smtClean="0"/>
+              <a:rPr lang="nl-BE" sz="2800" b="1" dirty="0"/>
               <a:t>Age</a:t>
             </a:r>
-            <a:endParaRPr lang="nl-BE" sz="2800" b="1" dirty="0"/>
           </a:p>
         </p:txBody>
       </p:sp>
@@ -8888,10 +8486,9 @@
           <a:lstStyle/>
           <a:p>
             <a:r>
-              <a:rPr lang="nl-BE" sz="2800" b="1" dirty="0" smtClean="0"/>
+              <a:rPr lang="nl-BE" sz="2800" b="1" dirty="0"/>
               <a:t>Age</a:t>
             </a:r>
-            <a:endParaRPr lang="nl-BE" sz="2800" b="1" dirty="0"/>
           </a:p>
         </p:txBody>
       </p:sp>
@@ -8918,10 +8515,9 @@
           <a:lstStyle/>
           <a:p>
             <a:r>
-              <a:rPr lang="nl-BE" sz="2800" b="1" dirty="0" smtClean="0"/>
+              <a:rPr lang="nl-BE" sz="2800" b="1" dirty="0"/>
               <a:t>Age</a:t>
             </a:r>
-            <a:endParaRPr lang="nl-BE" sz="2800" b="1" dirty="0"/>
           </a:p>
         </p:txBody>
       </p:sp>
@@ -9082,11 +8678,11 @@
           <a:lstStyle/>
           <a:p>
             <a:r>
-              <a:rPr lang="nl-BE" dirty="0" err="1" smtClean="0"/>
+              <a:rPr lang="nl-BE" dirty="0" err="1"/>
               <a:t>Initial</a:t>
             </a:r>
             <a:r>
-              <a:rPr lang="nl-BE" dirty="0" smtClean="0"/>
+              <a:rPr lang="nl-BE" dirty="0"/>
               <a:t> </a:t>
             </a:r>
             <a:r>
@@ -9095,21 +8691,17 @@
             </a:r>
             <a:r>
               <a:rPr lang="nl-BE" dirty="0"/>
-              <a:t> (David Poole</a:t>
-            </a:r>
-            <a:r>
-              <a:rPr lang="nl-BE" dirty="0" smtClean="0"/>
-              <a:t>)</a:t>
+              <a:t> (David Poole)</a:t>
             </a:r>
           </a:p>
           <a:p>
             <a:pPr lvl="1"/>
             <a:r>
-              <a:rPr lang="nl-BE" dirty="0" smtClean="0"/>
+              <a:rPr lang="nl-BE" dirty="0"/>
               <a:t>High-level </a:t>
             </a:r>
             <a:r>
-              <a:rPr lang="nl-BE" dirty="0" err="1" smtClean="0"/>
+              <a:rPr lang="nl-BE" dirty="0" err="1"/>
               <a:t>Reasoning</a:t>
             </a:r>
             <a:endParaRPr lang="nl-BE" dirty="0"/>
@@ -9127,25 +8719,24 @@
               <a:t>Machine </a:t>
             </a:r>
             <a:r>
-              <a:rPr lang="nl-BE" dirty="0" err="1" smtClean="0"/>
+              <a:rPr lang="nl-BE" dirty="0" err="1"/>
               <a:t>learning</a:t>
             </a:r>
-            <a:endParaRPr lang="nl-BE" dirty="0" smtClean="0"/>
-          </a:p>
-          <a:p>
-            <a:r>
-              <a:rPr lang="nl-BE" dirty="0" err="1" smtClean="0"/>
+            <a:endParaRPr lang="nl-BE" dirty="0"/>
+          </a:p>
+          <a:p>
+            <a:r>
+              <a:rPr lang="nl-BE" dirty="0" err="1"/>
               <a:t>Now</a:t>
             </a:r>
             <a:r>
-              <a:rPr lang="nl-BE" dirty="0" smtClean="0"/>
+              <a:rPr lang="nl-BE" dirty="0"/>
               <a:t>: Combinatorics</a:t>
             </a:r>
+          </a:p>
+          <a:p>
+            <a:pPr lvl="1"/>
             <a:endParaRPr lang="nl-BE" dirty="0"/>
-          </a:p>
-          <a:p>
-            <a:pPr lvl="1"/>
-            <a:endParaRPr lang="nl-BE" dirty="0" smtClean="0"/>
           </a:p>
         </p:txBody>
       </p:sp>
@@ -9376,7 +8967,7 @@
               <a:t>Mathematical </a:t>
             </a:r>
             <a:r>
-              <a:rPr lang="nl-BE" dirty="0" err="1" smtClean="0"/>
+              <a:rPr lang="nl-BE" dirty="0" err="1"/>
               <a:t>Formulas</a:t>
             </a:r>
             <a:endParaRPr lang="nl-BE" dirty="0"/>
@@ -10711,8 +10302,8 @@
           <a:chExt cx="0" cy="0"/>
         </a:xfrm>
       </p:grpSpPr>
-      <mc:AlternateContent xmlns:mc="http://schemas.openxmlformats.org/markup-compatibility/2006" xmlns:a14="http://schemas.microsoft.com/office/drawing/2010/main">
-        <mc:Choice Requires="a14">
+      <mc:AlternateContent xmlns:mc="http://schemas.openxmlformats.org/markup-compatibility/2006">
+        <mc:Choice xmlns:a14="http://schemas.microsoft.com/office/drawing/2010/main" Requires="a14">
           <p:sp>
             <p:nvSpPr>
               <p:cNvPr id="2" name="Tijdelijke aanduiding voor inhoud 1"/>
@@ -10725,22 +10316,28 @@
             </p:nvSpPr>
             <p:spPr/>
             <p:txBody>
-              <a:bodyPr/>
+              <a:bodyPr>
+                <a:normAutofit fontScale="92500" lnSpcReduction="10000"/>
+              </a:bodyPr>
               <a:lstStyle/>
               <a:p>
                 <a:r>
                   <a:rPr lang="nl-BE" dirty="0"/>
-                  <a:t>Constraint Satisfaction Problem (CSP) </a:t>
+                  <a:t>Counting Constraint Satisfaction Problem (#CSP) </a:t>
                 </a:r>
                 <a14:m>
                   <m:oMath xmlns:m="http://schemas.openxmlformats.org/officeDocument/2006/math">
+                    <m:r>
+                      <a:rPr lang="nl-BE" i="1">
+                        <a:latin typeface="Cambria Math" panose="02040503050406030204" pitchFamily="18" charset="0"/>
+                      </a:rPr>
+                      <m:t>𝑀𝐶</m:t>
+                    </m:r>
                     <m:d>
                       <m:dPr>
-                        <m:begChr m:val="⟨"/>
-                        <m:endChr m:val="⟩"/>
                         <m:ctrlPr>
                           <a:rPr lang="nl-BE" i="1">
-                            <a:latin typeface="Cambria Math"/>
+                            <a:latin typeface="Cambria Math" panose="02040503050406030204" pitchFamily="18" charset="0"/>
                           </a:rPr>
                         </m:ctrlPr>
                       </m:dPr>
@@ -10784,13 +10381,13 @@
               <a:p>
                 <a:pPr lvl="1"/>
                 <a:r>
-                  <a:rPr lang="nl-BE" b="0" dirty="0"/>
+                  <a:rPr lang="nl-BE" dirty="0"/>
                   <a:t>Set of variables </a:t>
                 </a:r>
                 <a14:m>
                   <m:oMath xmlns:m="http://schemas.openxmlformats.org/officeDocument/2006/math">
                     <m:r>
-                      <a:rPr lang="nl-BE" b="0" i="1" smtClean="0">
+                      <a:rPr lang="nl-BE" i="1">
                         <a:latin typeface="Cambria Math" panose="02040503050406030204" pitchFamily="18" charset="0"/>
                       </a:rPr>
                       <m:t>𝑉</m:t>
@@ -10808,7 +10405,7 @@
                 <a14:m>
                   <m:oMath xmlns:m="http://schemas.openxmlformats.org/officeDocument/2006/math">
                     <m:r>
-                      <a:rPr lang="nl-BE" b="0" i="1" smtClean="0">
+                      <a:rPr lang="nl-BE" i="1">
                         <a:latin typeface="Cambria Math" panose="02040503050406030204" pitchFamily="18" charset="0"/>
                       </a:rPr>
                       <m:t>𝐷</m:t>
@@ -10826,7 +10423,7 @@
                 <a14:m>
                   <m:oMath xmlns:m="http://schemas.openxmlformats.org/officeDocument/2006/math">
                     <m:r>
-                      <a:rPr lang="nl-BE" b="0" i="1" smtClean="0">
+                      <a:rPr lang="nl-BE" i="1">
                         <a:latin typeface="Cambria Math" panose="02040503050406030204" pitchFamily="18" charset="0"/>
                       </a:rPr>
                       <m:t>𝐶</m:t>
@@ -10838,39 +10435,25 @@
               <a:p>
                 <a:r>
                   <a:rPr lang="nl-BE" dirty="0"/>
+                  <a:t>Goal: Find the number of satisfying assignments</a:t>
+                </a:r>
+              </a:p>
+              <a:p>
+                <a:pPr lvl="1"/>
+                <a:r>
+                  <a:rPr lang="nl-BE" dirty="0"/>
                   <a:t>Assignment </a:t>
                 </a:r>
                 <a14:m>
                   <m:oMath xmlns:m="http://schemas.openxmlformats.org/officeDocument/2006/math">
                     <m:r>
-                      <a:rPr lang="nl-BE" b="0" i="1" smtClean="0">
-                        <a:latin typeface="Cambria Math" panose="02040503050406030204" pitchFamily="18" charset="0"/>
-                      </a:rPr>
-                      <m:t>𝑓</m:t>
-                    </m:r>
-                  </m:oMath>
-                </a14:m>
-                <a:r>
-                  <a:rPr lang="nl-BE" i="1" dirty="0"/>
-                  <a:t> </a:t>
-                </a:r>
-                <a:r>
-                  <a:rPr lang="nl-BE" dirty="0"/>
-                  <a:t>satisfies a CSP</a:t>
-                </a:r>
-              </a:p>
-              <a:p>
-                <a:pPr lvl="1"/>
-                <a14:m>
-                  <m:oMath xmlns:m="http://schemas.openxmlformats.org/officeDocument/2006/math">
-                    <m:r>
-                      <a:rPr lang="nl-BE" b="0" i="1" dirty="0" smtClean="0">
+                      <a:rPr lang="nl-BE" i="1" dirty="0">
                         <a:latin typeface="Cambria Math" panose="02040503050406030204" pitchFamily="18" charset="0"/>
                       </a:rPr>
                       <m:t>𝑓</m:t>
                     </m:r>
                     <m:r>
-                      <a:rPr lang="nl-BE" b="0" i="1" dirty="0" smtClean="0">
+                      <a:rPr lang="nl-BE" i="1" dirty="0">
                         <a:latin typeface="Cambria Math" panose="02040503050406030204" pitchFamily="18" charset="0"/>
                       </a:rPr>
                       <m:t> </m:t>
@@ -10884,19 +10467,30 @@
                 <a14:m>
                   <m:oMath xmlns:m="http://schemas.openxmlformats.org/officeDocument/2006/math">
                     <m:r>
-                      <a:rPr lang="nl-BE" b="0" i="1" smtClean="0">
+                      <a:rPr lang="nl-BE" i="1">
                         <a:latin typeface="Cambria Math" panose="02040503050406030204" pitchFamily="18" charset="0"/>
                       </a:rPr>
                       <m:t>𝐶</m:t>
                     </m:r>
                   </m:oMath>
                 </a14:m>
-                <a:endParaRPr lang="nl-BE" b="0" dirty="0"/>
+                <a:endParaRPr lang="nl-BE" dirty="0"/>
+              </a:p>
+              <a:p>
+                <a:pPr lvl="2"/>
+                <a:endParaRPr lang="nl-BE" dirty="0"/>
               </a:p>
               <a:p>
                 <a:r>
                   <a:rPr lang="nl-BE" dirty="0"/>
-                  <a:t>Goal: does a satisfying </a:t>
+                  <a:t>Combinatorics problems can be expressed as #CSPs</a:t>
+                </a:r>
+              </a:p>
+              <a:p>
+                <a:pPr lvl="1"/>
+                <a:r>
+                  <a:rPr lang="nl-BE" dirty="0"/>
+                  <a:t>Set </a:t>
                 </a:r>
                 <a14:m>
                   <m:oMath xmlns:m="http://schemas.openxmlformats.org/officeDocument/2006/math">
@@ -10904,87 +10498,55 @@
                       <a:rPr lang="nl-BE" b="0" i="1" smtClean="0">
                         <a:latin typeface="Cambria Math" panose="02040503050406030204" pitchFamily="18" charset="0"/>
                       </a:rPr>
-                      <m:t>𝑓</m:t>
+                      <m:t>𝑋</m:t>
                     </m:r>
                   </m:oMath>
                 </a14:m>
                 <a:r>
                   <a:rPr lang="nl-BE" dirty="0"/>
-                  <a:t> exist?</a:t>
+                  <a:t> </a:t>
+                </a:r>
+                <a:r>
+                  <a:rPr lang="nl-BE" dirty="0">
+                    <a:sym typeface="Wingdings" pitchFamily="2" charset="2"/>
+                  </a:rPr>
+                  <a:t> set of variables</a:t>
                 </a:r>
               </a:p>
               <a:p>
                 <a:pPr lvl="1"/>
                 <a:r>
-                  <a:rPr lang="nl-BE" dirty="0"/>
-                  <a:t>Also called a model </a:t>
+                  <a:rPr lang="nl-BE" dirty="0">
+                    <a:sym typeface="Wingdings" pitchFamily="2" charset="2"/>
+                  </a:rPr>
+                  <a:t>Set </a:t>
                 </a:r>
                 <a14:m>
                   <m:oMath xmlns:m="http://schemas.openxmlformats.org/officeDocument/2006/math">
                     <m:r>
                       <a:rPr lang="nl-BE" b="0" i="1" smtClean="0">
                         <a:latin typeface="Cambria Math" panose="02040503050406030204" pitchFamily="18" charset="0"/>
+                        <a:sym typeface="Wingdings" pitchFamily="2" charset="2"/>
                       </a:rPr>
-                      <m:t>𝑀</m:t>
+                      <m:t>𝑌</m:t>
                     </m:r>
-                    <m:d>
-                      <m:dPr>
-                        <m:begChr m:val="⟨"/>
-                        <m:endChr m:val="⟩"/>
-                        <m:ctrlPr>
-                          <a:rPr lang="nl-BE" b="0" i="1" smtClean="0">
-                            <a:latin typeface="Cambria Math"/>
-                          </a:rPr>
-                        </m:ctrlPr>
-                      </m:dPr>
-                      <m:e>
-                        <m:r>
-                          <a:rPr lang="nl-BE" b="0" i="1" smtClean="0">
-                            <a:latin typeface="Cambria Math" panose="02040503050406030204" pitchFamily="18" charset="0"/>
-                          </a:rPr>
-                          <m:t>𝑉</m:t>
-                        </m:r>
-                        <m:r>
-                          <a:rPr lang="nl-BE" b="0" i="1" smtClean="0">
-                            <a:latin typeface="Cambria Math" panose="02040503050406030204" pitchFamily="18" charset="0"/>
-                          </a:rPr>
-                          <m:t>,</m:t>
-                        </m:r>
-                        <m:r>
-                          <a:rPr lang="nl-BE" b="0" i="1" smtClean="0">
-                            <a:latin typeface="Cambria Math" panose="02040503050406030204" pitchFamily="18" charset="0"/>
-                          </a:rPr>
-                          <m:t>𝐷</m:t>
-                        </m:r>
-                        <m:r>
-                          <a:rPr lang="nl-BE" b="0" i="1" smtClean="0">
-                            <a:latin typeface="Cambria Math" panose="02040503050406030204" pitchFamily="18" charset="0"/>
-                          </a:rPr>
-                          <m:t>,</m:t>
-                        </m:r>
-                        <m:r>
-                          <a:rPr lang="nl-BE" b="0" i="1" smtClean="0">
-                            <a:latin typeface="Cambria Math" panose="02040503050406030204" pitchFamily="18" charset="0"/>
-                          </a:rPr>
-                          <m:t>𝐶</m:t>
-                        </m:r>
-                      </m:e>
-                    </m:d>
                   </m:oMath>
                 </a14:m>
                 <a:r>
                   <a:rPr lang="nl-BE" dirty="0"/>
-                  <a:t> or solution</a:t>
+                  <a:t> </a:t>
                 </a:r>
-              </a:p>
-              <a:p>
-                <a:pPr lvl="1"/>
-                <a:endParaRPr lang="nl-BE" dirty="0"/>
+                <a:r>
+                  <a:rPr lang="nl-BE" dirty="0">
+                    <a:sym typeface="Wingdings" pitchFamily="2" charset="2"/>
+                  </a:rPr>
+                  <a:t> domain</a:t>
+                </a:r>
               </a:p>
             </p:txBody>
           </p:sp>
         </mc:Choice>
-        <mc:Fallback xmlns="">
+        <mc:Fallback>
           <p:sp>
             <p:nvSpPr>
               <p:cNvPr id="2" name="Tijdelijke aanduiding voor inhoud 1"/>
@@ -10999,7 +10561,7 @@
               <a:blipFill>
                 <a:blip r:embed="rId2"/>
                 <a:stretch>
-                  <a:fillRect t="-1120"/>
+                  <a:fillRect t="-1681"/>
                 </a:stretch>
               </a:blipFill>
             </p:spPr>
@@ -11035,7 +10597,7 @@
           <a:p>
             <a:r>
               <a:rPr lang="nl-BE" dirty="0"/>
-              <a:t>CSP</a:t>
+              <a:t>#CSP</a:t>
             </a:r>
           </a:p>
         </p:txBody>
@@ -11043,7 +10605,7 @@
     </p:spTree>
     <p:extLst>
       <p:ext uri="{BB962C8B-B14F-4D97-AF65-F5344CB8AC3E}">
-        <p14:creationId xmlns:p14="http://schemas.microsoft.com/office/powerpoint/2010/main" val="3748111677"/>
+        <p14:creationId xmlns:p14="http://schemas.microsoft.com/office/powerpoint/2010/main" val="281160088"/>
       </p:ext>
     </p:extLst>
   </p:cSld>

--- a/Presentation.pptx
+++ b/Presentation.pptx
@@ -13,9 +13,9 @@
     <p:sldId id="265" r:id="rId7"/>
     <p:sldId id="267" r:id="rId8"/>
     <p:sldId id="259" r:id="rId9"/>
-    <p:sldId id="268" r:id="rId10"/>
-    <p:sldId id="261" r:id="rId11"/>
-    <p:sldId id="266" r:id="rId12"/>
+    <p:sldId id="261" r:id="rId10"/>
+    <p:sldId id="266" r:id="rId11"/>
+    <p:sldId id="268" r:id="rId12"/>
     <p:sldId id="262" r:id="rId13"/>
     <p:sldId id="270" r:id="rId14"/>
     <p:sldId id="271" r:id="rId15"/>
@@ -4595,58 +4595,89 @@
           <a:p>
             <a:r>
               <a:rPr lang="nl-BE" dirty="0"/>
-              <a:t>Elements</a:t>
-            </a:r>
+              <a:t>Domain </a:t>
+            </a:r>
+            <a:r>
+              <a:rPr lang="nl-BE" dirty="0" err="1"/>
+              <a:t>Formulas</a:t>
+            </a:r>
+            <a:endParaRPr lang="nl-BE" dirty="0"/>
           </a:p>
           <a:p>
             <a:pPr lvl="1"/>
             <a:r>
               <a:rPr lang="nl-BE" dirty="0"/>
-              <a:t>Atomic objects</a:t>
-            </a:r>
-          </a:p>
-          <a:p>
+              <a:t>Set operations</a:t>
+            </a:r>
+          </a:p>
+          <a:p>
+            <a:r>
+              <a:rPr lang="nl-BE" dirty="0" err="1"/>
+              <a:t>Choice</a:t>
+            </a:r>
             <a:r>
               <a:rPr lang="nl-BE" dirty="0"/>
-              <a:t>Domains</a:t>
-            </a:r>
+              <a:t> </a:t>
+            </a:r>
+            <a:r>
+              <a:rPr lang="nl-BE" dirty="0" err="1"/>
+              <a:t>Constraints</a:t>
+            </a:r>
+            <a:endParaRPr lang="nl-BE" dirty="0"/>
           </a:p>
           <a:p>
             <a:pPr lvl="1"/>
             <a:r>
+              <a:rPr lang="nl-BE" dirty="0" err="1"/>
+              <a:t>Fixed</a:t>
+            </a:r>
+            <a:r>
               <a:rPr lang="nl-BE" dirty="0"/>
-              <a:t>Sets of elements</a:t>
-            </a:r>
-          </a:p>
-          <a:p>
+              <a:t> </a:t>
+            </a:r>
             <a:r>
               <a:rPr lang="nl-BE" dirty="0" err="1"/>
-              <a:t>Structures</a:t>
+              <a:t>position</a:t>
             </a:r>
             <a:endParaRPr lang="nl-BE" dirty="0"/>
           </a:p>
           <a:p>
+            <a:r>
+              <a:rPr lang="nl-BE" dirty="0" err="1"/>
+              <a:t>Counting</a:t>
+            </a:r>
+            <a:r>
+              <a:rPr lang="nl-BE" dirty="0"/>
+              <a:t> </a:t>
+            </a:r>
+            <a:r>
+              <a:rPr lang="nl-BE" dirty="0" err="1"/>
+              <a:t>Constraints</a:t>
+            </a:r>
+            <a:endParaRPr lang="nl-BE" dirty="0"/>
+          </a:p>
+          <a:p>
             <a:pPr lvl="1"/>
             <a:r>
+              <a:rPr lang="nl-BE" dirty="0"/>
+              <a:t>Limit on domains</a:t>
+            </a:r>
+          </a:p>
+          <a:p>
+            <a:pPr lvl="1"/>
+            <a:r>
               <a:rPr lang="nl-BE" dirty="0" err="1"/>
-              <a:t>Twelvefold</a:t>
+              <a:t>Boolean</a:t>
             </a:r>
             <a:r>
               <a:rPr lang="nl-BE" dirty="0"/>
-              <a:t> way </a:t>
-            </a:r>
-            <a:r>
-              <a:rPr lang="nl-BE" dirty="0" err="1"/>
-              <a:t>problem</a:t>
+              <a:t> operators (</a:t>
+            </a:r>
+            <a:r>
+              <a:rPr lang="en-GB" dirty="0"/>
+              <a:t>&gt;, &lt;, &gt;=, &lt;=, =)</a:t>
             </a:r>
             <a:endParaRPr lang="nl-BE" dirty="0"/>
-          </a:p>
-          <a:p>
-            <a:pPr lvl="1"/>
-            <a:r>
-              <a:rPr lang="nl-BE" dirty="0"/>
-              <a:t>(D, F)</a:t>
-            </a:r>
           </a:p>
         </p:txBody>
       </p:sp>
@@ -4669,14 +4700,25 @@
               <a:rPr lang="nl-BE" dirty="0" err="1"/>
               <a:t>CoLa</a:t>
             </a:r>
-            <a:endParaRPr lang="nl-BE" dirty="0"/>
+            <a:r>
+              <a:rPr lang="nl-BE" dirty="0"/>
+              <a:t> (</a:t>
+            </a:r>
+            <a:r>
+              <a:rPr lang="nl-BE" dirty="0" err="1"/>
+              <a:t>Constraints</a:t>
+            </a:r>
+            <a:r>
+              <a:rPr lang="nl-BE" dirty="0"/>
+              <a:t>)</a:t>
+            </a:r>
           </a:p>
         </p:txBody>
       </p:sp>
     </p:spTree>
     <p:extLst>
       <p:ext uri="{BB962C8B-B14F-4D97-AF65-F5344CB8AC3E}">
-        <p14:creationId xmlns:p14="http://schemas.microsoft.com/office/powerpoint/2010/main" val="349216217"/>
+        <p14:creationId xmlns:p14="http://schemas.microsoft.com/office/powerpoint/2010/main" val="1395496281"/>
       </p:ext>
     </p:extLst>
   </p:cSld>
@@ -4703,109 +4745,284 @@
           <a:chExt cx="0" cy="0"/>
         </a:xfrm>
       </p:grpSpPr>
-      <p:sp>
-        <p:nvSpPr>
-          <p:cNvPr id="2" name="Tijdelijke aanduiding voor inhoud 1"/>
-          <p:cNvSpPr>
-            <a:spLocks noGrp="1"/>
-          </p:cNvSpPr>
-          <p:nvPr>
-            <p:ph idx="1"/>
-          </p:nvPr>
-        </p:nvSpPr>
-        <p:spPr/>
-        <p:txBody>
-          <a:bodyPr/>
-          <a:lstStyle/>
-          <a:p>
-            <a:r>
-              <a:rPr lang="nl-BE" dirty="0"/>
-              <a:t>Domain </a:t>
-            </a:r>
-            <a:r>
-              <a:rPr lang="nl-BE" dirty="0" err="1"/>
-              <a:t>Formulas</a:t>
-            </a:r>
-            <a:endParaRPr lang="nl-BE" dirty="0"/>
-          </a:p>
-          <a:p>
-            <a:pPr lvl="1"/>
-            <a:r>
-              <a:rPr lang="nl-BE" dirty="0"/>
-              <a:t>Set operations</a:t>
-            </a:r>
-          </a:p>
-          <a:p>
-            <a:r>
-              <a:rPr lang="nl-BE" dirty="0" err="1"/>
-              <a:t>Choice</a:t>
-            </a:r>
-            <a:r>
-              <a:rPr lang="nl-BE" dirty="0"/>
-              <a:t> </a:t>
-            </a:r>
-            <a:r>
-              <a:rPr lang="nl-BE" dirty="0" err="1"/>
-              <a:t>Constraints</a:t>
-            </a:r>
-            <a:endParaRPr lang="nl-BE" dirty="0"/>
-          </a:p>
-          <a:p>
-            <a:pPr lvl="1"/>
-            <a:r>
-              <a:rPr lang="nl-BE" dirty="0" err="1"/>
-              <a:t>Fixed</a:t>
-            </a:r>
-            <a:r>
-              <a:rPr lang="nl-BE" dirty="0"/>
-              <a:t> </a:t>
-            </a:r>
-            <a:r>
-              <a:rPr lang="nl-BE" dirty="0" err="1"/>
-              <a:t>position</a:t>
-            </a:r>
-            <a:endParaRPr lang="nl-BE" dirty="0"/>
-          </a:p>
-          <a:p>
-            <a:r>
-              <a:rPr lang="nl-BE" dirty="0" err="1"/>
-              <a:t>Counting</a:t>
-            </a:r>
-            <a:r>
-              <a:rPr lang="nl-BE" dirty="0"/>
-              <a:t> </a:t>
-            </a:r>
-            <a:r>
-              <a:rPr lang="nl-BE" dirty="0" err="1"/>
-              <a:t>Constraints</a:t>
-            </a:r>
-            <a:endParaRPr lang="nl-BE" dirty="0"/>
-          </a:p>
-          <a:p>
-            <a:pPr lvl="1"/>
-            <a:r>
-              <a:rPr lang="nl-BE" dirty="0"/>
-              <a:t>Limit on domains</a:t>
-            </a:r>
-          </a:p>
-          <a:p>
-            <a:pPr lvl="1"/>
-            <a:r>
-              <a:rPr lang="nl-BE" dirty="0" err="1"/>
-              <a:t>Boolean</a:t>
-            </a:r>
-            <a:r>
-              <a:rPr lang="nl-BE" dirty="0"/>
-              <a:t> operators (</a:t>
-            </a:r>
-            <a:r>
-              <a:rPr lang="en-GB" dirty="0"/>
-              <a:t>&gt;, &lt;, &gt;=, &lt;=, =)</a:t>
-            </a:r>
-            <a:endParaRPr lang="nl-BE" dirty="0"/>
-          </a:p>
-        </p:txBody>
-      </p:sp>
+      <mc:AlternateContent xmlns:mc="http://schemas.openxmlformats.org/markup-compatibility/2006">
+        <mc:Choice xmlns:a14="http://schemas.microsoft.com/office/drawing/2010/main" Requires="a14">
+          <p:sp>
+            <p:nvSpPr>
+              <p:cNvPr id="2" name="Tijdelijke aanduiding voor inhoud 1"/>
+              <p:cNvSpPr>
+                <a:spLocks noGrp="1"/>
+              </p:cNvSpPr>
+              <p:nvPr>
+                <p:ph idx="1"/>
+              </p:nvPr>
+            </p:nvSpPr>
+            <p:spPr/>
+            <p:txBody>
+              <a:bodyPr>
+                <a:normAutofit fontScale="92500" lnSpcReduction="10000"/>
+              </a:bodyPr>
+              <a:lstStyle/>
+              <a:p>
+                <a:r>
+                  <a:rPr lang="nl-BE" dirty="0"/>
+                  <a:t>Counting Constraint Satisfaction Problem (#CSP) </a:t>
+                </a:r>
+                <a14:m>
+                  <m:oMath xmlns:m="http://schemas.openxmlformats.org/officeDocument/2006/math">
+                    <m:r>
+                      <a:rPr lang="nl-BE" i="1">
+                        <a:latin typeface="Cambria Math" panose="02040503050406030204" pitchFamily="18" charset="0"/>
+                      </a:rPr>
+                      <m:t>𝑀𝐶</m:t>
+                    </m:r>
+                    <m:d>
+                      <m:dPr>
+                        <m:ctrlPr>
+                          <a:rPr lang="nl-BE" i="1">
+                            <a:latin typeface="Cambria Math" panose="02040503050406030204" pitchFamily="18" charset="0"/>
+                          </a:rPr>
+                        </m:ctrlPr>
+                      </m:dPr>
+                      <m:e>
+                        <m:r>
+                          <a:rPr lang="nl-BE" i="1">
+                            <a:latin typeface="Cambria Math" panose="02040503050406030204" pitchFamily="18" charset="0"/>
+                          </a:rPr>
+                          <m:t>𝑉</m:t>
+                        </m:r>
+                        <m:r>
+                          <a:rPr lang="nl-BE" i="1">
+                            <a:latin typeface="Cambria Math" panose="02040503050406030204" pitchFamily="18" charset="0"/>
+                          </a:rPr>
+                          <m:t>,</m:t>
+                        </m:r>
+                        <m:r>
+                          <a:rPr lang="nl-BE" i="1">
+                            <a:latin typeface="Cambria Math" panose="02040503050406030204" pitchFamily="18" charset="0"/>
+                          </a:rPr>
+                          <m:t>𝐷</m:t>
+                        </m:r>
+                        <m:r>
+                          <a:rPr lang="nl-BE" i="1">
+                            <a:latin typeface="Cambria Math" panose="02040503050406030204" pitchFamily="18" charset="0"/>
+                          </a:rPr>
+                          <m:t>,</m:t>
+                        </m:r>
+                        <m:r>
+                          <a:rPr lang="nl-BE" i="1">
+                            <a:latin typeface="Cambria Math" panose="02040503050406030204" pitchFamily="18" charset="0"/>
+                          </a:rPr>
+                          <m:t>𝐶</m:t>
+                        </m:r>
+                      </m:e>
+                    </m:d>
+                  </m:oMath>
+                </a14:m>
+                <a:endParaRPr lang="nl-BE" dirty="0"/>
+              </a:p>
+              <a:p>
+                <a:pPr lvl="1"/>
+                <a:r>
+                  <a:rPr lang="nl-BE" dirty="0"/>
+                  <a:t>Set of variables </a:t>
+                </a:r>
+                <a14:m>
+                  <m:oMath xmlns:m="http://schemas.openxmlformats.org/officeDocument/2006/math">
+                    <m:r>
+                      <a:rPr lang="nl-BE" i="1">
+                        <a:latin typeface="Cambria Math" panose="02040503050406030204" pitchFamily="18" charset="0"/>
+                      </a:rPr>
+                      <m:t>𝑉</m:t>
+                    </m:r>
+                  </m:oMath>
+                </a14:m>
+                <a:endParaRPr lang="nl-BE" dirty="0"/>
+              </a:p>
+              <a:p>
+                <a:pPr lvl="1"/>
+                <a:r>
+                  <a:rPr lang="nl-BE" dirty="0"/>
+                  <a:t>Domain </a:t>
+                </a:r>
+                <a14:m>
+                  <m:oMath xmlns:m="http://schemas.openxmlformats.org/officeDocument/2006/math">
+                    <m:r>
+                      <a:rPr lang="nl-BE" i="1">
+                        <a:latin typeface="Cambria Math" panose="02040503050406030204" pitchFamily="18" charset="0"/>
+                      </a:rPr>
+                      <m:t>𝐷</m:t>
+                    </m:r>
+                  </m:oMath>
+                </a14:m>
+                <a:endParaRPr lang="nl-BE" dirty="0"/>
+              </a:p>
+              <a:p>
+                <a:pPr lvl="1"/>
+                <a:r>
+                  <a:rPr lang="nl-BE" dirty="0"/>
+                  <a:t>Set of constraints </a:t>
+                </a:r>
+                <a14:m>
+                  <m:oMath xmlns:m="http://schemas.openxmlformats.org/officeDocument/2006/math">
+                    <m:r>
+                      <a:rPr lang="nl-BE" i="1">
+                        <a:latin typeface="Cambria Math" panose="02040503050406030204" pitchFamily="18" charset="0"/>
+                      </a:rPr>
+                      <m:t>𝐶</m:t>
+                    </m:r>
+                  </m:oMath>
+                </a14:m>
+                <a:endParaRPr lang="nl-BE" dirty="0"/>
+              </a:p>
+              <a:p>
+                <a:r>
+                  <a:rPr lang="nl-BE" dirty="0"/>
+                  <a:t>Goal: Find the number of satisfying assignments</a:t>
+                </a:r>
+              </a:p>
+              <a:p>
+                <a:pPr lvl="1"/>
+                <a:r>
+                  <a:rPr lang="nl-BE" dirty="0"/>
+                  <a:t>Assignment </a:t>
+                </a:r>
+                <a14:m>
+                  <m:oMath xmlns:m="http://schemas.openxmlformats.org/officeDocument/2006/math">
+                    <m:r>
+                      <a:rPr lang="nl-BE" i="1" dirty="0">
+                        <a:latin typeface="Cambria Math" panose="02040503050406030204" pitchFamily="18" charset="0"/>
+                      </a:rPr>
+                      <m:t>𝑓</m:t>
+                    </m:r>
+                    <m:r>
+                      <a:rPr lang="nl-BE" i="1" dirty="0">
+                        <a:latin typeface="Cambria Math" panose="02040503050406030204" pitchFamily="18" charset="0"/>
+                      </a:rPr>
+                      <m:t> </m:t>
+                    </m:r>
+                  </m:oMath>
+                </a14:m>
+                <a:r>
+                  <a:rPr lang="nl-BE" dirty="0"/>
+                  <a:t>satisfies all the constraints in </a:t>
+                </a:r>
+                <a14:m>
+                  <m:oMath xmlns:m="http://schemas.openxmlformats.org/officeDocument/2006/math">
+                    <m:r>
+                      <a:rPr lang="nl-BE" i="1">
+                        <a:latin typeface="Cambria Math" panose="02040503050406030204" pitchFamily="18" charset="0"/>
+                      </a:rPr>
+                      <m:t>𝐶</m:t>
+                    </m:r>
+                  </m:oMath>
+                </a14:m>
+                <a:endParaRPr lang="nl-BE" dirty="0"/>
+              </a:p>
+              <a:p>
+                <a:pPr lvl="2"/>
+                <a:endParaRPr lang="nl-BE" dirty="0"/>
+              </a:p>
+              <a:p>
+                <a:r>
+                  <a:rPr lang="nl-BE" dirty="0"/>
+                  <a:t>Combinatorics problems can be expressed as #CSPs</a:t>
+                </a:r>
+              </a:p>
+              <a:p>
+                <a:pPr lvl="1"/>
+                <a:r>
+                  <a:rPr lang="nl-BE" dirty="0"/>
+                  <a:t>Set </a:t>
+                </a:r>
+                <a14:m>
+                  <m:oMath xmlns:m="http://schemas.openxmlformats.org/officeDocument/2006/math">
+                    <m:r>
+                      <a:rPr lang="nl-BE" b="0" i="1" smtClean="0">
+                        <a:latin typeface="Cambria Math" panose="02040503050406030204" pitchFamily="18" charset="0"/>
+                      </a:rPr>
+                      <m:t>𝑋</m:t>
+                    </m:r>
+                  </m:oMath>
+                </a14:m>
+                <a:r>
+                  <a:rPr lang="nl-BE" dirty="0"/>
+                  <a:t> </a:t>
+                </a:r>
+                <a:r>
+                  <a:rPr lang="nl-BE" dirty="0">
+                    <a:sym typeface="Wingdings" pitchFamily="2" charset="2"/>
+                  </a:rPr>
+                  <a:t> set of variables</a:t>
+                </a:r>
+              </a:p>
+              <a:p>
+                <a:pPr lvl="1"/>
+                <a:r>
+                  <a:rPr lang="nl-BE" dirty="0">
+                    <a:sym typeface="Wingdings" pitchFamily="2" charset="2"/>
+                  </a:rPr>
+                  <a:t>Set </a:t>
+                </a:r>
+                <a14:m>
+                  <m:oMath xmlns:m="http://schemas.openxmlformats.org/officeDocument/2006/math">
+                    <m:r>
+                      <a:rPr lang="nl-BE" b="0" i="1" smtClean="0">
+                        <a:latin typeface="Cambria Math" panose="02040503050406030204" pitchFamily="18" charset="0"/>
+                        <a:sym typeface="Wingdings" pitchFamily="2" charset="2"/>
+                      </a:rPr>
+                      <m:t>𝑌</m:t>
+                    </m:r>
+                  </m:oMath>
+                </a14:m>
+                <a:r>
+                  <a:rPr lang="nl-BE" dirty="0"/>
+                  <a:t> </a:t>
+                </a:r>
+                <a:r>
+                  <a:rPr lang="nl-BE" dirty="0">
+                    <a:sym typeface="Wingdings" pitchFamily="2" charset="2"/>
+                  </a:rPr>
+                  <a:t> domain</a:t>
+                </a:r>
+              </a:p>
+            </p:txBody>
+          </p:sp>
+        </mc:Choice>
+        <mc:Fallback>
+          <p:sp>
+            <p:nvSpPr>
+              <p:cNvPr id="2" name="Tijdelijke aanduiding voor inhoud 1"/>
+              <p:cNvSpPr>
+                <a:spLocks noGrp="1" noRot="1" noChangeAspect="1" noMove="1" noResize="1" noEditPoints="1" noAdjustHandles="1" noChangeArrowheads="1" noChangeShapeType="1" noTextEdit="1"/>
+              </p:cNvSpPr>
+              <p:nvPr>
+                <p:ph idx="1"/>
+              </p:nvPr>
+            </p:nvSpPr>
+            <p:spPr>
+              <a:blipFill>
+                <a:blip r:embed="rId2"/>
+                <a:stretch>
+                  <a:fillRect t="-1681"/>
+                </a:stretch>
+              </a:blipFill>
+            </p:spPr>
+            <p:txBody>
+              <a:bodyPr/>
+              <a:lstStyle/>
+              <a:p>
+                <a:r>
+                  <a:rPr lang="en-BE">
+                    <a:noFill/>
+                  </a:rPr>
+                  <a:t> </a:t>
+                </a:r>
+              </a:p>
+            </p:txBody>
+          </p:sp>
+        </mc:Fallback>
+      </mc:AlternateContent>
       <p:sp>
         <p:nvSpPr>
           <p:cNvPr id="3" name="Titel 2"/>
@@ -4822,20 +5039,8 @@
           <a:lstStyle/>
           <a:p>
             <a:r>
-              <a:rPr lang="nl-BE" dirty="0" err="1"/>
-              <a:t>CoLa</a:t>
-            </a:r>
-            <a:r>
               <a:rPr lang="nl-BE" dirty="0"/>
-              <a:t> (</a:t>
-            </a:r>
-            <a:r>
-              <a:rPr lang="nl-BE" dirty="0" err="1"/>
-              <a:t>Constraints</a:t>
-            </a:r>
-            <a:r>
-              <a:rPr lang="nl-BE" dirty="0"/>
-              <a:t>)</a:t>
+              <a:t>#CSP</a:t>
             </a:r>
           </a:p>
         </p:txBody>
@@ -4843,7 +5048,7 @@
     </p:spTree>
     <p:extLst>
       <p:ext uri="{BB962C8B-B14F-4D97-AF65-F5344CB8AC3E}">
-        <p14:creationId xmlns:p14="http://schemas.microsoft.com/office/powerpoint/2010/main" val="1395496281"/>
+        <p14:creationId xmlns:p14="http://schemas.microsoft.com/office/powerpoint/2010/main" val="281160088"/>
       </p:ext>
     </p:extLst>
   </p:cSld>
@@ -10302,284 +10507,78 @@
           <a:chExt cx="0" cy="0"/>
         </a:xfrm>
       </p:grpSpPr>
-      <mc:AlternateContent xmlns:mc="http://schemas.openxmlformats.org/markup-compatibility/2006">
-        <mc:Choice xmlns:a14="http://schemas.microsoft.com/office/drawing/2010/main" Requires="a14">
-          <p:sp>
-            <p:nvSpPr>
-              <p:cNvPr id="2" name="Tijdelijke aanduiding voor inhoud 1"/>
-              <p:cNvSpPr>
-                <a:spLocks noGrp="1"/>
-              </p:cNvSpPr>
-              <p:nvPr>
-                <p:ph idx="1"/>
-              </p:nvPr>
-            </p:nvSpPr>
-            <p:spPr/>
-            <p:txBody>
-              <a:bodyPr>
-                <a:normAutofit fontScale="92500" lnSpcReduction="10000"/>
-              </a:bodyPr>
-              <a:lstStyle/>
-              <a:p>
-                <a:r>
-                  <a:rPr lang="nl-BE" dirty="0"/>
-                  <a:t>Counting Constraint Satisfaction Problem (#CSP) </a:t>
-                </a:r>
-                <a14:m>
-                  <m:oMath xmlns:m="http://schemas.openxmlformats.org/officeDocument/2006/math">
-                    <m:r>
-                      <a:rPr lang="nl-BE" i="1">
-                        <a:latin typeface="Cambria Math" panose="02040503050406030204" pitchFamily="18" charset="0"/>
-                      </a:rPr>
-                      <m:t>𝑀𝐶</m:t>
-                    </m:r>
-                    <m:d>
-                      <m:dPr>
-                        <m:ctrlPr>
-                          <a:rPr lang="nl-BE" i="1">
-                            <a:latin typeface="Cambria Math" panose="02040503050406030204" pitchFamily="18" charset="0"/>
-                          </a:rPr>
-                        </m:ctrlPr>
-                      </m:dPr>
-                      <m:e>
-                        <m:r>
-                          <a:rPr lang="nl-BE" i="1">
-                            <a:latin typeface="Cambria Math" panose="02040503050406030204" pitchFamily="18" charset="0"/>
-                          </a:rPr>
-                          <m:t>𝑉</m:t>
-                        </m:r>
-                        <m:r>
-                          <a:rPr lang="nl-BE" i="1">
-                            <a:latin typeface="Cambria Math" panose="02040503050406030204" pitchFamily="18" charset="0"/>
-                          </a:rPr>
-                          <m:t>,</m:t>
-                        </m:r>
-                        <m:r>
-                          <a:rPr lang="nl-BE" i="1">
-                            <a:latin typeface="Cambria Math" panose="02040503050406030204" pitchFamily="18" charset="0"/>
-                          </a:rPr>
-                          <m:t>𝐷</m:t>
-                        </m:r>
-                        <m:r>
-                          <a:rPr lang="nl-BE" i="1">
-                            <a:latin typeface="Cambria Math" panose="02040503050406030204" pitchFamily="18" charset="0"/>
-                          </a:rPr>
-                          <m:t>,</m:t>
-                        </m:r>
-                        <m:r>
-                          <a:rPr lang="nl-BE" i="1">
-                            <a:latin typeface="Cambria Math" panose="02040503050406030204" pitchFamily="18" charset="0"/>
-                          </a:rPr>
-                          <m:t>𝐶</m:t>
-                        </m:r>
-                      </m:e>
-                    </m:d>
-                  </m:oMath>
-                </a14:m>
-                <a:endParaRPr lang="nl-BE" dirty="0"/>
-              </a:p>
-              <a:p>
-                <a:pPr lvl="1"/>
-                <a:r>
-                  <a:rPr lang="nl-BE" dirty="0"/>
-                  <a:t>Set of variables </a:t>
-                </a:r>
-                <a14:m>
-                  <m:oMath xmlns:m="http://schemas.openxmlformats.org/officeDocument/2006/math">
-                    <m:r>
-                      <a:rPr lang="nl-BE" i="1">
-                        <a:latin typeface="Cambria Math" panose="02040503050406030204" pitchFamily="18" charset="0"/>
-                      </a:rPr>
-                      <m:t>𝑉</m:t>
-                    </m:r>
-                  </m:oMath>
-                </a14:m>
-                <a:endParaRPr lang="nl-BE" dirty="0"/>
-              </a:p>
-              <a:p>
-                <a:pPr lvl="1"/>
-                <a:r>
-                  <a:rPr lang="nl-BE" dirty="0"/>
-                  <a:t>Domain </a:t>
-                </a:r>
-                <a14:m>
-                  <m:oMath xmlns:m="http://schemas.openxmlformats.org/officeDocument/2006/math">
-                    <m:r>
-                      <a:rPr lang="nl-BE" i="1">
-                        <a:latin typeface="Cambria Math" panose="02040503050406030204" pitchFamily="18" charset="0"/>
-                      </a:rPr>
-                      <m:t>𝐷</m:t>
-                    </m:r>
-                  </m:oMath>
-                </a14:m>
-                <a:endParaRPr lang="nl-BE" dirty="0"/>
-              </a:p>
-              <a:p>
-                <a:pPr lvl="1"/>
-                <a:r>
-                  <a:rPr lang="nl-BE" dirty="0"/>
-                  <a:t>Set of constraints </a:t>
-                </a:r>
-                <a14:m>
-                  <m:oMath xmlns:m="http://schemas.openxmlformats.org/officeDocument/2006/math">
-                    <m:r>
-                      <a:rPr lang="nl-BE" i="1">
-                        <a:latin typeface="Cambria Math" panose="02040503050406030204" pitchFamily="18" charset="0"/>
-                      </a:rPr>
-                      <m:t>𝐶</m:t>
-                    </m:r>
-                  </m:oMath>
-                </a14:m>
-                <a:endParaRPr lang="nl-BE" dirty="0"/>
-              </a:p>
-              <a:p>
-                <a:r>
-                  <a:rPr lang="nl-BE" dirty="0"/>
-                  <a:t>Goal: Find the number of satisfying assignments</a:t>
-                </a:r>
-              </a:p>
-              <a:p>
-                <a:pPr lvl="1"/>
-                <a:r>
-                  <a:rPr lang="nl-BE" dirty="0"/>
-                  <a:t>Assignment </a:t>
-                </a:r>
-                <a14:m>
-                  <m:oMath xmlns:m="http://schemas.openxmlformats.org/officeDocument/2006/math">
-                    <m:r>
-                      <a:rPr lang="nl-BE" i="1" dirty="0">
-                        <a:latin typeface="Cambria Math" panose="02040503050406030204" pitchFamily="18" charset="0"/>
-                      </a:rPr>
-                      <m:t>𝑓</m:t>
-                    </m:r>
-                    <m:r>
-                      <a:rPr lang="nl-BE" i="1" dirty="0">
-                        <a:latin typeface="Cambria Math" panose="02040503050406030204" pitchFamily="18" charset="0"/>
-                      </a:rPr>
-                      <m:t> </m:t>
-                    </m:r>
-                  </m:oMath>
-                </a14:m>
-                <a:r>
-                  <a:rPr lang="nl-BE" dirty="0"/>
-                  <a:t>satisfies all the constraints in </a:t>
-                </a:r>
-                <a14:m>
-                  <m:oMath xmlns:m="http://schemas.openxmlformats.org/officeDocument/2006/math">
-                    <m:r>
-                      <a:rPr lang="nl-BE" i="1">
-                        <a:latin typeface="Cambria Math" panose="02040503050406030204" pitchFamily="18" charset="0"/>
-                      </a:rPr>
-                      <m:t>𝐶</m:t>
-                    </m:r>
-                  </m:oMath>
-                </a14:m>
-                <a:endParaRPr lang="nl-BE" dirty="0"/>
-              </a:p>
-              <a:p>
-                <a:pPr lvl="2"/>
-                <a:endParaRPr lang="nl-BE" dirty="0"/>
-              </a:p>
-              <a:p>
-                <a:r>
-                  <a:rPr lang="nl-BE" dirty="0"/>
-                  <a:t>Combinatorics problems can be expressed as #CSPs</a:t>
-                </a:r>
-              </a:p>
-              <a:p>
-                <a:pPr lvl="1"/>
-                <a:r>
-                  <a:rPr lang="nl-BE" dirty="0"/>
-                  <a:t>Set </a:t>
-                </a:r>
-                <a14:m>
-                  <m:oMath xmlns:m="http://schemas.openxmlformats.org/officeDocument/2006/math">
-                    <m:r>
-                      <a:rPr lang="nl-BE" b="0" i="1" smtClean="0">
-                        <a:latin typeface="Cambria Math" panose="02040503050406030204" pitchFamily="18" charset="0"/>
-                      </a:rPr>
-                      <m:t>𝑋</m:t>
-                    </m:r>
-                  </m:oMath>
-                </a14:m>
-                <a:r>
-                  <a:rPr lang="nl-BE" dirty="0"/>
-                  <a:t> </a:t>
-                </a:r>
-                <a:r>
-                  <a:rPr lang="nl-BE" dirty="0">
-                    <a:sym typeface="Wingdings" pitchFamily="2" charset="2"/>
-                  </a:rPr>
-                  <a:t> set of variables</a:t>
-                </a:r>
-              </a:p>
-              <a:p>
-                <a:pPr lvl="1"/>
-                <a:r>
-                  <a:rPr lang="nl-BE" dirty="0">
-                    <a:sym typeface="Wingdings" pitchFamily="2" charset="2"/>
-                  </a:rPr>
-                  <a:t>Set </a:t>
-                </a:r>
-                <a14:m>
-                  <m:oMath xmlns:m="http://schemas.openxmlformats.org/officeDocument/2006/math">
-                    <m:r>
-                      <a:rPr lang="nl-BE" b="0" i="1" smtClean="0">
-                        <a:latin typeface="Cambria Math" panose="02040503050406030204" pitchFamily="18" charset="0"/>
-                        <a:sym typeface="Wingdings" pitchFamily="2" charset="2"/>
-                      </a:rPr>
-                      <m:t>𝑌</m:t>
-                    </m:r>
-                  </m:oMath>
-                </a14:m>
-                <a:r>
-                  <a:rPr lang="nl-BE" dirty="0"/>
-                  <a:t> </a:t>
-                </a:r>
-                <a:r>
-                  <a:rPr lang="nl-BE" dirty="0">
-                    <a:sym typeface="Wingdings" pitchFamily="2" charset="2"/>
-                  </a:rPr>
-                  <a:t> domain</a:t>
-                </a:r>
-              </a:p>
-            </p:txBody>
-          </p:sp>
-        </mc:Choice>
-        <mc:Fallback>
-          <p:sp>
-            <p:nvSpPr>
-              <p:cNvPr id="2" name="Tijdelijke aanduiding voor inhoud 1"/>
-              <p:cNvSpPr>
-                <a:spLocks noGrp="1" noRot="1" noChangeAspect="1" noMove="1" noResize="1" noEditPoints="1" noAdjustHandles="1" noChangeArrowheads="1" noChangeShapeType="1" noTextEdit="1"/>
-              </p:cNvSpPr>
-              <p:nvPr>
-                <p:ph idx="1"/>
-              </p:nvPr>
-            </p:nvSpPr>
-            <p:spPr>
-              <a:blipFill>
-                <a:blip r:embed="rId2"/>
-                <a:stretch>
-                  <a:fillRect t="-1681"/>
-                </a:stretch>
-              </a:blipFill>
-            </p:spPr>
-            <p:txBody>
-              <a:bodyPr/>
-              <a:lstStyle/>
-              <a:p>
-                <a:r>
-                  <a:rPr lang="en-BE">
-                    <a:noFill/>
-                  </a:rPr>
-                  <a:t> </a:t>
-                </a:r>
-              </a:p>
-            </p:txBody>
-          </p:sp>
-        </mc:Fallback>
-      </mc:AlternateContent>
+      <p:sp>
+        <p:nvSpPr>
+          <p:cNvPr id="2" name="Tijdelijke aanduiding voor inhoud 1"/>
+          <p:cNvSpPr>
+            <a:spLocks noGrp="1"/>
+          </p:cNvSpPr>
+          <p:nvPr>
+            <p:ph idx="1"/>
+          </p:nvPr>
+        </p:nvSpPr>
+        <p:spPr/>
+        <p:txBody>
+          <a:bodyPr/>
+          <a:lstStyle/>
+          <a:p>
+            <a:r>
+              <a:rPr lang="nl-BE" dirty="0"/>
+              <a:t>Elements</a:t>
+            </a:r>
+          </a:p>
+          <a:p>
+            <a:pPr lvl="1"/>
+            <a:r>
+              <a:rPr lang="nl-BE" dirty="0"/>
+              <a:t>Atomic objects</a:t>
+            </a:r>
+          </a:p>
+          <a:p>
+            <a:r>
+              <a:rPr lang="nl-BE" dirty="0"/>
+              <a:t>Domains</a:t>
+            </a:r>
+          </a:p>
+          <a:p>
+            <a:pPr lvl="1"/>
+            <a:r>
+              <a:rPr lang="nl-BE" dirty="0"/>
+              <a:t>Sets of elements</a:t>
+            </a:r>
+          </a:p>
+          <a:p>
+            <a:r>
+              <a:rPr lang="nl-BE" dirty="0" err="1"/>
+              <a:t>Structures</a:t>
+            </a:r>
+            <a:endParaRPr lang="nl-BE" dirty="0"/>
+          </a:p>
+          <a:p>
+            <a:pPr lvl="1"/>
+            <a:r>
+              <a:rPr lang="nl-BE" dirty="0" err="1"/>
+              <a:t>Twelvefold</a:t>
+            </a:r>
+            <a:r>
+              <a:rPr lang="nl-BE" dirty="0"/>
+              <a:t> way </a:t>
+            </a:r>
+            <a:r>
+              <a:rPr lang="nl-BE" dirty="0" err="1"/>
+              <a:t>problem</a:t>
+            </a:r>
+            <a:endParaRPr lang="nl-BE" dirty="0"/>
+          </a:p>
+          <a:p>
+            <a:pPr lvl="1"/>
+            <a:r>
+              <a:rPr lang="nl-BE" dirty="0"/>
+              <a:t>(D, F)</a:t>
+            </a:r>
+          </a:p>
+        </p:txBody>
+      </p:sp>
       <p:sp>
         <p:nvSpPr>
           <p:cNvPr id="3" name="Titel 2"/>
@@ -10596,16 +10595,17 @@
           <a:lstStyle/>
           <a:p>
             <a:r>
-              <a:rPr lang="nl-BE" dirty="0"/>
-              <a:t>#CSP</a:t>
-            </a:r>
+              <a:rPr lang="nl-BE" dirty="0" err="1"/>
+              <a:t>CoLa</a:t>
+            </a:r>
+            <a:endParaRPr lang="nl-BE" dirty="0"/>
           </a:p>
         </p:txBody>
       </p:sp>
     </p:spTree>
     <p:extLst>
       <p:ext uri="{BB962C8B-B14F-4D97-AF65-F5344CB8AC3E}">
-        <p14:creationId xmlns:p14="http://schemas.microsoft.com/office/powerpoint/2010/main" val="281160088"/>
+        <p14:creationId xmlns:p14="http://schemas.microsoft.com/office/powerpoint/2010/main" val="349216217"/>
       </p:ext>
     </p:extLst>
   </p:cSld>

--- a/Presentation.pptx
+++ b/Presentation.pptx
@@ -4745,8 +4745,8 @@
           <a:chExt cx="0" cy="0"/>
         </a:xfrm>
       </p:grpSpPr>
-      <mc:AlternateContent xmlns:mc="http://schemas.openxmlformats.org/markup-compatibility/2006">
-        <mc:Choice xmlns:a14="http://schemas.microsoft.com/office/drawing/2010/main" Requires="a14">
+      <mc:AlternateContent xmlns:mc="http://schemas.openxmlformats.org/markup-compatibility/2006" xmlns:a14="http://schemas.microsoft.com/office/drawing/2010/main">
+        <mc:Choice Requires="a14">
           <p:sp>
             <p:nvSpPr>
               <p:cNvPr id="2" name="Tijdelijke aanduiding voor inhoud 1"/>
@@ -4989,7 +4989,7 @@
             </p:txBody>
           </p:sp>
         </mc:Choice>
-        <mc:Fallback>
+        <mc:Fallback xmlns="">
           <p:sp>
             <p:nvSpPr>
               <p:cNvPr id="2" name="Tijdelijke aanduiding voor inhoud 1"/>

--- a/Presentation.pptx
+++ b/Presentation.pptx
@@ -4745,8 +4745,8 @@
           <a:chExt cx="0" cy="0"/>
         </a:xfrm>
       </p:grpSpPr>
-      <mc:AlternateContent xmlns:mc="http://schemas.openxmlformats.org/markup-compatibility/2006" xmlns:a14="http://schemas.microsoft.com/office/drawing/2010/main">
-        <mc:Choice Requires="a14">
+      <mc:AlternateContent xmlns:mc="http://schemas.openxmlformats.org/markup-compatibility/2006">
+        <mc:Choice xmlns:a14="http://schemas.microsoft.com/office/drawing/2010/main" Requires="a14">
           <p:sp>
             <p:nvSpPr>
               <p:cNvPr id="2" name="Tijdelijke aanduiding voor inhoud 1"/>
@@ -4760,57 +4760,53 @@
             <p:spPr/>
             <p:txBody>
               <a:bodyPr>
-                <a:normAutofit fontScale="92500" lnSpcReduction="10000"/>
+                <a:normAutofit fontScale="85000" lnSpcReduction="10000"/>
               </a:bodyPr>
               <a:lstStyle/>
               <a:p>
                 <a:r>
                   <a:rPr lang="nl-BE" dirty="0"/>
-                  <a:t>Counting Constraint Satisfaction Problem (#CSP) </a:t>
+                  <a:t>Constraint Satisfaction Problem </a:t>
                 </a:r>
                 <a14:m>
                   <m:oMath xmlns:m="http://schemas.openxmlformats.org/officeDocument/2006/math">
-                    <m:r>
-                      <a:rPr lang="nl-BE" i="1">
-                        <a:latin typeface="Cambria Math" panose="02040503050406030204" pitchFamily="18" charset="0"/>
-                      </a:rPr>
-                      <m:t>𝑀𝐶</m:t>
-                    </m:r>
                     <m:d>
                       <m:dPr>
+                        <m:begChr m:val="⟨"/>
+                        <m:endChr m:val="⟩"/>
                         <m:ctrlPr>
-                          <a:rPr lang="nl-BE" i="1">
+                          <a:rPr lang="nl-BE" i="1" smtClean="0">
                             <a:latin typeface="Cambria Math" panose="02040503050406030204" pitchFamily="18" charset="0"/>
                           </a:rPr>
                         </m:ctrlPr>
                       </m:dPr>
                       <m:e>
                         <m:r>
-                          <a:rPr lang="nl-BE" i="1">
+                          <a:rPr lang="nl-BE" b="0" i="1" smtClean="0">
                             <a:latin typeface="Cambria Math" panose="02040503050406030204" pitchFamily="18" charset="0"/>
                           </a:rPr>
                           <m:t>𝑉</m:t>
                         </m:r>
                         <m:r>
-                          <a:rPr lang="nl-BE" i="1">
+                          <a:rPr lang="nl-BE" b="0" i="1" smtClean="0">
                             <a:latin typeface="Cambria Math" panose="02040503050406030204" pitchFamily="18" charset="0"/>
                           </a:rPr>
                           <m:t>,</m:t>
                         </m:r>
                         <m:r>
-                          <a:rPr lang="nl-BE" i="1">
+                          <a:rPr lang="nl-BE" b="0" i="1" smtClean="0">
                             <a:latin typeface="Cambria Math" panose="02040503050406030204" pitchFamily="18" charset="0"/>
                           </a:rPr>
                           <m:t>𝐷</m:t>
                         </m:r>
                         <m:r>
-                          <a:rPr lang="nl-BE" i="1">
+                          <a:rPr lang="nl-BE" b="0" i="1" smtClean="0">
                             <a:latin typeface="Cambria Math" panose="02040503050406030204" pitchFamily="18" charset="0"/>
                           </a:rPr>
                           <m:t>,</m:t>
                         </m:r>
                         <m:r>
-                          <a:rPr lang="nl-BE" i="1">
+                          <a:rPr lang="nl-BE" b="0" i="1" smtClean="0">
                             <a:latin typeface="Cambria Math" panose="02040503050406030204" pitchFamily="18" charset="0"/>
                           </a:rPr>
                           <m:t>𝐶</m:t>
@@ -4876,13 +4872,14 @@
                 <a:endParaRPr lang="nl-BE" dirty="0"/>
               </a:p>
               <a:p>
+                <a:pPr lvl="1"/>
                 <a:r>
                   <a:rPr lang="nl-BE" dirty="0"/>
-                  <a:t>Goal: Find the number of satisfying assignments</a:t>
+                  <a:t>Goal: whether a satisfying assignment exists</a:t>
                 </a:r>
               </a:p>
               <a:p>
-                <a:pPr lvl="1"/>
+                <a:pPr lvl="2"/>
                 <a:r>
                   <a:rPr lang="nl-BE" dirty="0"/>
                   <a:t>Assignment </a:t>
@@ -4915,6 +4912,79 @@
                       </a:rPr>
                       <m:t>𝐶</m:t>
                     </m:r>
+                  </m:oMath>
+                </a14:m>
+                <a:endParaRPr lang="nl-BE" dirty="0"/>
+              </a:p>
+              <a:p>
+                <a:pPr lvl="2"/>
+                <a:endParaRPr lang="nl-BE" dirty="0"/>
+              </a:p>
+              <a:p>
+                <a:r>
+                  <a:rPr lang="nl-BE" i="1" dirty="0"/>
+                  <a:t>Counting</a:t>
+                </a:r>
+                <a:r>
+                  <a:rPr lang="nl-BE" dirty="0"/>
+                  <a:t> Constraint Satisfaction Problem (#CSP)</a:t>
+                </a:r>
+              </a:p>
+              <a:p>
+                <a:pPr lvl="1"/>
+                <a:r>
+                  <a:rPr lang="nl-BE" dirty="0"/>
+                  <a:t>Goal: Find the number of satisfying assignments </a:t>
+                </a:r>
+                <a14:m>
+                  <m:oMath xmlns:m="http://schemas.openxmlformats.org/officeDocument/2006/math">
+                    <m:r>
+                      <a:rPr lang="nl-BE" i="1">
+                        <a:latin typeface="Cambria Math" panose="02040503050406030204" pitchFamily="18" charset="0"/>
+                      </a:rPr>
+                      <m:t>𝑀𝐶</m:t>
+                    </m:r>
+                    <m:d>
+                      <m:dPr>
+                        <m:ctrlPr>
+                          <a:rPr lang="nl-BE" i="1">
+                            <a:latin typeface="Cambria Math" panose="02040503050406030204" pitchFamily="18" charset="0"/>
+                          </a:rPr>
+                        </m:ctrlPr>
+                      </m:dPr>
+                      <m:e>
+                        <m:r>
+                          <a:rPr lang="nl-BE" i="1">
+                            <a:latin typeface="Cambria Math" panose="02040503050406030204" pitchFamily="18" charset="0"/>
+                          </a:rPr>
+                          <m:t>𝑉</m:t>
+                        </m:r>
+                        <m:r>
+                          <a:rPr lang="nl-BE" i="1">
+                            <a:latin typeface="Cambria Math" panose="02040503050406030204" pitchFamily="18" charset="0"/>
+                          </a:rPr>
+                          <m:t>,</m:t>
+                        </m:r>
+                        <m:r>
+                          <a:rPr lang="nl-BE" i="1">
+                            <a:latin typeface="Cambria Math" panose="02040503050406030204" pitchFamily="18" charset="0"/>
+                          </a:rPr>
+                          <m:t>𝐷</m:t>
+                        </m:r>
+                        <m:r>
+                          <a:rPr lang="nl-BE" i="1">
+                            <a:latin typeface="Cambria Math" panose="02040503050406030204" pitchFamily="18" charset="0"/>
+                          </a:rPr>
+                          <m:t>,</m:t>
+                        </m:r>
+                        <m:r>
+                          <a:rPr lang="nl-BE" i="1">
+                            <a:latin typeface="Cambria Math" panose="02040503050406030204" pitchFamily="18" charset="0"/>
+                          </a:rPr>
+                          <m:t>𝐶</m:t>
+                        </m:r>
+                      </m:e>
+                    </m:d>
                   </m:oMath>
                 </a14:m>
                 <a:endParaRPr lang="nl-BE" dirty="0"/>
@@ -4989,7 +5059,7 @@
             </p:txBody>
           </p:sp>
         </mc:Choice>
-        <mc:Fallback xmlns="">
+        <mc:Fallback>
           <p:sp>
             <p:nvSpPr>
               <p:cNvPr id="2" name="Tijdelijke aanduiding voor inhoud 1"/>
@@ -5075,8 +5145,8 @@
           <a:chExt cx="0" cy="0"/>
         </a:xfrm>
       </p:grpSpPr>
-      <mc:AlternateContent xmlns:mc="http://schemas.openxmlformats.org/markup-compatibility/2006" xmlns:a14="http://schemas.microsoft.com/office/drawing/2010/main">
-        <mc:Choice Requires="a14">
+      <mc:AlternateContent xmlns:mc="http://schemas.openxmlformats.org/markup-compatibility/2006">
+        <mc:Choice xmlns:a14="http://schemas.microsoft.com/office/drawing/2010/main" Requires="a14">
           <p:sp>
             <p:nvSpPr>
               <p:cNvPr id="2" name="Tijdelijke aanduiding voor inhoud 1"/>
@@ -5101,7 +5171,17 @@
                 <a:pPr lvl="1"/>
                 <a:r>
                   <a:rPr lang="nl-BE" dirty="0"/>
-                  <a:t>Exponential improvements</a:t>
+                  <a:t>Reason over groups </a:t>
+                </a:r>
+                <a:r>
+                  <a:rPr lang="nl-BE" dirty="0">
+                    <a:sym typeface="Wingdings" pitchFamily="2" charset="2"/>
+                  </a:rPr>
+                  <a:t> </a:t>
+                </a:r>
+                <a:r>
+                  <a:rPr lang="nl-BE" dirty="0"/>
+                  <a:t>exponential improvements</a:t>
                 </a:r>
               </a:p>
               <a:p>
@@ -5483,7 +5563,7 @@
             </p:txBody>
           </p:sp>
         </mc:Choice>
-        <mc:Fallback xmlns="">
+        <mc:Fallback>
           <p:sp>
             <p:nvSpPr>
               <p:cNvPr id="2" name="Tijdelijke aanduiding voor inhoud 1"/>

--- a/Presentation.pptx
+++ b/Presentation.pptx
@@ -124,7 +124,7 @@
   </p:defaultTextStyle>
   <p:extLst>
     <p:ext uri="{EFAFB233-063F-42B5-8137-9DF3F51BA10A}">
-      <p15:sldGuideLst xmlns:p15="http://schemas.microsoft.com/office/powerpoint/2012/main">
+      <p15:sldGuideLst xmlns="" xmlns:p15="http://schemas.microsoft.com/office/powerpoint/2012/main">
         <p15:guide id="1" orient="horz" pos="2160">
           <p15:clr>
             <a:srgbClr val="A4A3A4"/>
@@ -758,7 +758,7 @@
           <a:p>
             <a:fld id="{3D636C07-7E76-46D3-B86B-6AF7C60E533E}" type="datetimeFigureOut">
               <a:rPr lang="nl-NL" smtClean="0"/>
-              <a:t>08-11-2020</a:t>
+              <a:t>9-11-2020</a:t>
             </a:fld>
             <a:endParaRPr lang="nl-NL"/>
           </a:p>
@@ -820,7 +820,7 @@
           <a:p>
             <a:fld id="{A9096D49-DAE3-40DE-93E0-41688E0A5016}" type="slidenum">
               <a:rPr lang="nl-NL" smtClean="0"/>
-              <a:t>‹#›</a:t>
+              <a:t>‹nr.›</a:t>
             </a:fld>
             <a:endParaRPr lang="nl-NL"/>
           </a:p>
@@ -948,7 +948,7 @@
           <a:p>
             <a:fld id="{3D636C07-7E76-46D3-B86B-6AF7C60E533E}" type="datetimeFigureOut">
               <a:rPr lang="nl-NL" smtClean="0"/>
-              <a:t>08-11-2020</a:t>
+              <a:t>9-11-2020</a:t>
             </a:fld>
             <a:endParaRPr lang="nl-NL"/>
           </a:p>
@@ -990,7 +990,7 @@
           <a:p>
             <a:fld id="{A9096D49-DAE3-40DE-93E0-41688E0A5016}" type="slidenum">
               <a:rPr lang="nl-NL" smtClean="0"/>
-              <a:t>‹#›</a:t>
+              <a:t>‹nr.›</a:t>
             </a:fld>
             <a:endParaRPr lang="nl-NL"/>
           </a:p>
@@ -1123,7 +1123,7 @@
           <a:p>
             <a:fld id="{3D636C07-7E76-46D3-B86B-6AF7C60E533E}" type="datetimeFigureOut">
               <a:rPr lang="nl-NL" smtClean="0"/>
-              <a:t>08-11-2020</a:t>
+              <a:t>9-11-2020</a:t>
             </a:fld>
             <a:endParaRPr lang="nl-NL"/>
           </a:p>
@@ -1165,7 +1165,7 @@
           <a:p>
             <a:fld id="{A9096D49-DAE3-40DE-93E0-41688E0A5016}" type="slidenum">
               <a:rPr lang="nl-NL" smtClean="0"/>
-              <a:t>‹#›</a:t>
+              <a:t>‹nr.›</a:t>
             </a:fld>
             <a:endParaRPr lang="nl-NL"/>
           </a:p>
@@ -1265,7 +1265,7 @@
           <a:p>
             <a:fld id="{3D636C07-7E76-46D3-B86B-6AF7C60E533E}" type="datetimeFigureOut">
               <a:rPr lang="nl-NL" smtClean="0"/>
-              <a:t>08-11-2020</a:t>
+              <a:t>9-11-2020</a:t>
             </a:fld>
             <a:endParaRPr lang="nl-NL"/>
           </a:p>
@@ -1307,7 +1307,7 @@
           <a:p>
             <a:fld id="{A9096D49-DAE3-40DE-93E0-41688E0A5016}" type="slidenum">
               <a:rPr lang="nl-NL" smtClean="0"/>
-              <a:t>‹#›</a:t>
+              <a:t>‹nr.›</a:t>
             </a:fld>
             <a:endParaRPr lang="nl-NL"/>
           </a:p>
@@ -1512,7 +1512,7 @@
           <a:p>
             <a:fld id="{3D636C07-7E76-46D3-B86B-6AF7C60E533E}" type="datetimeFigureOut">
               <a:rPr lang="nl-NL" smtClean="0"/>
-              <a:t>08-11-2020</a:t>
+              <a:t>9-11-2020</a:t>
             </a:fld>
             <a:endParaRPr lang="nl-NL"/>
           </a:p>
@@ -1554,7 +1554,7 @@
           <a:p>
             <a:fld id="{A9096D49-DAE3-40DE-93E0-41688E0A5016}" type="slidenum">
               <a:rPr lang="nl-NL" smtClean="0"/>
-              <a:t>‹#›</a:t>
+              <a:t>‹nr.›</a:t>
             </a:fld>
             <a:endParaRPr lang="nl-NL"/>
           </a:p>
@@ -1911,7 +1911,7 @@
           <a:p>
             <a:fld id="{3D636C07-7E76-46D3-B86B-6AF7C60E533E}" type="datetimeFigureOut">
               <a:rPr lang="nl-NL" smtClean="0"/>
-              <a:t>08-11-2020</a:t>
+              <a:t>9-11-2020</a:t>
             </a:fld>
             <a:endParaRPr lang="nl-NL"/>
           </a:p>
@@ -1953,7 +1953,7 @@
           <a:p>
             <a:fld id="{A9096D49-DAE3-40DE-93E0-41688E0A5016}" type="slidenum">
               <a:rPr lang="nl-NL" smtClean="0"/>
-              <a:t>‹#›</a:t>
+              <a:t>‹nr.›</a:t>
             </a:fld>
             <a:endParaRPr lang="nl-NL"/>
           </a:p>
@@ -2349,7 +2349,7 @@
           <a:p>
             <a:fld id="{3D636C07-7E76-46D3-B86B-6AF7C60E533E}" type="datetimeFigureOut">
               <a:rPr lang="nl-NL" smtClean="0"/>
-              <a:t>08-11-2020</a:t>
+              <a:t>9-11-2020</a:t>
             </a:fld>
             <a:endParaRPr lang="nl-NL"/>
           </a:p>
@@ -2391,7 +2391,7 @@
           <a:p>
             <a:fld id="{A9096D49-DAE3-40DE-93E0-41688E0A5016}" type="slidenum">
               <a:rPr lang="nl-NL" smtClean="0"/>
-              <a:t>‹#›</a:t>
+              <a:t>‹nr.›</a:t>
             </a:fld>
             <a:endParaRPr lang="nl-NL"/>
           </a:p>
@@ -2444,7 +2444,7 @@
           <a:p>
             <a:fld id="{3D636C07-7E76-46D3-B86B-6AF7C60E533E}" type="datetimeFigureOut">
               <a:rPr lang="nl-NL" smtClean="0"/>
-              <a:t>08-11-2020</a:t>
+              <a:t>9-11-2020</a:t>
             </a:fld>
             <a:endParaRPr lang="nl-NL"/>
           </a:p>
@@ -2486,7 +2486,7 @@
           <a:p>
             <a:fld id="{A9096D49-DAE3-40DE-93E0-41688E0A5016}" type="slidenum">
               <a:rPr lang="nl-NL" smtClean="0"/>
-              <a:t>‹#›</a:t>
+              <a:t>‹nr.›</a:t>
             </a:fld>
             <a:endParaRPr lang="nl-NL"/>
           </a:p>
@@ -2557,7 +2557,7 @@
           <a:p>
             <a:fld id="{3D636C07-7E76-46D3-B86B-6AF7C60E533E}" type="datetimeFigureOut">
               <a:rPr lang="nl-NL" smtClean="0"/>
-              <a:t>08-11-2020</a:t>
+              <a:t>9-11-2020</a:t>
             </a:fld>
             <a:endParaRPr lang="nl-NL"/>
           </a:p>
@@ -2599,7 +2599,7 @@
           <a:p>
             <a:fld id="{A9096D49-DAE3-40DE-93E0-41688E0A5016}" type="slidenum">
               <a:rPr lang="nl-NL" smtClean="0"/>
-              <a:t>‹#›</a:t>
+              <a:t>‹nr.›</a:t>
             </a:fld>
             <a:endParaRPr lang="nl-NL"/>
           </a:p>
@@ -2825,7 +2825,7 @@
           <a:p>
             <a:fld id="{3D636C07-7E76-46D3-B86B-6AF7C60E533E}" type="datetimeFigureOut">
               <a:rPr lang="nl-NL" smtClean="0"/>
-              <a:t>08-11-2020</a:t>
+              <a:t>9-11-2020</a:t>
             </a:fld>
             <a:endParaRPr lang="nl-NL"/>
           </a:p>
@@ -2867,7 +2867,7 @@
           <a:p>
             <a:fld id="{A9096D49-DAE3-40DE-93E0-41688E0A5016}" type="slidenum">
               <a:rPr lang="nl-NL" smtClean="0"/>
-              <a:t>‹#›</a:t>
+              <a:t>‹nr.›</a:t>
             </a:fld>
             <a:endParaRPr lang="nl-NL"/>
           </a:p>
@@ -3026,7 +3026,7 @@
           <a:p>
             <a:fld id="{3D636C07-7E76-46D3-B86B-6AF7C60E533E}" type="datetimeFigureOut">
               <a:rPr lang="nl-NL" smtClean="0"/>
-              <a:t>08-11-2020</a:t>
+              <a:t>9-11-2020</a:t>
             </a:fld>
             <a:endParaRPr lang="nl-NL"/>
           </a:p>
@@ -3091,7 +3091,7 @@
           <a:p>
             <a:fld id="{A9096D49-DAE3-40DE-93E0-41688E0A5016}" type="slidenum">
               <a:rPr lang="nl-NL" smtClean="0"/>
-              <a:t>‹#›</a:t>
+              <a:t>‹nr.›</a:t>
             </a:fld>
             <a:endParaRPr lang="nl-NL"/>
           </a:p>
@@ -4115,7 +4115,7 @@
           <a:p>
             <a:fld id="{3D636C07-7E76-46D3-B86B-6AF7C60E533E}" type="datetimeFigureOut">
               <a:rPr lang="nl-NL" smtClean="0"/>
-              <a:t>08-11-2020</a:t>
+              <a:t>9-11-2020</a:t>
             </a:fld>
             <a:endParaRPr lang="nl-NL"/>
           </a:p>
@@ -4191,7 +4191,7 @@
           <a:p>
             <a:fld id="{A9096D49-DAE3-40DE-93E0-41688E0A5016}" type="slidenum">
               <a:rPr lang="nl-NL" smtClean="0"/>
-              <a:t>‹#›</a:t>
+              <a:t>‹nr.›</a:t>
             </a:fld>
             <a:endParaRPr lang="nl-NL"/>
           </a:p>
@@ -4548,6 +4548,42 @@
           </a:p>
         </p:txBody>
       </p:sp>
+      <p:sp>
+        <p:nvSpPr>
+          <p:cNvPr id="3" name="Tekstvak 2"/>
+          <p:cNvSpPr txBox="1"/>
+          <p:nvPr/>
+        </p:nvSpPr>
+        <p:spPr>
+          <a:xfrm>
+            <a:off x="395536" y="406405"/>
+            <a:ext cx="2376264" cy="646331"/>
+          </a:xfrm>
+          <a:prstGeom prst="rect">
+            <a:avLst/>
+          </a:prstGeom>
+          <a:noFill/>
+        </p:spPr>
+        <p:txBody>
+          <a:bodyPr wrap="square" rtlCol="0">
+            <a:spAutoFit/>
+          </a:bodyPr>
+          <a:lstStyle/>
+          <a:p>
+            <a:r>
+              <a:rPr lang="nl-BE" dirty="0" smtClean="0"/>
+              <a:t>Eric Kim</a:t>
+            </a:r>
+          </a:p>
+          <a:p>
+            <a:r>
+              <a:rPr lang="nl-BE" dirty="0" smtClean="0"/>
+              <a:t>Joran De Braekeleer</a:t>
+            </a:r>
+            <a:endParaRPr lang="nl-BE" dirty="0"/>
+          </a:p>
+        </p:txBody>
+      </p:sp>
     </p:spTree>
     <p:extLst>
       <p:ext uri="{BB962C8B-B14F-4D97-AF65-F5344CB8AC3E}">
@@ -4745,8 +4781,8 @@
           <a:chExt cx="0" cy="0"/>
         </a:xfrm>
       </p:grpSpPr>
-      <mc:AlternateContent xmlns:mc="http://schemas.openxmlformats.org/markup-compatibility/2006">
-        <mc:Choice xmlns:a14="http://schemas.microsoft.com/office/drawing/2010/main" Requires="a14">
+      <mc:AlternateContent xmlns:mc="http://schemas.openxmlformats.org/markup-compatibility/2006" xmlns:a14="http://schemas.microsoft.com/office/drawing/2010/main">
+        <mc:Choice Requires="a14">
           <p:sp>
             <p:nvSpPr>
               <p:cNvPr id="2" name="Tijdelijke aanduiding voor inhoud 1"/>
@@ -4776,7 +4812,7 @@
                         <m:endChr m:val="⟩"/>
                         <m:ctrlPr>
                           <a:rPr lang="nl-BE" i="1" smtClean="0">
-                            <a:latin typeface="Cambria Math" panose="02040503050406030204" pitchFamily="18" charset="0"/>
+                            <a:latin typeface="Cambria Math"/>
                           </a:rPr>
                         </m:ctrlPr>
                       </m:dPr>
@@ -4948,7 +4984,7 @@
                       <m:dPr>
                         <m:ctrlPr>
                           <a:rPr lang="nl-BE" i="1">
-                            <a:latin typeface="Cambria Math" panose="02040503050406030204" pitchFamily="18" charset="0"/>
+                            <a:latin typeface="Cambria Math"/>
                           </a:rPr>
                         </m:ctrlPr>
                       </m:dPr>
@@ -5059,7 +5095,7 @@
             </p:txBody>
           </p:sp>
         </mc:Choice>
-        <mc:Fallback>
+        <mc:Fallback xmlns="">
           <p:sp>
             <p:nvSpPr>
               <p:cNvPr id="2" name="Tijdelijke aanduiding voor inhoud 1"/>
@@ -5145,8 +5181,8 @@
           <a:chExt cx="0" cy="0"/>
         </a:xfrm>
       </p:grpSpPr>
-      <mc:AlternateContent xmlns:mc="http://schemas.openxmlformats.org/markup-compatibility/2006">
-        <mc:Choice xmlns:a14="http://schemas.microsoft.com/office/drawing/2010/main" Requires="a14">
+      <mc:AlternateContent xmlns:mc="http://schemas.openxmlformats.org/markup-compatibility/2006" xmlns:a14="http://schemas.microsoft.com/office/drawing/2010/main">
+        <mc:Choice Requires="a14">
           <p:sp>
             <p:nvSpPr>
               <p:cNvPr id="2" name="Tijdelijke aanduiding voor inhoud 1"/>
@@ -5196,7 +5232,7 @@
                       <m:sSubPr>
                         <m:ctrlPr>
                           <a:rPr lang="x-none" i="1">
-                            <a:latin typeface="Cambria Math" panose="02040503050406030204" pitchFamily="18" charset="0"/>
+                            <a:latin typeface="Cambria Math"/>
                           </a:rPr>
                         </m:ctrlPr>
                       </m:sSubPr>
@@ -5227,7 +5263,7 @@
                       <m:sSubPr>
                         <m:ctrlPr>
                           <a:rPr lang="x-none" i="1">
-                            <a:latin typeface="Cambria Math" panose="02040503050406030204" pitchFamily="18" charset="0"/>
+                            <a:latin typeface="Cambria Math"/>
                           </a:rPr>
                         </m:ctrlPr>
                       </m:sSubPr>
@@ -5267,7 +5303,7 @@
                       <m:sSubPr>
                         <m:ctrlPr>
                           <a:rPr lang="x-none" i="1">
-                            <a:latin typeface="Cambria Math" panose="02040503050406030204" pitchFamily="18" charset="0"/>
+                            <a:latin typeface="Cambria Math"/>
                           </a:rPr>
                         </m:ctrlPr>
                       </m:sSubPr>
@@ -5298,7 +5334,7 @@
                       <m:sSubPr>
                         <m:ctrlPr>
                           <a:rPr lang="x-none" i="1">
-                            <a:latin typeface="Cambria Math" panose="02040503050406030204" pitchFamily="18" charset="0"/>
+                            <a:latin typeface="Cambria Math"/>
                           </a:rPr>
                         </m:ctrlPr>
                       </m:sSubPr>
@@ -5329,7 +5365,7 @@
                       <m:sSubPr>
                         <m:ctrlPr>
                           <a:rPr lang="x-none" i="1">
-                            <a:latin typeface="Cambria Math" panose="02040503050406030204" pitchFamily="18" charset="0"/>
+                            <a:latin typeface="Cambria Math"/>
                           </a:rPr>
                         </m:ctrlPr>
                       </m:sSubPr>
@@ -5360,7 +5396,7 @@
                       <m:sSubPr>
                         <m:ctrlPr>
                           <a:rPr lang="x-none" i="1">
-                            <a:latin typeface="Cambria Math" panose="02040503050406030204" pitchFamily="18" charset="0"/>
+                            <a:latin typeface="Cambria Math"/>
                           </a:rPr>
                         </m:ctrlPr>
                       </m:sSubPr>
@@ -5414,7 +5450,7 @@
                       <m:sSubPr>
                         <m:ctrlPr>
                           <a:rPr lang="x-none" i="1">
-                            <a:latin typeface="Cambria Math" panose="02040503050406030204" pitchFamily="18" charset="0"/>
+                            <a:latin typeface="Cambria Math"/>
                           </a:rPr>
                         </m:ctrlPr>
                       </m:sSubPr>
@@ -5445,7 +5481,7 @@
                       <m:sSubPr>
                         <m:ctrlPr>
                           <a:rPr lang="x-none" i="1">
-                            <a:latin typeface="Cambria Math" panose="02040503050406030204" pitchFamily="18" charset="0"/>
+                            <a:latin typeface="Cambria Math"/>
                           </a:rPr>
                         </m:ctrlPr>
                       </m:sSubPr>
@@ -5482,7 +5518,7 @@
                       <m:sSubPr>
                         <m:ctrlPr>
                           <a:rPr lang="x-none" i="1">
-                            <a:latin typeface="Cambria Math" panose="02040503050406030204" pitchFamily="18" charset="0"/>
+                            <a:latin typeface="Cambria Math"/>
                           </a:rPr>
                         </m:ctrlPr>
                       </m:sSubPr>
@@ -5513,7 +5549,7 @@
                       <m:sSubPr>
                         <m:ctrlPr>
                           <a:rPr lang="x-none" i="1">
-                            <a:latin typeface="Cambria Math" panose="02040503050406030204" pitchFamily="18" charset="0"/>
+                            <a:latin typeface="Cambria Math"/>
                           </a:rPr>
                         </m:ctrlPr>
                       </m:sSubPr>
@@ -5563,7 +5599,7 @@
             </p:txBody>
           </p:sp>
         </mc:Choice>
-        <mc:Fallback>
+        <mc:Fallback xmlns="">
           <p:sp>
             <p:nvSpPr>
               <p:cNvPr id="2" name="Tijdelijke aanduiding voor inhoud 1"/>
@@ -5692,7 +5728,7 @@
                       <m:sSubPr>
                         <m:ctrlPr>
                           <a:rPr lang="x-none" i="1">
-                            <a:latin typeface="Cambria Math" panose="02040503050406030204" pitchFamily="18" charset="0"/>
+                            <a:latin typeface="Cambria Math"/>
                           </a:rPr>
                         </m:ctrlPr>
                       </m:sSubPr>
@@ -5723,7 +5759,7 @@
                       <m:sSubPr>
                         <m:ctrlPr>
                           <a:rPr lang="x-none" i="1">
-                            <a:latin typeface="Cambria Math" panose="02040503050406030204" pitchFamily="18" charset="0"/>
+                            <a:latin typeface="Cambria Math"/>
                           </a:rPr>
                         </m:ctrlPr>
                       </m:sSubPr>
@@ -5754,7 +5790,7 @@
                       <m:sSubPr>
                         <m:ctrlPr>
                           <a:rPr lang="x-none" i="1">
-                            <a:latin typeface="Cambria Math" panose="02040503050406030204" pitchFamily="18" charset="0"/>
+                            <a:latin typeface="Cambria Math"/>
                           </a:rPr>
                         </m:ctrlPr>
                       </m:sSubPr>
@@ -5785,7 +5821,7 @@
                       <m:sSubPr>
                         <m:ctrlPr>
                           <a:rPr lang="x-none" i="1">
-                            <a:latin typeface="Cambria Math" panose="02040503050406030204" pitchFamily="18" charset="0"/>
+                            <a:latin typeface="Cambria Math"/>
                           </a:rPr>
                         </m:ctrlPr>
                       </m:sSubPr>
@@ -5816,7 +5852,7 @@
                       <m:sSubPr>
                         <m:ctrlPr>
                           <a:rPr lang="x-none" i="1">
-                            <a:latin typeface="Cambria Math" panose="02040503050406030204" pitchFamily="18" charset="0"/>
+                            <a:latin typeface="Cambria Math"/>
                           </a:rPr>
                         </m:ctrlPr>
                       </m:sSubPr>
@@ -6036,7 +6072,7 @@
                       <m:dPr>
                         <m:ctrlPr>
                           <a:rPr lang="nl-BE" b="0" i="1" smtClean="0">
-                            <a:latin typeface="Cambria Math" panose="02040503050406030204" pitchFamily="18" charset="0"/>
+                            <a:latin typeface="Cambria Math"/>
                           </a:rPr>
                         </m:ctrlPr>
                       </m:dPr>
@@ -6045,7 +6081,7 @@
                           <m:sSubPr>
                             <m:ctrlPr>
                               <a:rPr lang="nl-BE" b="0" i="1" smtClean="0">
-                                <a:latin typeface="Cambria Math" panose="02040503050406030204" pitchFamily="18" charset="0"/>
+                                <a:latin typeface="Cambria Math"/>
                               </a:rPr>
                             </m:ctrlPr>
                           </m:sSubPr>
@@ -6077,7 +6113,7 @@
                           <m:sSubPr>
                             <m:ctrlPr>
                               <a:rPr lang="nl-BE" b="0" i="1" smtClean="0">
-                                <a:latin typeface="Cambria Math" panose="02040503050406030204" pitchFamily="18" charset="0"/>
+                                <a:latin typeface="Cambria Math"/>
                                 <a:ea typeface="Cambria Math" panose="02040503050406030204" pitchFamily="18" charset="0"/>
                               </a:rPr>
                             </m:ctrlPr>
@@ -6126,7 +6162,7 @@
                           <m:sSubPr>
                             <m:ctrlPr>
                               <a:rPr lang="nl-BE" b="0" i="1" smtClean="0">
-                                <a:latin typeface="Cambria Math" panose="02040503050406030204" pitchFamily="18" charset="0"/>
+                                <a:latin typeface="Cambria Math"/>
                                 <a:ea typeface="Cambria Math" panose="02040503050406030204" pitchFamily="18" charset="0"/>
                               </a:rPr>
                             </m:ctrlPr>
@@ -6161,7 +6197,7 @@
                           <m:sSubPr>
                             <m:ctrlPr>
                               <a:rPr lang="nl-BE" b="0" i="1" smtClean="0">
-                                <a:latin typeface="Cambria Math" panose="02040503050406030204" pitchFamily="18" charset="0"/>
+                                <a:latin typeface="Cambria Math"/>
                                 <a:ea typeface="Cambria Math" panose="02040503050406030204" pitchFamily="18" charset="0"/>
                               </a:rPr>
                             </m:ctrlPr>
@@ -6205,7 +6241,7 @@
                       <m:dPr>
                         <m:ctrlPr>
                           <a:rPr lang="nl-BE" b="0" i="1" smtClean="0">
-                            <a:latin typeface="Cambria Math" panose="02040503050406030204" pitchFamily="18" charset="0"/>
+                            <a:latin typeface="Cambria Math"/>
                             <a:ea typeface="Cambria Math" panose="02040503050406030204" pitchFamily="18" charset="0"/>
                           </a:rPr>
                         </m:ctrlPr>
@@ -6215,7 +6251,7 @@
                           <m:sSubPr>
                             <m:ctrlPr>
                               <a:rPr lang="nl-BE" b="0" i="1" smtClean="0">
-                                <a:latin typeface="Cambria Math" panose="02040503050406030204" pitchFamily="18" charset="0"/>
+                                <a:latin typeface="Cambria Math"/>
                                 <a:ea typeface="Cambria Math" panose="02040503050406030204" pitchFamily="18" charset="0"/>
                               </a:rPr>
                             </m:ctrlPr>
@@ -6264,7 +6300,7 @@
                           <m:sSubPr>
                             <m:ctrlPr>
                               <a:rPr lang="nl-BE" b="0" i="1" smtClean="0">
-                                <a:latin typeface="Cambria Math" panose="02040503050406030204" pitchFamily="18" charset="0"/>
+                                <a:latin typeface="Cambria Math"/>
                                 <a:ea typeface="Cambria Math" panose="02040503050406030204" pitchFamily="18" charset="0"/>
                               </a:rPr>
                             </m:ctrlPr>
@@ -6308,7 +6344,7 @@
                       <m:dPr>
                         <m:ctrlPr>
                           <a:rPr lang="nl-BE" b="0" i="1" smtClean="0">
-                            <a:latin typeface="Cambria Math" panose="02040503050406030204" pitchFamily="18" charset="0"/>
+                            <a:latin typeface="Cambria Math"/>
                             <a:ea typeface="Cambria Math" panose="02040503050406030204" pitchFamily="18" charset="0"/>
                           </a:rPr>
                         </m:ctrlPr>
@@ -6318,7 +6354,7 @@
                           <m:sSubPr>
                             <m:ctrlPr>
                               <a:rPr lang="nl-BE" b="0" i="1" smtClean="0">
-                                <a:latin typeface="Cambria Math" panose="02040503050406030204" pitchFamily="18" charset="0"/>
+                                <a:latin typeface="Cambria Math"/>
                                 <a:ea typeface="Cambria Math" panose="02040503050406030204" pitchFamily="18" charset="0"/>
                               </a:rPr>
                             </m:ctrlPr>
@@ -6367,7 +6403,7 @@
                           <m:sSubPr>
                             <m:ctrlPr>
                               <a:rPr lang="nl-BE" b="0" i="1" smtClean="0">
-                                <a:latin typeface="Cambria Math" panose="02040503050406030204" pitchFamily="18" charset="0"/>
+                                <a:latin typeface="Cambria Math"/>
                                 <a:ea typeface="Cambria Math" panose="02040503050406030204" pitchFamily="18" charset="0"/>
                               </a:rPr>
                             </m:ctrlPr>
@@ -6404,7 +6440,7 @@
                       <m:sSubPr>
                         <m:ctrlPr>
                           <a:rPr lang="nl-BE" b="0" i="1" smtClean="0">
-                            <a:latin typeface="Cambria Math" panose="02040503050406030204" pitchFamily="18" charset="0"/>
+                            <a:latin typeface="Cambria Math"/>
                             <a:ea typeface="Cambria Math" panose="02040503050406030204" pitchFamily="18" charset="0"/>
                           </a:rPr>
                         </m:ctrlPr>
@@ -6439,7 +6475,7 @@
                       <m:sSubPr>
                         <m:ctrlPr>
                           <a:rPr lang="nl-BE" i="1" smtClean="0">
-                            <a:latin typeface="Cambria Math" panose="02040503050406030204" pitchFamily="18" charset="0"/>
+                            <a:latin typeface="Cambria Math"/>
                             <a:ea typeface="Cambria Math" panose="02040503050406030204" pitchFamily="18" charset="0"/>
                           </a:rPr>
                         </m:ctrlPr>
@@ -6658,7 +6694,7 @@
                         <m:endChr m:val="}"/>
                         <m:ctrlPr>
                           <a:rPr lang="nl-BE" b="0" i="1" smtClean="0">
-                            <a:latin typeface="Cambria Math" panose="02040503050406030204" pitchFamily="18" charset="0"/>
+                            <a:latin typeface="Cambria Math"/>
                           </a:rPr>
                         </m:ctrlPr>
                       </m:dPr>
@@ -6667,7 +6703,7 @@
                           <m:sSubPr>
                             <m:ctrlPr>
                               <a:rPr lang="nl-BE" b="0" i="1" smtClean="0">
-                                <a:latin typeface="Cambria Math" panose="02040503050406030204" pitchFamily="18" charset="0"/>
+                                <a:latin typeface="Cambria Math"/>
                               </a:rPr>
                             </m:ctrlPr>
                           </m:sSubPr>
@@ -6699,7 +6735,7 @@
                           <m:sSubPr>
                             <m:ctrlPr>
                               <a:rPr lang="nl-BE" b="0" i="1" smtClean="0">
-                                <a:latin typeface="Cambria Math" panose="02040503050406030204" pitchFamily="18" charset="0"/>
+                                <a:latin typeface="Cambria Math"/>
                                 <a:ea typeface="Cambria Math" panose="02040503050406030204" pitchFamily="18" charset="0"/>
                               </a:rPr>
                             </m:ctrlPr>
@@ -6743,7 +6779,7 @@
                         <m:endChr m:val="}"/>
                         <m:ctrlPr>
                           <a:rPr lang="nl-BE" b="0" i="1" smtClean="0">
-                            <a:latin typeface="Cambria Math" panose="02040503050406030204" pitchFamily="18" charset="0"/>
+                            <a:latin typeface="Cambria Math"/>
                           </a:rPr>
                         </m:ctrlPr>
                       </m:dPr>
@@ -6752,7 +6788,7 @@
                           <m:sSubPr>
                             <m:ctrlPr>
                               <a:rPr lang="nl-BE" i="1" smtClean="0">
-                                <a:latin typeface="Cambria Math" panose="02040503050406030204" pitchFamily="18" charset="0"/>
+                                <a:latin typeface="Cambria Math"/>
                               </a:rPr>
                             </m:ctrlPr>
                           </m:sSubPr>
@@ -6791,7 +6827,7 @@
                       <m:sSubPr>
                         <m:ctrlPr>
                           <a:rPr lang="nl-BE" b="0" i="1" smtClean="0">
-                            <a:latin typeface="Cambria Math" panose="02040503050406030204" pitchFamily="18" charset="0"/>
+                            <a:latin typeface="Cambria Math"/>
                           </a:rPr>
                         </m:ctrlPr>
                       </m:sSubPr>
@@ -6863,7 +6899,7 @@
                         <m:endChr m:val="}"/>
                         <m:ctrlPr>
                           <a:rPr lang="nl-BE" i="1">
-                            <a:latin typeface="Cambria Math" panose="02040503050406030204" pitchFamily="18" charset="0"/>
+                            <a:latin typeface="Cambria Math"/>
                           </a:rPr>
                         </m:ctrlPr>
                       </m:dPr>
@@ -6872,7 +6908,7 @@
                           <m:sSubPr>
                             <m:ctrlPr>
                               <a:rPr lang="nl-BE" i="1">
-                                <a:latin typeface="Cambria Math" panose="02040503050406030204" pitchFamily="18" charset="0"/>
+                                <a:latin typeface="Cambria Math"/>
                               </a:rPr>
                             </m:ctrlPr>
                           </m:sSubPr>
@@ -6919,7 +6955,7 @@
                         <m:endChr m:val="}"/>
                         <m:ctrlPr>
                           <a:rPr lang="nl-BE" i="1">
-                            <a:latin typeface="Cambria Math" panose="02040503050406030204" pitchFamily="18" charset="0"/>
+                            <a:latin typeface="Cambria Math"/>
                           </a:rPr>
                         </m:ctrlPr>
                       </m:dPr>
@@ -6928,7 +6964,7 @@
                           <m:sSubPr>
                             <m:ctrlPr>
                               <a:rPr lang="nl-BE" i="1">
-                                <a:latin typeface="Cambria Math" panose="02040503050406030204" pitchFamily="18" charset="0"/>
+                                <a:latin typeface="Cambria Math"/>
                               </a:rPr>
                             </m:ctrlPr>
                           </m:sSubPr>
@@ -7105,7 +7141,7 @@
           <p:cNvPr id="2" name="Content Placeholder 1">
             <a:extLst>
               <a:ext uri="{FF2B5EF4-FFF2-40B4-BE49-F238E27FC236}">
-                <a16:creationId xmlns:a16="http://schemas.microsoft.com/office/drawing/2014/main" id="{40AC8F06-1FD3-6E47-8949-AA6CB8C87572}"/>
+                <a16:creationId xmlns="" xmlns:a16="http://schemas.microsoft.com/office/drawing/2014/main" id="{40AC8F06-1FD3-6E47-8949-AA6CB8C87572}"/>
               </a:ext>
             </a:extLst>
           </p:cNvPr>
@@ -7157,7 +7193,7 @@
           <p:cNvPr id="3" name="Title 2">
             <a:extLst>
               <a:ext uri="{FF2B5EF4-FFF2-40B4-BE49-F238E27FC236}">
-                <a16:creationId xmlns:a16="http://schemas.microsoft.com/office/drawing/2014/main" id="{BBB10FF4-8CAC-EB46-A675-41388AFE627D}"/>
+                <a16:creationId xmlns="" xmlns:a16="http://schemas.microsoft.com/office/drawing/2014/main" id="{BBB10FF4-8CAC-EB46-A675-41388AFE627D}"/>
               </a:ext>
             </a:extLst>
           </p:cNvPr>
@@ -7185,7 +7221,7 @@
           <p:cNvPr id="5" name="Picture 4" descr="Graphical user interface, chart, application&#10;&#10;Description automatically generated">
             <a:extLst>
               <a:ext uri="{FF2B5EF4-FFF2-40B4-BE49-F238E27FC236}">
-                <a16:creationId xmlns:a16="http://schemas.microsoft.com/office/drawing/2014/main" id="{34BD57AA-CF61-8D4B-99F0-56A11B84728D}"/>
+                <a16:creationId xmlns="" xmlns:a16="http://schemas.microsoft.com/office/drawing/2014/main" id="{34BD57AA-CF61-8D4B-99F0-56A11B84728D}"/>
               </a:ext>
             </a:extLst>
           </p:cNvPr>
